--- a/個人作品報告.pptx
+++ b/個人作品報告.pptx
@@ -6143,47 +6143,6 @@
           </a:fontRef>
         </p:style>
       </p:cxnSp>
-      <p:cxnSp>
-        <p:nvCxnSpPr>
-          <p:cNvPr id="128" name="直線單箭頭接點 127"/>
-          <p:cNvCxnSpPr>
-            <a:stCxn id="126" idx="3"/>
-            <a:endCxn id="26" idx="1"/>
-          </p:cNvCxnSpPr>
-          <p:nvPr/>
-        </p:nvCxnSpPr>
-        <p:spPr>
-          <a:xfrm flipV="1">
-            <a:off x="7551304" y="4500000"/>
-            <a:ext cx="2179054" cy="11142"/>
-          </a:xfrm>
-          <a:prstGeom prst="straightConnector1">
-            <a:avLst/>
-          </a:prstGeom>
-          <a:ln w="12700">
-            <a:solidFill>
-              <a:schemeClr val="bg1">
-                <a:lumMod val="75000"/>
-              </a:schemeClr>
-            </a:solidFill>
-            <a:tailEnd type="triangle"/>
-          </a:ln>
-        </p:spPr>
-        <p:style>
-          <a:lnRef idx="1">
-            <a:schemeClr val="accent1"/>
-          </a:lnRef>
-          <a:fillRef idx="0">
-            <a:schemeClr val="accent1"/>
-          </a:fillRef>
-          <a:effectRef idx="0">
-            <a:schemeClr val="accent1"/>
-          </a:effectRef>
-          <a:fontRef idx="minor">
-            <a:schemeClr val="tx1"/>
-          </a:fontRef>
-        </p:style>
-      </p:cxnSp>
       <p:sp>
         <p:nvSpPr>
           <p:cNvPr id="132" name="文字方塊 131"/>
@@ -6296,87 +6255,6 @@
           </a:fontRef>
         </p:style>
       </p:cxnSp>
-      <p:cxnSp>
-        <p:nvCxnSpPr>
-          <p:cNvPr id="142" name="肘形接點 141"/>
-          <p:cNvCxnSpPr>
-            <a:stCxn id="131" idx="2"/>
-          </p:cNvCxnSpPr>
-          <p:nvPr/>
-        </p:nvCxnSpPr>
-        <p:spPr>
-          <a:xfrm rot="5400000">
-            <a:off x="4093309" y="3634681"/>
-            <a:ext cx="834012" cy="896628"/>
-          </a:xfrm>
-          <a:prstGeom prst="bentConnector2">
-            <a:avLst/>
-          </a:prstGeom>
-          <a:ln w="12700">
-            <a:solidFill>
-              <a:schemeClr val="tx1"/>
-            </a:solidFill>
-            <a:tailEnd type="none"/>
-          </a:ln>
-        </p:spPr>
-        <p:style>
-          <a:lnRef idx="1">
-            <a:schemeClr val="accent1"/>
-          </a:lnRef>
-          <a:fillRef idx="0">
-            <a:schemeClr val="accent1"/>
-          </a:fillRef>
-          <a:effectRef idx="0">
-            <a:schemeClr val="accent1"/>
-          </a:effectRef>
-          <a:fontRef idx="minor">
-            <a:schemeClr val="tx1"/>
-          </a:fontRef>
-        </p:style>
-      </p:cxnSp>
-      <p:cxnSp>
-        <p:nvCxnSpPr>
-          <p:cNvPr id="149" name="肘形接點 148"/>
-          <p:cNvCxnSpPr>
-            <a:stCxn id="132" idx="2"/>
-          </p:cNvCxnSpPr>
-          <p:nvPr/>
-        </p:nvCxnSpPr>
-        <p:spPr>
-          <a:xfrm rot="5400000" flipH="1" flipV="1">
-            <a:off x="5784875" y="2783777"/>
-            <a:ext cx="721315" cy="4176000"/>
-          </a:xfrm>
-          <a:prstGeom prst="bentConnector4">
-            <a:avLst>
-              <a:gd name="adj1" fmla="val -31693"/>
-              <a:gd name="adj2" fmla="val 99868"/>
-            </a:avLst>
-          </a:prstGeom>
-          <a:ln w="12700">
-            <a:solidFill>
-              <a:schemeClr val="bg1">
-                <a:lumMod val="75000"/>
-              </a:schemeClr>
-            </a:solidFill>
-            <a:tailEnd type="none"/>
-          </a:ln>
-        </p:spPr>
-        <p:style>
-          <a:lnRef idx="1">
-            <a:schemeClr val="accent1"/>
-          </a:lnRef>
-          <a:fillRef idx="0">
-            <a:schemeClr val="accent1"/>
-          </a:fillRef>
-          <a:effectRef idx="0">
-            <a:schemeClr val="accent1"/>
-          </a:effectRef>
-          <a:fontRef idx="minor">
-            <a:schemeClr val="tx1"/>
-          </a:fontRef>
-        </p:style>
-      </p:cxnSp>
       <p:sp>
         <p:nvSpPr>
           <p:cNvPr id="155" name="文字方塊 154"/>
@@ -6464,84 +6342,6 @@
             <a:ext cx="3973" cy="680600"/>
           </a:xfrm>
           <a:prstGeom prst="straightConnector1">
-            <a:avLst/>
-          </a:prstGeom>
-          <a:ln w="12700">
-            <a:solidFill>
-              <a:schemeClr val="tx1"/>
-            </a:solidFill>
-            <a:tailEnd type="triangle"/>
-          </a:ln>
-        </p:spPr>
-        <p:style>
-          <a:lnRef idx="1">
-            <a:schemeClr val="accent1"/>
-          </a:lnRef>
-          <a:fillRef idx="0">
-            <a:schemeClr val="accent1"/>
-          </a:fillRef>
-          <a:effectRef idx="0">
-            <a:schemeClr val="accent1"/>
-          </a:effectRef>
-          <a:fontRef idx="minor">
-            <a:schemeClr val="tx1"/>
-          </a:fontRef>
-        </p:style>
-      </p:cxnSp>
-      <p:cxnSp>
-        <p:nvCxnSpPr>
-          <p:cNvPr id="161" name="肘形接點 160"/>
-          <p:cNvCxnSpPr>
-            <a:stCxn id="160" idx="2"/>
-            <a:endCxn id="26" idx="3"/>
-          </p:cNvCxnSpPr>
-          <p:nvPr/>
-        </p:nvCxnSpPr>
-        <p:spPr>
-          <a:xfrm rot="5400000">
-            <a:off x="10852943" y="4162929"/>
-            <a:ext cx="294487" cy="379655"/>
-          </a:xfrm>
-          <a:prstGeom prst="bentConnector2">
-            <a:avLst/>
-          </a:prstGeom>
-          <a:ln w="12700">
-            <a:solidFill>
-              <a:schemeClr val="tx1"/>
-            </a:solidFill>
-            <a:tailEnd type="triangle"/>
-          </a:ln>
-        </p:spPr>
-        <p:style>
-          <a:lnRef idx="1">
-            <a:schemeClr val="accent1"/>
-          </a:lnRef>
-          <a:fillRef idx="0">
-            <a:schemeClr val="accent1"/>
-          </a:fillRef>
-          <a:effectRef idx="0">
-            <a:schemeClr val="accent1"/>
-          </a:effectRef>
-          <a:fontRef idx="minor">
-            <a:schemeClr val="tx1"/>
-          </a:fontRef>
-        </p:style>
-      </p:cxnSp>
-      <p:cxnSp>
-        <p:nvCxnSpPr>
-          <p:cNvPr id="165" name="肘形接點 164"/>
-          <p:cNvCxnSpPr>
-            <a:stCxn id="122" idx="3"/>
-            <a:endCxn id="126" idx="2"/>
-          </p:cNvCxnSpPr>
-          <p:nvPr/>
-        </p:nvCxnSpPr>
-        <p:spPr>
-          <a:xfrm flipV="1">
-            <a:off x="6639022" y="4691142"/>
-            <a:ext cx="372282" cy="361292"/>
-          </a:xfrm>
-          <a:prstGeom prst="bentConnector2">
             <a:avLst/>
           </a:prstGeom>
           <a:ln w="12700">

--- a/個人作品報告.pptx
+++ b/個人作品報告.pptx
@@ -8,6 +8,7 @@
     <p:sldId id="256" r:id="rId2"/>
     <p:sldId id="257" r:id="rId3"/>
     <p:sldId id="258" r:id="rId4"/>
+    <p:sldId id="259" r:id="rId5"/>
   </p:sldIdLst>
   <p:sldSz cx="12192000" cy="6858000"/>
   <p:notesSz cx="6858000" cy="9144000"/>
@@ -245,7 +246,7 @@
           <a:p>
             <a:fld id="{8266958A-3F71-4CB8-A776-423E021826CD}" type="datetimeFigureOut">
               <a:rPr lang="zh-TW" altLang="en-US" smtClean="0"/>
-              <a:t>2019/12/30</a:t>
+              <a:t>2020/1/7</a:t>
             </a:fld>
             <a:endParaRPr lang="zh-TW" altLang="en-US"/>
           </a:p>
@@ -415,7 +416,7 @@
           <a:p>
             <a:fld id="{8266958A-3F71-4CB8-A776-423E021826CD}" type="datetimeFigureOut">
               <a:rPr lang="zh-TW" altLang="en-US" smtClean="0"/>
-              <a:t>2019/12/30</a:t>
+              <a:t>2020/1/7</a:t>
             </a:fld>
             <a:endParaRPr lang="zh-TW" altLang="en-US"/>
           </a:p>
@@ -595,7 +596,7 @@
           <a:p>
             <a:fld id="{8266958A-3F71-4CB8-A776-423E021826CD}" type="datetimeFigureOut">
               <a:rPr lang="zh-TW" altLang="en-US" smtClean="0"/>
-              <a:t>2019/12/30</a:t>
+              <a:t>2020/1/7</a:t>
             </a:fld>
             <a:endParaRPr lang="zh-TW" altLang="en-US"/>
           </a:p>
@@ -765,7 +766,7 @@
           <a:p>
             <a:fld id="{8266958A-3F71-4CB8-A776-423E021826CD}" type="datetimeFigureOut">
               <a:rPr lang="zh-TW" altLang="en-US" smtClean="0"/>
-              <a:t>2019/12/30</a:t>
+              <a:t>2020/1/7</a:t>
             </a:fld>
             <a:endParaRPr lang="zh-TW" altLang="en-US"/>
           </a:p>
@@ -1011,7 +1012,7 @@
           <a:p>
             <a:fld id="{8266958A-3F71-4CB8-A776-423E021826CD}" type="datetimeFigureOut">
               <a:rPr lang="zh-TW" altLang="en-US" smtClean="0"/>
-              <a:t>2019/12/30</a:t>
+              <a:t>2020/1/7</a:t>
             </a:fld>
             <a:endParaRPr lang="zh-TW" altLang="en-US"/>
           </a:p>
@@ -1243,7 +1244,7 @@
           <a:p>
             <a:fld id="{8266958A-3F71-4CB8-A776-423E021826CD}" type="datetimeFigureOut">
               <a:rPr lang="zh-TW" altLang="en-US" smtClean="0"/>
-              <a:t>2019/12/30</a:t>
+              <a:t>2020/1/7</a:t>
             </a:fld>
             <a:endParaRPr lang="zh-TW" altLang="en-US"/>
           </a:p>
@@ -1610,7 +1611,7 @@
           <a:p>
             <a:fld id="{8266958A-3F71-4CB8-A776-423E021826CD}" type="datetimeFigureOut">
               <a:rPr lang="zh-TW" altLang="en-US" smtClean="0"/>
-              <a:t>2019/12/30</a:t>
+              <a:t>2020/1/7</a:t>
             </a:fld>
             <a:endParaRPr lang="zh-TW" altLang="en-US"/>
           </a:p>
@@ -1728,7 +1729,7 @@
           <a:p>
             <a:fld id="{8266958A-3F71-4CB8-A776-423E021826CD}" type="datetimeFigureOut">
               <a:rPr lang="zh-TW" altLang="en-US" smtClean="0"/>
-              <a:t>2019/12/30</a:t>
+              <a:t>2020/1/7</a:t>
             </a:fld>
             <a:endParaRPr lang="zh-TW" altLang="en-US"/>
           </a:p>
@@ -1823,7 +1824,7 @@
           <a:p>
             <a:fld id="{8266958A-3F71-4CB8-A776-423E021826CD}" type="datetimeFigureOut">
               <a:rPr lang="zh-TW" altLang="en-US" smtClean="0"/>
-              <a:t>2019/12/30</a:t>
+              <a:t>2020/1/7</a:t>
             </a:fld>
             <a:endParaRPr lang="zh-TW" altLang="en-US"/>
           </a:p>
@@ -2100,7 +2101,7 @@
           <a:p>
             <a:fld id="{8266958A-3F71-4CB8-A776-423E021826CD}" type="datetimeFigureOut">
               <a:rPr lang="zh-TW" altLang="en-US" smtClean="0"/>
-              <a:t>2019/12/30</a:t>
+              <a:t>2020/1/7</a:t>
             </a:fld>
             <a:endParaRPr lang="zh-TW" altLang="en-US"/>
           </a:p>
@@ -2353,7 +2354,7 @@
           <a:p>
             <a:fld id="{8266958A-3F71-4CB8-A776-423E021826CD}" type="datetimeFigureOut">
               <a:rPr lang="zh-TW" altLang="en-US" smtClean="0"/>
-              <a:t>2019/12/30</a:t>
+              <a:t>2020/1/7</a:t>
             </a:fld>
             <a:endParaRPr lang="zh-TW" altLang="en-US"/>
           </a:p>
@@ -2566,7 +2567,7 @@
           <a:p>
             <a:fld id="{8266958A-3F71-4CB8-A776-423E021826CD}" type="datetimeFigureOut">
               <a:rPr lang="zh-TW" altLang="en-US" smtClean="0"/>
-              <a:t>2019/12/30</a:t>
+              <a:t>2020/1/7</a:t>
             </a:fld>
             <a:endParaRPr lang="zh-TW" altLang="en-US"/>
           </a:p>
@@ -2993,7 +2994,11 @@
           <a:p>
             <a:r>
               <a:rPr lang="zh-TW" altLang="en-US" dirty="0" smtClean="0"/>
-              <a:t>網站主題</a:t>
+              <a:t>藝起來 </a:t>
+            </a:r>
+            <a:r>
+              <a:rPr lang="en-US" altLang="zh-TW" dirty="0" smtClean="0"/>
+              <a:t>Gardening</a:t>
             </a:r>
             <a:endParaRPr lang="zh-TW" altLang="en-US" dirty="0"/>
           </a:p>
@@ -3046,8 +3051,13 @@
             <a:pPr algn="l"/>
             <a:r>
               <a:rPr lang="zh-TW" altLang="en-US" dirty="0" smtClean="0"/>
-              <a:t>類型：整合平台</a:t>
-            </a:r>
+              <a:t>類型</a:t>
+            </a:r>
+            <a:r>
+              <a:rPr lang="zh-TW" altLang="en-US" dirty="0" smtClean="0"/>
+              <a:t>：平台</a:t>
+            </a:r>
+            <a:endParaRPr lang="zh-TW" altLang="en-US" dirty="0" smtClean="0"/>
           </a:p>
           <a:p>
             <a:endParaRPr lang="zh-TW" altLang="en-US" dirty="0"/>
@@ -3091,191 +3101,6 @@
           <a:chExt cx="0" cy="0"/>
         </a:xfrm>
       </p:grpSpPr>
-      <p:sp>
-        <p:nvSpPr>
-          <p:cNvPr id="160" name="矩形 159"/>
-          <p:cNvSpPr/>
-          <p:nvPr/>
-        </p:nvSpPr>
-        <p:spPr>
-          <a:xfrm>
-            <a:off x="10605013" y="2657513"/>
-            <a:ext cx="1170000" cy="1548000"/>
-          </a:xfrm>
-          <a:prstGeom prst="rect">
-            <a:avLst/>
-          </a:prstGeom>
-          <a:solidFill>
-            <a:srgbClr val="FF7C80">
-              <a:alpha val="50000"/>
-            </a:srgbClr>
-          </a:solidFill>
-          <a:ln>
-            <a:noFill/>
-          </a:ln>
-        </p:spPr>
-        <p:style>
-          <a:lnRef idx="2">
-            <a:schemeClr val="accent1">
-              <a:shade val="50000"/>
-            </a:schemeClr>
-          </a:lnRef>
-          <a:fillRef idx="1">
-            <a:schemeClr val="accent1"/>
-          </a:fillRef>
-          <a:effectRef idx="0">
-            <a:schemeClr val="accent1"/>
-          </a:effectRef>
-          <a:fontRef idx="minor">
-            <a:schemeClr val="lt1"/>
-          </a:fontRef>
-        </p:style>
-        <p:txBody>
-          <a:bodyPr rtlCol="0" anchor="ctr"/>
-          <a:lstStyle/>
-          <a:p>
-            <a:pPr algn="ctr"/>
-            <a:endParaRPr lang="zh-TW" altLang="en-US"/>
-          </a:p>
-        </p:txBody>
-      </p:sp>
-      <p:sp>
-        <p:nvSpPr>
-          <p:cNvPr id="131" name="矩形 130"/>
-          <p:cNvSpPr/>
-          <p:nvPr/>
-        </p:nvSpPr>
-        <p:spPr>
-          <a:xfrm>
-            <a:off x="4373629" y="2653567"/>
-            <a:ext cx="1170000" cy="1012422"/>
-          </a:xfrm>
-          <a:prstGeom prst="rect">
-            <a:avLst/>
-          </a:prstGeom>
-          <a:solidFill>
-            <a:srgbClr val="A9D18E">
-              <a:alpha val="50000"/>
-            </a:srgbClr>
-          </a:solidFill>
-          <a:ln>
-            <a:noFill/>
-          </a:ln>
-        </p:spPr>
-        <p:style>
-          <a:lnRef idx="2">
-            <a:schemeClr val="accent1">
-              <a:shade val="50000"/>
-            </a:schemeClr>
-          </a:lnRef>
-          <a:fillRef idx="1">
-            <a:schemeClr val="accent1"/>
-          </a:fillRef>
-          <a:effectRef idx="0">
-            <a:schemeClr val="accent1"/>
-          </a:effectRef>
-          <a:fontRef idx="minor">
-            <a:schemeClr val="lt1"/>
-          </a:fontRef>
-        </p:style>
-        <p:txBody>
-          <a:bodyPr rtlCol="0" anchor="ctr"/>
-          <a:lstStyle/>
-          <a:p>
-            <a:pPr algn="ctr"/>
-            <a:endParaRPr lang="zh-TW" altLang="en-US"/>
-          </a:p>
-        </p:txBody>
-      </p:sp>
-      <p:sp>
-        <p:nvSpPr>
-          <p:cNvPr id="35" name="文字方塊 34"/>
-          <p:cNvSpPr txBox="1"/>
-          <p:nvPr/>
-        </p:nvSpPr>
-        <p:spPr>
-          <a:xfrm>
-            <a:off x="4351949" y="977886"/>
-            <a:ext cx="973343" cy="369332"/>
-          </a:xfrm>
-          <a:prstGeom prst="rect">
-            <a:avLst/>
-          </a:prstGeom>
-          <a:noFill/>
-        </p:spPr>
-        <p:txBody>
-          <a:bodyPr wrap="none" rtlCol="0">
-            <a:spAutoFit/>
-          </a:bodyPr>
-          <a:lstStyle/>
-          <a:p>
-            <a:r>
-              <a:rPr lang="en-US" altLang="zh-TW" dirty="0" smtClean="0"/>
-              <a:t>1.5 x 4.5</a:t>
-            </a:r>
-            <a:endParaRPr lang="zh-TW" altLang="en-US" dirty="0"/>
-          </a:p>
-        </p:txBody>
-      </p:sp>
-      <p:sp>
-        <p:nvSpPr>
-          <p:cNvPr id="47" name="文字方塊 46"/>
-          <p:cNvSpPr txBox="1"/>
-          <p:nvPr/>
-        </p:nvSpPr>
-        <p:spPr>
-          <a:xfrm>
-            <a:off x="270000" y="2009168"/>
-            <a:ext cx="1090363" cy="369332"/>
-          </a:xfrm>
-          <a:prstGeom prst="rect">
-            <a:avLst/>
-          </a:prstGeom>
-          <a:noFill/>
-        </p:spPr>
-        <p:txBody>
-          <a:bodyPr wrap="none" rtlCol="0">
-            <a:spAutoFit/>
-          </a:bodyPr>
-          <a:lstStyle/>
-          <a:p>
-            <a:r>
-              <a:rPr lang="en-US" altLang="zh-TW" dirty="0" smtClean="0"/>
-              <a:t>1.25 x 3.5</a:t>
-            </a:r>
-          </a:p>
-        </p:txBody>
-      </p:sp>
-      <p:sp>
-        <p:nvSpPr>
-          <p:cNvPr id="48" name="文字方塊 47"/>
-          <p:cNvSpPr txBox="1"/>
-          <p:nvPr/>
-        </p:nvSpPr>
-        <p:spPr>
-          <a:xfrm>
-            <a:off x="731378" y="2686034"/>
-            <a:ext cx="623889" cy="369332"/>
-          </a:xfrm>
-          <a:prstGeom prst="rect">
-            <a:avLst/>
-          </a:prstGeom>
-          <a:noFill/>
-        </p:spPr>
-        <p:txBody>
-          <a:bodyPr wrap="none" rtlCol="0">
-            <a:spAutoFit/>
-          </a:bodyPr>
-          <a:lstStyle/>
-          <a:p>
-            <a:r>
-              <a:rPr lang="en-US" altLang="zh-TW" dirty="0" smtClean="0"/>
-              <a:t>1 x 3</a:t>
-            </a:r>
-            <a:endParaRPr lang="zh-TW" altLang="en-US" dirty="0"/>
-          </a:p>
-        </p:txBody>
-      </p:sp>
       <p:sp>
         <p:nvSpPr>
           <p:cNvPr id="58" name="文字方塊 57"/>
@@ -6668,10 +6493,4073 @@
           </a:p>
         </p:txBody>
       </p:sp>
+      <p:cxnSp>
+        <p:nvCxnSpPr>
+          <p:cNvPr id="3" name="直線單箭頭接點 2"/>
+          <p:cNvCxnSpPr/>
+          <p:nvPr/>
+        </p:nvCxnSpPr>
+        <p:spPr>
+          <a:xfrm>
+            <a:off x="1042950" y="3159778"/>
+            <a:ext cx="0" cy="2813257"/>
+          </a:xfrm>
+          <a:prstGeom prst="straightConnector1">
+            <a:avLst/>
+          </a:prstGeom>
+          <a:ln w="19050">
+            <a:solidFill>
+              <a:schemeClr val="bg2">
+                <a:lumMod val="75000"/>
+              </a:schemeClr>
+            </a:solidFill>
+            <a:tailEnd type="triangle"/>
+          </a:ln>
+        </p:spPr>
+        <p:style>
+          <a:lnRef idx="1">
+            <a:schemeClr val="accent1"/>
+          </a:lnRef>
+          <a:fillRef idx="0">
+            <a:schemeClr val="accent1"/>
+          </a:fillRef>
+          <a:effectRef idx="0">
+            <a:schemeClr val="accent1"/>
+          </a:effectRef>
+          <a:fontRef idx="minor">
+            <a:schemeClr val="tx1"/>
+          </a:fontRef>
+        </p:style>
+      </p:cxnSp>
     </p:spTree>
     <p:extLst>
       <p:ext uri="{BB962C8B-B14F-4D97-AF65-F5344CB8AC3E}">
         <p14:creationId xmlns:p14="http://schemas.microsoft.com/office/powerpoint/2010/main" val="2938881159"/>
+      </p:ext>
+    </p:extLst>
+  </p:cSld>
+  <p:clrMapOvr>
+    <a:masterClrMapping/>
+  </p:clrMapOvr>
+  <p:timing>
+    <p:tnLst>
+      <p:par>
+        <p:cTn id="1" dur="indefinite" restart="never" nodeType="tmRoot"/>
+      </p:par>
+    </p:tnLst>
+  </p:timing>
+</p:sld>
+</file>
+
+<file path=ppt/slides/slide4.xml><?xml version="1.0" encoding="utf-8"?>
+<p:sld xmlns:a="http://schemas.openxmlformats.org/drawingml/2006/main" xmlns:r="http://schemas.openxmlformats.org/officeDocument/2006/relationships" xmlns:p="http://schemas.openxmlformats.org/presentationml/2006/main">
+  <p:cSld>
+    <p:spTree>
+      <p:nvGrpSpPr>
+        <p:cNvPr id="1" name=""/>
+        <p:cNvGrpSpPr/>
+        <p:nvPr/>
+      </p:nvGrpSpPr>
+      <p:grpSpPr>
+        <a:xfrm>
+          <a:off x="0" y="0"/>
+          <a:ext cx="0" cy="0"/>
+          <a:chOff x="0" y="0"/>
+          <a:chExt cx="0" cy="0"/>
+        </a:xfrm>
+      </p:grpSpPr>
+      <p:cxnSp>
+        <p:nvCxnSpPr>
+          <p:cNvPr id="142" name="肘形接點 141"/>
+          <p:cNvCxnSpPr>
+            <a:stCxn id="170" idx="1"/>
+            <a:endCxn id="44" idx="1"/>
+          </p:cNvCxnSpPr>
+          <p:nvPr/>
+        </p:nvCxnSpPr>
+        <p:spPr>
+          <a:xfrm rot="10800000">
+            <a:off x="5555264" y="3964494"/>
+            <a:ext cx="3759" cy="2131720"/>
+          </a:xfrm>
+          <a:prstGeom prst="bentConnector3">
+            <a:avLst>
+              <a:gd name="adj1" fmla="val 3816414"/>
+            </a:avLst>
+          </a:prstGeom>
+          <a:ln w="12700">
+            <a:solidFill>
+              <a:schemeClr val="bg2">
+                <a:lumMod val="75000"/>
+              </a:schemeClr>
+            </a:solidFill>
+            <a:tailEnd type="triangle"/>
+          </a:ln>
+        </p:spPr>
+        <p:style>
+          <a:lnRef idx="1">
+            <a:schemeClr val="accent1"/>
+          </a:lnRef>
+          <a:fillRef idx="0">
+            <a:schemeClr val="accent1"/>
+          </a:fillRef>
+          <a:effectRef idx="0">
+            <a:schemeClr val="accent1"/>
+          </a:effectRef>
+          <a:fontRef idx="minor">
+            <a:schemeClr val="tx1"/>
+          </a:fontRef>
+        </p:style>
+      </p:cxnSp>
+      <p:cxnSp>
+        <p:nvCxnSpPr>
+          <p:cNvPr id="135" name="肘形接點 134"/>
+          <p:cNvCxnSpPr>
+            <a:endCxn id="131" idx="1"/>
+          </p:cNvCxnSpPr>
+          <p:nvPr/>
+        </p:nvCxnSpPr>
+        <p:spPr>
+          <a:xfrm rot="5400000" flipH="1" flipV="1">
+            <a:off x="3840294" y="3246666"/>
+            <a:ext cx="620222" cy="446447"/>
+          </a:xfrm>
+          <a:prstGeom prst="bentConnector2">
+            <a:avLst/>
+          </a:prstGeom>
+          <a:ln w="12700">
+            <a:solidFill>
+              <a:schemeClr val="bg2">
+                <a:lumMod val="75000"/>
+              </a:schemeClr>
+            </a:solidFill>
+            <a:tailEnd type="triangle"/>
+          </a:ln>
+        </p:spPr>
+        <p:style>
+          <a:lnRef idx="1">
+            <a:schemeClr val="accent1"/>
+          </a:lnRef>
+          <a:fillRef idx="0">
+            <a:schemeClr val="accent1"/>
+          </a:fillRef>
+          <a:effectRef idx="0">
+            <a:schemeClr val="accent1"/>
+          </a:effectRef>
+          <a:fontRef idx="minor">
+            <a:schemeClr val="tx1"/>
+          </a:fontRef>
+        </p:style>
+      </p:cxnSp>
+      <p:cxnSp>
+        <p:nvCxnSpPr>
+          <p:cNvPr id="133" name="肘形接點 132"/>
+          <p:cNvCxnSpPr>
+            <a:stCxn id="131" idx="2"/>
+          </p:cNvCxnSpPr>
+          <p:nvPr/>
+        </p:nvCxnSpPr>
+        <p:spPr>
+          <a:xfrm rot="5400000">
+            <a:off x="4682885" y="3574767"/>
+            <a:ext cx="184523" cy="366967"/>
+          </a:xfrm>
+          <a:prstGeom prst="bentConnector2">
+            <a:avLst/>
+          </a:prstGeom>
+          <a:ln w="12700">
+            <a:solidFill>
+              <a:schemeClr val="bg2">
+                <a:lumMod val="75000"/>
+              </a:schemeClr>
+            </a:solidFill>
+            <a:tailEnd type="triangle"/>
+          </a:ln>
+        </p:spPr>
+        <p:style>
+          <a:lnRef idx="1">
+            <a:schemeClr val="accent1"/>
+          </a:lnRef>
+          <a:fillRef idx="0">
+            <a:schemeClr val="accent1"/>
+          </a:fillRef>
+          <a:effectRef idx="0">
+            <a:schemeClr val="accent1"/>
+          </a:effectRef>
+          <a:fontRef idx="minor">
+            <a:schemeClr val="tx1"/>
+          </a:fontRef>
+        </p:style>
+      </p:cxnSp>
+      <p:sp>
+        <p:nvSpPr>
+          <p:cNvPr id="120" name="矩形 119"/>
+          <p:cNvSpPr/>
+          <p:nvPr/>
+        </p:nvSpPr>
+        <p:spPr>
+          <a:xfrm>
+            <a:off x="10594388" y="4818412"/>
+            <a:ext cx="1170000" cy="997173"/>
+          </a:xfrm>
+          <a:prstGeom prst="rect">
+            <a:avLst/>
+          </a:prstGeom>
+          <a:solidFill>
+            <a:srgbClr val="FF7C80">
+              <a:alpha val="50000"/>
+            </a:srgbClr>
+          </a:solidFill>
+          <a:ln>
+            <a:noFill/>
+          </a:ln>
+        </p:spPr>
+        <p:style>
+          <a:lnRef idx="2">
+            <a:schemeClr val="accent1">
+              <a:shade val="50000"/>
+            </a:schemeClr>
+          </a:lnRef>
+          <a:fillRef idx="1">
+            <a:schemeClr val="accent1"/>
+          </a:fillRef>
+          <a:effectRef idx="0">
+            <a:schemeClr val="accent1"/>
+          </a:effectRef>
+          <a:fontRef idx="minor">
+            <a:schemeClr val="lt1"/>
+          </a:fontRef>
+        </p:style>
+        <p:txBody>
+          <a:bodyPr rtlCol="0" anchor="ctr"/>
+          <a:lstStyle/>
+          <a:p>
+            <a:pPr algn="ctr"/>
+            <a:endParaRPr lang="zh-TW" altLang="en-US"/>
+          </a:p>
+        </p:txBody>
+      </p:sp>
+      <p:cxnSp>
+        <p:nvCxnSpPr>
+          <p:cNvPr id="104" name="肘形接點 103"/>
+          <p:cNvCxnSpPr/>
+          <p:nvPr/>
+        </p:nvCxnSpPr>
+        <p:spPr>
+          <a:xfrm rot="10800000" flipV="1">
+            <a:off x="4598440" y="4686366"/>
+            <a:ext cx="5482823" cy="485515"/>
+          </a:xfrm>
+          <a:prstGeom prst="bentConnector3">
+            <a:avLst>
+              <a:gd name="adj1" fmla="val -172"/>
+            </a:avLst>
+          </a:prstGeom>
+          <a:ln w="12700">
+            <a:solidFill>
+              <a:schemeClr val="bg2">
+                <a:lumMod val="75000"/>
+              </a:schemeClr>
+            </a:solidFill>
+            <a:tailEnd type="triangle"/>
+          </a:ln>
+        </p:spPr>
+        <p:style>
+          <a:lnRef idx="1">
+            <a:schemeClr val="accent1"/>
+          </a:lnRef>
+          <a:fillRef idx="0">
+            <a:schemeClr val="accent1"/>
+          </a:fillRef>
+          <a:effectRef idx="0">
+            <a:schemeClr val="accent1"/>
+          </a:effectRef>
+          <a:fontRef idx="minor">
+            <a:schemeClr val="tx1"/>
+          </a:fontRef>
+        </p:style>
+      </p:cxnSp>
+      <p:cxnSp>
+        <p:nvCxnSpPr>
+          <p:cNvPr id="101" name="肘形接點 100"/>
+          <p:cNvCxnSpPr>
+            <a:stCxn id="155" idx="1"/>
+            <a:endCxn id="42" idx="1"/>
+          </p:cNvCxnSpPr>
+          <p:nvPr/>
+        </p:nvCxnSpPr>
+        <p:spPr>
+          <a:xfrm rot="10800000">
+            <a:off x="3518439" y="3960000"/>
+            <a:ext cx="12700" cy="2140562"/>
+          </a:xfrm>
+          <a:prstGeom prst="bentConnector3">
+            <a:avLst>
+              <a:gd name="adj1" fmla="val 1800000"/>
+            </a:avLst>
+          </a:prstGeom>
+          <a:ln w="12700">
+            <a:solidFill>
+              <a:schemeClr val="bg2">
+                <a:lumMod val="75000"/>
+              </a:schemeClr>
+            </a:solidFill>
+            <a:tailEnd type="triangle"/>
+          </a:ln>
+        </p:spPr>
+        <p:style>
+          <a:lnRef idx="1">
+            <a:schemeClr val="accent1"/>
+          </a:lnRef>
+          <a:fillRef idx="0">
+            <a:schemeClr val="accent1"/>
+          </a:fillRef>
+          <a:effectRef idx="0">
+            <a:schemeClr val="accent1"/>
+          </a:effectRef>
+          <a:fontRef idx="minor">
+            <a:schemeClr val="tx1"/>
+          </a:fontRef>
+        </p:style>
+      </p:cxnSp>
+      <p:cxnSp>
+        <p:nvCxnSpPr>
+          <p:cNvPr id="90" name="肘形接點 89"/>
+          <p:cNvCxnSpPr>
+            <a:endCxn id="126" idx="2"/>
+          </p:cNvCxnSpPr>
+          <p:nvPr/>
+        </p:nvCxnSpPr>
+        <p:spPr>
+          <a:xfrm flipV="1">
+            <a:off x="6635262" y="4691142"/>
+            <a:ext cx="376042" cy="240591"/>
+          </a:xfrm>
+          <a:prstGeom prst="bentConnector2">
+            <a:avLst/>
+          </a:prstGeom>
+          <a:ln w="12700">
+            <a:solidFill>
+              <a:schemeClr val="bg2">
+                <a:lumMod val="75000"/>
+              </a:schemeClr>
+            </a:solidFill>
+            <a:tailEnd type="triangle"/>
+          </a:ln>
+        </p:spPr>
+        <p:style>
+          <a:lnRef idx="1">
+            <a:schemeClr val="accent1"/>
+          </a:lnRef>
+          <a:fillRef idx="0">
+            <a:schemeClr val="accent1"/>
+          </a:fillRef>
+          <a:effectRef idx="0">
+            <a:schemeClr val="accent1"/>
+          </a:effectRef>
+          <a:fontRef idx="minor">
+            <a:schemeClr val="tx1"/>
+          </a:fontRef>
+        </p:style>
+      </p:cxnSp>
+      <p:cxnSp>
+        <p:nvCxnSpPr>
+          <p:cNvPr id="27" name="直線接點 26"/>
+          <p:cNvCxnSpPr/>
+          <p:nvPr/>
+        </p:nvCxnSpPr>
+        <p:spPr>
+          <a:xfrm>
+            <a:off x="7546155" y="4500000"/>
+            <a:ext cx="1682255" cy="0"/>
+          </a:xfrm>
+          <a:prstGeom prst="line">
+            <a:avLst/>
+          </a:prstGeom>
+          <a:ln w="12700">
+            <a:solidFill>
+              <a:schemeClr val="bg2">
+                <a:lumMod val="75000"/>
+              </a:schemeClr>
+            </a:solidFill>
+          </a:ln>
+        </p:spPr>
+        <p:style>
+          <a:lnRef idx="1">
+            <a:schemeClr val="accent1"/>
+          </a:lnRef>
+          <a:fillRef idx="0">
+            <a:schemeClr val="accent1"/>
+          </a:fillRef>
+          <a:effectRef idx="0">
+            <a:schemeClr val="accent1"/>
+          </a:effectRef>
+          <a:fontRef idx="minor">
+            <a:schemeClr val="tx1"/>
+          </a:fontRef>
+        </p:style>
+      </p:cxnSp>
+      <p:cxnSp>
+        <p:nvCxnSpPr>
+          <p:cNvPr id="80" name="肘形接點 79"/>
+          <p:cNvCxnSpPr>
+            <a:stCxn id="132" idx="3"/>
+            <a:endCxn id="26" idx="1"/>
+          </p:cNvCxnSpPr>
+          <p:nvPr/>
+        </p:nvCxnSpPr>
+        <p:spPr>
+          <a:xfrm flipV="1">
+            <a:off x="4598439" y="4500000"/>
+            <a:ext cx="5131919" cy="552434"/>
+          </a:xfrm>
+          <a:prstGeom prst="bentConnector3">
+            <a:avLst>
+              <a:gd name="adj1" fmla="val 90130"/>
+            </a:avLst>
+          </a:prstGeom>
+          <a:ln w="12700">
+            <a:solidFill>
+              <a:schemeClr val="bg2">
+                <a:lumMod val="75000"/>
+              </a:schemeClr>
+            </a:solidFill>
+            <a:tailEnd type="triangle"/>
+          </a:ln>
+        </p:spPr>
+        <p:style>
+          <a:lnRef idx="1">
+            <a:schemeClr val="accent1"/>
+          </a:lnRef>
+          <a:fillRef idx="0">
+            <a:schemeClr val="accent1"/>
+          </a:fillRef>
+          <a:effectRef idx="0">
+            <a:schemeClr val="accent1"/>
+          </a:effectRef>
+          <a:fontRef idx="minor">
+            <a:schemeClr val="tx1"/>
+          </a:fontRef>
+        </p:style>
+      </p:cxnSp>
+      <p:cxnSp>
+        <p:nvCxnSpPr>
+          <p:cNvPr id="74" name="肘形接點 73"/>
+          <p:cNvCxnSpPr>
+            <a:endCxn id="44" idx="3"/>
+          </p:cNvCxnSpPr>
+          <p:nvPr/>
+        </p:nvCxnSpPr>
+        <p:spPr>
+          <a:xfrm rot="5400000">
+            <a:off x="5508368" y="2639423"/>
+            <a:ext cx="2451966" cy="198176"/>
+          </a:xfrm>
+          <a:prstGeom prst="bentConnector2">
+            <a:avLst/>
+          </a:prstGeom>
+          <a:ln w="12700">
+            <a:solidFill>
+              <a:schemeClr val="bg2">
+                <a:lumMod val="75000"/>
+              </a:schemeClr>
+            </a:solidFill>
+            <a:tailEnd type="triangle"/>
+          </a:ln>
+        </p:spPr>
+        <p:style>
+          <a:lnRef idx="1">
+            <a:schemeClr val="accent1"/>
+          </a:lnRef>
+          <a:fillRef idx="0">
+            <a:schemeClr val="accent1"/>
+          </a:fillRef>
+          <a:effectRef idx="0">
+            <a:schemeClr val="accent1"/>
+          </a:effectRef>
+          <a:fontRef idx="minor">
+            <a:schemeClr val="tx1"/>
+          </a:fontRef>
+        </p:style>
+      </p:cxnSp>
+      <p:sp>
+        <p:nvSpPr>
+          <p:cNvPr id="160" name="矩形 159"/>
+          <p:cNvSpPr/>
+          <p:nvPr/>
+        </p:nvSpPr>
+        <p:spPr>
+          <a:xfrm>
+            <a:off x="10594388" y="2659880"/>
+            <a:ext cx="1170000" cy="1548000"/>
+          </a:xfrm>
+          <a:prstGeom prst="rect">
+            <a:avLst/>
+          </a:prstGeom>
+          <a:solidFill>
+            <a:srgbClr val="FF7C80">
+              <a:alpha val="50000"/>
+            </a:srgbClr>
+          </a:solidFill>
+          <a:ln>
+            <a:noFill/>
+          </a:ln>
+        </p:spPr>
+        <p:style>
+          <a:lnRef idx="2">
+            <a:schemeClr val="accent1">
+              <a:shade val="50000"/>
+            </a:schemeClr>
+          </a:lnRef>
+          <a:fillRef idx="1">
+            <a:schemeClr val="accent1"/>
+          </a:fillRef>
+          <a:effectRef idx="0">
+            <a:schemeClr val="accent1"/>
+          </a:effectRef>
+          <a:fontRef idx="minor">
+            <a:schemeClr val="lt1"/>
+          </a:fontRef>
+        </p:style>
+        <p:txBody>
+          <a:bodyPr rtlCol="0" anchor="ctr"/>
+          <a:lstStyle/>
+          <a:p>
+            <a:pPr algn="ctr"/>
+            <a:endParaRPr lang="zh-TW" altLang="en-US"/>
+          </a:p>
+        </p:txBody>
+      </p:sp>
+      <p:cxnSp>
+        <p:nvCxnSpPr>
+          <p:cNvPr id="69" name="肘形接點 68"/>
+          <p:cNvCxnSpPr/>
+          <p:nvPr/>
+        </p:nvCxnSpPr>
+        <p:spPr>
+          <a:xfrm>
+            <a:off x="6906000" y="1381125"/>
+            <a:ext cx="3732304" cy="2721450"/>
+          </a:xfrm>
+          <a:prstGeom prst="bentConnector3">
+            <a:avLst>
+              <a:gd name="adj1" fmla="val 50000"/>
+            </a:avLst>
+          </a:prstGeom>
+          <a:ln w="12700">
+            <a:solidFill>
+              <a:schemeClr val="bg2">
+                <a:lumMod val="75000"/>
+              </a:schemeClr>
+            </a:solidFill>
+            <a:tailEnd type="triangle"/>
+          </a:ln>
+        </p:spPr>
+        <p:style>
+          <a:lnRef idx="1">
+            <a:schemeClr val="accent1"/>
+          </a:lnRef>
+          <a:fillRef idx="0">
+            <a:schemeClr val="accent1"/>
+          </a:fillRef>
+          <a:effectRef idx="0">
+            <a:schemeClr val="accent1"/>
+          </a:effectRef>
+          <a:fontRef idx="minor">
+            <a:schemeClr val="tx1"/>
+          </a:fontRef>
+        </p:style>
+      </p:cxnSp>
+      <p:cxnSp>
+        <p:nvCxnSpPr>
+          <p:cNvPr id="79" name="肘形接點 78"/>
+          <p:cNvCxnSpPr>
+            <a:endCxn id="42" idx="3"/>
+          </p:cNvCxnSpPr>
+          <p:nvPr/>
+        </p:nvCxnSpPr>
+        <p:spPr>
+          <a:xfrm rot="5400000">
+            <a:off x="3749890" y="2356583"/>
+            <a:ext cx="2451966" cy="754868"/>
+          </a:xfrm>
+          <a:prstGeom prst="bentConnector2">
+            <a:avLst/>
+          </a:prstGeom>
+          <a:ln w="12700">
+            <a:solidFill>
+              <a:schemeClr val="bg2">
+                <a:lumMod val="75000"/>
+              </a:schemeClr>
+            </a:solidFill>
+            <a:tailEnd type="triangle"/>
+          </a:ln>
+        </p:spPr>
+        <p:style>
+          <a:lnRef idx="1">
+            <a:schemeClr val="accent1"/>
+          </a:lnRef>
+          <a:fillRef idx="0">
+            <a:schemeClr val="accent1"/>
+          </a:fillRef>
+          <a:effectRef idx="0">
+            <a:schemeClr val="accent1"/>
+          </a:effectRef>
+          <a:fontRef idx="minor">
+            <a:schemeClr val="tx1"/>
+          </a:fontRef>
+        </p:style>
+      </p:cxnSp>
+      <p:sp>
+        <p:nvSpPr>
+          <p:cNvPr id="131" name="矩形 130"/>
+          <p:cNvSpPr/>
+          <p:nvPr/>
+        </p:nvSpPr>
+        <p:spPr>
+          <a:xfrm>
+            <a:off x="4373629" y="2653567"/>
+            <a:ext cx="1170000" cy="1012422"/>
+          </a:xfrm>
+          <a:prstGeom prst="rect">
+            <a:avLst/>
+          </a:prstGeom>
+          <a:solidFill>
+            <a:srgbClr val="A9D18E">
+              <a:alpha val="50000"/>
+            </a:srgbClr>
+          </a:solidFill>
+          <a:ln>
+            <a:noFill/>
+          </a:ln>
+        </p:spPr>
+        <p:style>
+          <a:lnRef idx="2">
+            <a:schemeClr val="accent1">
+              <a:shade val="50000"/>
+            </a:schemeClr>
+          </a:lnRef>
+          <a:fillRef idx="1">
+            <a:schemeClr val="accent1"/>
+          </a:fillRef>
+          <a:effectRef idx="0">
+            <a:schemeClr val="accent1"/>
+          </a:effectRef>
+          <a:fontRef idx="minor">
+            <a:schemeClr val="lt1"/>
+          </a:fontRef>
+        </p:style>
+        <p:txBody>
+          <a:bodyPr rtlCol="0" anchor="ctr"/>
+          <a:lstStyle/>
+          <a:p>
+            <a:pPr algn="ctr"/>
+            <a:endParaRPr lang="zh-TW" altLang="en-US"/>
+          </a:p>
+        </p:txBody>
+      </p:sp>
+      <p:sp>
+        <p:nvSpPr>
+          <p:cNvPr id="58" name="文字方塊 57"/>
+          <p:cNvSpPr txBox="1"/>
+          <p:nvPr/>
+        </p:nvSpPr>
+        <p:spPr>
+          <a:xfrm>
+            <a:off x="270000" y="270000"/>
+            <a:ext cx="2024913" cy="707886"/>
+          </a:xfrm>
+          <a:prstGeom prst="rect">
+            <a:avLst/>
+          </a:prstGeom>
+          <a:noFill/>
+          <a:effectLst>
+            <a:outerShdw blurRad="50800" dist="38100" dir="2700000" algn="tl" rotWithShape="0">
+              <a:prstClr val="black">
+                <a:alpha val="40000"/>
+              </a:prstClr>
+            </a:outerShdw>
+          </a:effectLst>
+        </p:spPr>
+        <p:txBody>
+          <a:bodyPr wrap="none" rtlCol="0">
+            <a:spAutoFit/>
+          </a:bodyPr>
+          <a:lstStyle/>
+          <a:p>
+            <a:r>
+              <a:rPr lang="en-US" altLang="zh-TW" sz="4000" dirty="0" smtClean="0">
+                <a:latin typeface="Segoe UI Black" panose="020B0A02040204020203" pitchFamily="34" charset="0"/>
+                <a:ea typeface="Segoe UI Black" panose="020B0A02040204020203" pitchFamily="34" charset="0"/>
+              </a:rPr>
+              <a:t>UI flow</a:t>
+            </a:r>
+            <a:endParaRPr lang="zh-TW" altLang="en-US" sz="4000" dirty="0">
+              <a:latin typeface="Segoe UI Black" panose="020B0A02040204020203" pitchFamily="34" charset="0"/>
+            </a:endParaRPr>
+          </a:p>
+        </p:txBody>
+      </p:sp>
+      <p:sp>
+        <p:nvSpPr>
+          <p:cNvPr id="5" name="文字方塊 4"/>
+          <p:cNvSpPr txBox="1"/>
+          <p:nvPr/>
+        </p:nvSpPr>
+        <p:spPr>
+          <a:xfrm>
+            <a:off x="5286000" y="977886"/>
+            <a:ext cx="1620000" cy="540000"/>
+          </a:xfrm>
+          <a:prstGeom prst="rect">
+            <a:avLst/>
+          </a:prstGeom>
+          <a:gradFill flip="none" rotWithShape="1">
+            <a:gsLst>
+              <a:gs pos="66000">
+                <a:schemeClr val="accent5">
+                  <a:satMod val="103000"/>
+                  <a:lumMod val="102000"/>
+                  <a:tint val="94000"/>
+                </a:schemeClr>
+              </a:gs>
+              <a:gs pos="84000">
+                <a:schemeClr val="accent5">
+                  <a:satMod val="110000"/>
+                  <a:lumMod val="100000"/>
+                  <a:shade val="100000"/>
+                </a:schemeClr>
+              </a:gs>
+              <a:gs pos="100000">
+                <a:schemeClr val="accent5">
+                  <a:lumMod val="99000"/>
+                  <a:satMod val="120000"/>
+                  <a:shade val="78000"/>
+                </a:schemeClr>
+              </a:gs>
+            </a:gsLst>
+            <a:lin ang="5400000" scaled="1"/>
+            <a:tileRect/>
+          </a:gradFill>
+          <a:ln>
+            <a:noFill/>
+          </a:ln>
+          <a:effectLst>
+            <a:outerShdw blurRad="57150" dist="19050" dir="5400000" algn="ctr" rotWithShape="0">
+              <a:srgbClr val="000000">
+                <a:alpha val="63000"/>
+              </a:srgbClr>
+            </a:outerShdw>
+            <a:softEdge rad="0"/>
+          </a:effectLst>
+        </p:spPr>
+        <p:style>
+          <a:lnRef idx="0">
+            <a:schemeClr val="accent5"/>
+          </a:lnRef>
+          <a:fillRef idx="3">
+            <a:schemeClr val="accent5"/>
+          </a:fillRef>
+          <a:effectRef idx="3">
+            <a:schemeClr val="accent5"/>
+          </a:effectRef>
+          <a:fontRef idx="minor">
+            <a:schemeClr val="lt1"/>
+          </a:fontRef>
+        </p:style>
+        <p:txBody>
+          <a:bodyPr wrap="none" rtlCol="0" anchor="ctr">
+            <a:spAutoFit/>
+          </a:bodyPr>
+          <a:lstStyle/>
+          <a:p>
+            <a:pPr algn="ctr"/>
+            <a:r>
+              <a:rPr lang="zh-TW" altLang="en-US" sz="2400" dirty="0" smtClean="0">
+                <a:solidFill>
+                  <a:schemeClr val="bg1"/>
+                </a:solidFill>
+                <a:latin typeface="華康中圓體" panose="020F0509000000000000" pitchFamily="49" charset="-120"/>
+                <a:ea typeface="華康中圓體" panose="020F0509000000000000" pitchFamily="49" charset="-120"/>
+              </a:rPr>
+              <a:t>首頁</a:t>
+            </a:r>
+            <a:endParaRPr lang="zh-TW" altLang="en-US" sz="2400" dirty="0">
+              <a:solidFill>
+                <a:schemeClr val="bg1"/>
+              </a:solidFill>
+              <a:latin typeface="華康中圓體" panose="020F0509000000000000" pitchFamily="49" charset="-120"/>
+              <a:ea typeface="華康中圓體" panose="020F0509000000000000" pitchFamily="49" charset="-120"/>
+            </a:endParaRPr>
+          </a:p>
+        </p:txBody>
+      </p:sp>
+      <p:sp>
+        <p:nvSpPr>
+          <p:cNvPr id="6" name="文字方塊 5"/>
+          <p:cNvSpPr txBox="1"/>
+          <p:nvPr/>
+        </p:nvSpPr>
+        <p:spPr>
+          <a:xfrm>
+            <a:off x="3455069" y="2034113"/>
+            <a:ext cx="1210588" cy="400110"/>
+          </a:xfrm>
+          <a:prstGeom prst="rect">
+            <a:avLst/>
+          </a:prstGeom>
+          <a:solidFill>
+            <a:schemeClr val="accent6">
+              <a:lumMod val="60000"/>
+              <a:lumOff val="40000"/>
+            </a:schemeClr>
+          </a:solidFill>
+          <a:ln>
+            <a:noFill/>
+          </a:ln>
+          <a:effectLst>
+            <a:outerShdw blurRad="57150" dist="19050" dir="5400000" algn="ctr" rotWithShape="0">
+              <a:srgbClr val="000000">
+                <a:alpha val="63000"/>
+              </a:srgbClr>
+            </a:outerShdw>
+            <a:softEdge rad="0"/>
+          </a:effectLst>
+        </p:spPr>
+        <p:style>
+          <a:lnRef idx="0">
+            <a:schemeClr val="accent5"/>
+          </a:lnRef>
+          <a:fillRef idx="3">
+            <a:schemeClr val="accent5"/>
+          </a:fillRef>
+          <a:effectRef idx="3">
+            <a:schemeClr val="accent5"/>
+          </a:effectRef>
+          <a:fontRef idx="minor">
+            <a:schemeClr val="lt1"/>
+          </a:fontRef>
+        </p:style>
+        <p:txBody>
+          <a:bodyPr wrap="none" rtlCol="0" anchor="ctr">
+            <a:spAutoFit/>
+          </a:bodyPr>
+          <a:lstStyle/>
+          <a:p>
+            <a:pPr algn="ctr"/>
+            <a:r>
+              <a:rPr lang="zh-TW" altLang="en-US" sz="2000" dirty="0" smtClean="0">
+                <a:solidFill>
+                  <a:schemeClr val="bg1"/>
+                </a:solidFill>
+                <a:latin typeface="華康中圓體" panose="020F0509000000000000" pitchFamily="49" charset="-120"/>
+                <a:ea typeface="華康中圓體" panose="020F0509000000000000" pitchFamily="49" charset="-120"/>
+              </a:rPr>
+              <a:t>店家介紹</a:t>
+            </a:r>
+            <a:endParaRPr lang="zh-TW" altLang="en-US" sz="2000" dirty="0">
+              <a:solidFill>
+                <a:schemeClr val="bg1"/>
+              </a:solidFill>
+              <a:latin typeface="華康中圓體" panose="020F0509000000000000" pitchFamily="49" charset="-120"/>
+              <a:ea typeface="華康中圓體" panose="020F0509000000000000" pitchFamily="49" charset="-120"/>
+            </a:endParaRPr>
+          </a:p>
+        </p:txBody>
+      </p:sp>
+      <p:sp>
+        <p:nvSpPr>
+          <p:cNvPr id="7" name="文字方塊 6"/>
+          <p:cNvSpPr txBox="1"/>
+          <p:nvPr/>
+        </p:nvSpPr>
+        <p:spPr>
+          <a:xfrm>
+            <a:off x="9656028" y="2013678"/>
+            <a:ext cx="1260000" cy="450000"/>
+          </a:xfrm>
+          <a:prstGeom prst="rect">
+            <a:avLst/>
+          </a:prstGeom>
+          <a:solidFill>
+            <a:srgbClr val="FF7C80"/>
+          </a:solidFill>
+          <a:ln>
+            <a:noFill/>
+          </a:ln>
+          <a:effectLst>
+            <a:outerShdw blurRad="57150" dist="19050" dir="5400000" algn="ctr" rotWithShape="0">
+              <a:srgbClr val="000000">
+                <a:alpha val="63000"/>
+              </a:srgbClr>
+            </a:outerShdw>
+            <a:softEdge rad="0"/>
+          </a:effectLst>
+        </p:spPr>
+        <p:style>
+          <a:lnRef idx="0">
+            <a:schemeClr val="accent5"/>
+          </a:lnRef>
+          <a:fillRef idx="3">
+            <a:schemeClr val="accent5"/>
+          </a:fillRef>
+          <a:effectRef idx="3">
+            <a:schemeClr val="accent5"/>
+          </a:effectRef>
+          <a:fontRef idx="minor">
+            <a:schemeClr val="lt1"/>
+          </a:fontRef>
+        </p:style>
+        <p:txBody>
+          <a:bodyPr wrap="none" rtlCol="0" anchor="ctr">
+            <a:spAutoFit/>
+          </a:bodyPr>
+          <a:lstStyle/>
+          <a:p>
+            <a:pPr algn="ctr"/>
+            <a:r>
+              <a:rPr lang="zh-TW" altLang="en-US" sz="2000" dirty="0" smtClean="0">
+                <a:solidFill>
+                  <a:schemeClr val="bg1"/>
+                </a:solidFill>
+                <a:latin typeface="華康中圓體" panose="020F0509000000000000" pitchFamily="49" charset="-120"/>
+                <a:ea typeface="華康中圓體" panose="020F0509000000000000" pitchFamily="49" charset="-120"/>
+              </a:rPr>
+              <a:t>店家管理</a:t>
+            </a:r>
+            <a:endParaRPr lang="en-US" altLang="zh-TW" sz="2000" dirty="0" smtClean="0">
+              <a:solidFill>
+                <a:schemeClr val="bg1"/>
+              </a:solidFill>
+              <a:latin typeface="華康中圓體" panose="020F0509000000000000" pitchFamily="49" charset="-120"/>
+              <a:ea typeface="華康中圓體" panose="020F0509000000000000" pitchFamily="49" charset="-120"/>
+            </a:endParaRPr>
+          </a:p>
+        </p:txBody>
+      </p:sp>
+      <p:sp>
+        <p:nvSpPr>
+          <p:cNvPr id="8" name="文字方塊 7"/>
+          <p:cNvSpPr txBox="1"/>
+          <p:nvPr/>
+        </p:nvSpPr>
+        <p:spPr>
+          <a:xfrm>
+            <a:off x="7570361" y="2009168"/>
+            <a:ext cx="1260000" cy="450000"/>
+          </a:xfrm>
+          <a:prstGeom prst="rect">
+            <a:avLst/>
+          </a:prstGeom>
+          <a:solidFill>
+            <a:schemeClr val="accent2">
+              <a:lumMod val="60000"/>
+              <a:lumOff val="40000"/>
+            </a:schemeClr>
+          </a:solidFill>
+          <a:ln>
+            <a:noFill/>
+          </a:ln>
+          <a:effectLst>
+            <a:outerShdw blurRad="57150" dist="19050" dir="5400000" algn="ctr" rotWithShape="0">
+              <a:srgbClr val="000000">
+                <a:alpha val="63000"/>
+              </a:srgbClr>
+            </a:outerShdw>
+            <a:softEdge rad="0"/>
+          </a:effectLst>
+        </p:spPr>
+        <p:style>
+          <a:lnRef idx="0">
+            <a:schemeClr val="accent5"/>
+          </a:lnRef>
+          <a:fillRef idx="3">
+            <a:schemeClr val="accent5"/>
+          </a:fillRef>
+          <a:effectRef idx="3">
+            <a:schemeClr val="accent5"/>
+          </a:effectRef>
+          <a:fontRef idx="minor">
+            <a:schemeClr val="lt1"/>
+          </a:fontRef>
+        </p:style>
+        <p:txBody>
+          <a:bodyPr wrap="none" rtlCol="0" anchor="ctr">
+            <a:spAutoFit/>
+          </a:bodyPr>
+          <a:lstStyle/>
+          <a:p>
+            <a:pPr algn="ctr"/>
+            <a:r>
+              <a:rPr lang="zh-TW" altLang="en-US" sz="2000" dirty="0" smtClean="0">
+                <a:solidFill>
+                  <a:schemeClr val="bg1"/>
+                </a:solidFill>
+                <a:latin typeface="華康中圓體" panose="020F0509000000000000" pitchFamily="49" charset="-120"/>
+                <a:ea typeface="華康中圓體" panose="020F0509000000000000" pitchFamily="49" charset="-120"/>
+              </a:rPr>
+              <a:t>關於我們</a:t>
+            </a:r>
+            <a:endParaRPr lang="en-US" altLang="zh-TW" sz="2000" dirty="0" smtClean="0">
+              <a:solidFill>
+                <a:schemeClr val="bg1"/>
+              </a:solidFill>
+              <a:latin typeface="華康中圓體" panose="020F0509000000000000" pitchFamily="49" charset="-120"/>
+              <a:ea typeface="華康中圓體" panose="020F0509000000000000" pitchFamily="49" charset="-120"/>
+            </a:endParaRPr>
+          </a:p>
+        </p:txBody>
+      </p:sp>
+      <p:sp>
+        <p:nvSpPr>
+          <p:cNvPr id="9" name="文字方塊 8"/>
+          <p:cNvSpPr txBox="1"/>
+          <p:nvPr/>
+        </p:nvSpPr>
+        <p:spPr>
+          <a:xfrm>
+            <a:off x="5466000" y="2009168"/>
+            <a:ext cx="1260000" cy="450000"/>
+          </a:xfrm>
+          <a:prstGeom prst="rect">
+            <a:avLst/>
+          </a:prstGeom>
+          <a:solidFill>
+            <a:schemeClr val="tx2">
+              <a:lumMod val="60000"/>
+              <a:lumOff val="40000"/>
+            </a:schemeClr>
+          </a:solidFill>
+          <a:ln>
+            <a:noFill/>
+          </a:ln>
+          <a:effectLst>
+            <a:outerShdw blurRad="57150" dist="19050" dir="5400000" algn="ctr" rotWithShape="0">
+              <a:srgbClr val="000000">
+                <a:alpha val="63000"/>
+              </a:srgbClr>
+            </a:outerShdw>
+            <a:softEdge rad="0"/>
+          </a:effectLst>
+        </p:spPr>
+        <p:style>
+          <a:lnRef idx="0">
+            <a:schemeClr val="accent5"/>
+          </a:lnRef>
+          <a:fillRef idx="3">
+            <a:schemeClr val="accent5"/>
+          </a:fillRef>
+          <a:effectRef idx="3">
+            <a:schemeClr val="accent5"/>
+          </a:effectRef>
+          <a:fontRef idx="minor">
+            <a:schemeClr val="lt1"/>
+          </a:fontRef>
+        </p:style>
+        <p:txBody>
+          <a:bodyPr wrap="none" rtlCol="0" anchor="ctr">
+            <a:spAutoFit/>
+          </a:bodyPr>
+          <a:lstStyle/>
+          <a:p>
+            <a:pPr algn="ctr"/>
+            <a:r>
+              <a:rPr lang="zh-TW" altLang="en-US" sz="2000" dirty="0" smtClean="0">
+                <a:solidFill>
+                  <a:schemeClr val="bg1"/>
+                </a:solidFill>
+                <a:latin typeface="華康中圓體" panose="020F0509000000000000" pitchFamily="49" charset="-120"/>
+                <a:ea typeface="華康中圓體" panose="020F0509000000000000" pitchFamily="49" charset="-120"/>
+              </a:rPr>
+              <a:t>服務內容</a:t>
+            </a:r>
+            <a:endParaRPr lang="en-US" altLang="zh-TW" sz="2000" dirty="0" smtClean="0">
+              <a:solidFill>
+                <a:schemeClr val="bg1"/>
+              </a:solidFill>
+              <a:latin typeface="華康中圓體" panose="020F0509000000000000" pitchFamily="49" charset="-120"/>
+              <a:ea typeface="華康中圓體" panose="020F0509000000000000" pitchFamily="49" charset="-120"/>
+            </a:endParaRPr>
+          </a:p>
+        </p:txBody>
+      </p:sp>
+      <p:sp>
+        <p:nvSpPr>
+          <p:cNvPr id="10" name="文字方塊 9"/>
+          <p:cNvSpPr txBox="1"/>
+          <p:nvPr/>
+        </p:nvSpPr>
+        <p:spPr>
+          <a:xfrm>
+            <a:off x="1360364" y="2009168"/>
+            <a:ext cx="1260000" cy="450000"/>
+          </a:xfrm>
+          <a:prstGeom prst="rect">
+            <a:avLst/>
+          </a:prstGeom>
+          <a:solidFill>
+            <a:schemeClr val="accent5">
+              <a:lumMod val="60000"/>
+              <a:lumOff val="40000"/>
+            </a:schemeClr>
+          </a:solidFill>
+          <a:ln>
+            <a:noFill/>
+          </a:ln>
+          <a:effectLst>
+            <a:outerShdw blurRad="57150" dist="19050" dir="5400000" algn="ctr" rotWithShape="0">
+              <a:srgbClr val="000000">
+                <a:alpha val="63000"/>
+              </a:srgbClr>
+            </a:outerShdw>
+            <a:softEdge rad="0"/>
+          </a:effectLst>
+        </p:spPr>
+        <p:style>
+          <a:lnRef idx="0">
+            <a:schemeClr val="accent5"/>
+          </a:lnRef>
+          <a:fillRef idx="3">
+            <a:schemeClr val="accent5"/>
+          </a:fillRef>
+          <a:effectRef idx="3">
+            <a:schemeClr val="accent5"/>
+          </a:effectRef>
+          <a:fontRef idx="minor">
+            <a:schemeClr val="lt1"/>
+          </a:fontRef>
+        </p:style>
+        <p:txBody>
+          <a:bodyPr wrap="none" rtlCol="0" anchor="ctr">
+            <a:spAutoFit/>
+          </a:bodyPr>
+          <a:lstStyle/>
+          <a:p>
+            <a:pPr algn="ctr"/>
+            <a:r>
+              <a:rPr lang="zh-TW" altLang="en-US" sz="2000" dirty="0" smtClean="0">
+                <a:solidFill>
+                  <a:schemeClr val="bg1"/>
+                </a:solidFill>
+                <a:latin typeface="華康中圓體" panose="020F0509000000000000" pitchFamily="49" charset="-120"/>
+                <a:ea typeface="華康中圓體" panose="020F0509000000000000" pitchFamily="49" charset="-120"/>
+              </a:rPr>
+              <a:t>最新公告</a:t>
+            </a:r>
+            <a:endParaRPr lang="en-US" altLang="zh-TW" sz="2000" dirty="0" smtClean="0">
+              <a:solidFill>
+                <a:schemeClr val="bg1"/>
+              </a:solidFill>
+              <a:latin typeface="華康中圓體" panose="020F0509000000000000" pitchFamily="49" charset="-120"/>
+              <a:ea typeface="華康中圓體" panose="020F0509000000000000" pitchFamily="49" charset="-120"/>
+            </a:endParaRPr>
+          </a:p>
+        </p:txBody>
+      </p:sp>
+      <p:cxnSp>
+        <p:nvCxnSpPr>
+          <p:cNvPr id="14" name="肘形接點 13"/>
+          <p:cNvCxnSpPr>
+            <a:stCxn id="5" idx="3"/>
+            <a:endCxn id="7" idx="0"/>
+          </p:cNvCxnSpPr>
+          <p:nvPr/>
+        </p:nvCxnSpPr>
+        <p:spPr>
+          <a:xfrm>
+            <a:off x="6906000" y="1247886"/>
+            <a:ext cx="3380028" cy="765792"/>
+          </a:xfrm>
+          <a:prstGeom prst="bentConnector2">
+            <a:avLst/>
+          </a:prstGeom>
+          <a:ln w="12700">
+            <a:solidFill>
+              <a:schemeClr val="tx1"/>
+            </a:solidFill>
+            <a:tailEnd type="triangle"/>
+          </a:ln>
+        </p:spPr>
+        <p:style>
+          <a:lnRef idx="1">
+            <a:schemeClr val="accent1"/>
+          </a:lnRef>
+          <a:fillRef idx="0">
+            <a:schemeClr val="accent1"/>
+          </a:fillRef>
+          <a:effectRef idx="0">
+            <a:schemeClr val="accent1"/>
+          </a:effectRef>
+          <a:fontRef idx="minor">
+            <a:schemeClr val="tx1"/>
+          </a:fontRef>
+        </p:style>
+      </p:cxnSp>
+      <p:cxnSp>
+        <p:nvCxnSpPr>
+          <p:cNvPr id="22" name="肘形接點 21"/>
+          <p:cNvCxnSpPr>
+            <a:stCxn id="5" idx="2"/>
+            <a:endCxn id="8" idx="0"/>
+          </p:cNvCxnSpPr>
+          <p:nvPr/>
+        </p:nvCxnSpPr>
+        <p:spPr>
+          <a:xfrm rot="16200000" flipH="1">
+            <a:off x="6902539" y="711346"/>
+            <a:ext cx="491282" cy="2104361"/>
+          </a:xfrm>
+          <a:prstGeom prst="bentConnector3">
+            <a:avLst/>
+          </a:prstGeom>
+          <a:ln w="12700">
+            <a:solidFill>
+              <a:schemeClr val="tx1"/>
+            </a:solidFill>
+            <a:tailEnd type="triangle"/>
+          </a:ln>
+        </p:spPr>
+        <p:style>
+          <a:lnRef idx="1">
+            <a:schemeClr val="accent1"/>
+          </a:lnRef>
+          <a:fillRef idx="0">
+            <a:schemeClr val="accent1"/>
+          </a:fillRef>
+          <a:effectRef idx="0">
+            <a:schemeClr val="accent1"/>
+          </a:effectRef>
+          <a:fontRef idx="minor">
+            <a:schemeClr val="tx1"/>
+          </a:fontRef>
+        </p:style>
+      </p:cxnSp>
+      <p:cxnSp>
+        <p:nvCxnSpPr>
+          <p:cNvPr id="25" name="肘形接點 24"/>
+          <p:cNvCxnSpPr>
+            <a:stCxn id="5" idx="2"/>
+            <a:endCxn id="10" idx="0"/>
+          </p:cNvCxnSpPr>
+          <p:nvPr/>
+        </p:nvCxnSpPr>
+        <p:spPr>
+          <a:xfrm rot="5400000">
+            <a:off x="3797541" y="-289291"/>
+            <a:ext cx="491282" cy="4105636"/>
+          </a:xfrm>
+          <a:prstGeom prst="bentConnector3">
+            <a:avLst/>
+          </a:prstGeom>
+          <a:ln w="12700">
+            <a:solidFill>
+              <a:schemeClr val="tx1"/>
+            </a:solidFill>
+            <a:tailEnd type="triangle"/>
+          </a:ln>
+        </p:spPr>
+        <p:style>
+          <a:lnRef idx="1">
+            <a:schemeClr val="accent1"/>
+          </a:lnRef>
+          <a:fillRef idx="0">
+            <a:schemeClr val="accent1"/>
+          </a:fillRef>
+          <a:effectRef idx="0">
+            <a:schemeClr val="accent1"/>
+          </a:effectRef>
+          <a:fontRef idx="minor">
+            <a:schemeClr val="tx1"/>
+          </a:fontRef>
+        </p:style>
+      </p:cxnSp>
+      <p:cxnSp>
+        <p:nvCxnSpPr>
+          <p:cNvPr id="53" name="直線單箭頭接點 52"/>
+          <p:cNvCxnSpPr>
+            <a:stCxn id="6" idx="0"/>
+          </p:cNvCxnSpPr>
+          <p:nvPr/>
+        </p:nvCxnSpPr>
+        <p:spPr>
+          <a:xfrm flipV="1">
+            <a:off x="4060363" y="1763527"/>
+            <a:ext cx="1" cy="270586"/>
+          </a:xfrm>
+          <a:prstGeom prst="straightConnector1">
+            <a:avLst/>
+          </a:prstGeom>
+          <a:ln w="12700">
+            <a:solidFill>
+              <a:schemeClr val="tx1"/>
+            </a:solidFill>
+            <a:headEnd type="triangle"/>
+            <a:tailEnd type="none"/>
+          </a:ln>
+        </p:spPr>
+        <p:style>
+          <a:lnRef idx="1">
+            <a:schemeClr val="accent1"/>
+          </a:lnRef>
+          <a:fillRef idx="0">
+            <a:schemeClr val="accent1"/>
+          </a:fillRef>
+          <a:effectRef idx="0">
+            <a:schemeClr val="accent1"/>
+          </a:effectRef>
+          <a:fontRef idx="minor">
+            <a:schemeClr val="tx1"/>
+          </a:fontRef>
+        </p:style>
+      </p:cxnSp>
+      <p:cxnSp>
+        <p:nvCxnSpPr>
+          <p:cNvPr id="55" name="直線單箭頭接點 54"/>
+          <p:cNvCxnSpPr/>
+          <p:nvPr/>
+        </p:nvCxnSpPr>
+        <p:spPr>
+          <a:xfrm flipV="1">
+            <a:off x="6095999" y="1745560"/>
+            <a:ext cx="0" cy="263608"/>
+          </a:xfrm>
+          <a:prstGeom prst="straightConnector1">
+            <a:avLst/>
+          </a:prstGeom>
+          <a:ln w="12700">
+            <a:solidFill>
+              <a:schemeClr val="tx1"/>
+            </a:solidFill>
+            <a:headEnd type="triangle"/>
+            <a:tailEnd type="none"/>
+          </a:ln>
+        </p:spPr>
+        <p:style>
+          <a:lnRef idx="1">
+            <a:schemeClr val="accent1"/>
+          </a:lnRef>
+          <a:fillRef idx="0">
+            <a:schemeClr val="accent1"/>
+          </a:fillRef>
+          <a:effectRef idx="0">
+            <a:schemeClr val="accent1"/>
+          </a:effectRef>
+          <a:fontRef idx="minor">
+            <a:schemeClr val="tx1"/>
+          </a:fontRef>
+        </p:style>
+      </p:cxnSp>
+      <p:sp>
+        <p:nvSpPr>
+          <p:cNvPr id="13" name="文字方塊 12"/>
+          <p:cNvSpPr txBox="1"/>
+          <p:nvPr/>
+        </p:nvSpPr>
+        <p:spPr>
+          <a:xfrm>
+            <a:off x="10648203" y="2700000"/>
+            <a:ext cx="1080000" cy="360000"/>
+          </a:xfrm>
+          <a:prstGeom prst="rect">
+            <a:avLst/>
+          </a:prstGeom>
+          <a:solidFill>
+            <a:srgbClr val="FF7C80"/>
+          </a:solidFill>
+          <a:ln>
+            <a:noFill/>
+          </a:ln>
+          <a:effectLst>
+            <a:outerShdw blurRad="57150" dist="19050" dir="5400000" algn="ctr" rotWithShape="0">
+              <a:srgbClr val="000000">
+                <a:alpha val="63000"/>
+              </a:srgbClr>
+            </a:outerShdw>
+            <a:softEdge rad="0"/>
+          </a:effectLst>
+        </p:spPr>
+        <p:style>
+          <a:lnRef idx="0">
+            <a:schemeClr val="accent5"/>
+          </a:lnRef>
+          <a:fillRef idx="3">
+            <a:schemeClr val="accent5"/>
+          </a:fillRef>
+          <a:effectRef idx="3">
+            <a:schemeClr val="accent5"/>
+          </a:effectRef>
+          <a:fontRef idx="minor">
+            <a:schemeClr val="lt1"/>
+          </a:fontRef>
+        </p:style>
+        <p:txBody>
+          <a:bodyPr wrap="none" rtlCol="0" anchor="ctr">
+            <a:spAutoFit/>
+          </a:bodyPr>
+          <a:lstStyle/>
+          <a:p>
+            <a:pPr algn="ctr"/>
+            <a:r>
+              <a:rPr lang="zh-TW" altLang="en-US" sz="1600" dirty="0" smtClean="0">
+                <a:solidFill>
+                  <a:schemeClr val="bg1"/>
+                </a:solidFill>
+                <a:latin typeface="華康中圓體" panose="020F0509000000000000" pitchFamily="49" charset="-120"/>
+                <a:ea typeface="華康中圓體" panose="020F0509000000000000" pitchFamily="49" charset="-120"/>
+              </a:rPr>
+              <a:t>商品登錄</a:t>
+            </a:r>
+            <a:endParaRPr lang="en-US" altLang="zh-TW" sz="1600" dirty="0" smtClean="0">
+              <a:solidFill>
+                <a:schemeClr val="bg1"/>
+              </a:solidFill>
+              <a:latin typeface="華康中圓體" panose="020F0509000000000000" pitchFamily="49" charset="-120"/>
+              <a:ea typeface="華康中圓體" panose="020F0509000000000000" pitchFamily="49" charset="-120"/>
+            </a:endParaRPr>
+          </a:p>
+        </p:txBody>
+      </p:sp>
+      <p:sp>
+        <p:nvSpPr>
+          <p:cNvPr id="15" name="文字方塊 14"/>
+          <p:cNvSpPr txBox="1"/>
+          <p:nvPr/>
+        </p:nvSpPr>
+        <p:spPr>
+          <a:xfrm>
+            <a:off x="10644960" y="3240000"/>
+            <a:ext cx="1080000" cy="360000"/>
+          </a:xfrm>
+          <a:prstGeom prst="rect">
+            <a:avLst/>
+          </a:prstGeom>
+          <a:solidFill>
+            <a:srgbClr val="FF7C80"/>
+          </a:solidFill>
+          <a:ln>
+            <a:noFill/>
+          </a:ln>
+          <a:effectLst>
+            <a:outerShdw blurRad="57150" dist="19050" dir="5400000" algn="ctr" rotWithShape="0">
+              <a:srgbClr val="000000">
+                <a:alpha val="63000"/>
+              </a:srgbClr>
+            </a:outerShdw>
+            <a:softEdge rad="0"/>
+          </a:effectLst>
+        </p:spPr>
+        <p:style>
+          <a:lnRef idx="0">
+            <a:schemeClr val="accent5"/>
+          </a:lnRef>
+          <a:fillRef idx="3">
+            <a:schemeClr val="accent5"/>
+          </a:fillRef>
+          <a:effectRef idx="3">
+            <a:schemeClr val="accent5"/>
+          </a:effectRef>
+          <a:fontRef idx="minor">
+            <a:schemeClr val="lt1"/>
+          </a:fontRef>
+        </p:style>
+        <p:txBody>
+          <a:bodyPr wrap="none" rtlCol="0" anchor="ctr">
+            <a:spAutoFit/>
+          </a:bodyPr>
+          <a:lstStyle/>
+          <a:p>
+            <a:pPr algn="ctr"/>
+            <a:r>
+              <a:rPr lang="zh-TW" altLang="en-US" sz="1600" dirty="0" smtClean="0">
+                <a:solidFill>
+                  <a:schemeClr val="bg1"/>
+                </a:solidFill>
+                <a:latin typeface="華康中圓體" panose="020F0509000000000000" pitchFamily="49" charset="-120"/>
+                <a:ea typeface="華康中圓體" panose="020F0509000000000000" pitchFamily="49" charset="-120"/>
+              </a:rPr>
+              <a:t>課程登錄</a:t>
+            </a:r>
+            <a:endParaRPr lang="en-US" altLang="zh-TW" sz="1600" dirty="0" smtClean="0">
+              <a:solidFill>
+                <a:schemeClr val="bg1"/>
+              </a:solidFill>
+              <a:latin typeface="華康中圓體" panose="020F0509000000000000" pitchFamily="49" charset="-120"/>
+              <a:ea typeface="華康中圓體" panose="020F0509000000000000" pitchFamily="49" charset="-120"/>
+            </a:endParaRPr>
+          </a:p>
+        </p:txBody>
+      </p:sp>
+      <p:sp>
+        <p:nvSpPr>
+          <p:cNvPr id="26" name="文字方塊 25"/>
+          <p:cNvSpPr txBox="1"/>
+          <p:nvPr/>
+        </p:nvSpPr>
+        <p:spPr>
+          <a:xfrm>
+            <a:off x="9730358" y="4320000"/>
+            <a:ext cx="1080000" cy="360000"/>
+          </a:xfrm>
+          <a:prstGeom prst="rect">
+            <a:avLst/>
+          </a:prstGeom>
+          <a:solidFill>
+            <a:srgbClr val="FF7C80"/>
+          </a:solidFill>
+          <a:ln>
+            <a:noFill/>
+          </a:ln>
+          <a:effectLst>
+            <a:outerShdw blurRad="57150" dist="19050" dir="5400000" algn="ctr" rotWithShape="0">
+              <a:srgbClr val="000000">
+                <a:alpha val="63000"/>
+              </a:srgbClr>
+            </a:outerShdw>
+            <a:softEdge rad="0"/>
+          </a:effectLst>
+        </p:spPr>
+        <p:style>
+          <a:lnRef idx="0">
+            <a:schemeClr val="accent5"/>
+          </a:lnRef>
+          <a:fillRef idx="3">
+            <a:schemeClr val="accent5"/>
+          </a:fillRef>
+          <a:effectRef idx="3">
+            <a:schemeClr val="accent5"/>
+          </a:effectRef>
+          <a:fontRef idx="minor">
+            <a:schemeClr val="lt1"/>
+          </a:fontRef>
+        </p:style>
+        <p:txBody>
+          <a:bodyPr wrap="none" rtlCol="0" anchor="ctr">
+            <a:spAutoFit/>
+          </a:bodyPr>
+          <a:lstStyle/>
+          <a:p>
+            <a:pPr algn="ctr"/>
+            <a:r>
+              <a:rPr lang="zh-TW" altLang="en-US" sz="1600" dirty="0" smtClean="0">
+                <a:solidFill>
+                  <a:schemeClr val="bg1"/>
+                </a:solidFill>
+                <a:latin typeface="華康中圓體" panose="020F0509000000000000" pitchFamily="49" charset="-120"/>
+                <a:ea typeface="華康中圓體" panose="020F0509000000000000" pitchFamily="49" charset="-120"/>
+              </a:rPr>
+              <a:t>會員登入</a:t>
+            </a:r>
+            <a:endParaRPr lang="en-US" altLang="zh-TW" sz="1600" dirty="0" smtClean="0">
+              <a:solidFill>
+                <a:schemeClr val="bg1"/>
+              </a:solidFill>
+              <a:latin typeface="華康中圓體" panose="020F0509000000000000" pitchFamily="49" charset="-120"/>
+              <a:ea typeface="華康中圓體" panose="020F0509000000000000" pitchFamily="49" charset="-120"/>
+            </a:endParaRPr>
+          </a:p>
+        </p:txBody>
+      </p:sp>
+      <p:cxnSp>
+        <p:nvCxnSpPr>
+          <p:cNvPr id="30" name="直線單箭頭接點 29"/>
+          <p:cNvCxnSpPr>
+            <a:stCxn id="7" idx="2"/>
+            <a:endCxn id="26" idx="0"/>
+          </p:cNvCxnSpPr>
+          <p:nvPr/>
+        </p:nvCxnSpPr>
+        <p:spPr>
+          <a:xfrm flipH="1">
+            <a:off x="10270358" y="2463678"/>
+            <a:ext cx="0" cy="1856322"/>
+          </a:xfrm>
+          <a:prstGeom prst="straightConnector1">
+            <a:avLst/>
+          </a:prstGeom>
+          <a:ln w="12700">
+            <a:solidFill>
+              <a:schemeClr val="tx1"/>
+            </a:solidFill>
+            <a:tailEnd type="triangle"/>
+          </a:ln>
+        </p:spPr>
+        <p:style>
+          <a:lnRef idx="1">
+            <a:schemeClr val="accent1"/>
+          </a:lnRef>
+          <a:fillRef idx="0">
+            <a:schemeClr val="accent1"/>
+          </a:fillRef>
+          <a:effectRef idx="0">
+            <a:schemeClr val="accent1"/>
+          </a:effectRef>
+          <a:fontRef idx="minor">
+            <a:schemeClr val="tx1"/>
+          </a:fontRef>
+        </p:style>
+      </p:cxnSp>
+      <p:cxnSp>
+        <p:nvCxnSpPr>
+          <p:cNvPr id="33" name="直線單箭頭接點 32"/>
+          <p:cNvCxnSpPr/>
+          <p:nvPr/>
+        </p:nvCxnSpPr>
+        <p:spPr>
+          <a:xfrm>
+            <a:off x="10278304" y="2872969"/>
+            <a:ext cx="360000" cy="0"/>
+          </a:xfrm>
+          <a:prstGeom prst="straightConnector1">
+            <a:avLst/>
+          </a:prstGeom>
+          <a:ln w="12700">
+            <a:solidFill>
+              <a:schemeClr val="tx1"/>
+            </a:solidFill>
+            <a:tailEnd type="triangle"/>
+          </a:ln>
+        </p:spPr>
+        <p:style>
+          <a:lnRef idx="1">
+            <a:schemeClr val="accent1"/>
+          </a:lnRef>
+          <a:fillRef idx="0">
+            <a:schemeClr val="accent1"/>
+          </a:fillRef>
+          <a:effectRef idx="0">
+            <a:schemeClr val="accent1"/>
+          </a:effectRef>
+          <a:fontRef idx="minor">
+            <a:schemeClr val="tx1"/>
+          </a:fontRef>
+        </p:style>
+      </p:cxnSp>
+      <p:cxnSp>
+        <p:nvCxnSpPr>
+          <p:cNvPr id="37" name="直線單箭頭接點 36"/>
+          <p:cNvCxnSpPr/>
+          <p:nvPr/>
+        </p:nvCxnSpPr>
+        <p:spPr>
+          <a:xfrm>
+            <a:off x="10270360" y="3415520"/>
+            <a:ext cx="360000" cy="0"/>
+          </a:xfrm>
+          <a:prstGeom prst="straightConnector1">
+            <a:avLst/>
+          </a:prstGeom>
+          <a:ln w="12700">
+            <a:solidFill>
+              <a:schemeClr val="tx1"/>
+            </a:solidFill>
+            <a:tailEnd type="triangle"/>
+          </a:ln>
+        </p:spPr>
+        <p:style>
+          <a:lnRef idx="1">
+            <a:schemeClr val="accent1"/>
+          </a:lnRef>
+          <a:fillRef idx="0">
+            <a:schemeClr val="accent1"/>
+          </a:fillRef>
+          <a:effectRef idx="0">
+            <a:schemeClr val="accent1"/>
+          </a:effectRef>
+          <a:fontRef idx="minor">
+            <a:schemeClr val="tx1"/>
+          </a:fontRef>
+        </p:style>
+      </p:cxnSp>
+      <p:sp>
+        <p:nvSpPr>
+          <p:cNvPr id="38" name="文字方塊 37"/>
+          <p:cNvSpPr txBox="1"/>
+          <p:nvPr/>
+        </p:nvSpPr>
+        <p:spPr>
+          <a:xfrm>
+            <a:off x="7660362" y="3780000"/>
+            <a:ext cx="1080000" cy="360000"/>
+          </a:xfrm>
+          <a:prstGeom prst="rect">
+            <a:avLst/>
+          </a:prstGeom>
+          <a:solidFill>
+            <a:schemeClr val="accent2">
+              <a:lumMod val="60000"/>
+              <a:lumOff val="40000"/>
+            </a:schemeClr>
+          </a:solidFill>
+          <a:ln>
+            <a:noFill/>
+          </a:ln>
+          <a:effectLst>
+            <a:outerShdw blurRad="57150" dist="19050" dir="5400000" algn="ctr" rotWithShape="0">
+              <a:srgbClr val="000000">
+                <a:alpha val="63000"/>
+              </a:srgbClr>
+            </a:outerShdw>
+            <a:softEdge rad="0"/>
+          </a:effectLst>
+        </p:spPr>
+        <p:style>
+          <a:lnRef idx="0">
+            <a:schemeClr val="accent5"/>
+          </a:lnRef>
+          <a:fillRef idx="3">
+            <a:schemeClr val="accent5"/>
+          </a:fillRef>
+          <a:effectRef idx="3">
+            <a:schemeClr val="accent5"/>
+          </a:effectRef>
+          <a:fontRef idx="minor">
+            <a:schemeClr val="lt1"/>
+          </a:fontRef>
+        </p:style>
+        <p:txBody>
+          <a:bodyPr wrap="none" rtlCol="0" anchor="ctr">
+            <a:spAutoFit/>
+          </a:bodyPr>
+          <a:lstStyle/>
+          <a:p>
+            <a:pPr algn="ctr"/>
+            <a:r>
+              <a:rPr lang="zh-TW" altLang="en-US" sz="1600" dirty="0" smtClean="0">
+                <a:solidFill>
+                  <a:schemeClr val="bg1"/>
+                </a:solidFill>
+                <a:latin typeface="華康中圓體" panose="020F0509000000000000" pitchFamily="49" charset="-120"/>
+                <a:ea typeface="華康中圓體" panose="020F0509000000000000" pitchFamily="49" charset="-120"/>
+              </a:rPr>
+              <a:t>平台資訊</a:t>
+            </a:r>
+            <a:endParaRPr lang="en-US" altLang="zh-TW" sz="1600" dirty="0" smtClean="0">
+              <a:solidFill>
+                <a:schemeClr val="bg1"/>
+              </a:solidFill>
+              <a:latin typeface="華康中圓體" panose="020F0509000000000000" pitchFamily="49" charset="-120"/>
+              <a:ea typeface="華康中圓體" panose="020F0509000000000000" pitchFamily="49" charset="-120"/>
+            </a:endParaRPr>
+          </a:p>
+        </p:txBody>
+      </p:sp>
+      <p:cxnSp>
+        <p:nvCxnSpPr>
+          <p:cNvPr id="39" name="直線單箭頭接點 38"/>
+          <p:cNvCxnSpPr>
+            <a:stCxn id="8" idx="2"/>
+            <a:endCxn id="38" idx="0"/>
+          </p:cNvCxnSpPr>
+          <p:nvPr/>
+        </p:nvCxnSpPr>
+        <p:spPr>
+          <a:xfrm>
+            <a:off x="8200361" y="2459168"/>
+            <a:ext cx="1" cy="1320832"/>
+          </a:xfrm>
+          <a:prstGeom prst="straightConnector1">
+            <a:avLst/>
+          </a:prstGeom>
+          <a:ln w="12700">
+            <a:solidFill>
+              <a:schemeClr val="tx1"/>
+            </a:solidFill>
+            <a:tailEnd type="triangle"/>
+          </a:ln>
+        </p:spPr>
+        <p:style>
+          <a:lnRef idx="1">
+            <a:schemeClr val="accent1"/>
+          </a:lnRef>
+          <a:fillRef idx="0">
+            <a:schemeClr val="accent1"/>
+          </a:fillRef>
+          <a:effectRef idx="0">
+            <a:schemeClr val="accent1"/>
+          </a:effectRef>
+          <a:fontRef idx="minor">
+            <a:schemeClr val="tx1"/>
+          </a:fontRef>
+        </p:style>
+      </p:cxnSp>
+      <p:sp>
+        <p:nvSpPr>
+          <p:cNvPr id="42" name="文字方塊 41"/>
+          <p:cNvSpPr txBox="1"/>
+          <p:nvPr/>
+        </p:nvSpPr>
+        <p:spPr>
+          <a:xfrm>
+            <a:off x="3518439" y="3780000"/>
+            <a:ext cx="1080000" cy="360000"/>
+          </a:xfrm>
+          <a:prstGeom prst="rect">
+            <a:avLst/>
+          </a:prstGeom>
+          <a:solidFill>
+            <a:schemeClr val="accent6">
+              <a:lumMod val="60000"/>
+              <a:lumOff val="40000"/>
+            </a:schemeClr>
+          </a:solidFill>
+          <a:ln>
+            <a:noFill/>
+          </a:ln>
+          <a:effectLst>
+            <a:outerShdw blurRad="57150" dist="19050" dir="5400000" algn="ctr" rotWithShape="0">
+              <a:srgbClr val="000000">
+                <a:alpha val="63000"/>
+              </a:srgbClr>
+            </a:outerShdw>
+            <a:softEdge rad="0"/>
+          </a:effectLst>
+        </p:spPr>
+        <p:style>
+          <a:lnRef idx="0">
+            <a:schemeClr val="accent5"/>
+          </a:lnRef>
+          <a:fillRef idx="3">
+            <a:schemeClr val="accent5"/>
+          </a:fillRef>
+          <a:effectRef idx="3">
+            <a:schemeClr val="accent5"/>
+          </a:effectRef>
+          <a:fontRef idx="minor">
+            <a:schemeClr val="lt1"/>
+          </a:fontRef>
+        </p:style>
+        <p:txBody>
+          <a:bodyPr wrap="none" rtlCol="0" anchor="ctr">
+            <a:spAutoFit/>
+          </a:bodyPr>
+          <a:lstStyle/>
+          <a:p>
+            <a:pPr algn="ctr"/>
+            <a:r>
+              <a:rPr lang="zh-TW" altLang="en-US" sz="1600" dirty="0" smtClean="0">
+                <a:solidFill>
+                  <a:schemeClr val="bg1"/>
+                </a:solidFill>
+                <a:latin typeface="華康中圓體" panose="020F0509000000000000" pitchFamily="49" charset="-120"/>
+                <a:ea typeface="華康中圓體" panose="020F0509000000000000" pitchFamily="49" charset="-120"/>
+              </a:rPr>
+              <a:t>詳細商品</a:t>
+            </a:r>
+            <a:endParaRPr lang="en-US" altLang="zh-TW" sz="1600" dirty="0" smtClean="0">
+              <a:solidFill>
+                <a:schemeClr val="bg1"/>
+              </a:solidFill>
+              <a:latin typeface="華康中圓體" panose="020F0509000000000000" pitchFamily="49" charset="-120"/>
+              <a:ea typeface="華康中圓體" panose="020F0509000000000000" pitchFamily="49" charset="-120"/>
+            </a:endParaRPr>
+          </a:p>
+        </p:txBody>
+      </p:sp>
+      <p:cxnSp>
+        <p:nvCxnSpPr>
+          <p:cNvPr id="43" name="直線單箭頭接點 42"/>
+          <p:cNvCxnSpPr>
+            <a:stCxn id="6" idx="2"/>
+            <a:endCxn id="42" idx="0"/>
+          </p:cNvCxnSpPr>
+          <p:nvPr/>
+        </p:nvCxnSpPr>
+        <p:spPr>
+          <a:xfrm flipH="1">
+            <a:off x="4058439" y="2434223"/>
+            <a:ext cx="1924" cy="1345777"/>
+          </a:xfrm>
+          <a:prstGeom prst="straightConnector1">
+            <a:avLst/>
+          </a:prstGeom>
+          <a:ln w="12700">
+            <a:solidFill>
+              <a:schemeClr val="tx1"/>
+            </a:solidFill>
+            <a:tailEnd type="triangle"/>
+          </a:ln>
+        </p:spPr>
+        <p:style>
+          <a:lnRef idx="1">
+            <a:schemeClr val="accent1"/>
+          </a:lnRef>
+          <a:fillRef idx="0">
+            <a:schemeClr val="accent1"/>
+          </a:fillRef>
+          <a:effectRef idx="0">
+            <a:schemeClr val="accent1"/>
+          </a:effectRef>
+          <a:fontRef idx="minor">
+            <a:schemeClr val="tx1"/>
+          </a:fontRef>
+        </p:style>
+      </p:cxnSp>
+      <p:sp>
+        <p:nvSpPr>
+          <p:cNvPr id="44" name="文字方塊 43"/>
+          <p:cNvSpPr txBox="1"/>
+          <p:nvPr/>
+        </p:nvSpPr>
+        <p:spPr>
+          <a:xfrm>
+            <a:off x="5555263" y="3784494"/>
+            <a:ext cx="1080000" cy="360000"/>
+          </a:xfrm>
+          <a:prstGeom prst="rect">
+            <a:avLst/>
+          </a:prstGeom>
+          <a:solidFill>
+            <a:schemeClr val="tx2">
+              <a:lumMod val="60000"/>
+              <a:lumOff val="40000"/>
+            </a:schemeClr>
+          </a:solidFill>
+          <a:ln>
+            <a:noFill/>
+          </a:ln>
+          <a:effectLst>
+            <a:outerShdw blurRad="57150" dist="19050" dir="5400000" algn="ctr" rotWithShape="0">
+              <a:srgbClr val="000000">
+                <a:alpha val="63000"/>
+              </a:srgbClr>
+            </a:outerShdw>
+            <a:softEdge rad="0"/>
+          </a:effectLst>
+        </p:spPr>
+        <p:style>
+          <a:lnRef idx="0">
+            <a:schemeClr val="accent5"/>
+          </a:lnRef>
+          <a:fillRef idx="3">
+            <a:schemeClr val="accent5"/>
+          </a:fillRef>
+          <a:effectRef idx="3">
+            <a:schemeClr val="accent5"/>
+          </a:effectRef>
+          <a:fontRef idx="minor">
+            <a:schemeClr val="lt1"/>
+          </a:fontRef>
+        </p:style>
+        <p:txBody>
+          <a:bodyPr wrap="none" rtlCol="0" anchor="ctr">
+            <a:spAutoFit/>
+          </a:bodyPr>
+          <a:lstStyle/>
+          <a:p>
+            <a:pPr algn="ctr"/>
+            <a:r>
+              <a:rPr lang="zh-TW" altLang="en-US" sz="1600" dirty="0" smtClean="0">
+                <a:solidFill>
+                  <a:schemeClr val="bg1"/>
+                </a:solidFill>
+                <a:latin typeface="華康中圓體" panose="020F0509000000000000" pitchFamily="49" charset="-120"/>
+                <a:ea typeface="華康中圓體" panose="020F0509000000000000" pitchFamily="49" charset="-120"/>
+              </a:rPr>
+              <a:t>課程介紹</a:t>
+            </a:r>
+            <a:endParaRPr lang="en-US" altLang="zh-TW" sz="1600" dirty="0" smtClean="0">
+              <a:solidFill>
+                <a:schemeClr val="bg1"/>
+              </a:solidFill>
+              <a:latin typeface="華康中圓體" panose="020F0509000000000000" pitchFamily="49" charset="-120"/>
+              <a:ea typeface="華康中圓體" panose="020F0509000000000000" pitchFamily="49" charset="-120"/>
+            </a:endParaRPr>
+          </a:p>
+        </p:txBody>
+      </p:sp>
+      <p:cxnSp>
+        <p:nvCxnSpPr>
+          <p:cNvPr id="45" name="直線單箭頭接點 44"/>
+          <p:cNvCxnSpPr>
+            <a:stCxn id="9" idx="2"/>
+            <a:endCxn id="44" idx="0"/>
+          </p:cNvCxnSpPr>
+          <p:nvPr/>
+        </p:nvCxnSpPr>
+        <p:spPr>
+          <a:xfrm flipH="1">
+            <a:off x="6095263" y="2459168"/>
+            <a:ext cx="737" cy="1325326"/>
+          </a:xfrm>
+          <a:prstGeom prst="straightConnector1">
+            <a:avLst/>
+          </a:prstGeom>
+          <a:ln w="12700">
+            <a:solidFill>
+              <a:schemeClr val="tx1"/>
+            </a:solidFill>
+            <a:tailEnd type="triangle"/>
+          </a:ln>
+        </p:spPr>
+        <p:style>
+          <a:lnRef idx="1">
+            <a:schemeClr val="accent1"/>
+          </a:lnRef>
+          <a:fillRef idx="0">
+            <a:schemeClr val="accent1"/>
+          </a:fillRef>
+          <a:effectRef idx="0">
+            <a:schemeClr val="accent1"/>
+          </a:effectRef>
+          <a:fontRef idx="minor">
+            <a:schemeClr val="tx1"/>
+          </a:fontRef>
+        </p:style>
+      </p:cxnSp>
+      <p:sp>
+        <p:nvSpPr>
+          <p:cNvPr id="49" name="文字方塊 48"/>
+          <p:cNvSpPr txBox="1"/>
+          <p:nvPr/>
+        </p:nvSpPr>
+        <p:spPr>
+          <a:xfrm>
+            <a:off x="2352996" y="2700000"/>
+            <a:ext cx="1080000" cy="360000"/>
+          </a:xfrm>
+          <a:prstGeom prst="rect">
+            <a:avLst/>
+          </a:prstGeom>
+          <a:solidFill>
+            <a:schemeClr val="accent5">
+              <a:lumMod val="60000"/>
+              <a:lumOff val="40000"/>
+            </a:schemeClr>
+          </a:solidFill>
+          <a:ln>
+            <a:noFill/>
+          </a:ln>
+          <a:effectLst>
+            <a:outerShdw blurRad="57150" dist="19050" dir="5400000" algn="ctr" rotWithShape="0">
+              <a:srgbClr val="000000">
+                <a:alpha val="63000"/>
+              </a:srgbClr>
+            </a:outerShdw>
+            <a:softEdge rad="0"/>
+          </a:effectLst>
+        </p:spPr>
+        <p:style>
+          <a:lnRef idx="0">
+            <a:schemeClr val="accent5"/>
+          </a:lnRef>
+          <a:fillRef idx="3">
+            <a:schemeClr val="accent5"/>
+          </a:fillRef>
+          <a:effectRef idx="3">
+            <a:schemeClr val="accent5"/>
+          </a:effectRef>
+          <a:fontRef idx="minor">
+            <a:schemeClr val="lt1"/>
+          </a:fontRef>
+        </p:style>
+        <p:txBody>
+          <a:bodyPr wrap="none" rtlCol="0" anchor="ctr">
+            <a:spAutoFit/>
+          </a:bodyPr>
+          <a:lstStyle/>
+          <a:p>
+            <a:pPr algn="ctr"/>
+            <a:r>
+              <a:rPr lang="zh-TW" altLang="en-US" sz="1600" dirty="0" smtClean="0">
+                <a:solidFill>
+                  <a:schemeClr val="bg1"/>
+                </a:solidFill>
+                <a:latin typeface="華康中圓體" panose="020F0509000000000000" pitchFamily="49" charset="-120"/>
+                <a:ea typeface="華康中圓體" panose="020F0509000000000000" pitchFamily="49" charset="-120"/>
+              </a:rPr>
+              <a:t>最新消息</a:t>
+            </a:r>
+            <a:endParaRPr lang="en-US" altLang="zh-TW" sz="1600" dirty="0" smtClean="0">
+              <a:solidFill>
+                <a:schemeClr val="bg1"/>
+              </a:solidFill>
+              <a:latin typeface="華康中圓體" panose="020F0509000000000000" pitchFamily="49" charset="-120"/>
+              <a:ea typeface="華康中圓體" panose="020F0509000000000000" pitchFamily="49" charset="-120"/>
+            </a:endParaRPr>
+          </a:p>
+        </p:txBody>
+      </p:sp>
+      <p:sp>
+        <p:nvSpPr>
+          <p:cNvPr id="50" name="文字方塊 49"/>
+          <p:cNvSpPr txBox="1"/>
+          <p:nvPr/>
+        </p:nvSpPr>
+        <p:spPr>
+          <a:xfrm>
+            <a:off x="2353441" y="3240000"/>
+            <a:ext cx="1080000" cy="360000"/>
+          </a:xfrm>
+          <a:prstGeom prst="rect">
+            <a:avLst/>
+          </a:prstGeom>
+          <a:solidFill>
+            <a:schemeClr val="accent5">
+              <a:lumMod val="60000"/>
+              <a:lumOff val="40000"/>
+            </a:schemeClr>
+          </a:solidFill>
+          <a:ln>
+            <a:noFill/>
+          </a:ln>
+          <a:effectLst>
+            <a:outerShdw blurRad="57150" dist="19050" dir="5400000" algn="ctr" rotWithShape="0">
+              <a:srgbClr val="000000">
+                <a:alpha val="63000"/>
+              </a:srgbClr>
+            </a:outerShdw>
+            <a:softEdge rad="0"/>
+          </a:effectLst>
+        </p:spPr>
+        <p:style>
+          <a:lnRef idx="0">
+            <a:schemeClr val="accent5"/>
+          </a:lnRef>
+          <a:fillRef idx="3">
+            <a:schemeClr val="accent5"/>
+          </a:fillRef>
+          <a:effectRef idx="3">
+            <a:schemeClr val="accent5"/>
+          </a:effectRef>
+          <a:fontRef idx="minor">
+            <a:schemeClr val="lt1"/>
+          </a:fontRef>
+        </p:style>
+        <p:txBody>
+          <a:bodyPr wrap="none" rtlCol="0" anchor="ctr">
+            <a:spAutoFit/>
+          </a:bodyPr>
+          <a:lstStyle/>
+          <a:p>
+            <a:pPr algn="ctr"/>
+            <a:r>
+              <a:rPr lang="zh-TW" altLang="en-US" sz="1600" dirty="0" smtClean="0">
+                <a:solidFill>
+                  <a:schemeClr val="bg1"/>
+                </a:solidFill>
+                <a:latin typeface="華康中圓體" panose="020F0509000000000000" pitchFamily="49" charset="-120"/>
+                <a:ea typeface="華康中圓體" panose="020F0509000000000000" pitchFamily="49" charset="-120"/>
+              </a:rPr>
+              <a:t>活動消息</a:t>
+            </a:r>
+            <a:endParaRPr lang="en-US" altLang="zh-TW" sz="1600" dirty="0" smtClean="0">
+              <a:solidFill>
+                <a:schemeClr val="bg1"/>
+              </a:solidFill>
+              <a:latin typeface="華康中圓體" panose="020F0509000000000000" pitchFamily="49" charset="-120"/>
+              <a:ea typeface="華康中圓體" panose="020F0509000000000000" pitchFamily="49" charset="-120"/>
+            </a:endParaRPr>
+          </a:p>
+        </p:txBody>
+      </p:sp>
+      <p:cxnSp>
+        <p:nvCxnSpPr>
+          <p:cNvPr id="51" name="直線單箭頭接點 50"/>
+          <p:cNvCxnSpPr/>
+          <p:nvPr/>
+        </p:nvCxnSpPr>
+        <p:spPr>
+          <a:xfrm>
+            <a:off x="1984820" y="2865600"/>
+            <a:ext cx="360000" cy="0"/>
+          </a:xfrm>
+          <a:prstGeom prst="straightConnector1">
+            <a:avLst/>
+          </a:prstGeom>
+          <a:ln w="12700">
+            <a:solidFill>
+              <a:schemeClr val="tx1"/>
+            </a:solidFill>
+            <a:tailEnd type="triangle"/>
+          </a:ln>
+        </p:spPr>
+        <p:style>
+          <a:lnRef idx="1">
+            <a:schemeClr val="accent1"/>
+          </a:lnRef>
+          <a:fillRef idx="0">
+            <a:schemeClr val="accent1"/>
+          </a:fillRef>
+          <a:effectRef idx="0">
+            <a:schemeClr val="accent1"/>
+          </a:effectRef>
+          <a:fontRef idx="minor">
+            <a:schemeClr val="tx1"/>
+          </a:fontRef>
+        </p:style>
+      </p:cxnSp>
+      <p:cxnSp>
+        <p:nvCxnSpPr>
+          <p:cNvPr id="46" name="肘形接點 45"/>
+          <p:cNvCxnSpPr>
+            <a:stCxn id="10" idx="2"/>
+            <a:endCxn id="50" idx="1"/>
+          </p:cNvCxnSpPr>
+          <p:nvPr/>
+        </p:nvCxnSpPr>
+        <p:spPr>
+          <a:xfrm rot="16200000" flipH="1">
+            <a:off x="1691486" y="2758045"/>
+            <a:ext cx="960832" cy="363077"/>
+          </a:xfrm>
+          <a:prstGeom prst="bentConnector2">
+            <a:avLst/>
+          </a:prstGeom>
+          <a:ln w="12700">
+            <a:solidFill>
+              <a:schemeClr val="tx1"/>
+            </a:solidFill>
+            <a:tailEnd type="triangle"/>
+          </a:ln>
+        </p:spPr>
+        <p:style>
+          <a:lnRef idx="1">
+            <a:schemeClr val="accent1"/>
+          </a:lnRef>
+          <a:fillRef idx="0">
+            <a:schemeClr val="accent1"/>
+          </a:fillRef>
+          <a:effectRef idx="0">
+            <a:schemeClr val="accent1"/>
+          </a:effectRef>
+          <a:fontRef idx="minor">
+            <a:schemeClr val="tx1"/>
+          </a:fontRef>
+        </p:style>
+      </p:cxnSp>
+      <p:sp>
+        <p:nvSpPr>
+          <p:cNvPr id="59" name="文字方塊 58"/>
+          <p:cNvSpPr txBox="1"/>
+          <p:nvPr/>
+        </p:nvSpPr>
+        <p:spPr>
+          <a:xfrm>
+            <a:off x="4420363" y="2700000"/>
+            <a:ext cx="1080000" cy="360000"/>
+          </a:xfrm>
+          <a:prstGeom prst="rect">
+            <a:avLst/>
+          </a:prstGeom>
+          <a:solidFill>
+            <a:schemeClr val="accent6">
+              <a:lumMod val="60000"/>
+              <a:lumOff val="40000"/>
+            </a:schemeClr>
+          </a:solidFill>
+          <a:ln>
+            <a:noFill/>
+          </a:ln>
+          <a:effectLst>
+            <a:outerShdw blurRad="57150" dist="19050" dir="5400000" algn="ctr" rotWithShape="0">
+              <a:srgbClr val="000000">
+                <a:alpha val="63000"/>
+              </a:srgbClr>
+            </a:outerShdw>
+            <a:softEdge rad="0"/>
+          </a:effectLst>
+        </p:spPr>
+        <p:style>
+          <a:lnRef idx="0">
+            <a:schemeClr val="accent5"/>
+          </a:lnRef>
+          <a:fillRef idx="3">
+            <a:schemeClr val="accent5"/>
+          </a:fillRef>
+          <a:effectRef idx="3">
+            <a:schemeClr val="accent5"/>
+          </a:effectRef>
+          <a:fontRef idx="minor">
+            <a:schemeClr val="lt1"/>
+          </a:fontRef>
+        </p:style>
+        <p:txBody>
+          <a:bodyPr wrap="none" rtlCol="0" anchor="ctr">
+            <a:spAutoFit/>
+          </a:bodyPr>
+          <a:lstStyle/>
+          <a:p>
+            <a:pPr algn="ctr"/>
+            <a:r>
+              <a:rPr lang="zh-TW" altLang="en-US" sz="1600" dirty="0" smtClean="0">
+                <a:solidFill>
+                  <a:schemeClr val="bg1"/>
+                </a:solidFill>
+                <a:latin typeface="華康中圓體" panose="020F0509000000000000" pitchFamily="49" charset="-120"/>
+                <a:ea typeface="華康中圓體" panose="020F0509000000000000" pitchFamily="49" charset="-120"/>
+              </a:rPr>
+              <a:t>熱銷商品</a:t>
+            </a:r>
+            <a:endParaRPr lang="en-US" altLang="zh-TW" sz="1600" dirty="0" smtClean="0">
+              <a:solidFill>
+                <a:schemeClr val="bg1"/>
+              </a:solidFill>
+              <a:latin typeface="華康中圓體" panose="020F0509000000000000" pitchFamily="49" charset="-120"/>
+              <a:ea typeface="華康中圓體" panose="020F0509000000000000" pitchFamily="49" charset="-120"/>
+            </a:endParaRPr>
+          </a:p>
+        </p:txBody>
+      </p:sp>
+      <p:sp>
+        <p:nvSpPr>
+          <p:cNvPr id="60" name="文字方塊 59"/>
+          <p:cNvSpPr txBox="1"/>
+          <p:nvPr/>
+        </p:nvSpPr>
+        <p:spPr>
+          <a:xfrm>
+            <a:off x="4426063" y="3240000"/>
+            <a:ext cx="1080000" cy="360000"/>
+          </a:xfrm>
+          <a:prstGeom prst="rect">
+            <a:avLst/>
+          </a:prstGeom>
+          <a:solidFill>
+            <a:schemeClr val="accent6">
+              <a:lumMod val="60000"/>
+              <a:lumOff val="40000"/>
+            </a:schemeClr>
+          </a:solidFill>
+          <a:ln>
+            <a:noFill/>
+          </a:ln>
+          <a:effectLst>
+            <a:outerShdw blurRad="57150" dist="19050" dir="5400000" algn="ctr" rotWithShape="0">
+              <a:srgbClr val="000000">
+                <a:alpha val="63000"/>
+              </a:srgbClr>
+            </a:outerShdw>
+            <a:softEdge rad="0"/>
+          </a:effectLst>
+        </p:spPr>
+        <p:style>
+          <a:lnRef idx="0">
+            <a:schemeClr val="accent5"/>
+          </a:lnRef>
+          <a:fillRef idx="3">
+            <a:schemeClr val="accent5"/>
+          </a:fillRef>
+          <a:effectRef idx="3">
+            <a:schemeClr val="accent5"/>
+          </a:effectRef>
+          <a:fontRef idx="minor">
+            <a:schemeClr val="lt1"/>
+          </a:fontRef>
+        </p:style>
+        <p:txBody>
+          <a:bodyPr wrap="none" rtlCol="0" anchor="ctr">
+            <a:spAutoFit/>
+          </a:bodyPr>
+          <a:lstStyle/>
+          <a:p>
+            <a:pPr algn="ctr"/>
+            <a:r>
+              <a:rPr lang="zh-TW" altLang="en-US" sz="1600" dirty="0" smtClean="0">
+                <a:solidFill>
+                  <a:schemeClr val="bg1"/>
+                </a:solidFill>
+                <a:latin typeface="華康中圓體" panose="020F0509000000000000" pitchFamily="49" charset="-120"/>
+                <a:ea typeface="華康中圓體" panose="020F0509000000000000" pitchFamily="49" charset="-120"/>
+              </a:rPr>
+              <a:t>最新商品</a:t>
+            </a:r>
+            <a:endParaRPr lang="en-US" altLang="zh-TW" sz="1600" dirty="0" smtClean="0">
+              <a:solidFill>
+                <a:schemeClr val="bg1"/>
+              </a:solidFill>
+              <a:latin typeface="華康中圓體" panose="020F0509000000000000" pitchFamily="49" charset="-120"/>
+              <a:ea typeface="華康中圓體" panose="020F0509000000000000" pitchFamily="49" charset="-120"/>
+            </a:endParaRPr>
+          </a:p>
+        </p:txBody>
+      </p:sp>
+      <p:cxnSp>
+        <p:nvCxnSpPr>
+          <p:cNvPr id="61" name="直線單箭頭接點 60"/>
+          <p:cNvCxnSpPr/>
+          <p:nvPr/>
+        </p:nvCxnSpPr>
+        <p:spPr>
+          <a:xfrm>
+            <a:off x="4059918" y="2865600"/>
+            <a:ext cx="360000" cy="0"/>
+          </a:xfrm>
+          <a:prstGeom prst="straightConnector1">
+            <a:avLst/>
+          </a:prstGeom>
+          <a:ln w="12700">
+            <a:solidFill>
+              <a:schemeClr val="tx1"/>
+            </a:solidFill>
+            <a:tailEnd type="triangle"/>
+          </a:ln>
+        </p:spPr>
+        <p:style>
+          <a:lnRef idx="1">
+            <a:schemeClr val="accent1"/>
+          </a:lnRef>
+          <a:fillRef idx="0">
+            <a:schemeClr val="accent1"/>
+          </a:fillRef>
+          <a:effectRef idx="0">
+            <a:schemeClr val="accent1"/>
+          </a:effectRef>
+          <a:fontRef idx="minor">
+            <a:schemeClr val="tx1"/>
+          </a:fontRef>
+        </p:style>
+      </p:cxnSp>
+      <p:cxnSp>
+        <p:nvCxnSpPr>
+          <p:cNvPr id="62" name="直線單箭頭接點 61"/>
+          <p:cNvCxnSpPr/>
+          <p:nvPr/>
+        </p:nvCxnSpPr>
+        <p:spPr>
+          <a:xfrm flipV="1">
+            <a:off x="4059917" y="3417020"/>
+            <a:ext cx="360000" cy="0"/>
+          </a:xfrm>
+          <a:prstGeom prst="straightConnector1">
+            <a:avLst/>
+          </a:prstGeom>
+          <a:ln w="12700">
+            <a:solidFill>
+              <a:schemeClr val="tx1"/>
+            </a:solidFill>
+            <a:tailEnd type="triangle"/>
+          </a:ln>
+        </p:spPr>
+        <p:style>
+          <a:lnRef idx="1">
+            <a:schemeClr val="accent1"/>
+          </a:lnRef>
+          <a:fillRef idx="0">
+            <a:schemeClr val="accent1"/>
+          </a:fillRef>
+          <a:effectRef idx="0">
+            <a:schemeClr val="accent1"/>
+          </a:effectRef>
+          <a:fontRef idx="minor">
+            <a:schemeClr val="tx1"/>
+          </a:fontRef>
+        </p:style>
+      </p:cxnSp>
+      <p:sp>
+        <p:nvSpPr>
+          <p:cNvPr id="70" name="文字方塊 69"/>
+          <p:cNvSpPr txBox="1"/>
+          <p:nvPr/>
+        </p:nvSpPr>
+        <p:spPr>
+          <a:xfrm>
+            <a:off x="6466697" y="2693375"/>
+            <a:ext cx="1080000" cy="360000"/>
+          </a:xfrm>
+          <a:prstGeom prst="rect">
+            <a:avLst/>
+          </a:prstGeom>
+          <a:solidFill>
+            <a:schemeClr val="tx2">
+              <a:lumMod val="60000"/>
+              <a:lumOff val="40000"/>
+            </a:schemeClr>
+          </a:solidFill>
+          <a:ln>
+            <a:noFill/>
+          </a:ln>
+          <a:effectLst>
+            <a:outerShdw blurRad="57150" dist="19050" dir="5400000" algn="ctr" rotWithShape="0">
+              <a:srgbClr val="000000">
+                <a:alpha val="63000"/>
+              </a:srgbClr>
+            </a:outerShdw>
+            <a:softEdge rad="0"/>
+          </a:effectLst>
+        </p:spPr>
+        <p:style>
+          <a:lnRef idx="0">
+            <a:schemeClr val="accent5"/>
+          </a:lnRef>
+          <a:fillRef idx="3">
+            <a:schemeClr val="accent5"/>
+          </a:fillRef>
+          <a:effectRef idx="3">
+            <a:schemeClr val="accent5"/>
+          </a:effectRef>
+          <a:fontRef idx="minor">
+            <a:schemeClr val="lt1"/>
+          </a:fontRef>
+        </p:style>
+        <p:txBody>
+          <a:bodyPr wrap="none" rtlCol="0" anchor="ctr">
+            <a:spAutoFit/>
+          </a:bodyPr>
+          <a:lstStyle/>
+          <a:p>
+            <a:pPr algn="ctr"/>
+            <a:r>
+              <a:rPr lang="zh-TW" altLang="en-US" sz="1600" dirty="0" smtClean="0">
+                <a:solidFill>
+                  <a:schemeClr val="bg1"/>
+                </a:solidFill>
+                <a:latin typeface="華康中圓體" panose="020F0509000000000000" pitchFamily="49" charset="-120"/>
+                <a:ea typeface="華康中圓體" panose="020F0509000000000000" pitchFamily="49" charset="-120"/>
+              </a:rPr>
+              <a:t>線上客服</a:t>
+            </a:r>
+            <a:endParaRPr lang="en-US" altLang="zh-TW" sz="1600" dirty="0" smtClean="0">
+              <a:solidFill>
+                <a:schemeClr val="bg1"/>
+              </a:solidFill>
+              <a:latin typeface="華康中圓體" panose="020F0509000000000000" pitchFamily="49" charset="-120"/>
+              <a:ea typeface="華康中圓體" panose="020F0509000000000000" pitchFamily="49" charset="-120"/>
+            </a:endParaRPr>
+          </a:p>
+        </p:txBody>
+      </p:sp>
+      <p:sp>
+        <p:nvSpPr>
+          <p:cNvPr id="71" name="文字方塊 70"/>
+          <p:cNvSpPr txBox="1"/>
+          <p:nvPr/>
+        </p:nvSpPr>
+        <p:spPr>
+          <a:xfrm>
+            <a:off x="6466155" y="3232857"/>
+            <a:ext cx="1080000" cy="360000"/>
+          </a:xfrm>
+          <a:prstGeom prst="rect">
+            <a:avLst/>
+          </a:prstGeom>
+          <a:solidFill>
+            <a:schemeClr val="tx2">
+              <a:lumMod val="60000"/>
+              <a:lumOff val="40000"/>
+            </a:schemeClr>
+          </a:solidFill>
+          <a:ln>
+            <a:noFill/>
+          </a:ln>
+          <a:effectLst>
+            <a:outerShdw blurRad="57150" dist="19050" dir="5400000" algn="ctr" rotWithShape="0">
+              <a:srgbClr val="000000">
+                <a:alpha val="63000"/>
+              </a:srgbClr>
+            </a:outerShdw>
+            <a:softEdge rad="0"/>
+          </a:effectLst>
+        </p:spPr>
+        <p:style>
+          <a:lnRef idx="0">
+            <a:schemeClr val="accent5"/>
+          </a:lnRef>
+          <a:fillRef idx="3">
+            <a:schemeClr val="accent5"/>
+          </a:fillRef>
+          <a:effectRef idx="3">
+            <a:schemeClr val="accent5"/>
+          </a:effectRef>
+          <a:fontRef idx="minor">
+            <a:schemeClr val="lt1"/>
+          </a:fontRef>
+        </p:style>
+        <p:txBody>
+          <a:bodyPr wrap="none" rtlCol="0" anchor="ctr">
+            <a:spAutoFit/>
+          </a:bodyPr>
+          <a:lstStyle/>
+          <a:p>
+            <a:pPr algn="ctr"/>
+            <a:r>
+              <a:rPr lang="zh-TW" altLang="en-US" sz="1600" dirty="0" smtClean="0">
+                <a:solidFill>
+                  <a:schemeClr val="bg1"/>
+                </a:solidFill>
+                <a:latin typeface="華康中圓體" panose="020F0509000000000000" pitchFamily="49" charset="-120"/>
+                <a:ea typeface="華康中圓體" panose="020F0509000000000000" pitchFamily="49" charset="-120"/>
+              </a:rPr>
+              <a:t>知識小站</a:t>
+            </a:r>
+            <a:endParaRPr lang="en-US" altLang="zh-TW" sz="1600" dirty="0" smtClean="0">
+              <a:solidFill>
+                <a:schemeClr val="bg1"/>
+              </a:solidFill>
+              <a:latin typeface="華康中圓體" panose="020F0509000000000000" pitchFamily="49" charset="-120"/>
+              <a:ea typeface="華康中圓體" panose="020F0509000000000000" pitchFamily="49" charset="-120"/>
+            </a:endParaRPr>
+          </a:p>
+        </p:txBody>
+      </p:sp>
+      <p:cxnSp>
+        <p:nvCxnSpPr>
+          <p:cNvPr id="72" name="直線單箭頭接點 71"/>
+          <p:cNvCxnSpPr/>
+          <p:nvPr/>
+        </p:nvCxnSpPr>
+        <p:spPr>
+          <a:xfrm>
+            <a:off x="6103284" y="2876553"/>
+            <a:ext cx="360000" cy="0"/>
+          </a:xfrm>
+          <a:prstGeom prst="straightConnector1">
+            <a:avLst/>
+          </a:prstGeom>
+          <a:ln w="12700">
+            <a:solidFill>
+              <a:schemeClr val="tx1"/>
+            </a:solidFill>
+            <a:tailEnd type="triangle"/>
+          </a:ln>
+        </p:spPr>
+        <p:style>
+          <a:lnRef idx="1">
+            <a:schemeClr val="accent1"/>
+          </a:lnRef>
+          <a:fillRef idx="0">
+            <a:schemeClr val="accent1"/>
+          </a:fillRef>
+          <a:effectRef idx="0">
+            <a:schemeClr val="accent1"/>
+          </a:effectRef>
+          <a:fontRef idx="minor">
+            <a:schemeClr val="tx1"/>
+          </a:fontRef>
+        </p:style>
+      </p:cxnSp>
+      <p:cxnSp>
+        <p:nvCxnSpPr>
+          <p:cNvPr id="73" name="直線單箭頭接點 72"/>
+          <p:cNvCxnSpPr/>
+          <p:nvPr/>
+        </p:nvCxnSpPr>
+        <p:spPr>
+          <a:xfrm>
+            <a:off x="6103284" y="3417020"/>
+            <a:ext cx="360000" cy="0"/>
+          </a:xfrm>
+          <a:prstGeom prst="straightConnector1">
+            <a:avLst/>
+          </a:prstGeom>
+          <a:ln w="12700">
+            <a:solidFill>
+              <a:schemeClr val="tx1"/>
+            </a:solidFill>
+            <a:tailEnd type="triangle"/>
+          </a:ln>
+        </p:spPr>
+        <p:style>
+          <a:lnRef idx="1">
+            <a:schemeClr val="accent1"/>
+          </a:lnRef>
+          <a:fillRef idx="0">
+            <a:schemeClr val="accent1"/>
+          </a:fillRef>
+          <a:effectRef idx="0">
+            <a:schemeClr val="accent1"/>
+          </a:effectRef>
+          <a:fontRef idx="minor">
+            <a:schemeClr val="tx1"/>
+          </a:fontRef>
+        </p:style>
+      </p:cxnSp>
+      <p:sp>
+        <p:nvSpPr>
+          <p:cNvPr id="75" name="文字方塊 74"/>
+          <p:cNvSpPr txBox="1"/>
+          <p:nvPr/>
+        </p:nvSpPr>
+        <p:spPr>
+          <a:xfrm>
+            <a:off x="8574964" y="2692969"/>
+            <a:ext cx="1080000" cy="360000"/>
+          </a:xfrm>
+          <a:prstGeom prst="rect">
+            <a:avLst/>
+          </a:prstGeom>
+          <a:solidFill>
+            <a:schemeClr val="accent2">
+              <a:lumMod val="60000"/>
+              <a:lumOff val="40000"/>
+            </a:schemeClr>
+          </a:solidFill>
+          <a:ln>
+            <a:noFill/>
+          </a:ln>
+          <a:effectLst>
+            <a:outerShdw blurRad="57150" dist="19050" dir="5400000" algn="ctr" rotWithShape="0">
+              <a:srgbClr val="000000">
+                <a:alpha val="63000"/>
+              </a:srgbClr>
+            </a:outerShdw>
+            <a:softEdge rad="0"/>
+          </a:effectLst>
+        </p:spPr>
+        <p:style>
+          <a:lnRef idx="0">
+            <a:schemeClr val="accent5"/>
+          </a:lnRef>
+          <a:fillRef idx="3">
+            <a:schemeClr val="accent5"/>
+          </a:fillRef>
+          <a:effectRef idx="3">
+            <a:schemeClr val="accent5"/>
+          </a:effectRef>
+          <a:fontRef idx="minor">
+            <a:schemeClr val="lt1"/>
+          </a:fontRef>
+        </p:style>
+        <p:txBody>
+          <a:bodyPr wrap="none" rtlCol="0" anchor="ctr">
+            <a:spAutoFit/>
+          </a:bodyPr>
+          <a:lstStyle/>
+          <a:p>
+            <a:pPr algn="ctr"/>
+            <a:r>
+              <a:rPr lang="zh-TW" altLang="en-US" sz="1600" dirty="0" smtClean="0">
+                <a:solidFill>
+                  <a:schemeClr val="bg1"/>
+                </a:solidFill>
+                <a:latin typeface="華康中圓體" panose="020F0509000000000000" pitchFamily="49" charset="-120"/>
+                <a:ea typeface="華康中圓體" panose="020F0509000000000000" pitchFamily="49" charset="-120"/>
+              </a:rPr>
+              <a:t>友情連結</a:t>
+            </a:r>
+            <a:endParaRPr lang="en-US" altLang="zh-TW" sz="1600" dirty="0" smtClean="0">
+              <a:solidFill>
+                <a:schemeClr val="bg1"/>
+              </a:solidFill>
+              <a:latin typeface="華康中圓體" panose="020F0509000000000000" pitchFamily="49" charset="-120"/>
+              <a:ea typeface="華康中圓體" panose="020F0509000000000000" pitchFamily="49" charset="-120"/>
+            </a:endParaRPr>
+          </a:p>
+        </p:txBody>
+      </p:sp>
+      <p:sp>
+        <p:nvSpPr>
+          <p:cNvPr id="76" name="文字方塊 75"/>
+          <p:cNvSpPr txBox="1"/>
+          <p:nvPr/>
+        </p:nvSpPr>
+        <p:spPr>
+          <a:xfrm>
+            <a:off x="8574964" y="3240000"/>
+            <a:ext cx="1080000" cy="360000"/>
+          </a:xfrm>
+          <a:prstGeom prst="rect">
+            <a:avLst/>
+          </a:prstGeom>
+          <a:solidFill>
+            <a:schemeClr val="accent2">
+              <a:lumMod val="60000"/>
+              <a:lumOff val="40000"/>
+            </a:schemeClr>
+          </a:solidFill>
+          <a:ln>
+            <a:noFill/>
+          </a:ln>
+          <a:effectLst>
+            <a:outerShdw blurRad="57150" dist="19050" dir="5400000" algn="ctr" rotWithShape="0">
+              <a:srgbClr val="000000">
+                <a:alpha val="63000"/>
+              </a:srgbClr>
+            </a:outerShdw>
+            <a:softEdge rad="0"/>
+          </a:effectLst>
+        </p:spPr>
+        <p:style>
+          <a:lnRef idx="0">
+            <a:schemeClr val="accent5"/>
+          </a:lnRef>
+          <a:fillRef idx="3">
+            <a:schemeClr val="accent5"/>
+          </a:fillRef>
+          <a:effectRef idx="3">
+            <a:schemeClr val="accent5"/>
+          </a:effectRef>
+          <a:fontRef idx="minor">
+            <a:schemeClr val="lt1"/>
+          </a:fontRef>
+        </p:style>
+        <p:txBody>
+          <a:bodyPr wrap="none" rtlCol="0" anchor="ctr">
+            <a:spAutoFit/>
+          </a:bodyPr>
+          <a:lstStyle/>
+          <a:p>
+            <a:pPr algn="ctr"/>
+            <a:r>
+              <a:rPr lang="zh-TW" altLang="en-US" sz="1600" dirty="0" smtClean="0">
+                <a:solidFill>
+                  <a:schemeClr val="bg1"/>
+                </a:solidFill>
+                <a:latin typeface="華康中圓體" panose="020F0509000000000000" pitchFamily="49" charset="-120"/>
+                <a:ea typeface="華康中圓體" panose="020F0509000000000000" pitchFamily="49" charset="-120"/>
+              </a:rPr>
+              <a:t>成立目的</a:t>
+            </a:r>
+            <a:endParaRPr lang="en-US" altLang="zh-TW" sz="1600" dirty="0" smtClean="0">
+              <a:solidFill>
+                <a:schemeClr val="bg1"/>
+              </a:solidFill>
+              <a:latin typeface="華康中圓體" panose="020F0509000000000000" pitchFamily="49" charset="-120"/>
+              <a:ea typeface="華康中圓體" panose="020F0509000000000000" pitchFamily="49" charset="-120"/>
+            </a:endParaRPr>
+          </a:p>
+        </p:txBody>
+      </p:sp>
+      <p:cxnSp>
+        <p:nvCxnSpPr>
+          <p:cNvPr id="77" name="直線單箭頭接點 76"/>
+          <p:cNvCxnSpPr/>
+          <p:nvPr/>
+        </p:nvCxnSpPr>
+        <p:spPr>
+          <a:xfrm>
+            <a:off x="8200361" y="2874725"/>
+            <a:ext cx="360000" cy="0"/>
+          </a:xfrm>
+          <a:prstGeom prst="straightConnector1">
+            <a:avLst/>
+          </a:prstGeom>
+          <a:ln w="12700">
+            <a:solidFill>
+              <a:schemeClr val="tx1"/>
+            </a:solidFill>
+            <a:tailEnd type="triangle"/>
+          </a:ln>
+        </p:spPr>
+        <p:style>
+          <a:lnRef idx="1">
+            <a:schemeClr val="accent1"/>
+          </a:lnRef>
+          <a:fillRef idx="0">
+            <a:schemeClr val="accent1"/>
+          </a:fillRef>
+          <a:effectRef idx="0">
+            <a:schemeClr val="accent1"/>
+          </a:effectRef>
+          <a:fontRef idx="minor">
+            <a:schemeClr val="tx1"/>
+          </a:fontRef>
+        </p:style>
+      </p:cxnSp>
+      <p:cxnSp>
+        <p:nvCxnSpPr>
+          <p:cNvPr id="78" name="直線單箭頭接點 77"/>
+          <p:cNvCxnSpPr/>
+          <p:nvPr/>
+        </p:nvCxnSpPr>
+        <p:spPr>
+          <a:xfrm>
+            <a:off x="8200361" y="3416719"/>
+            <a:ext cx="360000" cy="0"/>
+          </a:xfrm>
+          <a:prstGeom prst="straightConnector1">
+            <a:avLst/>
+          </a:prstGeom>
+          <a:ln w="12700">
+            <a:solidFill>
+              <a:schemeClr val="tx1"/>
+            </a:solidFill>
+            <a:tailEnd type="triangle"/>
+          </a:ln>
+        </p:spPr>
+        <p:style>
+          <a:lnRef idx="1">
+            <a:schemeClr val="accent1"/>
+          </a:lnRef>
+          <a:fillRef idx="0">
+            <a:schemeClr val="accent1"/>
+          </a:fillRef>
+          <a:effectRef idx="0">
+            <a:schemeClr val="accent1"/>
+          </a:effectRef>
+          <a:fontRef idx="minor">
+            <a:schemeClr val="tx1"/>
+          </a:fontRef>
+        </p:style>
+      </p:cxnSp>
+      <p:sp>
+        <p:nvSpPr>
+          <p:cNvPr id="84" name="文字方塊 83"/>
+          <p:cNvSpPr txBox="1"/>
+          <p:nvPr/>
+        </p:nvSpPr>
+        <p:spPr>
+          <a:xfrm>
+            <a:off x="10644960" y="4860000"/>
+            <a:ext cx="1080000" cy="360000"/>
+          </a:xfrm>
+          <a:prstGeom prst="rect">
+            <a:avLst/>
+          </a:prstGeom>
+          <a:solidFill>
+            <a:srgbClr val="FF7C80"/>
+          </a:solidFill>
+          <a:ln>
+            <a:noFill/>
+          </a:ln>
+          <a:effectLst>
+            <a:outerShdw blurRad="57150" dist="19050" dir="5400000" algn="ctr" rotWithShape="0">
+              <a:srgbClr val="000000">
+                <a:alpha val="63000"/>
+              </a:srgbClr>
+            </a:outerShdw>
+            <a:softEdge rad="0"/>
+          </a:effectLst>
+        </p:spPr>
+        <p:style>
+          <a:lnRef idx="0">
+            <a:schemeClr val="accent5"/>
+          </a:lnRef>
+          <a:fillRef idx="3">
+            <a:schemeClr val="accent5"/>
+          </a:fillRef>
+          <a:effectRef idx="3">
+            <a:schemeClr val="accent5"/>
+          </a:effectRef>
+          <a:fontRef idx="minor">
+            <a:schemeClr val="lt1"/>
+          </a:fontRef>
+        </p:style>
+        <p:txBody>
+          <a:bodyPr wrap="none" rtlCol="0" anchor="ctr">
+            <a:spAutoFit/>
+          </a:bodyPr>
+          <a:lstStyle/>
+          <a:p>
+            <a:pPr algn="ctr"/>
+            <a:r>
+              <a:rPr lang="zh-TW" altLang="en-US" sz="1600" dirty="0" smtClean="0">
+                <a:solidFill>
+                  <a:schemeClr val="bg1"/>
+                </a:solidFill>
+                <a:latin typeface="華康中圓體" panose="020F0509000000000000" pitchFamily="49" charset="-120"/>
+                <a:ea typeface="華康中圓體" panose="020F0509000000000000" pitchFamily="49" charset="-120"/>
+              </a:rPr>
+              <a:t>註冊會員</a:t>
+            </a:r>
+            <a:endParaRPr lang="en-US" altLang="zh-TW" sz="1600" dirty="0" smtClean="0">
+              <a:solidFill>
+                <a:schemeClr val="bg1"/>
+              </a:solidFill>
+              <a:latin typeface="華康中圓體" panose="020F0509000000000000" pitchFamily="49" charset="-120"/>
+              <a:ea typeface="華康中圓體" panose="020F0509000000000000" pitchFamily="49" charset="-120"/>
+            </a:endParaRPr>
+          </a:p>
+        </p:txBody>
+      </p:sp>
+      <p:sp>
+        <p:nvSpPr>
+          <p:cNvPr id="85" name="文字方塊 84"/>
+          <p:cNvSpPr txBox="1"/>
+          <p:nvPr/>
+        </p:nvSpPr>
+        <p:spPr>
+          <a:xfrm>
+            <a:off x="10652430" y="5397744"/>
+            <a:ext cx="1080000" cy="360000"/>
+          </a:xfrm>
+          <a:prstGeom prst="rect">
+            <a:avLst/>
+          </a:prstGeom>
+          <a:solidFill>
+            <a:srgbClr val="FF7C80"/>
+          </a:solidFill>
+          <a:ln>
+            <a:noFill/>
+          </a:ln>
+          <a:effectLst>
+            <a:outerShdw blurRad="57150" dist="19050" dir="5400000" algn="ctr" rotWithShape="0">
+              <a:srgbClr val="000000">
+                <a:alpha val="63000"/>
+              </a:srgbClr>
+            </a:outerShdw>
+            <a:softEdge rad="0"/>
+          </a:effectLst>
+        </p:spPr>
+        <p:style>
+          <a:lnRef idx="0">
+            <a:schemeClr val="accent5"/>
+          </a:lnRef>
+          <a:fillRef idx="3">
+            <a:schemeClr val="accent5"/>
+          </a:fillRef>
+          <a:effectRef idx="3">
+            <a:schemeClr val="accent5"/>
+          </a:effectRef>
+          <a:fontRef idx="minor">
+            <a:schemeClr val="lt1"/>
+          </a:fontRef>
+        </p:style>
+        <p:txBody>
+          <a:bodyPr wrap="none" rtlCol="0" anchor="ctr">
+            <a:spAutoFit/>
+          </a:bodyPr>
+          <a:lstStyle/>
+          <a:p>
+            <a:pPr algn="ctr"/>
+            <a:r>
+              <a:rPr lang="zh-TW" altLang="en-US" sz="1600" dirty="0" smtClean="0">
+                <a:solidFill>
+                  <a:schemeClr val="bg1"/>
+                </a:solidFill>
+                <a:latin typeface="華康中圓體" panose="020F0509000000000000" pitchFamily="49" charset="-120"/>
+                <a:ea typeface="華康中圓體" panose="020F0509000000000000" pitchFamily="49" charset="-120"/>
+              </a:rPr>
+              <a:t>忘記密碼</a:t>
+            </a:r>
+            <a:endParaRPr lang="en-US" altLang="zh-TW" sz="1600" dirty="0" smtClean="0">
+              <a:solidFill>
+                <a:schemeClr val="bg1"/>
+              </a:solidFill>
+              <a:latin typeface="華康中圓體" panose="020F0509000000000000" pitchFamily="49" charset="-120"/>
+              <a:ea typeface="華康中圓體" panose="020F0509000000000000" pitchFamily="49" charset="-120"/>
+            </a:endParaRPr>
+          </a:p>
+        </p:txBody>
+      </p:sp>
+      <p:sp>
+        <p:nvSpPr>
+          <p:cNvPr id="86" name="文字方塊 85"/>
+          <p:cNvSpPr txBox="1"/>
+          <p:nvPr/>
+        </p:nvSpPr>
+        <p:spPr>
+          <a:xfrm>
+            <a:off x="9730358" y="5920266"/>
+            <a:ext cx="1080000" cy="360000"/>
+          </a:xfrm>
+          <a:prstGeom prst="rect">
+            <a:avLst/>
+          </a:prstGeom>
+          <a:solidFill>
+            <a:srgbClr val="FF7C80"/>
+          </a:solidFill>
+          <a:ln>
+            <a:noFill/>
+          </a:ln>
+          <a:effectLst>
+            <a:outerShdw blurRad="57150" dist="19050" dir="5400000" algn="ctr" rotWithShape="0">
+              <a:srgbClr val="000000">
+                <a:alpha val="63000"/>
+              </a:srgbClr>
+            </a:outerShdw>
+            <a:softEdge rad="0"/>
+          </a:effectLst>
+        </p:spPr>
+        <p:style>
+          <a:lnRef idx="0">
+            <a:schemeClr val="accent5"/>
+          </a:lnRef>
+          <a:fillRef idx="3">
+            <a:schemeClr val="accent5"/>
+          </a:fillRef>
+          <a:effectRef idx="3">
+            <a:schemeClr val="accent5"/>
+          </a:effectRef>
+          <a:fontRef idx="minor">
+            <a:schemeClr val="lt1"/>
+          </a:fontRef>
+        </p:style>
+        <p:txBody>
+          <a:bodyPr wrap="none" rtlCol="0" anchor="ctr">
+            <a:spAutoFit/>
+          </a:bodyPr>
+          <a:lstStyle/>
+          <a:p>
+            <a:pPr algn="ctr"/>
+            <a:r>
+              <a:rPr lang="zh-TW" altLang="en-US" sz="1600" dirty="0" smtClean="0">
+                <a:solidFill>
+                  <a:schemeClr val="bg1"/>
+                </a:solidFill>
+                <a:latin typeface="華康中圓體" panose="020F0509000000000000" pitchFamily="49" charset="-120"/>
+                <a:ea typeface="華康中圓體" panose="020F0509000000000000" pitchFamily="49" charset="-120"/>
+              </a:rPr>
+              <a:t>會員資料</a:t>
+            </a:r>
+            <a:endParaRPr lang="en-US" altLang="zh-TW" sz="1600" dirty="0" smtClean="0">
+              <a:solidFill>
+                <a:schemeClr val="bg1"/>
+              </a:solidFill>
+              <a:latin typeface="華康中圓體" panose="020F0509000000000000" pitchFamily="49" charset="-120"/>
+              <a:ea typeface="華康中圓體" panose="020F0509000000000000" pitchFamily="49" charset="-120"/>
+            </a:endParaRPr>
+          </a:p>
+        </p:txBody>
+      </p:sp>
+      <p:cxnSp>
+        <p:nvCxnSpPr>
+          <p:cNvPr id="87" name="直線單箭頭接點 86"/>
+          <p:cNvCxnSpPr>
+            <a:endCxn id="86" idx="0"/>
+          </p:cNvCxnSpPr>
+          <p:nvPr/>
+        </p:nvCxnSpPr>
+        <p:spPr>
+          <a:xfrm>
+            <a:off x="10263744" y="4680000"/>
+            <a:ext cx="6614" cy="1240266"/>
+          </a:xfrm>
+          <a:prstGeom prst="straightConnector1">
+            <a:avLst/>
+          </a:prstGeom>
+          <a:ln w="12700">
+            <a:solidFill>
+              <a:schemeClr val="tx1"/>
+            </a:solidFill>
+            <a:tailEnd type="triangle"/>
+          </a:ln>
+        </p:spPr>
+        <p:style>
+          <a:lnRef idx="1">
+            <a:schemeClr val="accent1"/>
+          </a:lnRef>
+          <a:fillRef idx="0">
+            <a:schemeClr val="accent1"/>
+          </a:fillRef>
+          <a:effectRef idx="0">
+            <a:schemeClr val="accent1"/>
+          </a:effectRef>
+          <a:fontRef idx="minor">
+            <a:schemeClr val="tx1"/>
+          </a:fontRef>
+        </p:style>
+      </p:cxnSp>
+      <p:cxnSp>
+        <p:nvCxnSpPr>
+          <p:cNvPr id="88" name="直線單箭頭接點 87"/>
+          <p:cNvCxnSpPr>
+            <a:endCxn id="84" idx="1"/>
+          </p:cNvCxnSpPr>
+          <p:nvPr/>
+        </p:nvCxnSpPr>
+        <p:spPr>
+          <a:xfrm>
+            <a:off x="10262890" y="5040000"/>
+            <a:ext cx="382070" cy="0"/>
+          </a:xfrm>
+          <a:prstGeom prst="straightConnector1">
+            <a:avLst/>
+          </a:prstGeom>
+          <a:ln w="12700">
+            <a:solidFill>
+              <a:schemeClr val="tx1"/>
+            </a:solidFill>
+            <a:tailEnd type="triangle"/>
+          </a:ln>
+        </p:spPr>
+        <p:style>
+          <a:lnRef idx="1">
+            <a:schemeClr val="accent1"/>
+          </a:lnRef>
+          <a:fillRef idx="0">
+            <a:schemeClr val="accent1"/>
+          </a:fillRef>
+          <a:effectRef idx="0">
+            <a:schemeClr val="accent1"/>
+          </a:effectRef>
+          <a:fontRef idx="minor">
+            <a:schemeClr val="tx1"/>
+          </a:fontRef>
+        </p:style>
+      </p:cxnSp>
+      <p:cxnSp>
+        <p:nvCxnSpPr>
+          <p:cNvPr id="89" name="直線單箭頭接點 88"/>
+          <p:cNvCxnSpPr>
+            <a:endCxn id="85" idx="1"/>
+          </p:cNvCxnSpPr>
+          <p:nvPr/>
+        </p:nvCxnSpPr>
+        <p:spPr>
+          <a:xfrm flipV="1">
+            <a:off x="10270358" y="5577744"/>
+            <a:ext cx="382072" cy="0"/>
+          </a:xfrm>
+          <a:prstGeom prst="straightConnector1">
+            <a:avLst/>
+          </a:prstGeom>
+          <a:ln w="12700">
+            <a:solidFill>
+              <a:schemeClr val="tx1"/>
+            </a:solidFill>
+            <a:tailEnd type="triangle"/>
+          </a:ln>
+        </p:spPr>
+        <p:style>
+          <a:lnRef idx="1">
+            <a:schemeClr val="accent1"/>
+          </a:lnRef>
+          <a:fillRef idx="0">
+            <a:schemeClr val="accent1"/>
+          </a:fillRef>
+          <a:effectRef idx="0">
+            <a:schemeClr val="accent1"/>
+          </a:effectRef>
+          <a:fontRef idx="minor">
+            <a:schemeClr val="tx1"/>
+          </a:fontRef>
+        </p:style>
+      </p:cxnSp>
+      <p:sp>
+        <p:nvSpPr>
+          <p:cNvPr id="98" name="文字方塊 97"/>
+          <p:cNvSpPr txBox="1"/>
+          <p:nvPr/>
+        </p:nvSpPr>
+        <p:spPr>
+          <a:xfrm>
+            <a:off x="10644960" y="3783857"/>
+            <a:ext cx="1080000" cy="360000"/>
+          </a:xfrm>
+          <a:prstGeom prst="rect">
+            <a:avLst/>
+          </a:prstGeom>
+          <a:solidFill>
+            <a:srgbClr val="FF7C80"/>
+          </a:solidFill>
+          <a:ln>
+            <a:noFill/>
+          </a:ln>
+          <a:effectLst>
+            <a:outerShdw blurRad="57150" dist="19050" dir="5400000" algn="ctr" rotWithShape="0">
+              <a:srgbClr val="000000">
+                <a:alpha val="63000"/>
+              </a:srgbClr>
+            </a:outerShdw>
+            <a:softEdge rad="0"/>
+          </a:effectLst>
+        </p:spPr>
+        <p:style>
+          <a:lnRef idx="0">
+            <a:schemeClr val="accent5"/>
+          </a:lnRef>
+          <a:fillRef idx="3">
+            <a:schemeClr val="accent5"/>
+          </a:fillRef>
+          <a:effectRef idx="3">
+            <a:schemeClr val="accent5"/>
+          </a:effectRef>
+          <a:fontRef idx="minor">
+            <a:schemeClr val="lt1"/>
+          </a:fontRef>
+        </p:style>
+        <p:txBody>
+          <a:bodyPr wrap="none" rtlCol="0" anchor="ctr">
+            <a:spAutoFit/>
+          </a:bodyPr>
+          <a:lstStyle/>
+          <a:p>
+            <a:pPr algn="ctr"/>
+            <a:r>
+              <a:rPr lang="zh-TW" altLang="en-US" sz="1600" dirty="0" smtClean="0">
+                <a:solidFill>
+                  <a:schemeClr val="bg1"/>
+                </a:solidFill>
+                <a:latin typeface="華康中圓體" panose="020F0509000000000000" pitchFamily="49" charset="-120"/>
+                <a:ea typeface="華康中圓體" panose="020F0509000000000000" pitchFamily="49" charset="-120"/>
+              </a:rPr>
+              <a:t>店家註冊</a:t>
+            </a:r>
+            <a:endParaRPr lang="en-US" altLang="zh-TW" sz="1600" dirty="0" smtClean="0">
+              <a:solidFill>
+                <a:schemeClr val="bg1"/>
+              </a:solidFill>
+              <a:latin typeface="華康中圓體" panose="020F0509000000000000" pitchFamily="49" charset="-120"/>
+              <a:ea typeface="華康中圓體" panose="020F0509000000000000" pitchFamily="49" charset="-120"/>
+            </a:endParaRPr>
+          </a:p>
+        </p:txBody>
+      </p:sp>
+      <p:cxnSp>
+        <p:nvCxnSpPr>
+          <p:cNvPr id="99" name="直線單箭頭接點 98"/>
+          <p:cNvCxnSpPr/>
+          <p:nvPr/>
+        </p:nvCxnSpPr>
+        <p:spPr>
+          <a:xfrm>
+            <a:off x="10270358" y="3986313"/>
+            <a:ext cx="367946" cy="0"/>
+          </a:xfrm>
+          <a:prstGeom prst="straightConnector1">
+            <a:avLst/>
+          </a:prstGeom>
+          <a:ln w="12700">
+            <a:solidFill>
+              <a:schemeClr val="tx1"/>
+            </a:solidFill>
+            <a:tailEnd type="triangle"/>
+          </a:ln>
+        </p:spPr>
+        <p:style>
+          <a:lnRef idx="1">
+            <a:schemeClr val="accent1"/>
+          </a:lnRef>
+          <a:fillRef idx="0">
+            <a:schemeClr val="accent1"/>
+          </a:fillRef>
+          <a:effectRef idx="0">
+            <a:schemeClr val="accent1"/>
+          </a:effectRef>
+          <a:fontRef idx="minor">
+            <a:schemeClr val="tx1"/>
+          </a:fontRef>
+        </p:style>
+      </p:cxnSp>
+      <p:sp>
+        <p:nvSpPr>
+          <p:cNvPr id="122" name="文字方塊 121"/>
+          <p:cNvSpPr txBox="1"/>
+          <p:nvPr/>
+        </p:nvSpPr>
+        <p:spPr>
+          <a:xfrm>
+            <a:off x="5559022" y="4872434"/>
+            <a:ext cx="1080000" cy="360000"/>
+          </a:xfrm>
+          <a:prstGeom prst="rect">
+            <a:avLst/>
+          </a:prstGeom>
+          <a:solidFill>
+            <a:schemeClr val="tx2">
+              <a:lumMod val="60000"/>
+              <a:lumOff val="40000"/>
+            </a:schemeClr>
+          </a:solidFill>
+          <a:ln>
+            <a:noFill/>
+          </a:ln>
+          <a:effectLst>
+            <a:outerShdw blurRad="57150" dist="19050" dir="5400000" algn="ctr" rotWithShape="0">
+              <a:srgbClr val="000000">
+                <a:alpha val="63000"/>
+              </a:srgbClr>
+            </a:outerShdw>
+            <a:softEdge rad="0"/>
+          </a:effectLst>
+        </p:spPr>
+        <p:style>
+          <a:lnRef idx="0">
+            <a:schemeClr val="accent5"/>
+          </a:lnRef>
+          <a:fillRef idx="3">
+            <a:schemeClr val="accent5"/>
+          </a:fillRef>
+          <a:effectRef idx="3">
+            <a:schemeClr val="accent5"/>
+          </a:effectRef>
+          <a:fontRef idx="minor">
+            <a:schemeClr val="lt1"/>
+          </a:fontRef>
+        </p:style>
+        <p:txBody>
+          <a:bodyPr wrap="none" rtlCol="0" anchor="ctr">
+            <a:spAutoFit/>
+          </a:bodyPr>
+          <a:lstStyle/>
+          <a:p>
+            <a:pPr algn="ctr"/>
+            <a:r>
+              <a:rPr lang="zh-TW" altLang="en-US" sz="1600" dirty="0" smtClean="0">
+                <a:solidFill>
+                  <a:schemeClr val="bg1"/>
+                </a:solidFill>
+                <a:latin typeface="華康中圓體" panose="020F0509000000000000" pitchFamily="49" charset="-120"/>
+                <a:ea typeface="華康中圓體" panose="020F0509000000000000" pitchFamily="49" charset="-120"/>
+              </a:rPr>
+              <a:t>詳細課程</a:t>
+            </a:r>
+            <a:endParaRPr lang="en-US" altLang="zh-TW" sz="1600" dirty="0" smtClean="0">
+              <a:solidFill>
+                <a:schemeClr val="bg1"/>
+              </a:solidFill>
+              <a:latin typeface="華康中圓體" panose="020F0509000000000000" pitchFamily="49" charset="-120"/>
+              <a:ea typeface="華康中圓體" panose="020F0509000000000000" pitchFamily="49" charset="-120"/>
+            </a:endParaRPr>
+          </a:p>
+        </p:txBody>
+      </p:sp>
+      <p:cxnSp>
+        <p:nvCxnSpPr>
+          <p:cNvPr id="123" name="直線單箭頭接點 122"/>
+          <p:cNvCxnSpPr/>
+          <p:nvPr/>
+        </p:nvCxnSpPr>
+        <p:spPr>
+          <a:xfrm>
+            <a:off x="6095263" y="4149851"/>
+            <a:ext cx="0" cy="722583"/>
+          </a:xfrm>
+          <a:prstGeom prst="straightConnector1">
+            <a:avLst/>
+          </a:prstGeom>
+          <a:ln w="12700">
+            <a:solidFill>
+              <a:schemeClr val="tx1"/>
+            </a:solidFill>
+            <a:tailEnd type="triangle"/>
+          </a:ln>
+        </p:spPr>
+        <p:style>
+          <a:lnRef idx="1">
+            <a:schemeClr val="accent1"/>
+          </a:lnRef>
+          <a:fillRef idx="0">
+            <a:schemeClr val="accent1"/>
+          </a:fillRef>
+          <a:effectRef idx="0">
+            <a:schemeClr val="accent1"/>
+          </a:effectRef>
+          <a:fontRef idx="minor">
+            <a:schemeClr val="tx1"/>
+          </a:fontRef>
+        </p:style>
+      </p:cxnSp>
+      <p:sp>
+        <p:nvSpPr>
+          <p:cNvPr id="126" name="文字方塊 125"/>
+          <p:cNvSpPr txBox="1"/>
+          <p:nvPr/>
+        </p:nvSpPr>
+        <p:spPr>
+          <a:xfrm>
+            <a:off x="6471304" y="4331142"/>
+            <a:ext cx="1080000" cy="360000"/>
+          </a:xfrm>
+          <a:prstGeom prst="rect">
+            <a:avLst/>
+          </a:prstGeom>
+          <a:solidFill>
+            <a:schemeClr val="tx2">
+              <a:lumMod val="60000"/>
+              <a:lumOff val="40000"/>
+            </a:schemeClr>
+          </a:solidFill>
+          <a:ln>
+            <a:noFill/>
+          </a:ln>
+          <a:effectLst>
+            <a:outerShdw blurRad="57150" dist="19050" dir="5400000" algn="ctr" rotWithShape="0">
+              <a:srgbClr val="000000">
+                <a:alpha val="63000"/>
+              </a:srgbClr>
+            </a:outerShdw>
+            <a:softEdge rad="0"/>
+          </a:effectLst>
+        </p:spPr>
+        <p:style>
+          <a:lnRef idx="0">
+            <a:schemeClr val="accent5"/>
+          </a:lnRef>
+          <a:fillRef idx="3">
+            <a:schemeClr val="accent5"/>
+          </a:fillRef>
+          <a:effectRef idx="3">
+            <a:schemeClr val="accent5"/>
+          </a:effectRef>
+          <a:fontRef idx="minor">
+            <a:schemeClr val="lt1"/>
+          </a:fontRef>
+        </p:style>
+        <p:txBody>
+          <a:bodyPr wrap="none" rtlCol="0" anchor="ctr">
+            <a:spAutoFit/>
+          </a:bodyPr>
+          <a:lstStyle/>
+          <a:p>
+            <a:pPr algn="ctr"/>
+            <a:r>
+              <a:rPr lang="zh-TW" altLang="en-US" sz="1600" dirty="0" smtClean="0">
+                <a:solidFill>
+                  <a:schemeClr val="bg1"/>
+                </a:solidFill>
+                <a:latin typeface="華康中圓體" panose="020F0509000000000000" pitchFamily="49" charset="-120"/>
+                <a:ea typeface="華康中圓體" panose="020F0509000000000000" pitchFamily="49" charset="-120"/>
+              </a:rPr>
+              <a:t>會員報名</a:t>
+            </a:r>
+            <a:endParaRPr lang="en-US" altLang="zh-TW" sz="1600" dirty="0" smtClean="0">
+              <a:solidFill>
+                <a:schemeClr val="bg1"/>
+              </a:solidFill>
+              <a:latin typeface="華康中圓體" panose="020F0509000000000000" pitchFamily="49" charset="-120"/>
+              <a:ea typeface="華康中圓體" panose="020F0509000000000000" pitchFamily="49" charset="-120"/>
+            </a:endParaRPr>
+          </a:p>
+        </p:txBody>
+      </p:sp>
+      <p:cxnSp>
+        <p:nvCxnSpPr>
+          <p:cNvPr id="127" name="直線單箭頭接點 126"/>
+          <p:cNvCxnSpPr/>
+          <p:nvPr/>
+        </p:nvCxnSpPr>
+        <p:spPr>
+          <a:xfrm>
+            <a:off x="6103284" y="4491281"/>
+            <a:ext cx="360000" cy="0"/>
+          </a:xfrm>
+          <a:prstGeom prst="straightConnector1">
+            <a:avLst/>
+          </a:prstGeom>
+          <a:ln w="12700">
+            <a:solidFill>
+              <a:schemeClr val="tx1"/>
+            </a:solidFill>
+            <a:tailEnd type="triangle"/>
+          </a:ln>
+        </p:spPr>
+        <p:style>
+          <a:lnRef idx="1">
+            <a:schemeClr val="accent1"/>
+          </a:lnRef>
+          <a:fillRef idx="0">
+            <a:schemeClr val="accent1"/>
+          </a:fillRef>
+          <a:effectRef idx="0">
+            <a:schemeClr val="accent1"/>
+          </a:effectRef>
+          <a:fontRef idx="minor">
+            <a:schemeClr val="tx1"/>
+          </a:fontRef>
+        </p:style>
+      </p:cxnSp>
+      <p:sp>
+        <p:nvSpPr>
+          <p:cNvPr id="132" name="文字方塊 131"/>
+          <p:cNvSpPr txBox="1"/>
+          <p:nvPr/>
+        </p:nvSpPr>
+        <p:spPr>
+          <a:xfrm>
+            <a:off x="3518439" y="4872434"/>
+            <a:ext cx="1080000" cy="360000"/>
+          </a:xfrm>
+          <a:prstGeom prst="rect">
+            <a:avLst/>
+          </a:prstGeom>
+          <a:solidFill>
+            <a:schemeClr val="accent6">
+              <a:lumMod val="60000"/>
+              <a:lumOff val="40000"/>
+            </a:schemeClr>
+          </a:solidFill>
+          <a:ln>
+            <a:noFill/>
+          </a:ln>
+          <a:effectLst>
+            <a:outerShdw blurRad="57150" dist="19050" dir="5400000" algn="ctr" rotWithShape="0">
+              <a:srgbClr val="000000">
+                <a:alpha val="63000"/>
+              </a:srgbClr>
+            </a:outerShdw>
+            <a:softEdge rad="0"/>
+          </a:effectLst>
+        </p:spPr>
+        <p:style>
+          <a:lnRef idx="0">
+            <a:schemeClr val="accent5"/>
+          </a:lnRef>
+          <a:fillRef idx="3">
+            <a:schemeClr val="accent5"/>
+          </a:fillRef>
+          <a:effectRef idx="3">
+            <a:schemeClr val="accent5"/>
+          </a:effectRef>
+          <a:fontRef idx="minor">
+            <a:schemeClr val="lt1"/>
+          </a:fontRef>
+        </p:style>
+        <p:txBody>
+          <a:bodyPr wrap="none" rtlCol="0" anchor="ctr">
+            <a:spAutoFit/>
+          </a:bodyPr>
+          <a:lstStyle/>
+          <a:p>
+            <a:pPr algn="ctr"/>
+            <a:r>
+              <a:rPr lang="zh-TW" altLang="en-US" sz="1600" dirty="0" smtClean="0">
+                <a:solidFill>
+                  <a:schemeClr val="bg1"/>
+                </a:solidFill>
+                <a:latin typeface="華康中圓體" panose="020F0509000000000000" pitchFamily="49" charset="-120"/>
+                <a:ea typeface="華康中圓體" panose="020F0509000000000000" pitchFamily="49" charset="-120"/>
+              </a:rPr>
+              <a:t>購買資訊</a:t>
+            </a:r>
+            <a:endParaRPr lang="en-US" altLang="zh-TW" sz="1600" dirty="0" smtClean="0">
+              <a:solidFill>
+                <a:schemeClr val="bg1"/>
+              </a:solidFill>
+              <a:latin typeface="華康中圓體" panose="020F0509000000000000" pitchFamily="49" charset="-120"/>
+              <a:ea typeface="華康中圓體" panose="020F0509000000000000" pitchFamily="49" charset="-120"/>
+            </a:endParaRPr>
+          </a:p>
+        </p:txBody>
+      </p:sp>
+      <p:cxnSp>
+        <p:nvCxnSpPr>
+          <p:cNvPr id="134" name="直線單箭頭接點 133"/>
+          <p:cNvCxnSpPr>
+            <a:stCxn id="42" idx="2"/>
+            <a:endCxn id="132" idx="0"/>
+          </p:cNvCxnSpPr>
+          <p:nvPr/>
+        </p:nvCxnSpPr>
+        <p:spPr>
+          <a:xfrm>
+            <a:off x="4058439" y="4140000"/>
+            <a:ext cx="0" cy="732434"/>
+          </a:xfrm>
+          <a:prstGeom prst="straightConnector1">
+            <a:avLst/>
+          </a:prstGeom>
+          <a:ln w="12700">
+            <a:solidFill>
+              <a:schemeClr val="tx1"/>
+            </a:solidFill>
+            <a:tailEnd type="triangle"/>
+          </a:ln>
+        </p:spPr>
+        <p:style>
+          <a:lnRef idx="1">
+            <a:schemeClr val="accent1"/>
+          </a:lnRef>
+          <a:fillRef idx="0">
+            <a:schemeClr val="accent1"/>
+          </a:fillRef>
+          <a:effectRef idx="0">
+            <a:schemeClr val="accent1"/>
+          </a:effectRef>
+          <a:fontRef idx="minor">
+            <a:schemeClr val="tx1"/>
+          </a:fontRef>
+        </p:style>
+      </p:cxnSp>
+      <p:sp>
+        <p:nvSpPr>
+          <p:cNvPr id="155" name="文字方塊 154"/>
+          <p:cNvSpPr txBox="1"/>
+          <p:nvPr/>
+        </p:nvSpPr>
+        <p:spPr>
+          <a:xfrm>
+            <a:off x="3518439" y="5920562"/>
+            <a:ext cx="1080000" cy="360000"/>
+          </a:xfrm>
+          <a:prstGeom prst="rect">
+            <a:avLst/>
+          </a:prstGeom>
+          <a:solidFill>
+            <a:schemeClr val="accent6">
+              <a:lumMod val="60000"/>
+              <a:lumOff val="40000"/>
+            </a:schemeClr>
+          </a:solidFill>
+          <a:ln>
+            <a:noFill/>
+          </a:ln>
+          <a:effectLst>
+            <a:outerShdw blurRad="57150" dist="19050" dir="5400000" algn="ctr" rotWithShape="0">
+              <a:srgbClr val="000000">
+                <a:alpha val="63000"/>
+              </a:srgbClr>
+            </a:outerShdw>
+            <a:softEdge rad="0"/>
+          </a:effectLst>
+        </p:spPr>
+        <p:style>
+          <a:lnRef idx="0">
+            <a:schemeClr val="accent5"/>
+          </a:lnRef>
+          <a:fillRef idx="3">
+            <a:schemeClr val="accent5"/>
+          </a:fillRef>
+          <a:effectRef idx="3">
+            <a:schemeClr val="accent5"/>
+          </a:effectRef>
+          <a:fontRef idx="minor">
+            <a:schemeClr val="lt1"/>
+          </a:fontRef>
+        </p:style>
+        <p:txBody>
+          <a:bodyPr wrap="none" rtlCol="0" anchor="ctr">
+            <a:spAutoFit/>
+          </a:bodyPr>
+          <a:lstStyle/>
+          <a:p>
+            <a:pPr algn="ctr"/>
+            <a:r>
+              <a:rPr lang="zh-TW" altLang="en-US" sz="1600" dirty="0" smtClean="0">
+                <a:solidFill>
+                  <a:schemeClr val="bg1"/>
+                </a:solidFill>
+                <a:latin typeface="華康中圓體" panose="020F0509000000000000" pitchFamily="49" charset="-120"/>
+                <a:ea typeface="華康中圓體" panose="020F0509000000000000" pitchFamily="49" charset="-120"/>
+              </a:rPr>
+              <a:t>完成交易</a:t>
+            </a:r>
+            <a:endParaRPr lang="en-US" altLang="zh-TW" sz="1600" dirty="0" smtClean="0">
+              <a:solidFill>
+                <a:schemeClr val="bg1"/>
+              </a:solidFill>
+              <a:latin typeface="華康中圓體" panose="020F0509000000000000" pitchFamily="49" charset="-120"/>
+              <a:ea typeface="華康中圓體" panose="020F0509000000000000" pitchFamily="49" charset="-120"/>
+            </a:endParaRPr>
+          </a:p>
+        </p:txBody>
+      </p:sp>
+      <p:cxnSp>
+        <p:nvCxnSpPr>
+          <p:cNvPr id="156" name="直線單箭頭接點 155"/>
+          <p:cNvCxnSpPr>
+            <a:endCxn id="155" idx="0"/>
+          </p:cNvCxnSpPr>
+          <p:nvPr/>
+        </p:nvCxnSpPr>
+        <p:spPr>
+          <a:xfrm flipH="1">
+            <a:off x="4058439" y="5239962"/>
+            <a:ext cx="0" cy="680600"/>
+          </a:xfrm>
+          <a:prstGeom prst="straightConnector1">
+            <a:avLst/>
+          </a:prstGeom>
+          <a:ln w="12700">
+            <a:solidFill>
+              <a:schemeClr val="tx1"/>
+            </a:solidFill>
+            <a:tailEnd type="triangle"/>
+          </a:ln>
+        </p:spPr>
+        <p:style>
+          <a:lnRef idx="1">
+            <a:schemeClr val="accent1"/>
+          </a:lnRef>
+          <a:fillRef idx="0">
+            <a:schemeClr val="accent1"/>
+          </a:fillRef>
+          <a:effectRef idx="0">
+            <a:schemeClr val="accent1"/>
+          </a:effectRef>
+          <a:fontRef idx="minor">
+            <a:schemeClr val="tx1"/>
+          </a:fontRef>
+        </p:style>
+      </p:cxnSp>
+      <p:sp>
+        <p:nvSpPr>
+          <p:cNvPr id="169" name="文字方塊 168"/>
+          <p:cNvSpPr txBox="1"/>
+          <p:nvPr/>
+        </p:nvSpPr>
+        <p:spPr>
+          <a:xfrm>
+            <a:off x="5559022" y="5396498"/>
+            <a:ext cx="1080000" cy="360000"/>
+          </a:xfrm>
+          <a:prstGeom prst="rect">
+            <a:avLst/>
+          </a:prstGeom>
+          <a:solidFill>
+            <a:schemeClr val="tx2">
+              <a:lumMod val="60000"/>
+              <a:lumOff val="40000"/>
+            </a:schemeClr>
+          </a:solidFill>
+          <a:ln>
+            <a:noFill/>
+          </a:ln>
+          <a:effectLst>
+            <a:outerShdw blurRad="57150" dist="19050" dir="5400000" algn="ctr" rotWithShape="0">
+              <a:srgbClr val="000000">
+                <a:alpha val="63000"/>
+              </a:srgbClr>
+            </a:outerShdw>
+            <a:softEdge rad="0"/>
+          </a:effectLst>
+        </p:spPr>
+        <p:style>
+          <a:lnRef idx="0">
+            <a:schemeClr val="accent5"/>
+          </a:lnRef>
+          <a:fillRef idx="3">
+            <a:schemeClr val="accent5"/>
+          </a:fillRef>
+          <a:effectRef idx="3">
+            <a:schemeClr val="accent5"/>
+          </a:effectRef>
+          <a:fontRef idx="minor">
+            <a:schemeClr val="lt1"/>
+          </a:fontRef>
+        </p:style>
+        <p:txBody>
+          <a:bodyPr wrap="none" rtlCol="0" anchor="ctr">
+            <a:spAutoFit/>
+          </a:bodyPr>
+          <a:lstStyle/>
+          <a:p>
+            <a:pPr algn="ctr"/>
+            <a:r>
+              <a:rPr lang="zh-TW" altLang="en-US" sz="1600" dirty="0" smtClean="0">
+                <a:solidFill>
+                  <a:schemeClr val="bg1"/>
+                </a:solidFill>
+                <a:latin typeface="華康中圓體" panose="020F0509000000000000" pitchFamily="49" charset="-120"/>
+                <a:ea typeface="華康中圓體" panose="020F0509000000000000" pitchFamily="49" charset="-120"/>
+              </a:rPr>
+              <a:t>報名資訊</a:t>
+            </a:r>
+            <a:endParaRPr lang="en-US" altLang="zh-TW" sz="1600" dirty="0" smtClean="0">
+              <a:solidFill>
+                <a:schemeClr val="bg1"/>
+              </a:solidFill>
+              <a:latin typeface="華康中圓體" panose="020F0509000000000000" pitchFamily="49" charset="-120"/>
+              <a:ea typeface="華康中圓體" panose="020F0509000000000000" pitchFamily="49" charset="-120"/>
+            </a:endParaRPr>
+          </a:p>
+        </p:txBody>
+      </p:sp>
+      <p:sp>
+        <p:nvSpPr>
+          <p:cNvPr id="170" name="文字方塊 169"/>
+          <p:cNvSpPr txBox="1"/>
+          <p:nvPr/>
+        </p:nvSpPr>
+        <p:spPr>
+          <a:xfrm>
+            <a:off x="5559022" y="5916214"/>
+            <a:ext cx="1080000" cy="360000"/>
+          </a:xfrm>
+          <a:prstGeom prst="rect">
+            <a:avLst/>
+          </a:prstGeom>
+          <a:solidFill>
+            <a:schemeClr val="tx2">
+              <a:lumMod val="60000"/>
+              <a:lumOff val="40000"/>
+            </a:schemeClr>
+          </a:solidFill>
+          <a:ln>
+            <a:noFill/>
+          </a:ln>
+          <a:effectLst>
+            <a:outerShdw blurRad="57150" dist="19050" dir="5400000" algn="ctr" rotWithShape="0">
+              <a:srgbClr val="000000">
+                <a:alpha val="63000"/>
+              </a:srgbClr>
+            </a:outerShdw>
+            <a:softEdge rad="0"/>
+          </a:effectLst>
+        </p:spPr>
+        <p:style>
+          <a:lnRef idx="0">
+            <a:schemeClr val="accent5"/>
+          </a:lnRef>
+          <a:fillRef idx="3">
+            <a:schemeClr val="accent5"/>
+          </a:fillRef>
+          <a:effectRef idx="3">
+            <a:schemeClr val="accent5"/>
+          </a:effectRef>
+          <a:fontRef idx="minor">
+            <a:schemeClr val="lt1"/>
+          </a:fontRef>
+        </p:style>
+        <p:txBody>
+          <a:bodyPr wrap="none" rtlCol="0" anchor="ctr">
+            <a:spAutoFit/>
+          </a:bodyPr>
+          <a:lstStyle/>
+          <a:p>
+            <a:pPr algn="ctr"/>
+            <a:r>
+              <a:rPr lang="zh-TW" altLang="en-US" sz="1600" dirty="0" smtClean="0">
+                <a:solidFill>
+                  <a:schemeClr val="bg1"/>
+                </a:solidFill>
+                <a:latin typeface="華康中圓體" panose="020F0509000000000000" pitchFamily="49" charset="-120"/>
+                <a:ea typeface="華康中圓體" panose="020F0509000000000000" pitchFamily="49" charset="-120"/>
+              </a:rPr>
+              <a:t>報名完成</a:t>
+            </a:r>
+            <a:endParaRPr lang="en-US" altLang="zh-TW" sz="1600" dirty="0" smtClean="0">
+              <a:solidFill>
+                <a:schemeClr val="bg1"/>
+              </a:solidFill>
+              <a:latin typeface="華康中圓體" panose="020F0509000000000000" pitchFamily="49" charset="-120"/>
+              <a:ea typeface="華康中圓體" panose="020F0509000000000000" pitchFamily="49" charset="-120"/>
+            </a:endParaRPr>
+          </a:p>
+        </p:txBody>
+      </p:sp>
+      <p:cxnSp>
+        <p:nvCxnSpPr>
+          <p:cNvPr id="171" name="肘形接點 170"/>
+          <p:cNvCxnSpPr>
+            <a:endCxn id="169" idx="3"/>
+          </p:cNvCxnSpPr>
+          <p:nvPr/>
+        </p:nvCxnSpPr>
+        <p:spPr>
+          <a:xfrm rot="5400000">
+            <a:off x="6485460" y="4844706"/>
+            <a:ext cx="900000" cy="592876"/>
+          </a:xfrm>
+          <a:prstGeom prst="bentConnector2">
+            <a:avLst/>
+          </a:prstGeom>
+          <a:ln w="12700">
+            <a:solidFill>
+              <a:schemeClr val="tx1"/>
+            </a:solidFill>
+            <a:tailEnd type="triangle"/>
+          </a:ln>
+        </p:spPr>
+        <p:style>
+          <a:lnRef idx="1">
+            <a:schemeClr val="accent1"/>
+          </a:lnRef>
+          <a:fillRef idx="0">
+            <a:schemeClr val="accent1"/>
+          </a:fillRef>
+          <a:effectRef idx="0">
+            <a:schemeClr val="accent1"/>
+          </a:effectRef>
+          <a:fontRef idx="minor">
+            <a:schemeClr val="tx1"/>
+          </a:fontRef>
+        </p:style>
+      </p:cxnSp>
+      <p:cxnSp>
+        <p:nvCxnSpPr>
+          <p:cNvPr id="174" name="直線單箭頭接點 173"/>
+          <p:cNvCxnSpPr>
+            <a:stCxn id="169" idx="2"/>
+            <a:endCxn id="170" idx="0"/>
+          </p:cNvCxnSpPr>
+          <p:nvPr/>
+        </p:nvCxnSpPr>
+        <p:spPr>
+          <a:xfrm>
+            <a:off x="6099022" y="5756498"/>
+            <a:ext cx="0" cy="159716"/>
+          </a:xfrm>
+          <a:prstGeom prst="straightConnector1">
+            <a:avLst/>
+          </a:prstGeom>
+          <a:ln w="12700">
+            <a:solidFill>
+              <a:schemeClr val="tx1"/>
+            </a:solidFill>
+            <a:tailEnd type="triangle"/>
+          </a:ln>
+        </p:spPr>
+        <p:style>
+          <a:lnRef idx="1">
+            <a:schemeClr val="accent1"/>
+          </a:lnRef>
+          <a:fillRef idx="0">
+            <a:schemeClr val="accent1"/>
+          </a:fillRef>
+          <a:effectRef idx="0">
+            <a:schemeClr val="accent1"/>
+          </a:effectRef>
+          <a:fontRef idx="minor">
+            <a:schemeClr val="tx1"/>
+          </a:fontRef>
+        </p:style>
+      </p:cxnSp>
+      <p:cxnSp>
+        <p:nvCxnSpPr>
+          <p:cNvPr id="95" name="肘形接點 94"/>
+          <p:cNvCxnSpPr>
+            <a:stCxn id="26" idx="3"/>
+            <a:endCxn id="160" idx="2"/>
+          </p:cNvCxnSpPr>
+          <p:nvPr/>
+        </p:nvCxnSpPr>
+        <p:spPr>
+          <a:xfrm flipV="1">
+            <a:off x="10810358" y="4207880"/>
+            <a:ext cx="369030" cy="292120"/>
+          </a:xfrm>
+          <a:prstGeom prst="bentConnector2">
+            <a:avLst/>
+          </a:prstGeom>
+          <a:ln w="12700">
+            <a:solidFill>
+              <a:schemeClr val="bg2">
+                <a:lumMod val="75000"/>
+              </a:schemeClr>
+            </a:solidFill>
+            <a:tailEnd type="triangle"/>
+          </a:ln>
+        </p:spPr>
+        <p:style>
+          <a:lnRef idx="1">
+            <a:schemeClr val="accent1"/>
+          </a:lnRef>
+          <a:fillRef idx="0">
+            <a:schemeClr val="accent1"/>
+          </a:fillRef>
+          <a:effectRef idx="0">
+            <a:schemeClr val="accent1"/>
+          </a:effectRef>
+          <a:fontRef idx="minor">
+            <a:schemeClr val="tx1"/>
+          </a:fontRef>
+        </p:style>
+      </p:cxnSp>
+      <p:cxnSp>
+        <p:nvCxnSpPr>
+          <p:cNvPr id="121" name="肘形接點 120"/>
+          <p:cNvCxnSpPr>
+            <a:endCxn id="120" idx="0"/>
+          </p:cNvCxnSpPr>
+          <p:nvPr/>
+        </p:nvCxnSpPr>
+        <p:spPr>
+          <a:xfrm>
+            <a:off x="10807565" y="4616067"/>
+            <a:ext cx="371823" cy="202345"/>
+          </a:xfrm>
+          <a:prstGeom prst="bentConnector2">
+            <a:avLst/>
+          </a:prstGeom>
+          <a:ln w="12700">
+            <a:solidFill>
+              <a:schemeClr val="bg2">
+                <a:lumMod val="75000"/>
+              </a:schemeClr>
+            </a:solidFill>
+            <a:tailEnd type="triangle"/>
+          </a:ln>
+        </p:spPr>
+        <p:style>
+          <a:lnRef idx="1">
+            <a:schemeClr val="accent1"/>
+          </a:lnRef>
+          <a:fillRef idx="0">
+            <a:schemeClr val="accent1"/>
+          </a:fillRef>
+          <a:effectRef idx="0">
+            <a:schemeClr val="accent1"/>
+          </a:effectRef>
+          <a:fontRef idx="minor">
+            <a:schemeClr val="tx1"/>
+          </a:fontRef>
+        </p:style>
+      </p:cxnSp>
+    </p:spTree>
+    <p:extLst>
+      <p:ext uri="{BB962C8B-B14F-4D97-AF65-F5344CB8AC3E}">
+        <p14:creationId xmlns:p14="http://schemas.microsoft.com/office/powerpoint/2010/main" val="406318106"/>
       </p:ext>
     </p:extLst>
   </p:cSld>

--- a/個人作品報告.pptx
+++ b/個人作品報告.pptx
@@ -19,7 +19,6 @@
     <p:sldId id="265" r:id="rId13"/>
     <p:sldId id="272" r:id="rId14"/>
     <p:sldId id="267" r:id="rId15"/>
-    <p:sldId id="268" r:id="rId16"/>
   </p:sldIdLst>
   <p:sldSz cx="12192000" cy="6858000"/>
   <p:notesSz cx="6858000" cy="9144000"/>
@@ -3008,14 +3007,7 @@
                 <a:latin typeface="華康中特圓體" panose="020F0809000000000000" pitchFamily="49" charset="-120"/>
                 <a:ea typeface="華康中特圓體" panose="020F0809000000000000" pitchFamily="49" charset="-120"/>
               </a:rPr>
-              <a:t>藝</a:t>
-            </a:r>
-            <a:r>
-              <a:rPr lang="zh-TW" altLang="en-US" dirty="0" smtClean="0">
-                <a:latin typeface="華康中特圓體" panose="020F0809000000000000" pitchFamily="49" charset="-120"/>
-                <a:ea typeface="華康中特圓體" panose="020F0809000000000000" pitchFamily="49" charset="-120"/>
-              </a:rPr>
-              <a:t>起來</a:t>
+              <a:t>藝起來</a:t>
             </a:r>
             <a:r>
               <a:rPr lang="en-US" altLang="zh-TW" dirty="0" smtClean="0"/>
@@ -3050,12 +3042,14 @@
         </p:nvSpPr>
         <p:spPr>
           <a:xfrm>
-            <a:off x="3396000" y="3602038"/>
-            <a:ext cx="5400000" cy="895534"/>
-          </a:xfrm>
-        </p:spPr>
-        <p:txBody>
-          <a:bodyPr/>
+            <a:off x="4233952" y="3509963"/>
+            <a:ext cx="3724096" cy="885371"/>
+          </a:xfrm>
+        </p:spPr>
+        <p:txBody>
+          <a:bodyPr wrap="none">
+            <a:spAutoFit/>
+          </a:bodyPr>
           <a:lstStyle/>
           <a:p>
             <a:pPr algn="l"/>
@@ -3078,7 +3072,14 @@
                 <a:latin typeface="華康中特圓體" panose="020F0809000000000000" pitchFamily="49" charset="-120"/>
                 <a:ea typeface="華康中特圓體" panose="020F0809000000000000" pitchFamily="49" charset="-120"/>
               </a:rPr>
-              <a:t> 汪禹承</a:t>
+              <a:t> 汪禹</a:t>
+            </a:r>
+            <a:r>
+              <a:rPr lang="zh-TW" altLang="en-US" dirty="0" smtClean="0">
+                <a:latin typeface="華康中特圓體" panose="020F0809000000000000" pitchFamily="49" charset="-120"/>
+                <a:ea typeface="華康中特圓體" panose="020F0809000000000000" pitchFamily="49" charset="-120"/>
+              </a:rPr>
+              <a:t>承</a:t>
             </a:r>
             <a:endParaRPr lang="en-US" altLang="zh-TW" dirty="0" smtClean="0">
               <a:latin typeface="華康中特圓體" panose="020F0809000000000000" pitchFamily="49" charset="-120"/>
@@ -3092,14 +3093,14 @@
                 <a:latin typeface="華康中特圓體" panose="020F0809000000000000" pitchFamily="49" charset="-120"/>
                 <a:ea typeface="華康中特圓體" panose="020F0809000000000000" pitchFamily="49" charset="-120"/>
               </a:rPr>
-              <a:t>類別：花</a:t>
+              <a:t>　類別：</a:t>
             </a:r>
             <a:r>
               <a:rPr lang="zh-TW" altLang="en-US" dirty="0" smtClean="0">
                 <a:latin typeface="華康中特圓體" panose="020F0809000000000000" pitchFamily="49" charset="-120"/>
                 <a:ea typeface="華康中特圓體" panose="020F0809000000000000" pitchFamily="49" charset="-120"/>
               </a:rPr>
-              <a:t>藝</a:t>
+              <a:t>花藝</a:t>
             </a:r>
             <a:endParaRPr lang="zh-TW" altLang="en-US" dirty="0">
               <a:latin typeface="華康中特圓體" panose="020F0809000000000000" pitchFamily="49" charset="-120"/>
@@ -6928,14 +6929,194 @@
       </p:grpSpPr>
       <p:sp>
         <p:nvSpPr>
-          <p:cNvPr id="63" name="矩形 62"/>
+          <p:cNvPr id="176" name="矩形 175"/>
           <p:cNvSpPr/>
           <p:nvPr/>
         </p:nvSpPr>
         <p:spPr>
           <a:xfrm>
-            <a:off x="4384379" y="2610000"/>
-            <a:ext cx="1152000" cy="1080000"/>
+            <a:off x="9000000" y="2790894"/>
+            <a:ext cx="1260000" cy="1620000"/>
+          </a:xfrm>
+          <a:prstGeom prst="rect">
+            <a:avLst/>
+          </a:prstGeom>
+          <a:solidFill>
+            <a:srgbClr val="FF7C80">
+              <a:alpha val="50000"/>
+            </a:srgbClr>
+          </a:solidFill>
+          <a:ln>
+            <a:noFill/>
+          </a:ln>
+        </p:spPr>
+        <p:style>
+          <a:lnRef idx="2">
+            <a:schemeClr val="accent1">
+              <a:shade val="50000"/>
+            </a:schemeClr>
+          </a:lnRef>
+          <a:fillRef idx="1">
+            <a:schemeClr val="accent1"/>
+          </a:fillRef>
+          <a:effectRef idx="0">
+            <a:schemeClr val="accent1"/>
+          </a:effectRef>
+          <a:fontRef idx="minor">
+            <a:schemeClr val="lt1"/>
+          </a:fontRef>
+        </p:style>
+        <p:txBody>
+          <a:bodyPr rtlCol="0" anchor="ctr"/>
+          <a:lstStyle/>
+          <a:p>
+            <a:pPr algn="ctr"/>
+            <a:endParaRPr lang="zh-TW" altLang="en-US"/>
+          </a:p>
+        </p:txBody>
+      </p:sp>
+      <p:sp>
+        <p:nvSpPr>
+          <p:cNvPr id="116" name="矩形 115"/>
+          <p:cNvSpPr/>
+          <p:nvPr/>
+        </p:nvSpPr>
+        <p:spPr>
+          <a:xfrm>
+            <a:off x="5940000" y="3328268"/>
+            <a:ext cx="1260000" cy="1081732"/>
+          </a:xfrm>
+          <a:prstGeom prst="rect">
+            <a:avLst/>
+          </a:prstGeom>
+          <a:solidFill>
+            <a:srgbClr val="8497B0">
+              <a:alpha val="50000"/>
+            </a:srgbClr>
+          </a:solidFill>
+          <a:ln>
+            <a:noFill/>
+          </a:ln>
+        </p:spPr>
+        <p:style>
+          <a:lnRef idx="2">
+            <a:schemeClr val="accent1">
+              <a:shade val="50000"/>
+            </a:schemeClr>
+          </a:lnRef>
+          <a:fillRef idx="1">
+            <a:schemeClr val="accent1"/>
+          </a:fillRef>
+          <a:effectRef idx="0">
+            <a:schemeClr val="accent1"/>
+          </a:effectRef>
+          <a:fontRef idx="minor">
+            <a:schemeClr val="lt1"/>
+          </a:fontRef>
+        </p:style>
+        <p:txBody>
+          <a:bodyPr rtlCol="0" anchor="ctr"/>
+          <a:lstStyle/>
+          <a:p>
+            <a:pPr algn="ctr"/>
+            <a:endParaRPr lang="zh-TW" altLang="en-US"/>
+          </a:p>
+        </p:txBody>
+      </p:sp>
+      <p:sp>
+        <p:nvSpPr>
+          <p:cNvPr id="104" name="矩形 103"/>
+          <p:cNvSpPr/>
+          <p:nvPr/>
+        </p:nvSpPr>
+        <p:spPr>
+          <a:xfrm>
+            <a:off x="1124468" y="4230000"/>
+            <a:ext cx="1260000" cy="1080000"/>
+          </a:xfrm>
+          <a:prstGeom prst="rect">
+            <a:avLst/>
+          </a:prstGeom>
+          <a:solidFill>
+            <a:srgbClr val="FF7C80">
+              <a:alpha val="50000"/>
+            </a:srgbClr>
+          </a:solidFill>
+          <a:ln>
+            <a:noFill/>
+          </a:ln>
+        </p:spPr>
+        <p:style>
+          <a:lnRef idx="2">
+            <a:schemeClr val="accent1">
+              <a:shade val="50000"/>
+            </a:schemeClr>
+          </a:lnRef>
+          <a:fillRef idx="1">
+            <a:schemeClr val="accent1"/>
+          </a:fillRef>
+          <a:effectRef idx="0">
+            <a:schemeClr val="accent1"/>
+          </a:effectRef>
+          <a:fontRef idx="minor">
+            <a:schemeClr val="lt1"/>
+          </a:fontRef>
+        </p:style>
+        <p:txBody>
+          <a:bodyPr rtlCol="0" anchor="ctr"/>
+          <a:lstStyle/>
+          <a:p>
+            <a:pPr algn="ctr"/>
+            <a:endParaRPr lang="zh-TW" altLang="en-US"/>
+          </a:p>
+        </p:txBody>
+      </p:sp>
+      <p:cxnSp>
+        <p:nvCxnSpPr>
+          <p:cNvPr id="99" name="直線單箭頭接點 98"/>
+          <p:cNvCxnSpPr/>
+          <p:nvPr/>
+        </p:nvCxnSpPr>
+        <p:spPr>
+          <a:xfrm>
+            <a:off x="3150000" y="3870000"/>
+            <a:ext cx="0" cy="180000"/>
+          </a:xfrm>
+          <a:prstGeom prst="straightConnector1">
+            <a:avLst/>
+          </a:prstGeom>
+          <a:ln w="12700">
+            <a:solidFill>
+              <a:schemeClr val="tx1"/>
+            </a:solidFill>
+            <a:tailEnd type="triangle"/>
+          </a:ln>
+        </p:spPr>
+        <p:style>
+          <a:lnRef idx="1">
+            <a:schemeClr val="accent1"/>
+          </a:lnRef>
+          <a:fillRef idx="0">
+            <a:schemeClr val="accent1"/>
+          </a:fillRef>
+          <a:effectRef idx="0">
+            <a:schemeClr val="accent1"/>
+          </a:effectRef>
+          <a:fontRef idx="minor">
+            <a:schemeClr val="tx1"/>
+          </a:fontRef>
+        </p:style>
+      </p:cxnSp>
+      <p:sp>
+        <p:nvSpPr>
+          <p:cNvPr id="28" name="矩形 27"/>
+          <p:cNvSpPr/>
+          <p:nvPr/>
+        </p:nvSpPr>
+        <p:spPr>
+          <a:xfrm>
+            <a:off x="2520000" y="2790000"/>
+            <a:ext cx="1260000" cy="1080000"/>
           </a:xfrm>
           <a:prstGeom prst="rect">
             <a:avLst/>
@@ -6974,93 +7155,6 @@
           </a:p>
         </p:txBody>
       </p:sp>
-      <p:sp>
-        <p:nvSpPr>
-          <p:cNvPr id="4" name="矩形 3"/>
-          <p:cNvSpPr/>
-          <p:nvPr/>
-        </p:nvSpPr>
-        <p:spPr>
-          <a:xfrm>
-            <a:off x="10608960" y="2610000"/>
-            <a:ext cx="1152000" cy="1080000"/>
-          </a:xfrm>
-          <a:prstGeom prst="rect">
-            <a:avLst/>
-          </a:prstGeom>
-          <a:solidFill>
-            <a:srgbClr val="FF7C80">
-              <a:alpha val="50000"/>
-            </a:srgbClr>
-          </a:solidFill>
-          <a:ln>
-            <a:noFill/>
-          </a:ln>
-        </p:spPr>
-        <p:style>
-          <a:lnRef idx="2">
-            <a:schemeClr val="accent1">
-              <a:shade val="50000"/>
-            </a:schemeClr>
-          </a:lnRef>
-          <a:fillRef idx="1">
-            <a:schemeClr val="accent1"/>
-          </a:fillRef>
-          <a:effectRef idx="0">
-            <a:schemeClr val="accent1"/>
-          </a:effectRef>
-          <a:fontRef idx="minor">
-            <a:schemeClr val="lt1"/>
-          </a:fontRef>
-        </p:style>
-        <p:txBody>
-          <a:bodyPr rtlCol="0" anchor="ctr"/>
-          <a:lstStyle/>
-          <a:p>
-            <a:pPr algn="ctr"/>
-            <a:endParaRPr lang="zh-TW" altLang="en-US"/>
-          </a:p>
-        </p:txBody>
-      </p:sp>
-      <p:cxnSp>
-        <p:nvCxnSpPr>
-          <p:cNvPr id="65" name="肘形接點 64"/>
-          <p:cNvCxnSpPr>
-            <a:stCxn id="8" idx="2"/>
-            <a:endCxn id="76" idx="1"/>
-          </p:cNvCxnSpPr>
-          <p:nvPr/>
-        </p:nvCxnSpPr>
-        <p:spPr>
-          <a:xfrm rot="16200000" flipH="1">
-            <a:off x="7907246" y="2752282"/>
-            <a:ext cx="960832" cy="374603"/>
-          </a:xfrm>
-          <a:prstGeom prst="bentConnector2">
-            <a:avLst/>
-          </a:prstGeom>
-          <a:ln w="12700">
-            <a:solidFill>
-              <a:schemeClr val="tx1"/>
-            </a:solidFill>
-            <a:tailEnd type="triangle"/>
-          </a:ln>
-        </p:spPr>
-        <p:style>
-          <a:lnRef idx="1">
-            <a:schemeClr val="accent1"/>
-          </a:lnRef>
-          <a:fillRef idx="0">
-            <a:schemeClr val="accent1"/>
-          </a:fillRef>
-          <a:effectRef idx="0">
-            <a:schemeClr val="accent1"/>
-          </a:effectRef>
-          <a:fontRef idx="minor">
-            <a:schemeClr val="tx1"/>
-          </a:fontRef>
-        </p:style>
-      </p:cxnSp>
       <p:sp>
         <p:nvSpPr>
           <p:cNvPr id="58" name="文字方塊 57"/>
@@ -7105,13 +7199,13 @@
       </p:sp>
       <p:sp>
         <p:nvSpPr>
-          <p:cNvPr id="5" name="文字方塊 4"/>
+          <p:cNvPr id="66" name="文字方塊 65"/>
           <p:cNvSpPr txBox="1"/>
           <p:nvPr/>
         </p:nvSpPr>
         <p:spPr>
           <a:xfrm>
-            <a:off x="5286000" y="977886"/>
+            <a:off x="540000" y="1080000"/>
             <a:ext cx="1620000" cy="540000"/>
           </a:xfrm>
           <a:prstGeom prst="rect">
@@ -7199,14 +7293,344 @@
       </p:sp>
       <p:sp>
         <p:nvSpPr>
-          <p:cNvPr id="6" name="文字方塊 5"/>
+          <p:cNvPr id="74" name="文字方塊 73"/>
           <p:cNvSpPr txBox="1"/>
           <p:nvPr/>
         </p:nvSpPr>
         <p:spPr>
           <a:xfrm>
-            <a:off x="3455069" y="2034113"/>
-            <a:ext cx="1210588" cy="400110"/>
+            <a:off x="720000" y="2160000"/>
+            <a:ext cx="1260000" cy="450000"/>
+          </a:xfrm>
+          <a:prstGeom prst="rect">
+            <a:avLst/>
+          </a:prstGeom>
+          <a:solidFill>
+            <a:schemeClr val="accent5">
+              <a:lumMod val="60000"/>
+              <a:lumOff val="40000"/>
+            </a:schemeClr>
+          </a:solidFill>
+          <a:ln>
+            <a:noFill/>
+          </a:ln>
+          <a:effectLst>
+            <a:outerShdw blurRad="57150" dist="19050" dir="5400000" algn="ctr" rotWithShape="0">
+              <a:srgbClr val="000000">
+                <a:alpha val="63000"/>
+              </a:srgbClr>
+            </a:outerShdw>
+            <a:softEdge rad="0"/>
+          </a:effectLst>
+        </p:spPr>
+        <p:style>
+          <a:lnRef idx="0">
+            <a:schemeClr val="accent5"/>
+          </a:lnRef>
+          <a:fillRef idx="3">
+            <a:schemeClr val="accent5"/>
+          </a:fillRef>
+          <a:effectRef idx="3">
+            <a:schemeClr val="accent5"/>
+          </a:effectRef>
+          <a:fontRef idx="minor">
+            <a:schemeClr val="lt1"/>
+          </a:fontRef>
+        </p:style>
+        <p:txBody>
+          <a:bodyPr wrap="none" rtlCol="0" anchor="ctr">
+            <a:spAutoFit/>
+          </a:bodyPr>
+          <a:lstStyle/>
+          <a:p>
+            <a:pPr algn="ctr"/>
+            <a:r>
+              <a:rPr lang="zh-TW" altLang="en-US" sz="2000" dirty="0" smtClean="0">
+                <a:solidFill>
+                  <a:schemeClr val="bg1"/>
+                </a:solidFill>
+                <a:latin typeface="華康中圓體" panose="020F0509000000000000" pitchFamily="49" charset="-120"/>
+                <a:ea typeface="華康中圓體" panose="020F0509000000000000" pitchFamily="49" charset="-120"/>
+              </a:rPr>
+              <a:t>最新公告</a:t>
+            </a:r>
+            <a:endParaRPr lang="en-US" altLang="zh-TW" sz="2000" dirty="0" smtClean="0">
+              <a:solidFill>
+                <a:schemeClr val="bg1"/>
+              </a:solidFill>
+              <a:latin typeface="華康中圓體" panose="020F0509000000000000" pitchFamily="49" charset="-120"/>
+              <a:ea typeface="華康中圓體" panose="020F0509000000000000" pitchFamily="49" charset="-120"/>
+            </a:endParaRPr>
+          </a:p>
+        </p:txBody>
+      </p:sp>
+      <p:sp>
+        <p:nvSpPr>
+          <p:cNvPr id="78" name="文字方塊 77"/>
+          <p:cNvSpPr txBox="1"/>
+          <p:nvPr/>
+        </p:nvSpPr>
+        <p:spPr>
+          <a:xfrm>
+            <a:off x="1170000" y="2880000"/>
+            <a:ext cx="1080000" cy="360000"/>
+          </a:xfrm>
+          <a:prstGeom prst="rect">
+            <a:avLst/>
+          </a:prstGeom>
+          <a:solidFill>
+            <a:schemeClr val="accent5">
+              <a:lumMod val="60000"/>
+              <a:lumOff val="40000"/>
+            </a:schemeClr>
+          </a:solidFill>
+          <a:ln>
+            <a:noFill/>
+          </a:ln>
+          <a:effectLst>
+            <a:outerShdw blurRad="57150" dist="19050" dir="5400000" algn="ctr" rotWithShape="0">
+              <a:srgbClr val="000000">
+                <a:alpha val="63000"/>
+              </a:srgbClr>
+            </a:outerShdw>
+            <a:softEdge rad="0"/>
+          </a:effectLst>
+        </p:spPr>
+        <p:style>
+          <a:lnRef idx="0">
+            <a:schemeClr val="accent5"/>
+          </a:lnRef>
+          <a:fillRef idx="3">
+            <a:schemeClr val="accent5"/>
+          </a:fillRef>
+          <a:effectRef idx="3">
+            <a:schemeClr val="accent5"/>
+          </a:effectRef>
+          <a:fontRef idx="minor">
+            <a:schemeClr val="lt1"/>
+          </a:fontRef>
+        </p:style>
+        <p:txBody>
+          <a:bodyPr wrap="none" rtlCol="0" anchor="ctr">
+            <a:spAutoFit/>
+          </a:bodyPr>
+          <a:lstStyle/>
+          <a:p>
+            <a:pPr algn="ctr"/>
+            <a:r>
+              <a:rPr lang="zh-TW" altLang="en-US" sz="1600" dirty="0" smtClean="0">
+                <a:solidFill>
+                  <a:schemeClr val="bg1"/>
+                </a:solidFill>
+                <a:latin typeface="華康中圓體" panose="020F0509000000000000" pitchFamily="49" charset="-120"/>
+                <a:ea typeface="華康中圓體" panose="020F0509000000000000" pitchFamily="49" charset="-120"/>
+              </a:rPr>
+              <a:t>最新消息</a:t>
+            </a:r>
+            <a:endParaRPr lang="en-US" altLang="zh-TW" sz="1600" dirty="0" smtClean="0">
+              <a:solidFill>
+                <a:schemeClr val="bg1"/>
+              </a:solidFill>
+              <a:latin typeface="華康中圓體" panose="020F0509000000000000" pitchFamily="49" charset="-120"/>
+              <a:ea typeface="華康中圓體" panose="020F0509000000000000" pitchFamily="49" charset="-120"/>
+            </a:endParaRPr>
+          </a:p>
+        </p:txBody>
+      </p:sp>
+      <p:sp>
+        <p:nvSpPr>
+          <p:cNvPr id="79" name="文字方塊 78"/>
+          <p:cNvSpPr txBox="1"/>
+          <p:nvPr/>
+        </p:nvSpPr>
+        <p:spPr>
+          <a:xfrm>
+            <a:off x="1170000" y="3420000"/>
+            <a:ext cx="1080000" cy="360000"/>
+          </a:xfrm>
+          <a:prstGeom prst="rect">
+            <a:avLst/>
+          </a:prstGeom>
+          <a:solidFill>
+            <a:schemeClr val="accent5">
+              <a:lumMod val="60000"/>
+              <a:lumOff val="40000"/>
+            </a:schemeClr>
+          </a:solidFill>
+          <a:ln>
+            <a:noFill/>
+          </a:ln>
+          <a:effectLst>
+            <a:outerShdw blurRad="57150" dist="19050" dir="5400000" algn="ctr" rotWithShape="0">
+              <a:srgbClr val="000000">
+                <a:alpha val="63000"/>
+              </a:srgbClr>
+            </a:outerShdw>
+            <a:softEdge rad="0"/>
+          </a:effectLst>
+        </p:spPr>
+        <p:style>
+          <a:lnRef idx="0">
+            <a:schemeClr val="accent5"/>
+          </a:lnRef>
+          <a:fillRef idx="3">
+            <a:schemeClr val="accent5"/>
+          </a:fillRef>
+          <a:effectRef idx="3">
+            <a:schemeClr val="accent5"/>
+          </a:effectRef>
+          <a:fontRef idx="minor">
+            <a:schemeClr val="lt1"/>
+          </a:fontRef>
+        </p:style>
+        <p:txBody>
+          <a:bodyPr wrap="none" rtlCol="0" anchor="ctr">
+            <a:spAutoFit/>
+          </a:bodyPr>
+          <a:lstStyle/>
+          <a:p>
+            <a:pPr algn="ctr"/>
+            <a:r>
+              <a:rPr lang="zh-TW" altLang="en-US" sz="1600" dirty="0" smtClean="0">
+                <a:solidFill>
+                  <a:schemeClr val="bg1"/>
+                </a:solidFill>
+                <a:latin typeface="華康中圓體" panose="020F0509000000000000" pitchFamily="49" charset="-120"/>
+                <a:ea typeface="華康中圓體" panose="020F0509000000000000" pitchFamily="49" charset="-120"/>
+              </a:rPr>
+              <a:t>活動消息</a:t>
+            </a:r>
+            <a:endParaRPr lang="en-US" altLang="zh-TW" sz="1600" dirty="0" smtClean="0">
+              <a:solidFill>
+                <a:schemeClr val="bg1"/>
+              </a:solidFill>
+              <a:latin typeface="華康中圓體" panose="020F0509000000000000" pitchFamily="49" charset="-120"/>
+              <a:ea typeface="華康中圓體" panose="020F0509000000000000" pitchFamily="49" charset="-120"/>
+            </a:endParaRPr>
+          </a:p>
+        </p:txBody>
+      </p:sp>
+      <p:cxnSp>
+        <p:nvCxnSpPr>
+          <p:cNvPr id="80" name="直線單箭頭接點 79"/>
+          <p:cNvCxnSpPr/>
+          <p:nvPr/>
+        </p:nvCxnSpPr>
+        <p:spPr>
+          <a:xfrm>
+            <a:off x="805689" y="3060000"/>
+            <a:ext cx="360000" cy="0"/>
+          </a:xfrm>
+          <a:prstGeom prst="straightConnector1">
+            <a:avLst/>
+          </a:prstGeom>
+          <a:ln w="12700">
+            <a:solidFill>
+              <a:schemeClr val="tx1"/>
+            </a:solidFill>
+            <a:tailEnd type="triangle"/>
+          </a:ln>
+        </p:spPr>
+        <p:style>
+          <a:lnRef idx="1">
+            <a:schemeClr val="accent1"/>
+          </a:lnRef>
+          <a:fillRef idx="0">
+            <a:schemeClr val="accent1"/>
+          </a:fillRef>
+          <a:effectRef idx="0">
+            <a:schemeClr val="accent1"/>
+          </a:effectRef>
+          <a:fontRef idx="minor">
+            <a:schemeClr val="tx1"/>
+          </a:fontRef>
+        </p:style>
+      </p:cxnSp>
+      <p:cxnSp>
+        <p:nvCxnSpPr>
+          <p:cNvPr id="81" name="肘形接點 80"/>
+          <p:cNvCxnSpPr/>
+          <p:nvPr/>
+        </p:nvCxnSpPr>
+        <p:spPr>
+          <a:xfrm rot="16200000" flipH="1">
+            <a:off x="490690" y="2923774"/>
+            <a:ext cx="990000" cy="360000"/>
+          </a:xfrm>
+          <a:prstGeom prst="bentConnector2">
+            <a:avLst/>
+          </a:prstGeom>
+          <a:ln w="12700">
+            <a:solidFill>
+              <a:schemeClr val="tx1"/>
+            </a:solidFill>
+            <a:tailEnd type="triangle"/>
+          </a:ln>
+        </p:spPr>
+        <p:style>
+          <a:lnRef idx="1">
+            <a:schemeClr val="accent1"/>
+          </a:lnRef>
+          <a:fillRef idx="0">
+            <a:schemeClr val="accent1"/>
+          </a:fillRef>
+          <a:effectRef idx="0">
+            <a:schemeClr val="accent1"/>
+          </a:effectRef>
+          <a:fontRef idx="minor">
+            <a:schemeClr val="tx1"/>
+          </a:fontRef>
+        </p:style>
+      </p:cxnSp>
+      <p:cxnSp>
+        <p:nvCxnSpPr>
+          <p:cNvPr id="82" name="直線單箭頭接點 81"/>
+          <p:cNvCxnSpPr>
+            <a:stCxn id="66" idx="2"/>
+            <a:endCxn id="74" idx="0"/>
+          </p:cNvCxnSpPr>
+          <p:nvPr/>
+        </p:nvCxnSpPr>
+        <p:spPr>
+          <a:xfrm>
+            <a:off x="1350000" y="1620000"/>
+            <a:ext cx="0" cy="540000"/>
+          </a:xfrm>
+          <a:prstGeom prst="straightConnector1">
+            <a:avLst/>
+          </a:prstGeom>
+          <a:ln w="12700">
+            <a:solidFill>
+              <a:schemeClr val="tx1"/>
+            </a:solidFill>
+            <a:tailEnd type="triangle"/>
+          </a:ln>
+        </p:spPr>
+        <p:style>
+          <a:lnRef idx="1">
+            <a:schemeClr val="accent1"/>
+          </a:lnRef>
+          <a:fillRef idx="0">
+            <a:schemeClr val="accent1"/>
+          </a:fillRef>
+          <a:effectRef idx="0">
+            <a:schemeClr val="accent1"/>
+          </a:effectRef>
+          <a:fontRef idx="minor">
+            <a:schemeClr val="tx1"/>
+          </a:fontRef>
+        </p:style>
+      </p:cxnSp>
+      <p:sp>
+        <p:nvSpPr>
+          <p:cNvPr id="83" name="文字方塊 82"/>
+          <p:cNvSpPr txBox="1"/>
+          <p:nvPr/>
+        </p:nvSpPr>
+        <p:spPr>
+          <a:xfrm>
+            <a:off x="2520000" y="2160000"/>
+            <a:ext cx="1260000" cy="450000"/>
           </a:xfrm>
           <a:prstGeom prst="rect">
             <a:avLst/>
@@ -7245,7 +7669,7 @@
         </p:style>
         <p:txBody>
           <a:bodyPr wrap="none" rtlCol="0" anchor="ctr">
-            <a:spAutoFit/>
+            <a:noAutofit/>
           </a:bodyPr>
           <a:lstStyle/>
           <a:p>
@@ -7272,13 +7696,13 @@
       </p:sp>
       <p:sp>
         <p:nvSpPr>
-          <p:cNvPr id="7" name="文字方塊 6"/>
+          <p:cNvPr id="87" name="文字方塊 86"/>
           <p:cNvSpPr txBox="1"/>
           <p:nvPr/>
         </p:nvSpPr>
         <p:spPr>
           <a:xfrm>
-            <a:off x="9633744" y="2007944"/>
+            <a:off x="9000000" y="2158775"/>
             <a:ext cx="1260000" cy="450000"/>
           </a:xfrm>
           <a:prstGeom prst="rect">
@@ -7315,7 +7739,7 @@
         </p:style>
         <p:txBody>
           <a:bodyPr wrap="none" rtlCol="0" anchor="ctr">
-            <a:spAutoFit/>
+            <a:noAutofit/>
           </a:bodyPr>
           <a:lstStyle/>
           <a:p>
@@ -7342,13 +7766,13 @@
       </p:sp>
       <p:sp>
         <p:nvSpPr>
-          <p:cNvPr id="8" name="文字方塊 7"/>
+          <p:cNvPr id="90" name="文字方塊 89"/>
           <p:cNvSpPr txBox="1"/>
           <p:nvPr/>
         </p:nvSpPr>
         <p:spPr>
           <a:xfrm>
-            <a:off x="7570361" y="2009168"/>
+            <a:off x="7200000" y="2159999"/>
             <a:ext cx="1260000" cy="450000"/>
           </a:xfrm>
           <a:prstGeom prst="rect">
@@ -7388,7 +7812,7 @@
         </p:style>
         <p:txBody>
           <a:bodyPr wrap="none" rtlCol="0" anchor="ctr">
-            <a:spAutoFit/>
+            <a:noAutofit/>
           </a:bodyPr>
           <a:lstStyle/>
           <a:p>
@@ -7415,13 +7839,13 @@
       </p:sp>
       <p:sp>
         <p:nvSpPr>
-          <p:cNvPr id="9" name="文字方塊 8"/>
+          <p:cNvPr id="91" name="文字方塊 90"/>
           <p:cNvSpPr txBox="1"/>
           <p:nvPr/>
         </p:nvSpPr>
         <p:spPr>
           <a:xfrm>
-            <a:off x="5466000" y="2009168"/>
+            <a:off x="4320000" y="2159999"/>
             <a:ext cx="1260000" cy="450000"/>
           </a:xfrm>
           <a:prstGeom prst="rect">
@@ -7461,7 +7885,7 @@
         </p:style>
         <p:txBody>
           <a:bodyPr wrap="none" rtlCol="0" anchor="ctr">
-            <a:spAutoFit/>
+            <a:noAutofit/>
           </a:bodyPr>
           <a:lstStyle/>
           <a:p>
@@ -7486,22 +7910,186 @@
           </a:p>
         </p:txBody>
       </p:sp>
-      <p:sp>
-        <p:nvSpPr>
-          <p:cNvPr id="10" name="文字方塊 9"/>
+      <p:cxnSp>
+        <p:nvCxnSpPr>
+          <p:cNvPr id="17" name="肘形接點 16"/>
+          <p:cNvCxnSpPr>
+            <a:stCxn id="66" idx="2"/>
+            <a:endCxn id="87" idx="0"/>
+          </p:cNvCxnSpPr>
+          <p:nvPr/>
+        </p:nvCxnSpPr>
+        <p:spPr>
+          <a:xfrm rot="16200000" flipH="1">
+            <a:off x="5220613" y="-2250613"/>
+            <a:ext cx="538775" cy="8280000"/>
+          </a:xfrm>
+          <a:prstGeom prst="bentConnector3">
+            <a:avLst>
+              <a:gd name="adj1" fmla="val 50000"/>
+            </a:avLst>
+          </a:prstGeom>
+          <a:ln>
+            <a:solidFill>
+              <a:schemeClr val="tx1"/>
+            </a:solidFill>
+            <a:tailEnd type="triangle"/>
+          </a:ln>
+        </p:spPr>
+        <p:style>
+          <a:lnRef idx="1">
+            <a:schemeClr val="accent1"/>
+          </a:lnRef>
+          <a:fillRef idx="0">
+            <a:schemeClr val="accent1"/>
+          </a:fillRef>
+          <a:effectRef idx="0">
+            <a:schemeClr val="accent1"/>
+          </a:effectRef>
+          <a:fontRef idx="minor">
+            <a:schemeClr val="tx1"/>
+          </a:fontRef>
+        </p:style>
+      </p:cxnSp>
+      <p:cxnSp>
+        <p:nvCxnSpPr>
+          <p:cNvPr id="92" name="肘形接點 91"/>
+          <p:cNvCxnSpPr>
+            <a:stCxn id="66" idx="2"/>
+            <a:endCxn id="83" idx="0"/>
+          </p:cNvCxnSpPr>
+          <p:nvPr/>
+        </p:nvCxnSpPr>
+        <p:spPr>
+          <a:xfrm rot="16200000" flipH="1">
+            <a:off x="1980000" y="990000"/>
+            <a:ext cx="540000" cy="1800000"/>
+          </a:xfrm>
+          <a:prstGeom prst="bentConnector3">
+            <a:avLst>
+              <a:gd name="adj1" fmla="val 50000"/>
+            </a:avLst>
+          </a:prstGeom>
+          <a:ln>
+            <a:solidFill>
+              <a:schemeClr val="tx1"/>
+            </a:solidFill>
+            <a:tailEnd type="triangle"/>
+          </a:ln>
+        </p:spPr>
+        <p:style>
+          <a:lnRef idx="1">
+            <a:schemeClr val="accent1"/>
+          </a:lnRef>
+          <a:fillRef idx="0">
+            <a:schemeClr val="accent1"/>
+          </a:fillRef>
+          <a:effectRef idx="0">
+            <a:schemeClr val="accent1"/>
+          </a:effectRef>
+          <a:fontRef idx="minor">
+            <a:schemeClr val="tx1"/>
+          </a:fontRef>
+        </p:style>
+      </p:cxnSp>
+      <p:cxnSp>
+        <p:nvCxnSpPr>
+          <p:cNvPr id="93" name="肘形接點 92"/>
+          <p:cNvCxnSpPr>
+            <a:stCxn id="66" idx="2"/>
+            <a:endCxn id="91" idx="0"/>
+          </p:cNvCxnSpPr>
+          <p:nvPr/>
+        </p:nvCxnSpPr>
+        <p:spPr>
+          <a:xfrm rot="16200000" flipH="1">
+            <a:off x="2880001" y="89999"/>
+            <a:ext cx="539999" cy="3600000"/>
+          </a:xfrm>
+          <a:prstGeom prst="bentConnector3">
+            <a:avLst>
+              <a:gd name="adj1" fmla="val 50000"/>
+            </a:avLst>
+          </a:prstGeom>
+          <a:ln>
+            <a:solidFill>
+              <a:schemeClr val="tx1"/>
+            </a:solidFill>
+            <a:tailEnd type="triangle"/>
+          </a:ln>
+        </p:spPr>
+        <p:style>
+          <a:lnRef idx="1">
+            <a:schemeClr val="accent1"/>
+          </a:lnRef>
+          <a:fillRef idx="0">
+            <a:schemeClr val="accent1"/>
+          </a:fillRef>
+          <a:effectRef idx="0">
+            <a:schemeClr val="accent1"/>
+          </a:effectRef>
+          <a:fontRef idx="minor">
+            <a:schemeClr val="tx1"/>
+          </a:fontRef>
+        </p:style>
+      </p:cxnSp>
+      <p:cxnSp>
+        <p:nvCxnSpPr>
+          <p:cNvPr id="94" name="肘形接點 93"/>
+          <p:cNvCxnSpPr>
+            <a:stCxn id="66" idx="2"/>
+            <a:endCxn id="90" idx="0"/>
+          </p:cNvCxnSpPr>
+          <p:nvPr/>
+        </p:nvCxnSpPr>
+        <p:spPr>
+          <a:xfrm rot="16200000" flipH="1">
+            <a:off x="4320001" y="-1350001"/>
+            <a:ext cx="539999" cy="6480000"/>
+          </a:xfrm>
+          <a:prstGeom prst="bentConnector3">
+            <a:avLst>
+              <a:gd name="adj1" fmla="val 50000"/>
+            </a:avLst>
+          </a:prstGeom>
+          <a:ln>
+            <a:solidFill>
+              <a:schemeClr val="tx1"/>
+            </a:solidFill>
+            <a:tailEnd type="triangle"/>
+          </a:ln>
+        </p:spPr>
+        <p:style>
+          <a:lnRef idx="1">
+            <a:schemeClr val="accent1"/>
+          </a:lnRef>
+          <a:fillRef idx="0">
+            <a:schemeClr val="accent1"/>
+          </a:fillRef>
+          <a:effectRef idx="0">
+            <a:schemeClr val="accent1"/>
+          </a:effectRef>
+          <a:fontRef idx="minor">
+            <a:schemeClr val="tx1"/>
+          </a:fontRef>
+        </p:style>
+      </p:cxnSp>
+      <p:sp>
+        <p:nvSpPr>
+          <p:cNvPr id="95" name="文字方塊 94"/>
           <p:cNvSpPr txBox="1"/>
           <p:nvPr/>
         </p:nvSpPr>
         <p:spPr>
           <a:xfrm>
-            <a:off x="1360364" y="2009168"/>
-            <a:ext cx="1260000" cy="450000"/>
+            <a:off x="2610000" y="2880000"/>
+            <a:ext cx="1080000" cy="360000"/>
           </a:xfrm>
           <a:prstGeom prst="rect">
             <a:avLst/>
           </a:prstGeom>
           <a:solidFill>
-            <a:schemeClr val="accent5">
+            <a:schemeClr val="accent6">
               <a:lumMod val="60000"/>
               <a:lumOff val="40000"/>
             </a:schemeClr>
@@ -7540,16 +8128,16 @@
           <a:p>
             <a:pPr algn="ctr"/>
             <a:r>
-              <a:rPr lang="zh-TW" altLang="en-US" sz="2000" dirty="0" smtClean="0">
+              <a:rPr lang="zh-TW" altLang="en-US" sz="1600" dirty="0" smtClean="0">
                 <a:solidFill>
                   <a:schemeClr val="bg1"/>
                 </a:solidFill>
                 <a:latin typeface="華康中圓體" panose="020F0509000000000000" pitchFamily="49" charset="-120"/>
                 <a:ea typeface="華康中圓體" panose="020F0509000000000000" pitchFamily="49" charset="-120"/>
               </a:rPr>
-              <a:t>最新公告</a:t>
-            </a:r>
-            <a:endParaRPr lang="en-US" altLang="zh-TW" sz="2000" dirty="0" smtClean="0">
+              <a:t>熱銷商品</a:t>
+            </a:r>
+            <a:endParaRPr lang="en-US" altLang="zh-TW" sz="1600" dirty="0" smtClean="0">
               <a:solidFill>
                 <a:schemeClr val="bg1"/>
               </a:solidFill>
@@ -7559,215 +8147,25 @@
           </a:p>
         </p:txBody>
       </p:sp>
-      <p:cxnSp>
-        <p:nvCxnSpPr>
-          <p:cNvPr id="14" name="肘形接點 13"/>
-          <p:cNvCxnSpPr>
-            <a:stCxn id="5" idx="3"/>
-            <a:endCxn id="7" idx="0"/>
-          </p:cNvCxnSpPr>
-          <p:nvPr/>
-        </p:nvCxnSpPr>
-        <p:spPr>
-          <a:xfrm>
-            <a:off x="6906000" y="1247886"/>
-            <a:ext cx="3357744" cy="760058"/>
-          </a:xfrm>
-          <a:prstGeom prst="bentConnector2">
-            <a:avLst/>
-          </a:prstGeom>
-          <a:ln w="12700">
-            <a:solidFill>
-              <a:schemeClr val="tx1"/>
-            </a:solidFill>
-            <a:tailEnd type="triangle"/>
-          </a:ln>
-        </p:spPr>
-        <p:style>
-          <a:lnRef idx="1">
-            <a:schemeClr val="accent1"/>
-          </a:lnRef>
-          <a:fillRef idx="0">
-            <a:schemeClr val="accent1"/>
-          </a:fillRef>
-          <a:effectRef idx="0">
-            <a:schemeClr val="accent1"/>
-          </a:effectRef>
-          <a:fontRef idx="minor">
-            <a:schemeClr val="tx1"/>
-          </a:fontRef>
-        </p:style>
-      </p:cxnSp>
-      <p:cxnSp>
-        <p:nvCxnSpPr>
-          <p:cNvPr id="22" name="肘形接點 21"/>
-          <p:cNvCxnSpPr>
-            <a:stCxn id="5" idx="2"/>
-            <a:endCxn id="8" idx="0"/>
-          </p:cNvCxnSpPr>
-          <p:nvPr/>
-        </p:nvCxnSpPr>
-        <p:spPr>
-          <a:xfrm rot="16200000" flipH="1">
-            <a:off x="6902539" y="711346"/>
-            <a:ext cx="491282" cy="2104361"/>
-          </a:xfrm>
-          <a:prstGeom prst="bentConnector3">
-            <a:avLst/>
-          </a:prstGeom>
-          <a:ln w="12700">
-            <a:solidFill>
-              <a:schemeClr val="tx1"/>
-            </a:solidFill>
-            <a:tailEnd type="triangle"/>
-          </a:ln>
-        </p:spPr>
-        <p:style>
-          <a:lnRef idx="1">
-            <a:schemeClr val="accent1"/>
-          </a:lnRef>
-          <a:fillRef idx="0">
-            <a:schemeClr val="accent1"/>
-          </a:fillRef>
-          <a:effectRef idx="0">
-            <a:schemeClr val="accent1"/>
-          </a:effectRef>
-          <a:fontRef idx="minor">
-            <a:schemeClr val="tx1"/>
-          </a:fontRef>
-        </p:style>
-      </p:cxnSp>
-      <p:cxnSp>
-        <p:nvCxnSpPr>
-          <p:cNvPr id="25" name="肘形接點 24"/>
-          <p:cNvCxnSpPr>
-            <a:stCxn id="5" idx="2"/>
-            <a:endCxn id="10" idx="0"/>
-          </p:cNvCxnSpPr>
-          <p:nvPr/>
-        </p:nvCxnSpPr>
-        <p:spPr>
-          <a:xfrm rot="5400000">
-            <a:off x="3797541" y="-289291"/>
-            <a:ext cx="491282" cy="4105636"/>
-          </a:xfrm>
-          <a:prstGeom prst="bentConnector3">
-            <a:avLst/>
-          </a:prstGeom>
-          <a:ln w="12700">
-            <a:solidFill>
-              <a:schemeClr val="tx1"/>
-            </a:solidFill>
-            <a:tailEnd type="triangle"/>
-          </a:ln>
-        </p:spPr>
-        <p:style>
-          <a:lnRef idx="1">
-            <a:schemeClr val="accent1"/>
-          </a:lnRef>
-          <a:fillRef idx="0">
-            <a:schemeClr val="accent1"/>
-          </a:fillRef>
-          <a:effectRef idx="0">
-            <a:schemeClr val="accent1"/>
-          </a:effectRef>
-          <a:fontRef idx="minor">
-            <a:schemeClr val="tx1"/>
-          </a:fontRef>
-        </p:style>
-      </p:cxnSp>
-      <p:cxnSp>
-        <p:nvCxnSpPr>
-          <p:cNvPr id="53" name="直線單箭頭接點 52"/>
-          <p:cNvCxnSpPr>
-            <a:stCxn id="6" idx="0"/>
-          </p:cNvCxnSpPr>
-          <p:nvPr/>
-        </p:nvCxnSpPr>
-        <p:spPr>
-          <a:xfrm flipV="1">
-            <a:off x="4060363" y="1763527"/>
-            <a:ext cx="1" cy="270586"/>
-          </a:xfrm>
-          <a:prstGeom prst="straightConnector1">
-            <a:avLst/>
-          </a:prstGeom>
-          <a:ln w="12700">
-            <a:solidFill>
-              <a:schemeClr val="tx1"/>
-            </a:solidFill>
-            <a:headEnd type="triangle"/>
-            <a:tailEnd type="none"/>
-          </a:ln>
-        </p:spPr>
-        <p:style>
-          <a:lnRef idx="1">
-            <a:schemeClr val="accent1"/>
-          </a:lnRef>
-          <a:fillRef idx="0">
-            <a:schemeClr val="accent1"/>
-          </a:fillRef>
-          <a:effectRef idx="0">
-            <a:schemeClr val="accent1"/>
-          </a:effectRef>
-          <a:fontRef idx="minor">
-            <a:schemeClr val="tx1"/>
-          </a:fontRef>
-        </p:style>
-      </p:cxnSp>
-      <p:cxnSp>
-        <p:nvCxnSpPr>
-          <p:cNvPr id="55" name="直線單箭頭接點 54"/>
-          <p:cNvCxnSpPr/>
-          <p:nvPr/>
-        </p:nvCxnSpPr>
-        <p:spPr>
-          <a:xfrm flipV="1">
-            <a:off x="6095999" y="1745560"/>
-            <a:ext cx="0" cy="263608"/>
-          </a:xfrm>
-          <a:prstGeom prst="straightConnector1">
-            <a:avLst/>
-          </a:prstGeom>
-          <a:ln w="12700">
-            <a:solidFill>
-              <a:schemeClr val="tx1"/>
-            </a:solidFill>
-            <a:headEnd type="triangle"/>
-            <a:tailEnd type="none"/>
-          </a:ln>
-        </p:spPr>
-        <p:style>
-          <a:lnRef idx="1">
-            <a:schemeClr val="accent1"/>
-          </a:lnRef>
-          <a:fillRef idx="0">
-            <a:schemeClr val="accent1"/>
-          </a:fillRef>
-          <a:effectRef idx="0">
-            <a:schemeClr val="accent1"/>
-          </a:effectRef>
-          <a:fontRef idx="minor">
-            <a:schemeClr val="tx1"/>
-          </a:fontRef>
-        </p:style>
-      </p:cxnSp>
-      <p:sp>
-        <p:nvSpPr>
-          <p:cNvPr id="13" name="文字方塊 12"/>
+      <p:sp>
+        <p:nvSpPr>
+          <p:cNvPr id="96" name="文字方塊 95"/>
           <p:cNvSpPr txBox="1"/>
           <p:nvPr/>
         </p:nvSpPr>
         <p:spPr>
           <a:xfrm>
-            <a:off x="10648203" y="2700000"/>
+            <a:off x="2610000" y="3420000"/>
             <a:ext cx="1080000" cy="360000"/>
           </a:xfrm>
           <a:prstGeom prst="rect">
             <a:avLst/>
           </a:prstGeom>
           <a:solidFill>
-            <a:srgbClr val="FF7C80"/>
+            <a:schemeClr val="accent6">
+              <a:lumMod val="60000"/>
+              <a:lumOff val="40000"/>
+            </a:schemeClr>
           </a:solidFill>
           <a:ln>
             <a:noFill/>
@@ -7810,7 +8208,7 @@
                 <a:latin typeface="華康中圓體" panose="020F0509000000000000" pitchFamily="49" charset="-120"/>
                 <a:ea typeface="華康中圓體" panose="020F0509000000000000" pitchFamily="49" charset="-120"/>
               </a:rPr>
-              <a:t>商品登錄</a:t>
+              <a:t>最新商品</a:t>
             </a:r>
             <a:endParaRPr lang="en-US" altLang="zh-TW" sz="1600" dirty="0" smtClean="0">
               <a:solidFill>
@@ -7822,22 +8220,64 @@
           </a:p>
         </p:txBody>
       </p:sp>
-      <p:sp>
-        <p:nvSpPr>
-          <p:cNvPr id="15" name="文字方塊 14"/>
+      <p:cxnSp>
+        <p:nvCxnSpPr>
+          <p:cNvPr id="97" name="直線單箭頭接點 96"/>
+          <p:cNvCxnSpPr>
+            <a:stCxn id="83" idx="2"/>
+            <a:endCxn id="28" idx="0"/>
+          </p:cNvCxnSpPr>
+          <p:nvPr/>
+        </p:nvCxnSpPr>
+        <p:spPr>
+          <a:xfrm>
+            <a:off x="3150000" y="2610000"/>
+            <a:ext cx="0" cy="180000"/>
+          </a:xfrm>
+          <a:prstGeom prst="straightConnector1">
+            <a:avLst/>
+          </a:prstGeom>
+          <a:ln w="12700">
+            <a:solidFill>
+              <a:schemeClr val="tx1"/>
+            </a:solidFill>
+            <a:tailEnd type="triangle"/>
+          </a:ln>
+        </p:spPr>
+        <p:style>
+          <a:lnRef idx="1">
+            <a:schemeClr val="accent1"/>
+          </a:lnRef>
+          <a:fillRef idx="0">
+            <a:schemeClr val="accent1"/>
+          </a:fillRef>
+          <a:effectRef idx="0">
+            <a:schemeClr val="accent1"/>
+          </a:effectRef>
+          <a:fontRef idx="minor">
+            <a:schemeClr val="tx1"/>
+          </a:fontRef>
+        </p:style>
+      </p:cxnSp>
+      <p:sp>
+        <p:nvSpPr>
+          <p:cNvPr id="98" name="文字方塊 97"/>
           <p:cNvSpPr txBox="1"/>
           <p:nvPr/>
         </p:nvSpPr>
         <p:spPr>
           <a:xfrm>
-            <a:off x="10644960" y="3240000"/>
+            <a:off x="2610000" y="4050000"/>
             <a:ext cx="1080000" cy="360000"/>
           </a:xfrm>
           <a:prstGeom prst="rect">
             <a:avLst/>
           </a:prstGeom>
           <a:solidFill>
-            <a:srgbClr val="FF7C80"/>
+            <a:schemeClr val="accent6">
+              <a:lumMod val="60000"/>
+              <a:lumOff val="40000"/>
+            </a:schemeClr>
           </a:solidFill>
           <a:ln>
             <a:noFill/>
@@ -7880,7 +8320,7 @@
                 <a:latin typeface="華康中圓體" panose="020F0509000000000000" pitchFamily="49" charset="-120"/>
                 <a:ea typeface="華康中圓體" panose="020F0509000000000000" pitchFamily="49" charset="-120"/>
               </a:rPr>
-              <a:t>課程登錄</a:t>
+              <a:t>詳細商品</a:t>
             </a:r>
             <a:endParaRPr lang="en-US" altLang="zh-TW" sz="1600" dirty="0" smtClean="0">
               <a:solidFill>
@@ -7892,19 +8332,86 @@
           </a:p>
         </p:txBody>
       </p:sp>
+      <p:sp>
+        <p:nvSpPr>
+          <p:cNvPr id="100" name="文字方塊 99"/>
+          <p:cNvSpPr txBox="1"/>
+          <p:nvPr/>
+        </p:nvSpPr>
+        <p:spPr>
+          <a:xfrm>
+            <a:off x="2610000" y="4590000"/>
+            <a:ext cx="1080000" cy="360000"/>
+          </a:xfrm>
+          <a:prstGeom prst="rect">
+            <a:avLst/>
+          </a:prstGeom>
+          <a:solidFill>
+            <a:srgbClr val="FF7C80"/>
+          </a:solidFill>
+          <a:ln>
+            <a:noFill/>
+          </a:ln>
+          <a:effectLst>
+            <a:outerShdw blurRad="57150" dist="19050" dir="5400000" algn="ctr" rotWithShape="0">
+              <a:srgbClr val="000000">
+                <a:alpha val="63000"/>
+              </a:srgbClr>
+            </a:outerShdw>
+            <a:softEdge rad="0"/>
+          </a:effectLst>
+        </p:spPr>
+        <p:style>
+          <a:lnRef idx="0">
+            <a:schemeClr val="accent5"/>
+          </a:lnRef>
+          <a:fillRef idx="3">
+            <a:schemeClr val="accent5"/>
+          </a:fillRef>
+          <a:effectRef idx="3">
+            <a:schemeClr val="accent5"/>
+          </a:effectRef>
+          <a:fontRef idx="minor">
+            <a:schemeClr val="lt1"/>
+          </a:fontRef>
+        </p:style>
+        <p:txBody>
+          <a:bodyPr wrap="none" rtlCol="0" anchor="ctr">
+            <a:noAutofit/>
+          </a:bodyPr>
+          <a:lstStyle/>
+          <a:p>
+            <a:pPr algn="ctr"/>
+            <a:r>
+              <a:rPr lang="zh-TW" altLang="en-US" sz="1600" dirty="0">
+                <a:solidFill>
+                  <a:schemeClr val="bg1"/>
+                </a:solidFill>
+                <a:latin typeface="華康中圓體" panose="020F0509000000000000" pitchFamily="49" charset="-120"/>
+                <a:ea typeface="華康中圓體" panose="020F0509000000000000" pitchFamily="49" charset="-120"/>
+              </a:rPr>
+              <a:t>會員登入</a:t>
+            </a:r>
+            <a:endParaRPr lang="en-US" altLang="zh-TW" sz="1600" dirty="0">
+              <a:solidFill>
+                <a:schemeClr val="bg1"/>
+              </a:solidFill>
+              <a:latin typeface="華康中圓體" panose="020F0509000000000000" pitchFamily="49" charset="-120"/>
+              <a:ea typeface="華康中圓體" panose="020F0509000000000000" pitchFamily="49" charset="-120"/>
+            </a:endParaRPr>
+          </a:p>
+        </p:txBody>
+      </p:sp>
       <p:cxnSp>
         <p:nvCxnSpPr>
-          <p:cNvPr id="30" name="直線單箭頭接點 29"/>
-          <p:cNvCxnSpPr>
-            <a:stCxn id="7" idx="2"/>
-            <a:endCxn id="86" idx="0"/>
-          </p:cNvCxnSpPr>
+          <p:cNvPr id="101" name="直線單箭頭接點 100"/>
+          <p:cNvCxnSpPr/>
           <p:nvPr/>
         </p:nvCxnSpPr>
         <p:spPr>
           <a:xfrm>
-            <a:off x="10263744" y="2457944"/>
-            <a:ext cx="0" cy="2391762"/>
+            <a:off x="3160560" y="4410000"/>
+            <a:ext cx="0" cy="180000"/>
           </a:xfrm>
           <a:prstGeom prst="straightConnector1">
             <a:avLst/>
@@ -7931,16 +8438,156 @@
           </a:fontRef>
         </p:style>
       </p:cxnSp>
+      <p:sp>
+        <p:nvSpPr>
+          <p:cNvPr id="102" name="文字方塊 101"/>
+          <p:cNvSpPr txBox="1"/>
+          <p:nvPr/>
+        </p:nvSpPr>
+        <p:spPr>
+          <a:xfrm>
+            <a:off x="1214468" y="4320000"/>
+            <a:ext cx="1080000" cy="360000"/>
+          </a:xfrm>
+          <a:prstGeom prst="rect">
+            <a:avLst/>
+          </a:prstGeom>
+          <a:solidFill>
+            <a:srgbClr val="FF7C80"/>
+          </a:solidFill>
+          <a:ln>
+            <a:noFill/>
+          </a:ln>
+          <a:effectLst>
+            <a:outerShdw blurRad="57150" dist="19050" dir="5400000" algn="ctr" rotWithShape="0">
+              <a:srgbClr val="000000">
+                <a:alpha val="63000"/>
+              </a:srgbClr>
+            </a:outerShdw>
+            <a:softEdge rad="0"/>
+          </a:effectLst>
+        </p:spPr>
+        <p:style>
+          <a:lnRef idx="0">
+            <a:schemeClr val="accent5"/>
+          </a:lnRef>
+          <a:fillRef idx="3">
+            <a:schemeClr val="accent5"/>
+          </a:fillRef>
+          <a:effectRef idx="3">
+            <a:schemeClr val="accent5"/>
+          </a:effectRef>
+          <a:fontRef idx="minor">
+            <a:schemeClr val="lt1"/>
+          </a:fontRef>
+        </p:style>
+        <p:txBody>
+          <a:bodyPr wrap="none" rtlCol="0" anchor="ctr">
+            <a:noAutofit/>
+          </a:bodyPr>
+          <a:lstStyle/>
+          <a:p>
+            <a:pPr algn="ctr"/>
+            <a:r>
+              <a:rPr lang="zh-TW" altLang="en-US" sz="1600" dirty="0" smtClean="0">
+                <a:solidFill>
+                  <a:schemeClr val="bg1"/>
+                </a:solidFill>
+                <a:latin typeface="華康中圓體" panose="020F0509000000000000" pitchFamily="49" charset="-120"/>
+                <a:ea typeface="華康中圓體" panose="020F0509000000000000" pitchFamily="49" charset="-120"/>
+              </a:rPr>
+              <a:t>註冊會員</a:t>
+            </a:r>
+            <a:endParaRPr lang="en-US" altLang="zh-TW" sz="1600" dirty="0" smtClean="0">
+              <a:solidFill>
+                <a:schemeClr val="bg1"/>
+              </a:solidFill>
+              <a:latin typeface="華康中圓體" panose="020F0509000000000000" pitchFamily="49" charset="-120"/>
+              <a:ea typeface="華康中圓體" panose="020F0509000000000000" pitchFamily="49" charset="-120"/>
+            </a:endParaRPr>
+          </a:p>
+        </p:txBody>
+      </p:sp>
+      <p:sp>
+        <p:nvSpPr>
+          <p:cNvPr id="103" name="文字方塊 102"/>
+          <p:cNvSpPr txBox="1"/>
+          <p:nvPr/>
+        </p:nvSpPr>
+        <p:spPr>
+          <a:xfrm>
+            <a:off x="1214468" y="4857744"/>
+            <a:ext cx="1080000" cy="360000"/>
+          </a:xfrm>
+          <a:prstGeom prst="rect">
+            <a:avLst/>
+          </a:prstGeom>
+          <a:solidFill>
+            <a:srgbClr val="FF7C80"/>
+          </a:solidFill>
+          <a:ln>
+            <a:noFill/>
+          </a:ln>
+          <a:effectLst>
+            <a:outerShdw blurRad="57150" dist="19050" dir="5400000" algn="ctr" rotWithShape="0">
+              <a:srgbClr val="000000">
+                <a:alpha val="63000"/>
+              </a:srgbClr>
+            </a:outerShdw>
+            <a:softEdge rad="0"/>
+          </a:effectLst>
+        </p:spPr>
+        <p:style>
+          <a:lnRef idx="0">
+            <a:schemeClr val="accent5"/>
+          </a:lnRef>
+          <a:fillRef idx="3">
+            <a:schemeClr val="accent5"/>
+          </a:fillRef>
+          <a:effectRef idx="3">
+            <a:schemeClr val="accent5"/>
+          </a:effectRef>
+          <a:fontRef idx="minor">
+            <a:schemeClr val="lt1"/>
+          </a:fontRef>
+        </p:style>
+        <p:txBody>
+          <a:bodyPr wrap="none" rtlCol="0" anchor="ctr">
+            <a:noAutofit/>
+          </a:bodyPr>
+          <a:lstStyle/>
+          <a:p>
+            <a:pPr algn="ctr"/>
+            <a:r>
+              <a:rPr lang="zh-TW" altLang="en-US" sz="1600" dirty="0" smtClean="0">
+                <a:solidFill>
+                  <a:schemeClr val="bg1"/>
+                </a:solidFill>
+                <a:latin typeface="華康中圓體" panose="020F0509000000000000" pitchFamily="49" charset="-120"/>
+                <a:ea typeface="華康中圓體" panose="020F0509000000000000" pitchFamily="49" charset="-120"/>
+              </a:rPr>
+              <a:t>忘記密碼</a:t>
+            </a:r>
+            <a:endParaRPr lang="en-US" altLang="zh-TW" sz="1600" dirty="0" smtClean="0">
+              <a:solidFill>
+                <a:schemeClr val="bg1"/>
+              </a:solidFill>
+              <a:latin typeface="華康中圓體" panose="020F0509000000000000" pitchFamily="49" charset="-120"/>
+              <a:ea typeface="華康中圓體" panose="020F0509000000000000" pitchFamily="49" charset="-120"/>
+            </a:endParaRPr>
+          </a:p>
+        </p:txBody>
+      </p:sp>
       <p:cxnSp>
         <p:nvCxnSpPr>
-          <p:cNvPr id="33" name="直線單箭頭接點 32"/>
+          <p:cNvPr id="105" name="直線單箭頭接點 104"/>
           <p:cNvCxnSpPr/>
           <p:nvPr/>
         </p:nvCxnSpPr>
         <p:spPr>
-          <a:xfrm>
-            <a:off x="10278304" y="2872969"/>
-            <a:ext cx="360000" cy="0"/>
+          <a:xfrm flipH="1">
+            <a:off x="2377399" y="4678495"/>
+            <a:ext cx="225532" cy="0"/>
           </a:xfrm>
           <a:prstGeom prst="straightConnector1">
             <a:avLst/>
@@ -7969,14 +8616,14 @@
       </p:cxnSp>
       <p:cxnSp>
         <p:nvCxnSpPr>
-          <p:cNvPr id="37" name="直線單箭頭接點 36"/>
+          <p:cNvPr id="107" name="直線單箭頭接點 106"/>
           <p:cNvCxnSpPr/>
           <p:nvPr/>
         </p:nvCxnSpPr>
         <p:spPr>
-          <a:xfrm>
-            <a:off x="10270360" y="3415520"/>
-            <a:ext cx="360000" cy="0"/>
+          <a:xfrm flipV="1">
+            <a:off x="2384468" y="4857744"/>
+            <a:ext cx="225532" cy="1"/>
           </a:xfrm>
           <a:prstGeom prst="straightConnector1">
             <a:avLst/>
@@ -8005,13 +8652,13 @@
       </p:cxnSp>
       <p:sp>
         <p:nvSpPr>
-          <p:cNvPr id="42" name="文字方塊 41"/>
+          <p:cNvPr id="111" name="文字方塊 110"/>
           <p:cNvSpPr txBox="1"/>
           <p:nvPr/>
         </p:nvSpPr>
         <p:spPr>
           <a:xfrm>
-            <a:off x="3518439" y="3780000"/>
+            <a:off x="2610000" y="5130000"/>
             <a:ext cx="1080000" cy="360000"/>
           </a:xfrm>
           <a:prstGeom prst="rect">
@@ -8051,7 +8698,7 @@
         </p:style>
         <p:txBody>
           <a:bodyPr wrap="none" rtlCol="0" anchor="ctr">
-            <a:spAutoFit/>
+            <a:noAutofit/>
           </a:bodyPr>
           <a:lstStyle/>
           <a:p>
@@ -8064,7 +8711,7 @@
                 <a:latin typeface="華康中圓體" panose="020F0509000000000000" pitchFamily="49" charset="-120"/>
                 <a:ea typeface="華康中圓體" panose="020F0509000000000000" pitchFamily="49" charset="-120"/>
               </a:rPr>
-              <a:t>詳細商品</a:t>
+              <a:t>完成交易</a:t>
             </a:r>
             <a:endParaRPr lang="en-US" altLang="zh-TW" sz="1600" dirty="0" smtClean="0">
               <a:solidFill>
@@ -8078,17 +8725,14 @@
       </p:sp>
       <p:cxnSp>
         <p:nvCxnSpPr>
-          <p:cNvPr id="43" name="直線單箭頭接點 42"/>
-          <p:cNvCxnSpPr>
-            <a:stCxn id="6" idx="2"/>
-            <a:endCxn id="42" idx="0"/>
-          </p:cNvCxnSpPr>
+          <p:cNvPr id="112" name="直線單箭頭接點 111"/>
+          <p:cNvCxnSpPr/>
           <p:nvPr/>
         </p:nvCxnSpPr>
         <p:spPr>
-          <a:xfrm flipH="1">
-            <a:off x="4058439" y="2434223"/>
-            <a:ext cx="1924" cy="1345777"/>
+          <a:xfrm>
+            <a:off x="3150000" y="4947744"/>
+            <a:ext cx="0" cy="180000"/>
           </a:xfrm>
           <a:prstGeom prst="straightConnector1">
             <a:avLst/>
@@ -8117,13 +8761,13 @@
       </p:cxnSp>
       <p:sp>
         <p:nvSpPr>
-          <p:cNvPr id="44" name="文字方塊 43"/>
+          <p:cNvPr id="113" name="文字方塊 112"/>
           <p:cNvSpPr txBox="1"/>
           <p:nvPr/>
         </p:nvSpPr>
         <p:spPr>
           <a:xfrm>
-            <a:off x="5555263" y="3784494"/>
+            <a:off x="4770000" y="3960000"/>
             <a:ext cx="1080000" cy="360000"/>
           </a:xfrm>
           <a:prstGeom prst="rect">
@@ -8188,61 +8832,22 @@
           </a:p>
         </p:txBody>
       </p:sp>
-      <p:cxnSp>
-        <p:nvCxnSpPr>
-          <p:cNvPr id="45" name="直線單箭頭接點 44"/>
-          <p:cNvCxnSpPr>
-            <a:stCxn id="9" idx="2"/>
-            <a:endCxn id="44" idx="0"/>
-          </p:cNvCxnSpPr>
-          <p:nvPr/>
-        </p:nvCxnSpPr>
-        <p:spPr>
-          <a:xfrm flipH="1">
-            <a:off x="6095263" y="2459168"/>
-            <a:ext cx="737" cy="1325326"/>
-          </a:xfrm>
-          <a:prstGeom prst="straightConnector1">
-            <a:avLst/>
-          </a:prstGeom>
-          <a:ln w="12700">
-            <a:solidFill>
-              <a:schemeClr val="tx1"/>
-            </a:solidFill>
-            <a:tailEnd type="triangle"/>
-          </a:ln>
-        </p:spPr>
-        <p:style>
-          <a:lnRef idx="1">
-            <a:schemeClr val="accent1"/>
-          </a:lnRef>
-          <a:fillRef idx="0">
-            <a:schemeClr val="accent1"/>
-          </a:fillRef>
-          <a:effectRef idx="0">
-            <a:schemeClr val="accent1"/>
-          </a:effectRef>
-          <a:fontRef idx="minor">
-            <a:schemeClr val="tx1"/>
-          </a:fontRef>
-        </p:style>
-      </p:cxnSp>
-      <p:sp>
-        <p:nvSpPr>
-          <p:cNvPr id="49" name="文字方塊 48"/>
+      <p:sp>
+        <p:nvSpPr>
+          <p:cNvPr id="114" name="文字方塊 113"/>
           <p:cNvSpPr txBox="1"/>
           <p:nvPr/>
         </p:nvSpPr>
         <p:spPr>
           <a:xfrm>
-            <a:off x="2352996" y="2700000"/>
+            <a:off x="4770000" y="2880000"/>
             <a:ext cx="1080000" cy="360000"/>
           </a:xfrm>
           <a:prstGeom prst="rect">
             <a:avLst/>
           </a:prstGeom>
           <a:solidFill>
-            <a:schemeClr val="accent5">
+            <a:schemeClr val="tx2">
               <a:lumMod val="60000"/>
               <a:lumOff val="40000"/>
             </a:schemeClr>
@@ -8275,7 +8880,7 @@
         </p:style>
         <p:txBody>
           <a:bodyPr wrap="none" rtlCol="0" anchor="ctr">
-            <a:spAutoFit/>
+            <a:noAutofit/>
           </a:bodyPr>
           <a:lstStyle/>
           <a:p>
@@ -8288,7 +8893,7 @@
                 <a:latin typeface="華康中圓體" panose="020F0509000000000000" pitchFamily="49" charset="-120"/>
                 <a:ea typeface="華康中圓體" panose="020F0509000000000000" pitchFamily="49" charset="-120"/>
               </a:rPr>
-              <a:t>最新消息</a:t>
+              <a:t>問與答</a:t>
             </a:r>
             <a:endParaRPr lang="en-US" altLang="zh-TW" sz="1600" dirty="0" smtClean="0">
               <a:solidFill>
@@ -8302,20 +8907,20 @@
       </p:sp>
       <p:sp>
         <p:nvSpPr>
-          <p:cNvPr id="50" name="文字方塊 49"/>
+          <p:cNvPr id="115" name="文字方塊 114"/>
           <p:cNvSpPr txBox="1"/>
           <p:nvPr/>
         </p:nvSpPr>
         <p:spPr>
           <a:xfrm>
-            <a:off x="2353441" y="3240000"/>
+            <a:off x="4770000" y="3419482"/>
             <a:ext cx="1080000" cy="360000"/>
           </a:xfrm>
           <a:prstGeom prst="rect">
             <a:avLst/>
           </a:prstGeom>
           <a:solidFill>
-            <a:schemeClr val="accent5">
+            <a:schemeClr val="tx2">
               <a:lumMod val="60000"/>
               <a:lumOff val="40000"/>
             </a:schemeClr>
@@ -8361,7 +8966,7 @@
                 <a:latin typeface="華康中圓體" panose="020F0509000000000000" pitchFamily="49" charset="-120"/>
                 <a:ea typeface="華康中圓體" panose="020F0509000000000000" pitchFamily="49" charset="-120"/>
               </a:rPr>
-              <a:t>活動消息</a:t>
+              <a:t>知識小站</a:t>
             </a:r>
             <a:endParaRPr lang="en-US" altLang="zh-TW" sz="1600" dirty="0" smtClean="0">
               <a:solidFill>
@@ -8373,97 +8978,22 @@
           </a:p>
         </p:txBody>
       </p:sp>
-      <p:cxnSp>
-        <p:nvCxnSpPr>
-          <p:cNvPr id="51" name="直線單箭頭接點 50"/>
-          <p:cNvCxnSpPr/>
-          <p:nvPr/>
-        </p:nvCxnSpPr>
-        <p:spPr>
-          <a:xfrm>
-            <a:off x="1984820" y="2865600"/>
-            <a:ext cx="360000" cy="0"/>
-          </a:xfrm>
-          <a:prstGeom prst="straightConnector1">
-            <a:avLst/>
-          </a:prstGeom>
-          <a:ln w="12700">
-            <a:solidFill>
-              <a:schemeClr val="tx1"/>
-            </a:solidFill>
-            <a:tailEnd type="triangle"/>
-          </a:ln>
-        </p:spPr>
-        <p:style>
-          <a:lnRef idx="1">
-            <a:schemeClr val="accent1"/>
-          </a:lnRef>
-          <a:fillRef idx="0">
-            <a:schemeClr val="accent1"/>
-          </a:fillRef>
-          <a:effectRef idx="0">
-            <a:schemeClr val="accent1"/>
-          </a:effectRef>
-          <a:fontRef idx="minor">
-            <a:schemeClr val="tx1"/>
-          </a:fontRef>
-        </p:style>
-      </p:cxnSp>
-      <p:cxnSp>
-        <p:nvCxnSpPr>
-          <p:cNvPr id="46" name="肘形接點 45"/>
-          <p:cNvCxnSpPr>
-            <a:stCxn id="10" idx="2"/>
-            <a:endCxn id="50" idx="1"/>
-          </p:cNvCxnSpPr>
-          <p:nvPr/>
-        </p:nvCxnSpPr>
-        <p:spPr>
-          <a:xfrm rot="16200000" flipH="1">
-            <a:off x="1691486" y="2758045"/>
-            <a:ext cx="960832" cy="363077"/>
-          </a:xfrm>
-          <a:prstGeom prst="bentConnector2">
-            <a:avLst/>
-          </a:prstGeom>
-          <a:ln w="12700">
-            <a:solidFill>
-              <a:schemeClr val="tx1"/>
-            </a:solidFill>
-            <a:tailEnd type="triangle"/>
-          </a:ln>
-        </p:spPr>
-        <p:style>
-          <a:lnRef idx="1">
-            <a:schemeClr val="accent1"/>
-          </a:lnRef>
-          <a:fillRef idx="0">
-            <a:schemeClr val="accent1"/>
-          </a:fillRef>
-          <a:effectRef idx="0">
-            <a:schemeClr val="accent1"/>
-          </a:effectRef>
-          <a:fontRef idx="minor">
-            <a:schemeClr val="tx1"/>
-          </a:fontRef>
-        </p:style>
-      </p:cxnSp>
-      <p:sp>
-        <p:nvSpPr>
-          <p:cNvPr id="59" name="文字方塊 58"/>
+      <p:sp>
+        <p:nvSpPr>
+          <p:cNvPr id="118" name="文字方塊 117"/>
           <p:cNvSpPr txBox="1"/>
           <p:nvPr/>
         </p:nvSpPr>
         <p:spPr>
           <a:xfrm>
-            <a:off x="4420363" y="2700000"/>
+            <a:off x="6030000" y="3418774"/>
             <a:ext cx="1080000" cy="360000"/>
           </a:xfrm>
           <a:prstGeom prst="rect">
             <a:avLst/>
           </a:prstGeom>
           <a:solidFill>
-            <a:schemeClr val="accent6">
+            <a:schemeClr val="tx2">
               <a:lumMod val="60000"/>
               <a:lumOff val="40000"/>
             </a:schemeClr>
@@ -8496,7 +9026,7 @@
         </p:style>
         <p:txBody>
           <a:bodyPr wrap="none" rtlCol="0" anchor="ctr">
-            <a:spAutoFit/>
+            <a:noAutofit/>
           </a:bodyPr>
           <a:lstStyle/>
           <a:p>
@@ -8509,7 +9039,7 @@
                 <a:latin typeface="華康中圓體" panose="020F0509000000000000" pitchFamily="49" charset="-120"/>
                 <a:ea typeface="華康中圓體" panose="020F0509000000000000" pitchFamily="49" charset="-120"/>
               </a:rPr>
-              <a:t>熱銷商品</a:t>
+              <a:t>線上客服</a:t>
             </a:r>
             <a:endParaRPr lang="en-US" altLang="zh-TW" sz="1600" dirty="0" smtClean="0">
               <a:solidFill>
@@ -8523,20 +9053,20 @@
       </p:sp>
       <p:sp>
         <p:nvSpPr>
-          <p:cNvPr id="60" name="文字方塊 59"/>
+          <p:cNvPr id="119" name="文字方塊 118"/>
           <p:cNvSpPr txBox="1"/>
           <p:nvPr/>
         </p:nvSpPr>
         <p:spPr>
           <a:xfrm>
-            <a:off x="4426063" y="3240000"/>
+            <a:off x="6036465" y="3958774"/>
             <a:ext cx="1080000" cy="360000"/>
           </a:xfrm>
           <a:prstGeom prst="rect">
             <a:avLst/>
           </a:prstGeom>
           <a:solidFill>
-            <a:schemeClr val="accent6">
+            <a:schemeClr val="tx2">
               <a:lumMod val="60000"/>
               <a:lumOff val="40000"/>
             </a:schemeClr>
@@ -8569,7 +9099,7 @@
         </p:style>
         <p:txBody>
           <a:bodyPr wrap="none" rtlCol="0" anchor="ctr">
-            <a:spAutoFit/>
+            <a:noAutofit/>
           </a:bodyPr>
           <a:lstStyle/>
           <a:p>
@@ -8582,7 +9112,7 @@
                 <a:latin typeface="華康中圓體" panose="020F0509000000000000" pitchFamily="49" charset="-120"/>
                 <a:ea typeface="華康中圓體" panose="020F0509000000000000" pitchFamily="49" charset="-120"/>
               </a:rPr>
-              <a:t>最新商品</a:t>
+              <a:t>建議表單</a:t>
             </a:r>
             <a:endParaRPr lang="en-US" altLang="zh-TW" sz="1600" dirty="0" smtClean="0">
               <a:solidFill>
@@ -8596,16 +9126,16 @@
       </p:sp>
       <p:cxnSp>
         <p:nvCxnSpPr>
-          <p:cNvPr id="61" name="直線單箭頭接點 60"/>
+          <p:cNvPr id="124" name="肘形接點 123"/>
           <p:cNvCxnSpPr/>
           <p:nvPr/>
         </p:nvCxnSpPr>
         <p:spPr>
-          <a:xfrm>
-            <a:off x="4059918" y="2865600"/>
-            <a:ext cx="360000" cy="0"/>
-          </a:xfrm>
-          <a:prstGeom prst="straightConnector1">
+          <a:xfrm rot="16200000" flipH="1">
+            <a:off x="4095000" y="2919465"/>
+            <a:ext cx="990000" cy="368621"/>
+          </a:xfrm>
+          <a:prstGeom prst="bentConnector2">
             <a:avLst/>
           </a:prstGeom>
           <a:ln w="12700">
@@ -8632,16 +9162,18 @@
       </p:cxnSp>
       <p:cxnSp>
         <p:nvCxnSpPr>
-          <p:cNvPr id="62" name="直線單箭頭接點 61"/>
-          <p:cNvCxnSpPr/>
+          <p:cNvPr id="125" name="肘形接點 124"/>
+          <p:cNvCxnSpPr>
+            <a:endCxn id="114" idx="1"/>
+          </p:cNvCxnSpPr>
           <p:nvPr/>
         </p:nvCxnSpPr>
         <p:spPr>
-          <a:xfrm flipV="1">
-            <a:off x="4059917" y="3417020"/>
-            <a:ext cx="360000" cy="0"/>
-          </a:xfrm>
-          <a:prstGeom prst="straightConnector1">
+          <a:xfrm rot="16200000" flipH="1">
+            <a:off x="4367537" y="2663999"/>
+            <a:ext cx="432000" cy="360000"/>
+          </a:xfrm>
+          <a:prstGeom prst="bentConnector2">
             <a:avLst/>
           </a:prstGeom>
           <a:ln w="12700">
@@ -8666,15 +9198,92 @@
           </a:fontRef>
         </p:style>
       </p:cxnSp>
-      <p:sp>
-        <p:nvSpPr>
-          <p:cNvPr id="70" name="文字方塊 69"/>
+      <p:cxnSp>
+        <p:nvCxnSpPr>
+          <p:cNvPr id="128" name="肘形接點 127"/>
+          <p:cNvCxnSpPr>
+            <a:endCxn id="113" idx="1"/>
+          </p:cNvCxnSpPr>
+          <p:nvPr/>
+        </p:nvCxnSpPr>
+        <p:spPr>
+          <a:xfrm rot="16200000" flipH="1">
+            <a:off x="3883690" y="3257999"/>
+            <a:ext cx="1404000" cy="360000"/>
+          </a:xfrm>
+          <a:prstGeom prst="bentConnector2">
+            <a:avLst/>
+          </a:prstGeom>
+          <a:ln w="12700">
+            <a:solidFill>
+              <a:schemeClr val="tx1"/>
+            </a:solidFill>
+            <a:tailEnd type="triangle"/>
+          </a:ln>
+        </p:spPr>
+        <p:style>
+          <a:lnRef idx="1">
+            <a:schemeClr val="accent1"/>
+          </a:lnRef>
+          <a:fillRef idx="0">
+            <a:schemeClr val="accent1"/>
+          </a:fillRef>
+          <a:effectRef idx="0">
+            <a:schemeClr val="accent1"/>
+          </a:effectRef>
+          <a:fontRef idx="minor">
+            <a:schemeClr val="tx1"/>
+          </a:fontRef>
+        </p:style>
+      </p:cxnSp>
+      <p:cxnSp>
+        <p:nvCxnSpPr>
+          <p:cNvPr id="131" name="肘形接點 130"/>
+          <p:cNvCxnSpPr>
+            <a:stCxn id="114" idx="3"/>
+            <a:endCxn id="116" idx="0"/>
+          </p:cNvCxnSpPr>
+          <p:nvPr/>
+        </p:nvCxnSpPr>
+        <p:spPr>
+          <a:xfrm>
+            <a:off x="5850000" y="3060000"/>
+            <a:ext cx="720000" cy="268268"/>
+          </a:xfrm>
+          <a:prstGeom prst="bentConnector2">
+            <a:avLst/>
+          </a:prstGeom>
+          <a:ln w="12700">
+            <a:solidFill>
+              <a:schemeClr val="tx1"/>
+            </a:solidFill>
+            <a:tailEnd type="triangle"/>
+          </a:ln>
+        </p:spPr>
+        <p:style>
+          <a:lnRef idx="1">
+            <a:schemeClr val="accent1"/>
+          </a:lnRef>
+          <a:fillRef idx="0">
+            <a:schemeClr val="accent1"/>
+          </a:fillRef>
+          <a:effectRef idx="0">
+            <a:schemeClr val="accent1"/>
+          </a:effectRef>
+          <a:fontRef idx="minor">
+            <a:schemeClr val="tx1"/>
+          </a:fontRef>
+        </p:style>
+      </p:cxnSp>
+      <p:sp>
+        <p:nvSpPr>
+          <p:cNvPr id="135" name="文字方塊 134"/>
           <p:cNvSpPr txBox="1"/>
           <p:nvPr/>
         </p:nvSpPr>
         <p:spPr>
           <a:xfrm>
-            <a:off x="6466697" y="2693375"/>
+            <a:off x="5220000" y="4590000"/>
             <a:ext cx="1080000" cy="360000"/>
           </a:xfrm>
           <a:prstGeom prst="rect">
@@ -8727,7 +9336,7 @@
                 <a:latin typeface="華康中圓體" panose="020F0509000000000000" pitchFamily="49" charset="-120"/>
                 <a:ea typeface="華康中圓體" panose="020F0509000000000000" pitchFamily="49" charset="-120"/>
               </a:rPr>
-              <a:t>線上客服</a:t>
+              <a:t>詳細課程</a:t>
             </a:r>
             <a:endParaRPr lang="en-US" altLang="zh-TW" sz="1600" dirty="0" smtClean="0">
               <a:solidFill>
@@ -8741,13 +9350,13 @@
       </p:sp>
       <p:sp>
         <p:nvSpPr>
-          <p:cNvPr id="71" name="文字方塊 70"/>
+          <p:cNvPr id="138" name="文字方塊 137"/>
           <p:cNvSpPr txBox="1"/>
           <p:nvPr/>
         </p:nvSpPr>
         <p:spPr>
           <a:xfrm>
-            <a:off x="6466155" y="3232857"/>
+            <a:off x="5220000" y="5130000"/>
             <a:ext cx="1080000" cy="360000"/>
           </a:xfrm>
           <a:prstGeom prst="rect">
@@ -8800,7 +9409,7 @@
                 <a:latin typeface="華康中圓體" panose="020F0509000000000000" pitchFamily="49" charset="-120"/>
                 <a:ea typeface="華康中圓體" panose="020F0509000000000000" pitchFamily="49" charset="-120"/>
               </a:rPr>
-              <a:t>知識小站</a:t>
+              <a:t>會員報名</a:t>
             </a:r>
             <a:endParaRPr lang="en-US" altLang="zh-TW" sz="1600" dirty="0" smtClean="0">
               <a:solidFill>
@@ -8814,16 +9423,16 @@
       </p:sp>
       <p:cxnSp>
         <p:nvCxnSpPr>
-          <p:cNvPr id="72" name="直線單箭頭接點 71"/>
+          <p:cNvPr id="140" name="肘形接點 139"/>
           <p:cNvCxnSpPr/>
           <p:nvPr/>
         </p:nvCxnSpPr>
         <p:spPr>
-          <a:xfrm>
-            <a:off x="6103284" y="2876553"/>
-            <a:ext cx="360000" cy="0"/>
-          </a:xfrm>
-          <a:prstGeom prst="straightConnector1">
+          <a:xfrm rot="16200000" flipH="1">
+            <a:off x="4537318" y="4634387"/>
+            <a:ext cx="991226" cy="360000"/>
+          </a:xfrm>
+          <a:prstGeom prst="bentConnector2">
             <a:avLst/>
           </a:prstGeom>
           <a:ln w="12700">
@@ -8850,16 +9459,18 @@
       </p:cxnSp>
       <p:cxnSp>
         <p:nvCxnSpPr>
-          <p:cNvPr id="73" name="直線單箭頭接點 72"/>
-          <p:cNvCxnSpPr/>
+          <p:cNvPr id="143" name="肘形接點 142"/>
+          <p:cNvCxnSpPr>
+            <a:endCxn id="135" idx="1"/>
+          </p:cNvCxnSpPr>
           <p:nvPr/>
         </p:nvCxnSpPr>
         <p:spPr>
-          <a:xfrm>
-            <a:off x="6103284" y="3417020"/>
-            <a:ext cx="360000" cy="0"/>
-          </a:xfrm>
-          <a:prstGeom prst="straightConnector1">
+          <a:xfrm rot="16200000" flipH="1">
+            <a:off x="4810852" y="4360851"/>
+            <a:ext cx="451227" cy="367069"/>
+          </a:xfrm>
+          <a:prstGeom prst="bentConnector2">
             <a:avLst/>
           </a:prstGeom>
           <a:ln w="12700">
@@ -8884,15 +9495,528 @@
           </a:fontRef>
         </p:style>
       </p:cxnSp>
-      <p:sp>
-        <p:nvSpPr>
-          <p:cNvPr id="75" name="文字方塊 74"/>
+      <p:cxnSp>
+        <p:nvCxnSpPr>
+          <p:cNvPr id="145" name="直線單箭頭接點 144"/>
+          <p:cNvCxnSpPr/>
+          <p:nvPr/>
+        </p:nvCxnSpPr>
+        <p:spPr>
+          <a:xfrm>
+            <a:off x="5760000" y="4947744"/>
+            <a:ext cx="0" cy="180000"/>
+          </a:xfrm>
+          <a:prstGeom prst="straightConnector1">
+            <a:avLst/>
+          </a:prstGeom>
+          <a:ln w="12700">
+            <a:solidFill>
+              <a:schemeClr val="tx1"/>
+            </a:solidFill>
+            <a:tailEnd type="triangle"/>
+          </a:ln>
+        </p:spPr>
+        <p:style>
+          <a:lnRef idx="1">
+            <a:schemeClr val="accent1"/>
+          </a:lnRef>
+          <a:fillRef idx="0">
+            <a:schemeClr val="accent1"/>
+          </a:fillRef>
+          <a:effectRef idx="0">
+            <a:schemeClr val="accent1"/>
+          </a:effectRef>
+          <a:fontRef idx="minor">
+            <a:schemeClr val="tx1"/>
+          </a:fontRef>
+        </p:style>
+      </p:cxnSp>
+      <p:sp>
+        <p:nvSpPr>
+          <p:cNvPr id="146" name="矩形 145"/>
+          <p:cNvSpPr/>
+          <p:nvPr/>
+        </p:nvSpPr>
+        <p:spPr>
+          <a:xfrm>
+            <a:off x="3734468" y="5400226"/>
+            <a:ext cx="1260000" cy="1080000"/>
+          </a:xfrm>
+          <a:prstGeom prst="rect">
+            <a:avLst/>
+          </a:prstGeom>
+          <a:solidFill>
+            <a:srgbClr val="FF7C80">
+              <a:alpha val="50000"/>
+            </a:srgbClr>
+          </a:solidFill>
+          <a:ln>
+            <a:noFill/>
+          </a:ln>
+        </p:spPr>
+        <p:style>
+          <a:lnRef idx="2">
+            <a:schemeClr val="accent1">
+              <a:shade val="50000"/>
+            </a:schemeClr>
+          </a:lnRef>
+          <a:fillRef idx="1">
+            <a:schemeClr val="accent1"/>
+          </a:fillRef>
+          <a:effectRef idx="0">
+            <a:schemeClr val="accent1"/>
+          </a:effectRef>
+          <a:fontRef idx="minor">
+            <a:schemeClr val="lt1"/>
+          </a:fontRef>
+        </p:style>
+        <p:txBody>
+          <a:bodyPr rtlCol="0" anchor="ctr"/>
+          <a:lstStyle/>
+          <a:p>
+            <a:pPr algn="ctr"/>
+            <a:endParaRPr lang="zh-TW" altLang="en-US"/>
+          </a:p>
+        </p:txBody>
+      </p:sp>
+      <p:sp>
+        <p:nvSpPr>
+          <p:cNvPr id="147" name="文字方塊 146"/>
           <p:cNvSpPr txBox="1"/>
           <p:nvPr/>
         </p:nvSpPr>
         <p:spPr>
           <a:xfrm>
-            <a:off x="8574964" y="2692969"/>
+            <a:off x="5220000" y="5760226"/>
+            <a:ext cx="1080000" cy="360000"/>
+          </a:xfrm>
+          <a:prstGeom prst="rect">
+            <a:avLst/>
+          </a:prstGeom>
+          <a:solidFill>
+            <a:srgbClr val="FF7C80"/>
+          </a:solidFill>
+          <a:ln>
+            <a:noFill/>
+          </a:ln>
+          <a:effectLst>
+            <a:outerShdw blurRad="57150" dist="19050" dir="5400000" algn="ctr" rotWithShape="0">
+              <a:srgbClr val="000000">
+                <a:alpha val="63000"/>
+              </a:srgbClr>
+            </a:outerShdw>
+            <a:softEdge rad="0"/>
+          </a:effectLst>
+        </p:spPr>
+        <p:style>
+          <a:lnRef idx="0">
+            <a:schemeClr val="accent5"/>
+          </a:lnRef>
+          <a:fillRef idx="3">
+            <a:schemeClr val="accent5"/>
+          </a:fillRef>
+          <a:effectRef idx="3">
+            <a:schemeClr val="accent5"/>
+          </a:effectRef>
+          <a:fontRef idx="minor">
+            <a:schemeClr val="lt1"/>
+          </a:fontRef>
+        </p:style>
+        <p:txBody>
+          <a:bodyPr wrap="none" rtlCol="0" anchor="ctr">
+            <a:noAutofit/>
+          </a:bodyPr>
+          <a:lstStyle/>
+          <a:p>
+            <a:pPr algn="ctr"/>
+            <a:r>
+              <a:rPr lang="zh-TW" altLang="en-US" sz="1600" dirty="0">
+                <a:solidFill>
+                  <a:schemeClr val="bg1"/>
+                </a:solidFill>
+                <a:latin typeface="華康中圓體" panose="020F0509000000000000" pitchFamily="49" charset="-120"/>
+                <a:ea typeface="華康中圓體" panose="020F0509000000000000" pitchFamily="49" charset="-120"/>
+              </a:rPr>
+              <a:t>會員登入</a:t>
+            </a:r>
+            <a:endParaRPr lang="en-US" altLang="zh-TW" sz="1600" dirty="0">
+              <a:solidFill>
+                <a:schemeClr val="bg1"/>
+              </a:solidFill>
+              <a:latin typeface="華康中圓體" panose="020F0509000000000000" pitchFamily="49" charset="-120"/>
+              <a:ea typeface="華康中圓體" panose="020F0509000000000000" pitchFamily="49" charset="-120"/>
+            </a:endParaRPr>
+          </a:p>
+        </p:txBody>
+      </p:sp>
+      <p:sp>
+        <p:nvSpPr>
+          <p:cNvPr id="148" name="文字方塊 147"/>
+          <p:cNvSpPr txBox="1"/>
+          <p:nvPr/>
+        </p:nvSpPr>
+        <p:spPr>
+          <a:xfrm>
+            <a:off x="3824468" y="5490226"/>
+            <a:ext cx="1080000" cy="360000"/>
+          </a:xfrm>
+          <a:prstGeom prst="rect">
+            <a:avLst/>
+          </a:prstGeom>
+          <a:solidFill>
+            <a:srgbClr val="FF7C80"/>
+          </a:solidFill>
+          <a:ln>
+            <a:noFill/>
+          </a:ln>
+          <a:effectLst>
+            <a:outerShdw blurRad="57150" dist="19050" dir="5400000" algn="ctr" rotWithShape="0">
+              <a:srgbClr val="000000">
+                <a:alpha val="63000"/>
+              </a:srgbClr>
+            </a:outerShdw>
+            <a:softEdge rad="0"/>
+          </a:effectLst>
+        </p:spPr>
+        <p:style>
+          <a:lnRef idx="0">
+            <a:schemeClr val="accent5"/>
+          </a:lnRef>
+          <a:fillRef idx="3">
+            <a:schemeClr val="accent5"/>
+          </a:fillRef>
+          <a:effectRef idx="3">
+            <a:schemeClr val="accent5"/>
+          </a:effectRef>
+          <a:fontRef idx="minor">
+            <a:schemeClr val="lt1"/>
+          </a:fontRef>
+        </p:style>
+        <p:txBody>
+          <a:bodyPr wrap="none" rtlCol="0" anchor="ctr">
+            <a:noAutofit/>
+          </a:bodyPr>
+          <a:lstStyle/>
+          <a:p>
+            <a:pPr algn="ctr"/>
+            <a:r>
+              <a:rPr lang="zh-TW" altLang="en-US" sz="1600" dirty="0" smtClean="0">
+                <a:solidFill>
+                  <a:schemeClr val="bg1"/>
+                </a:solidFill>
+                <a:latin typeface="華康中圓體" panose="020F0509000000000000" pitchFamily="49" charset="-120"/>
+                <a:ea typeface="華康中圓體" panose="020F0509000000000000" pitchFamily="49" charset="-120"/>
+              </a:rPr>
+              <a:t>註冊會員</a:t>
+            </a:r>
+            <a:endParaRPr lang="en-US" altLang="zh-TW" sz="1600" dirty="0" smtClean="0">
+              <a:solidFill>
+                <a:schemeClr val="bg1"/>
+              </a:solidFill>
+              <a:latin typeface="華康中圓體" panose="020F0509000000000000" pitchFamily="49" charset="-120"/>
+              <a:ea typeface="華康中圓體" panose="020F0509000000000000" pitchFamily="49" charset="-120"/>
+            </a:endParaRPr>
+          </a:p>
+        </p:txBody>
+      </p:sp>
+      <p:sp>
+        <p:nvSpPr>
+          <p:cNvPr id="149" name="文字方塊 148"/>
+          <p:cNvSpPr txBox="1"/>
+          <p:nvPr/>
+        </p:nvSpPr>
+        <p:spPr>
+          <a:xfrm>
+            <a:off x="3824468" y="6027970"/>
+            <a:ext cx="1080000" cy="360000"/>
+          </a:xfrm>
+          <a:prstGeom prst="rect">
+            <a:avLst/>
+          </a:prstGeom>
+          <a:solidFill>
+            <a:srgbClr val="FF7C80"/>
+          </a:solidFill>
+          <a:ln>
+            <a:noFill/>
+          </a:ln>
+          <a:effectLst>
+            <a:outerShdw blurRad="57150" dist="19050" dir="5400000" algn="ctr" rotWithShape="0">
+              <a:srgbClr val="000000">
+                <a:alpha val="63000"/>
+              </a:srgbClr>
+            </a:outerShdw>
+            <a:softEdge rad="0"/>
+          </a:effectLst>
+        </p:spPr>
+        <p:style>
+          <a:lnRef idx="0">
+            <a:schemeClr val="accent5"/>
+          </a:lnRef>
+          <a:fillRef idx="3">
+            <a:schemeClr val="accent5"/>
+          </a:fillRef>
+          <a:effectRef idx="3">
+            <a:schemeClr val="accent5"/>
+          </a:effectRef>
+          <a:fontRef idx="minor">
+            <a:schemeClr val="lt1"/>
+          </a:fontRef>
+        </p:style>
+        <p:txBody>
+          <a:bodyPr wrap="none" rtlCol="0" anchor="ctr">
+            <a:noAutofit/>
+          </a:bodyPr>
+          <a:lstStyle/>
+          <a:p>
+            <a:pPr algn="ctr"/>
+            <a:r>
+              <a:rPr lang="zh-TW" altLang="en-US" sz="1600" dirty="0" smtClean="0">
+                <a:solidFill>
+                  <a:schemeClr val="bg1"/>
+                </a:solidFill>
+                <a:latin typeface="華康中圓體" panose="020F0509000000000000" pitchFamily="49" charset="-120"/>
+                <a:ea typeface="華康中圓體" panose="020F0509000000000000" pitchFamily="49" charset="-120"/>
+              </a:rPr>
+              <a:t>忘記密碼</a:t>
+            </a:r>
+            <a:endParaRPr lang="en-US" altLang="zh-TW" sz="1600" dirty="0" smtClean="0">
+              <a:solidFill>
+                <a:schemeClr val="bg1"/>
+              </a:solidFill>
+              <a:latin typeface="華康中圓體" panose="020F0509000000000000" pitchFamily="49" charset="-120"/>
+              <a:ea typeface="華康中圓體" panose="020F0509000000000000" pitchFamily="49" charset="-120"/>
+            </a:endParaRPr>
+          </a:p>
+        </p:txBody>
+      </p:sp>
+      <p:cxnSp>
+        <p:nvCxnSpPr>
+          <p:cNvPr id="150" name="直線單箭頭接點 149"/>
+          <p:cNvCxnSpPr/>
+          <p:nvPr/>
+        </p:nvCxnSpPr>
+        <p:spPr>
+          <a:xfrm flipH="1">
+            <a:off x="4987399" y="5848721"/>
+            <a:ext cx="225532" cy="0"/>
+          </a:xfrm>
+          <a:prstGeom prst="straightConnector1">
+            <a:avLst/>
+          </a:prstGeom>
+          <a:ln w="12700">
+            <a:solidFill>
+              <a:schemeClr val="tx1"/>
+            </a:solidFill>
+            <a:tailEnd type="triangle"/>
+          </a:ln>
+        </p:spPr>
+        <p:style>
+          <a:lnRef idx="1">
+            <a:schemeClr val="accent1"/>
+          </a:lnRef>
+          <a:fillRef idx="0">
+            <a:schemeClr val="accent1"/>
+          </a:fillRef>
+          <a:effectRef idx="0">
+            <a:schemeClr val="accent1"/>
+          </a:effectRef>
+          <a:fontRef idx="minor">
+            <a:schemeClr val="tx1"/>
+          </a:fontRef>
+        </p:style>
+      </p:cxnSp>
+      <p:cxnSp>
+        <p:nvCxnSpPr>
+          <p:cNvPr id="151" name="直線單箭頭接點 150"/>
+          <p:cNvCxnSpPr/>
+          <p:nvPr/>
+        </p:nvCxnSpPr>
+        <p:spPr>
+          <a:xfrm flipV="1">
+            <a:off x="4994468" y="6027970"/>
+            <a:ext cx="225532" cy="1"/>
+          </a:xfrm>
+          <a:prstGeom prst="straightConnector1">
+            <a:avLst/>
+          </a:prstGeom>
+          <a:ln w="12700">
+            <a:solidFill>
+              <a:schemeClr val="tx1"/>
+            </a:solidFill>
+            <a:tailEnd type="triangle"/>
+          </a:ln>
+        </p:spPr>
+        <p:style>
+          <a:lnRef idx="1">
+            <a:schemeClr val="accent1"/>
+          </a:lnRef>
+          <a:fillRef idx="0">
+            <a:schemeClr val="accent1"/>
+          </a:fillRef>
+          <a:effectRef idx="0">
+            <a:schemeClr val="accent1"/>
+          </a:effectRef>
+          <a:fontRef idx="minor">
+            <a:schemeClr val="tx1"/>
+          </a:fontRef>
+        </p:style>
+      </p:cxnSp>
+      <p:cxnSp>
+        <p:nvCxnSpPr>
+          <p:cNvPr id="152" name="直線單箭頭接點 151"/>
+          <p:cNvCxnSpPr>
+            <a:endCxn id="147" idx="0"/>
+          </p:cNvCxnSpPr>
+          <p:nvPr/>
+        </p:nvCxnSpPr>
+        <p:spPr>
+          <a:xfrm flipH="1">
+            <a:off x="5760000" y="5490000"/>
+            <a:ext cx="2051" cy="270226"/>
+          </a:xfrm>
+          <a:prstGeom prst="straightConnector1">
+            <a:avLst/>
+          </a:prstGeom>
+          <a:ln w="12700">
+            <a:solidFill>
+              <a:schemeClr val="tx1"/>
+            </a:solidFill>
+            <a:tailEnd type="triangle"/>
+          </a:ln>
+        </p:spPr>
+        <p:style>
+          <a:lnRef idx="1">
+            <a:schemeClr val="accent1"/>
+          </a:lnRef>
+          <a:fillRef idx="0">
+            <a:schemeClr val="accent1"/>
+          </a:fillRef>
+          <a:effectRef idx="0">
+            <a:schemeClr val="accent1"/>
+          </a:effectRef>
+          <a:fontRef idx="minor">
+            <a:schemeClr val="tx1"/>
+          </a:fontRef>
+        </p:style>
+      </p:cxnSp>
+      <p:sp>
+        <p:nvSpPr>
+          <p:cNvPr id="154" name="文字方塊 153"/>
+          <p:cNvSpPr txBox="1"/>
+          <p:nvPr/>
+        </p:nvSpPr>
+        <p:spPr>
+          <a:xfrm>
+            <a:off x="5220000" y="6300000"/>
+            <a:ext cx="1080000" cy="360000"/>
+          </a:xfrm>
+          <a:prstGeom prst="rect">
+            <a:avLst/>
+          </a:prstGeom>
+          <a:solidFill>
+            <a:schemeClr val="tx2">
+              <a:lumMod val="60000"/>
+              <a:lumOff val="40000"/>
+            </a:schemeClr>
+          </a:solidFill>
+          <a:ln>
+            <a:noFill/>
+          </a:ln>
+          <a:effectLst>
+            <a:outerShdw blurRad="57150" dist="19050" dir="5400000" algn="ctr" rotWithShape="0">
+              <a:srgbClr val="000000">
+                <a:alpha val="63000"/>
+              </a:srgbClr>
+            </a:outerShdw>
+            <a:softEdge rad="0"/>
+          </a:effectLst>
+        </p:spPr>
+        <p:style>
+          <a:lnRef idx="0">
+            <a:schemeClr val="accent5"/>
+          </a:lnRef>
+          <a:fillRef idx="3">
+            <a:schemeClr val="accent5"/>
+          </a:fillRef>
+          <a:effectRef idx="3">
+            <a:schemeClr val="accent5"/>
+          </a:effectRef>
+          <a:fontRef idx="minor">
+            <a:schemeClr val="lt1"/>
+          </a:fontRef>
+        </p:style>
+        <p:txBody>
+          <a:bodyPr wrap="none" rtlCol="0" anchor="ctr">
+            <a:spAutoFit/>
+          </a:bodyPr>
+          <a:lstStyle/>
+          <a:p>
+            <a:pPr algn="ctr"/>
+            <a:r>
+              <a:rPr lang="zh-TW" altLang="en-US" sz="1600" dirty="0" smtClean="0">
+                <a:solidFill>
+                  <a:schemeClr val="bg1"/>
+                </a:solidFill>
+                <a:latin typeface="華康中圓體" panose="020F0509000000000000" pitchFamily="49" charset="-120"/>
+                <a:ea typeface="華康中圓體" panose="020F0509000000000000" pitchFamily="49" charset="-120"/>
+              </a:rPr>
+              <a:t>報名完成</a:t>
+            </a:r>
+            <a:endParaRPr lang="en-US" altLang="zh-TW" sz="1600" dirty="0" smtClean="0">
+              <a:solidFill>
+                <a:schemeClr val="bg1"/>
+              </a:solidFill>
+              <a:latin typeface="華康中圓體" panose="020F0509000000000000" pitchFamily="49" charset="-120"/>
+              <a:ea typeface="華康中圓體" panose="020F0509000000000000" pitchFamily="49" charset="-120"/>
+            </a:endParaRPr>
+          </a:p>
+        </p:txBody>
+      </p:sp>
+      <p:cxnSp>
+        <p:nvCxnSpPr>
+          <p:cNvPr id="157" name="直線單箭頭接點 156"/>
+          <p:cNvCxnSpPr/>
+          <p:nvPr/>
+        </p:nvCxnSpPr>
+        <p:spPr>
+          <a:xfrm>
+            <a:off x="5760000" y="6120226"/>
+            <a:ext cx="0" cy="180000"/>
+          </a:xfrm>
+          <a:prstGeom prst="straightConnector1">
+            <a:avLst/>
+          </a:prstGeom>
+          <a:ln w="12700">
+            <a:solidFill>
+              <a:schemeClr val="tx1"/>
+            </a:solidFill>
+            <a:tailEnd type="triangle"/>
+          </a:ln>
+        </p:spPr>
+        <p:style>
+          <a:lnRef idx="1">
+            <a:schemeClr val="accent1"/>
+          </a:lnRef>
+          <a:fillRef idx="0">
+            <a:schemeClr val="accent1"/>
+          </a:fillRef>
+          <a:effectRef idx="0">
+            <a:schemeClr val="accent1"/>
+          </a:effectRef>
+          <a:fontRef idx="minor">
+            <a:schemeClr val="tx1"/>
+          </a:fontRef>
+        </p:style>
+      </p:cxnSp>
+      <p:sp>
+        <p:nvSpPr>
+          <p:cNvPr id="158" name="文字方塊 157"/>
+          <p:cNvSpPr txBox="1"/>
+          <p:nvPr/>
+        </p:nvSpPr>
+        <p:spPr>
+          <a:xfrm>
+            <a:off x="7740000" y="2880000"/>
             <a:ext cx="1080000" cy="360000"/>
           </a:xfrm>
           <a:prstGeom prst="rect">
@@ -8959,13 +10083,13 @@
       </p:sp>
       <p:sp>
         <p:nvSpPr>
-          <p:cNvPr id="76" name="文字方塊 75"/>
+          <p:cNvPr id="159" name="文字方塊 158"/>
           <p:cNvSpPr txBox="1"/>
           <p:nvPr/>
         </p:nvSpPr>
         <p:spPr>
           <a:xfrm>
-            <a:off x="8574964" y="3240000"/>
+            <a:off x="7740000" y="3420000"/>
             <a:ext cx="1080000" cy="360000"/>
           </a:xfrm>
           <a:prstGeom prst="rect">
@@ -9032,13 +10156,13 @@
       </p:sp>
       <p:cxnSp>
         <p:nvCxnSpPr>
-          <p:cNvPr id="77" name="直線單箭頭接點 76"/>
+          <p:cNvPr id="160" name="直線單箭頭接點 159"/>
           <p:cNvCxnSpPr/>
           <p:nvPr/>
         </p:nvCxnSpPr>
         <p:spPr>
           <a:xfrm>
-            <a:off x="8200361" y="2874725"/>
+            <a:off x="7375033" y="3079225"/>
             <a:ext cx="360000" cy="0"/>
           </a:xfrm>
           <a:prstGeom prst="straightConnector1">
@@ -9066,15 +10190,99 @@
           </a:fontRef>
         </p:style>
       </p:cxnSp>
-      <p:sp>
-        <p:nvSpPr>
-          <p:cNvPr id="84" name="文字方塊 83"/>
+      <p:cxnSp>
+        <p:nvCxnSpPr>
+          <p:cNvPr id="161" name="肘形接點 160"/>
+          <p:cNvCxnSpPr/>
+          <p:nvPr/>
+        </p:nvCxnSpPr>
+        <p:spPr>
+          <a:xfrm rot="16200000" flipH="1">
+            <a:off x="7060034" y="2942999"/>
+            <a:ext cx="990000" cy="360000"/>
+          </a:xfrm>
+          <a:prstGeom prst="bentConnector2">
+            <a:avLst/>
+          </a:prstGeom>
+          <a:ln w="12700">
+            <a:solidFill>
+              <a:schemeClr val="tx1"/>
+            </a:solidFill>
+            <a:tailEnd type="triangle"/>
+          </a:ln>
+        </p:spPr>
+        <p:style>
+          <a:lnRef idx="1">
+            <a:schemeClr val="accent1"/>
+          </a:lnRef>
+          <a:fillRef idx="0">
+            <a:schemeClr val="accent1"/>
+          </a:fillRef>
+          <a:effectRef idx="0">
+            <a:schemeClr val="accent1"/>
+          </a:effectRef>
+          <a:fontRef idx="minor">
+            <a:schemeClr val="tx1"/>
+          </a:fontRef>
+        </p:style>
+      </p:cxnSp>
+      <p:sp>
+        <p:nvSpPr>
+          <p:cNvPr id="162" name="矩形 161"/>
+          <p:cNvSpPr/>
+          <p:nvPr/>
+        </p:nvSpPr>
+        <p:spPr>
+          <a:xfrm>
+            <a:off x="10440000" y="2788268"/>
+            <a:ext cx="1260000" cy="1080000"/>
+          </a:xfrm>
+          <a:prstGeom prst="rect">
+            <a:avLst/>
+          </a:prstGeom>
+          <a:solidFill>
+            <a:srgbClr val="FF7C80">
+              <a:alpha val="50000"/>
+            </a:srgbClr>
+          </a:solidFill>
+          <a:ln>
+            <a:noFill/>
+          </a:ln>
+        </p:spPr>
+        <p:style>
+          <a:lnRef idx="2">
+            <a:schemeClr val="accent1">
+              <a:shade val="50000"/>
+            </a:schemeClr>
+          </a:lnRef>
+          <a:fillRef idx="1">
+            <a:schemeClr val="accent1"/>
+          </a:fillRef>
+          <a:effectRef idx="0">
+            <a:schemeClr val="accent1"/>
+          </a:effectRef>
+          <a:fontRef idx="minor">
+            <a:schemeClr val="lt1"/>
+          </a:fontRef>
+        </p:style>
+        <p:txBody>
+          <a:bodyPr rtlCol="0" anchor="ctr"/>
+          <a:lstStyle/>
+          <a:p>
+            <a:pPr algn="ctr"/>
+            <a:endParaRPr lang="zh-TW" altLang="en-US"/>
+          </a:p>
+        </p:txBody>
+      </p:sp>
+      <p:sp>
+        <p:nvSpPr>
+          <p:cNvPr id="163" name="文字方塊 162"/>
           <p:cNvSpPr txBox="1"/>
           <p:nvPr/>
         </p:nvSpPr>
         <p:spPr>
           <a:xfrm>
-            <a:off x="10648203" y="3774853"/>
+            <a:off x="10530000" y="2879999"/>
             <a:ext cx="1080000" cy="360000"/>
           </a:xfrm>
           <a:prstGeom prst="rect">
@@ -9111,7 +10319,7 @@
         </p:style>
         <p:txBody>
           <a:bodyPr wrap="none" rtlCol="0" anchor="ctr">
-            <a:spAutoFit/>
+            <a:noAutofit/>
           </a:bodyPr>
           <a:lstStyle/>
           <a:p>
@@ -9138,13 +10346,13 @@
       </p:sp>
       <p:sp>
         <p:nvSpPr>
-          <p:cNvPr id="85" name="文字方塊 84"/>
+          <p:cNvPr id="164" name="文字方塊 163"/>
           <p:cNvSpPr txBox="1"/>
           <p:nvPr/>
         </p:nvSpPr>
         <p:spPr>
           <a:xfrm>
-            <a:off x="10648203" y="4312597"/>
+            <a:off x="10530000" y="3420000"/>
             <a:ext cx="1080000" cy="360000"/>
           </a:xfrm>
           <a:prstGeom prst="rect">
@@ -9181,7 +10389,7 @@
         </p:style>
         <p:txBody>
           <a:bodyPr wrap="none" rtlCol="0" anchor="ctr">
-            <a:spAutoFit/>
+            <a:noAutofit/>
           </a:bodyPr>
           <a:lstStyle/>
           <a:p>
@@ -9206,15 +10414,90 @@
           </a:p>
         </p:txBody>
       </p:sp>
-      <p:sp>
-        <p:nvSpPr>
-          <p:cNvPr id="86" name="文字方塊 85"/>
+      <p:cxnSp>
+        <p:nvCxnSpPr>
+          <p:cNvPr id="165" name="肘形接點 164"/>
+          <p:cNvCxnSpPr/>
+          <p:nvPr/>
+        </p:nvCxnSpPr>
+        <p:spPr>
+          <a:xfrm>
+            <a:off x="10260000" y="2284268"/>
+            <a:ext cx="1080000" cy="504000"/>
+          </a:xfrm>
+          <a:prstGeom prst="bentConnector2">
+            <a:avLst/>
+          </a:prstGeom>
+          <a:ln w="12700">
+            <a:solidFill>
+              <a:schemeClr val="tx1"/>
+            </a:solidFill>
+            <a:tailEnd type="triangle"/>
+          </a:ln>
+        </p:spPr>
+        <p:style>
+          <a:lnRef idx="1">
+            <a:schemeClr val="accent1"/>
+          </a:lnRef>
+          <a:fillRef idx="0">
+            <a:schemeClr val="accent1"/>
+          </a:fillRef>
+          <a:effectRef idx="0">
+            <a:schemeClr val="accent1"/>
+          </a:effectRef>
+          <a:fontRef idx="minor">
+            <a:schemeClr val="tx1"/>
+          </a:fontRef>
+        </p:style>
+      </p:cxnSp>
+      <p:cxnSp>
+        <p:nvCxnSpPr>
+          <p:cNvPr id="167" name="肘形接點 166"/>
+          <p:cNvCxnSpPr>
+            <a:endCxn id="162" idx="0"/>
+          </p:cNvCxnSpPr>
+          <p:nvPr/>
+        </p:nvCxnSpPr>
+        <p:spPr>
+          <a:xfrm>
+            <a:off x="10260000" y="2482268"/>
+            <a:ext cx="504000" cy="306000"/>
+          </a:xfrm>
+          <a:prstGeom prst="bentConnector2">
+            <a:avLst/>
+          </a:prstGeom>
+          <a:ln w="12700">
+            <a:solidFill>
+              <a:schemeClr val="tx1"/>
+            </a:solidFill>
+            <a:headEnd type="triangle"/>
+            <a:tailEnd type="none"/>
+          </a:ln>
+        </p:spPr>
+        <p:style>
+          <a:lnRef idx="1">
+            <a:schemeClr val="accent1"/>
+          </a:lnRef>
+          <a:fillRef idx="0">
+            <a:schemeClr val="accent1"/>
+          </a:fillRef>
+          <a:effectRef idx="0">
+            <a:schemeClr val="accent1"/>
+          </a:effectRef>
+          <a:fontRef idx="minor">
+            <a:schemeClr val="tx1"/>
+          </a:fontRef>
+        </p:style>
+      </p:cxnSp>
+      <p:sp>
+        <p:nvSpPr>
+          <p:cNvPr id="172" name="文字方塊 171"/>
           <p:cNvSpPr txBox="1"/>
           <p:nvPr/>
         </p:nvSpPr>
         <p:spPr>
           <a:xfrm>
-            <a:off x="9723744" y="4849706"/>
+            <a:off x="9090000" y="2879999"/>
             <a:ext cx="1080000" cy="360000"/>
           </a:xfrm>
           <a:prstGeom prst="rect">
@@ -9264,7 +10547,7 @@
                 <a:latin typeface="華康中圓體" panose="020F0509000000000000" pitchFamily="49" charset="-120"/>
                 <a:ea typeface="華康中圓體" panose="020F0509000000000000" pitchFamily="49" charset="-120"/>
               </a:rPr>
-              <a:t>會員資料</a:t>
+              <a:t>商品登錄</a:t>
             </a:r>
             <a:endParaRPr lang="en-US" altLang="zh-TW" sz="1600" dirty="0" smtClean="0">
               <a:solidFill>
@@ -9276,97 +10559,22 @@
           </a:p>
         </p:txBody>
       </p:sp>
-      <p:cxnSp>
-        <p:nvCxnSpPr>
-          <p:cNvPr id="88" name="直線單箭頭接點 87"/>
-          <p:cNvCxnSpPr/>
-          <p:nvPr/>
-        </p:nvCxnSpPr>
-        <p:spPr>
-          <a:xfrm>
-            <a:off x="10266133" y="3954853"/>
-            <a:ext cx="360000" cy="0"/>
-          </a:xfrm>
-          <a:prstGeom prst="straightConnector1">
-            <a:avLst/>
-          </a:prstGeom>
-          <a:ln w="12700">
-            <a:solidFill>
-              <a:schemeClr val="tx1"/>
-            </a:solidFill>
-            <a:tailEnd type="triangle"/>
-          </a:ln>
-        </p:spPr>
-        <p:style>
-          <a:lnRef idx="1">
-            <a:schemeClr val="accent1"/>
-          </a:lnRef>
-          <a:fillRef idx="0">
-            <a:schemeClr val="accent1"/>
-          </a:fillRef>
-          <a:effectRef idx="0">
-            <a:schemeClr val="accent1"/>
-          </a:effectRef>
-          <a:fontRef idx="minor">
-            <a:schemeClr val="tx1"/>
-          </a:fontRef>
-        </p:style>
-      </p:cxnSp>
-      <p:cxnSp>
-        <p:nvCxnSpPr>
-          <p:cNvPr id="89" name="直線單箭頭接點 88"/>
-          <p:cNvCxnSpPr/>
-          <p:nvPr/>
-        </p:nvCxnSpPr>
-        <p:spPr>
-          <a:xfrm>
-            <a:off x="10274077" y="4505740"/>
-            <a:ext cx="360000" cy="0"/>
-          </a:xfrm>
-          <a:prstGeom prst="straightConnector1">
-            <a:avLst/>
-          </a:prstGeom>
-          <a:ln w="12700">
-            <a:solidFill>
-              <a:schemeClr val="tx1"/>
-            </a:solidFill>
-            <a:tailEnd type="triangle"/>
-          </a:ln>
-        </p:spPr>
-        <p:style>
-          <a:lnRef idx="1">
-            <a:schemeClr val="accent1"/>
-          </a:lnRef>
-          <a:fillRef idx="0">
-            <a:schemeClr val="accent1"/>
-          </a:fillRef>
-          <a:effectRef idx="0">
-            <a:schemeClr val="accent1"/>
-          </a:effectRef>
-          <a:fontRef idx="minor">
-            <a:schemeClr val="tx1"/>
-          </a:fontRef>
-        </p:style>
-      </p:cxnSp>
-      <p:sp>
-        <p:nvSpPr>
-          <p:cNvPr id="122" name="文字方塊 121"/>
+      <p:sp>
+        <p:nvSpPr>
+          <p:cNvPr id="173" name="文字方塊 172"/>
           <p:cNvSpPr txBox="1"/>
           <p:nvPr/>
         </p:nvSpPr>
         <p:spPr>
           <a:xfrm>
-            <a:off x="5559022" y="4872434"/>
+            <a:off x="9090000" y="3419999"/>
             <a:ext cx="1080000" cy="360000"/>
           </a:xfrm>
           <a:prstGeom prst="rect">
             <a:avLst/>
           </a:prstGeom>
           <a:solidFill>
-            <a:schemeClr val="tx2">
-              <a:lumMod val="60000"/>
-              <a:lumOff val="40000"/>
-            </a:schemeClr>
+            <a:srgbClr val="FF7C80"/>
           </a:solidFill>
           <a:ln>
             <a:noFill/>
@@ -9409,7 +10617,7 @@
                 <a:latin typeface="華康中圓體" panose="020F0509000000000000" pitchFamily="49" charset="-120"/>
                 <a:ea typeface="華康中圓體" panose="020F0509000000000000" pitchFamily="49" charset="-120"/>
               </a:rPr>
-              <a:t>詳細課程</a:t>
+              <a:t>課程登錄</a:t>
             </a:r>
             <a:endParaRPr lang="en-US" altLang="zh-TW" sz="1600" dirty="0" smtClean="0">
               <a:solidFill>
@@ -9421,61 +10629,22 @@
           </a:p>
         </p:txBody>
       </p:sp>
-      <p:cxnSp>
-        <p:nvCxnSpPr>
-          <p:cNvPr id="123" name="直線單箭頭接點 122"/>
-          <p:cNvCxnSpPr/>
-          <p:nvPr/>
-        </p:nvCxnSpPr>
-        <p:spPr>
-          <a:xfrm>
-            <a:off x="6095263" y="4149851"/>
-            <a:ext cx="0" cy="722583"/>
-          </a:xfrm>
-          <a:prstGeom prst="straightConnector1">
-            <a:avLst/>
-          </a:prstGeom>
-          <a:ln w="12700">
-            <a:solidFill>
-              <a:schemeClr val="tx1"/>
-            </a:solidFill>
-            <a:tailEnd type="triangle"/>
-          </a:ln>
-        </p:spPr>
-        <p:style>
-          <a:lnRef idx="1">
-            <a:schemeClr val="accent1"/>
-          </a:lnRef>
-          <a:fillRef idx="0">
-            <a:schemeClr val="accent1"/>
-          </a:fillRef>
-          <a:effectRef idx="0">
-            <a:schemeClr val="accent1"/>
-          </a:effectRef>
-          <a:fontRef idx="minor">
-            <a:schemeClr val="tx1"/>
-          </a:fontRef>
-        </p:style>
-      </p:cxnSp>
-      <p:sp>
-        <p:nvSpPr>
-          <p:cNvPr id="126" name="文字方塊 125"/>
+      <p:sp>
+        <p:nvSpPr>
+          <p:cNvPr id="175" name="文字方塊 174"/>
           <p:cNvSpPr txBox="1"/>
           <p:nvPr/>
         </p:nvSpPr>
         <p:spPr>
           <a:xfrm>
-            <a:off x="6471304" y="4331142"/>
+            <a:off x="9090000" y="3958774"/>
             <a:ext cx="1080000" cy="360000"/>
           </a:xfrm>
           <a:prstGeom prst="rect">
             <a:avLst/>
           </a:prstGeom>
           <a:solidFill>
-            <a:schemeClr val="tx2">
-              <a:lumMod val="60000"/>
-              <a:lumOff val="40000"/>
-            </a:schemeClr>
+            <a:srgbClr val="FF7C80"/>
           </a:solidFill>
           <a:ln>
             <a:noFill/>
@@ -9518,7 +10687,7 @@
                 <a:latin typeface="華康中圓體" panose="020F0509000000000000" pitchFamily="49" charset="-120"/>
                 <a:ea typeface="華康中圓體" panose="020F0509000000000000" pitchFamily="49" charset="-120"/>
               </a:rPr>
-              <a:t>會員報名</a:t>
+              <a:t>會員資料</a:t>
             </a:r>
             <a:endParaRPr lang="en-US" altLang="zh-TW" sz="1600" dirty="0" smtClean="0">
               <a:solidFill>
@@ -9532,14 +10701,14 @@
       </p:sp>
       <p:cxnSp>
         <p:nvCxnSpPr>
-          <p:cNvPr id="127" name="直線單箭頭接點 126"/>
+          <p:cNvPr id="177" name="直線單箭頭接點 176"/>
           <p:cNvCxnSpPr/>
           <p:nvPr/>
         </p:nvCxnSpPr>
         <p:spPr>
           <a:xfrm>
-            <a:off x="6103284" y="4491281"/>
-            <a:ext cx="360000" cy="0"/>
+            <a:off x="9630001" y="2627998"/>
+            <a:ext cx="0" cy="180000"/>
           </a:xfrm>
           <a:prstGeom prst="straightConnector1">
             <a:avLst/>
@@ -9566,3712 +10735,10 @@
           </a:fontRef>
         </p:style>
       </p:cxnSp>
-      <p:sp>
-        <p:nvSpPr>
-          <p:cNvPr id="132" name="文字方塊 131"/>
-          <p:cNvSpPr txBox="1"/>
-          <p:nvPr/>
-        </p:nvSpPr>
-        <p:spPr>
-          <a:xfrm>
-            <a:off x="3518439" y="4872434"/>
-            <a:ext cx="1080000" cy="360000"/>
-          </a:xfrm>
-          <a:prstGeom prst="rect">
-            <a:avLst/>
-          </a:prstGeom>
-          <a:solidFill>
-            <a:schemeClr val="accent6">
-              <a:lumMod val="60000"/>
-              <a:lumOff val="40000"/>
-            </a:schemeClr>
-          </a:solidFill>
-          <a:ln>
-            <a:noFill/>
-          </a:ln>
-          <a:effectLst>
-            <a:outerShdw blurRad="57150" dist="19050" dir="5400000" algn="ctr" rotWithShape="0">
-              <a:srgbClr val="000000">
-                <a:alpha val="63000"/>
-              </a:srgbClr>
-            </a:outerShdw>
-            <a:softEdge rad="0"/>
-          </a:effectLst>
-        </p:spPr>
-        <p:style>
-          <a:lnRef idx="0">
-            <a:schemeClr val="accent5"/>
-          </a:lnRef>
-          <a:fillRef idx="3">
-            <a:schemeClr val="accent5"/>
-          </a:fillRef>
-          <a:effectRef idx="3">
-            <a:schemeClr val="accent5"/>
-          </a:effectRef>
-          <a:fontRef idx="minor">
-            <a:schemeClr val="lt1"/>
-          </a:fontRef>
-        </p:style>
-        <p:txBody>
-          <a:bodyPr wrap="none" rtlCol="0" anchor="ctr">
-            <a:spAutoFit/>
-          </a:bodyPr>
-          <a:lstStyle/>
-          <a:p>
-            <a:pPr algn="ctr"/>
-            <a:r>
-              <a:rPr lang="zh-TW" altLang="en-US" sz="1600" dirty="0" smtClean="0">
-                <a:solidFill>
-                  <a:schemeClr val="bg1"/>
-                </a:solidFill>
-                <a:latin typeface="華康中圓體" panose="020F0509000000000000" pitchFamily="49" charset="-120"/>
-                <a:ea typeface="華康中圓體" panose="020F0509000000000000" pitchFamily="49" charset="-120"/>
-              </a:rPr>
-              <a:t>購買資訊</a:t>
-            </a:r>
-            <a:endParaRPr lang="en-US" altLang="zh-TW" sz="1600" dirty="0" smtClean="0">
-              <a:solidFill>
-                <a:schemeClr val="bg1"/>
-              </a:solidFill>
-              <a:latin typeface="華康中圓體" panose="020F0509000000000000" pitchFamily="49" charset="-120"/>
-              <a:ea typeface="華康中圓體" panose="020F0509000000000000" pitchFamily="49" charset="-120"/>
-            </a:endParaRPr>
-          </a:p>
-        </p:txBody>
-      </p:sp>
-      <p:cxnSp>
-        <p:nvCxnSpPr>
-          <p:cNvPr id="134" name="直線單箭頭接點 133"/>
-          <p:cNvCxnSpPr>
-            <a:stCxn id="42" idx="2"/>
-            <a:endCxn id="132" idx="0"/>
-          </p:cNvCxnSpPr>
-          <p:nvPr/>
-        </p:nvCxnSpPr>
-        <p:spPr>
-          <a:xfrm>
-            <a:off x="4058439" y="4140000"/>
-            <a:ext cx="0" cy="732434"/>
-          </a:xfrm>
-          <a:prstGeom prst="straightConnector1">
-            <a:avLst/>
-          </a:prstGeom>
-          <a:ln w="12700">
-            <a:solidFill>
-              <a:schemeClr val="tx1"/>
-            </a:solidFill>
-            <a:tailEnd type="triangle"/>
-          </a:ln>
-        </p:spPr>
-        <p:style>
-          <a:lnRef idx="1">
-            <a:schemeClr val="accent1"/>
-          </a:lnRef>
-          <a:fillRef idx="0">
-            <a:schemeClr val="accent1"/>
-          </a:fillRef>
-          <a:effectRef idx="0">
-            <a:schemeClr val="accent1"/>
-          </a:effectRef>
-          <a:fontRef idx="minor">
-            <a:schemeClr val="tx1"/>
-          </a:fontRef>
-        </p:style>
-      </p:cxnSp>
-      <p:sp>
-        <p:nvSpPr>
-          <p:cNvPr id="155" name="文字方塊 154"/>
-          <p:cNvSpPr txBox="1"/>
-          <p:nvPr/>
-        </p:nvSpPr>
-        <p:spPr>
-          <a:xfrm>
-            <a:off x="3518439" y="5920562"/>
-            <a:ext cx="1080000" cy="360000"/>
-          </a:xfrm>
-          <a:prstGeom prst="rect">
-            <a:avLst/>
-          </a:prstGeom>
-          <a:solidFill>
-            <a:schemeClr val="accent6">
-              <a:lumMod val="60000"/>
-              <a:lumOff val="40000"/>
-            </a:schemeClr>
-          </a:solidFill>
-          <a:ln>
-            <a:noFill/>
-          </a:ln>
-          <a:effectLst>
-            <a:outerShdw blurRad="57150" dist="19050" dir="5400000" algn="ctr" rotWithShape="0">
-              <a:srgbClr val="000000">
-                <a:alpha val="63000"/>
-              </a:srgbClr>
-            </a:outerShdw>
-            <a:softEdge rad="0"/>
-          </a:effectLst>
-        </p:spPr>
-        <p:style>
-          <a:lnRef idx="0">
-            <a:schemeClr val="accent5"/>
-          </a:lnRef>
-          <a:fillRef idx="3">
-            <a:schemeClr val="accent5"/>
-          </a:fillRef>
-          <a:effectRef idx="3">
-            <a:schemeClr val="accent5"/>
-          </a:effectRef>
-          <a:fontRef idx="minor">
-            <a:schemeClr val="lt1"/>
-          </a:fontRef>
-        </p:style>
-        <p:txBody>
-          <a:bodyPr wrap="none" rtlCol="0" anchor="ctr">
-            <a:spAutoFit/>
-          </a:bodyPr>
-          <a:lstStyle/>
-          <a:p>
-            <a:pPr algn="ctr"/>
-            <a:r>
-              <a:rPr lang="zh-TW" altLang="en-US" sz="1600" dirty="0" smtClean="0">
-                <a:solidFill>
-                  <a:schemeClr val="bg1"/>
-                </a:solidFill>
-                <a:latin typeface="華康中圓體" panose="020F0509000000000000" pitchFamily="49" charset="-120"/>
-                <a:ea typeface="華康中圓體" panose="020F0509000000000000" pitchFamily="49" charset="-120"/>
-              </a:rPr>
-              <a:t>完成交易</a:t>
-            </a:r>
-            <a:endParaRPr lang="en-US" altLang="zh-TW" sz="1600" dirty="0" smtClean="0">
-              <a:solidFill>
-                <a:schemeClr val="bg1"/>
-              </a:solidFill>
-              <a:latin typeface="華康中圓體" panose="020F0509000000000000" pitchFamily="49" charset="-120"/>
-              <a:ea typeface="華康中圓體" panose="020F0509000000000000" pitchFamily="49" charset="-120"/>
-            </a:endParaRPr>
-          </a:p>
-        </p:txBody>
-      </p:sp>
-      <p:cxnSp>
-        <p:nvCxnSpPr>
-          <p:cNvPr id="156" name="直線單箭頭接點 155"/>
-          <p:cNvCxnSpPr>
-            <a:endCxn id="155" idx="0"/>
-          </p:cNvCxnSpPr>
-          <p:nvPr/>
-        </p:nvCxnSpPr>
-        <p:spPr>
-          <a:xfrm flipH="1">
-            <a:off x="4058439" y="5239962"/>
-            <a:ext cx="3973" cy="680600"/>
-          </a:xfrm>
-          <a:prstGeom prst="straightConnector1">
-            <a:avLst/>
-          </a:prstGeom>
-          <a:ln w="12700">
-            <a:solidFill>
-              <a:schemeClr val="tx1"/>
-            </a:solidFill>
-            <a:tailEnd type="triangle"/>
-          </a:ln>
-        </p:spPr>
-        <p:style>
-          <a:lnRef idx="1">
-            <a:schemeClr val="accent1"/>
-          </a:lnRef>
-          <a:fillRef idx="0">
-            <a:schemeClr val="accent1"/>
-          </a:fillRef>
-          <a:effectRef idx="0">
-            <a:schemeClr val="accent1"/>
-          </a:effectRef>
-          <a:fontRef idx="minor">
-            <a:schemeClr val="tx1"/>
-          </a:fontRef>
-        </p:style>
-      </p:cxnSp>
-      <p:sp>
-        <p:nvSpPr>
-          <p:cNvPr id="169" name="文字方塊 168"/>
-          <p:cNvSpPr txBox="1"/>
-          <p:nvPr/>
-        </p:nvSpPr>
-        <p:spPr>
-          <a:xfrm>
-            <a:off x="5559022" y="5396498"/>
-            <a:ext cx="1080000" cy="360000"/>
-          </a:xfrm>
-          <a:prstGeom prst="rect">
-            <a:avLst/>
-          </a:prstGeom>
-          <a:solidFill>
-            <a:schemeClr val="tx2">
-              <a:lumMod val="60000"/>
-              <a:lumOff val="40000"/>
-            </a:schemeClr>
-          </a:solidFill>
-          <a:ln>
-            <a:noFill/>
-          </a:ln>
-          <a:effectLst>
-            <a:outerShdw blurRad="57150" dist="19050" dir="5400000" algn="ctr" rotWithShape="0">
-              <a:srgbClr val="000000">
-                <a:alpha val="63000"/>
-              </a:srgbClr>
-            </a:outerShdw>
-            <a:softEdge rad="0"/>
-          </a:effectLst>
-        </p:spPr>
-        <p:style>
-          <a:lnRef idx="0">
-            <a:schemeClr val="accent5"/>
-          </a:lnRef>
-          <a:fillRef idx="3">
-            <a:schemeClr val="accent5"/>
-          </a:fillRef>
-          <a:effectRef idx="3">
-            <a:schemeClr val="accent5"/>
-          </a:effectRef>
-          <a:fontRef idx="minor">
-            <a:schemeClr val="lt1"/>
-          </a:fontRef>
-        </p:style>
-        <p:txBody>
-          <a:bodyPr wrap="none" rtlCol="0" anchor="ctr">
-            <a:spAutoFit/>
-          </a:bodyPr>
-          <a:lstStyle/>
-          <a:p>
-            <a:pPr algn="ctr"/>
-            <a:r>
-              <a:rPr lang="zh-TW" altLang="en-US" sz="1600" dirty="0" smtClean="0">
-                <a:solidFill>
-                  <a:schemeClr val="bg1"/>
-                </a:solidFill>
-                <a:latin typeface="華康中圓體" panose="020F0509000000000000" pitchFamily="49" charset="-120"/>
-                <a:ea typeface="華康中圓體" panose="020F0509000000000000" pitchFamily="49" charset="-120"/>
-              </a:rPr>
-              <a:t>報名資訊</a:t>
-            </a:r>
-            <a:endParaRPr lang="en-US" altLang="zh-TW" sz="1600" dirty="0" smtClean="0">
-              <a:solidFill>
-                <a:schemeClr val="bg1"/>
-              </a:solidFill>
-              <a:latin typeface="華康中圓體" panose="020F0509000000000000" pitchFamily="49" charset="-120"/>
-              <a:ea typeface="華康中圓體" panose="020F0509000000000000" pitchFamily="49" charset="-120"/>
-            </a:endParaRPr>
-          </a:p>
-        </p:txBody>
-      </p:sp>
-      <p:sp>
-        <p:nvSpPr>
-          <p:cNvPr id="170" name="文字方塊 169"/>
-          <p:cNvSpPr txBox="1"/>
-          <p:nvPr/>
-        </p:nvSpPr>
-        <p:spPr>
-          <a:xfrm>
-            <a:off x="5559022" y="5916214"/>
-            <a:ext cx="1080000" cy="360000"/>
-          </a:xfrm>
-          <a:prstGeom prst="rect">
-            <a:avLst/>
-          </a:prstGeom>
-          <a:solidFill>
-            <a:schemeClr val="tx2">
-              <a:lumMod val="60000"/>
-              <a:lumOff val="40000"/>
-            </a:schemeClr>
-          </a:solidFill>
-          <a:ln>
-            <a:noFill/>
-          </a:ln>
-          <a:effectLst>
-            <a:outerShdw blurRad="57150" dist="19050" dir="5400000" algn="ctr" rotWithShape="0">
-              <a:srgbClr val="000000">
-                <a:alpha val="63000"/>
-              </a:srgbClr>
-            </a:outerShdw>
-            <a:softEdge rad="0"/>
-          </a:effectLst>
-        </p:spPr>
-        <p:style>
-          <a:lnRef idx="0">
-            <a:schemeClr val="accent5"/>
-          </a:lnRef>
-          <a:fillRef idx="3">
-            <a:schemeClr val="accent5"/>
-          </a:fillRef>
-          <a:effectRef idx="3">
-            <a:schemeClr val="accent5"/>
-          </a:effectRef>
-          <a:fontRef idx="minor">
-            <a:schemeClr val="lt1"/>
-          </a:fontRef>
-        </p:style>
-        <p:txBody>
-          <a:bodyPr wrap="none" rtlCol="0" anchor="ctr">
-            <a:spAutoFit/>
-          </a:bodyPr>
-          <a:lstStyle/>
-          <a:p>
-            <a:pPr algn="ctr"/>
-            <a:r>
-              <a:rPr lang="zh-TW" altLang="en-US" sz="1600" dirty="0" smtClean="0">
-                <a:solidFill>
-                  <a:schemeClr val="bg1"/>
-                </a:solidFill>
-                <a:latin typeface="華康中圓體" panose="020F0509000000000000" pitchFamily="49" charset="-120"/>
-                <a:ea typeface="華康中圓體" panose="020F0509000000000000" pitchFamily="49" charset="-120"/>
-              </a:rPr>
-              <a:t>報名完成</a:t>
-            </a:r>
-            <a:endParaRPr lang="en-US" altLang="zh-TW" sz="1600" dirty="0" smtClean="0">
-              <a:solidFill>
-                <a:schemeClr val="bg1"/>
-              </a:solidFill>
-              <a:latin typeface="華康中圓體" panose="020F0509000000000000" pitchFamily="49" charset="-120"/>
-              <a:ea typeface="華康中圓體" panose="020F0509000000000000" pitchFamily="49" charset="-120"/>
-            </a:endParaRPr>
-          </a:p>
-        </p:txBody>
-      </p:sp>
-      <p:cxnSp>
-        <p:nvCxnSpPr>
-          <p:cNvPr id="171" name="肘形接點 170"/>
-          <p:cNvCxnSpPr>
-            <a:endCxn id="169" idx="3"/>
-          </p:cNvCxnSpPr>
-          <p:nvPr/>
-        </p:nvCxnSpPr>
-        <p:spPr>
-          <a:xfrm rot="5400000">
-            <a:off x="6492783" y="4837383"/>
-            <a:ext cx="885354" cy="592876"/>
-          </a:xfrm>
-          <a:prstGeom prst="bentConnector2">
-            <a:avLst/>
-          </a:prstGeom>
-          <a:ln w="12700">
-            <a:solidFill>
-              <a:schemeClr val="tx1"/>
-            </a:solidFill>
-            <a:tailEnd type="triangle"/>
-          </a:ln>
-        </p:spPr>
-        <p:style>
-          <a:lnRef idx="1">
-            <a:schemeClr val="accent1"/>
-          </a:lnRef>
-          <a:fillRef idx="0">
-            <a:schemeClr val="accent1"/>
-          </a:fillRef>
-          <a:effectRef idx="0">
-            <a:schemeClr val="accent1"/>
-          </a:effectRef>
-          <a:fontRef idx="minor">
-            <a:schemeClr val="tx1"/>
-          </a:fontRef>
-        </p:style>
-      </p:cxnSp>
-      <p:cxnSp>
-        <p:nvCxnSpPr>
-          <p:cNvPr id="174" name="直線單箭頭接點 173"/>
-          <p:cNvCxnSpPr>
-            <a:stCxn id="169" idx="2"/>
-            <a:endCxn id="170" idx="0"/>
-          </p:cNvCxnSpPr>
-          <p:nvPr/>
-        </p:nvCxnSpPr>
-        <p:spPr>
-          <a:xfrm>
-            <a:off x="6099022" y="5756498"/>
-            <a:ext cx="0" cy="159716"/>
-          </a:xfrm>
-          <a:prstGeom prst="straightConnector1">
-            <a:avLst/>
-          </a:prstGeom>
-          <a:ln w="12700">
-            <a:solidFill>
-              <a:schemeClr val="tx1"/>
-            </a:solidFill>
-            <a:tailEnd type="triangle"/>
-          </a:ln>
-        </p:spPr>
-        <p:style>
-          <a:lnRef idx="1">
-            <a:schemeClr val="accent1"/>
-          </a:lnRef>
-          <a:fillRef idx="0">
-            <a:schemeClr val="accent1"/>
-          </a:fillRef>
-          <a:effectRef idx="0">
-            <a:schemeClr val="accent1"/>
-          </a:effectRef>
-          <a:fontRef idx="minor">
-            <a:schemeClr val="tx1"/>
-          </a:fontRef>
-        </p:style>
-      </p:cxnSp>
-      <p:cxnSp>
-        <p:nvCxnSpPr>
-          <p:cNvPr id="56" name="肘形接點 55"/>
-          <p:cNvCxnSpPr>
-            <a:stCxn id="5" idx="3"/>
-            <a:endCxn id="4" idx="0"/>
-          </p:cNvCxnSpPr>
-          <p:nvPr/>
-        </p:nvCxnSpPr>
-        <p:spPr>
-          <a:xfrm>
-            <a:off x="6906000" y="1247886"/>
-            <a:ext cx="4278960" cy="1362114"/>
-          </a:xfrm>
-          <a:prstGeom prst="bentConnector2">
-            <a:avLst/>
-          </a:prstGeom>
-          <a:ln w="12700">
-            <a:solidFill>
-              <a:schemeClr val="tx1"/>
-            </a:solidFill>
-            <a:tailEnd type="triangle"/>
-          </a:ln>
-        </p:spPr>
-        <p:style>
-          <a:lnRef idx="1">
-            <a:schemeClr val="accent1"/>
-          </a:lnRef>
-          <a:fillRef idx="0">
-            <a:schemeClr val="accent1"/>
-          </a:fillRef>
-          <a:effectRef idx="0">
-            <a:schemeClr val="accent1"/>
-          </a:effectRef>
-          <a:fontRef idx="minor">
-            <a:schemeClr val="tx1"/>
-          </a:fontRef>
-        </p:style>
-      </p:cxnSp>
-      <p:cxnSp>
-        <p:nvCxnSpPr>
-          <p:cNvPr id="64" name="肘形接點 63"/>
-          <p:cNvCxnSpPr>
-            <a:stCxn id="63" idx="2"/>
-            <a:endCxn id="42" idx="3"/>
-          </p:cNvCxnSpPr>
-          <p:nvPr/>
-        </p:nvCxnSpPr>
-        <p:spPr>
-          <a:xfrm rot="5400000">
-            <a:off x="4644409" y="3644030"/>
-            <a:ext cx="270000" cy="361940"/>
-          </a:xfrm>
-          <a:prstGeom prst="bentConnector2">
-            <a:avLst/>
-          </a:prstGeom>
-          <a:ln w="12700">
-            <a:solidFill>
-              <a:schemeClr val="tx1"/>
-            </a:solidFill>
-            <a:tailEnd type="triangle"/>
-          </a:ln>
-        </p:spPr>
-        <p:style>
-          <a:lnRef idx="1">
-            <a:schemeClr val="accent1"/>
-          </a:lnRef>
-          <a:fillRef idx="0">
-            <a:schemeClr val="accent1"/>
-          </a:fillRef>
-          <a:effectRef idx="0">
-            <a:schemeClr val="accent1"/>
-          </a:effectRef>
-          <a:fontRef idx="minor">
-            <a:schemeClr val="tx1"/>
-          </a:fontRef>
-        </p:style>
-      </p:cxnSp>
-      <p:sp>
-        <p:nvSpPr>
-          <p:cNvPr id="67" name="文字方塊 66"/>
-          <p:cNvSpPr txBox="1">
-            <a:spLocks/>
-          </p:cNvSpPr>
-          <p:nvPr/>
-        </p:nvSpPr>
-        <p:spPr>
-          <a:xfrm>
-            <a:off x="7750361" y="4325740"/>
-            <a:ext cx="1080000" cy="360000"/>
-          </a:xfrm>
-          <a:prstGeom prst="rect">
-            <a:avLst/>
-          </a:prstGeom>
-          <a:solidFill>
-            <a:srgbClr val="FF7C80"/>
-          </a:solidFill>
-          <a:ln>
-            <a:noFill/>
-          </a:ln>
-          <a:effectLst>
-            <a:outerShdw blurRad="57150" dist="19050" dir="5400000" algn="ctr" rotWithShape="0">
-              <a:srgbClr val="000000">
-                <a:alpha val="63000"/>
-              </a:srgbClr>
-            </a:outerShdw>
-            <a:softEdge rad="0"/>
-          </a:effectLst>
-        </p:spPr>
-        <p:style>
-          <a:lnRef idx="0">
-            <a:schemeClr val="accent5"/>
-          </a:lnRef>
-          <a:fillRef idx="3">
-            <a:schemeClr val="accent5"/>
-          </a:fillRef>
-          <a:effectRef idx="3">
-            <a:schemeClr val="accent5"/>
-          </a:effectRef>
-          <a:fontRef idx="minor">
-            <a:schemeClr val="lt1"/>
-          </a:fontRef>
-        </p:style>
-        <p:txBody>
-          <a:bodyPr wrap="none" rtlCol="0" anchor="ctr">
-            <a:noAutofit/>
-          </a:bodyPr>
-          <a:lstStyle/>
-          <a:p>
-            <a:pPr algn="ctr"/>
-            <a:r>
-              <a:rPr lang="zh-TW" altLang="en-US" sz="1600" dirty="0">
-                <a:solidFill>
-                  <a:schemeClr val="bg1"/>
-                </a:solidFill>
-                <a:latin typeface="華康中圓體" panose="020F0509000000000000" pitchFamily="49" charset="-120"/>
-                <a:ea typeface="華康中圓體" panose="020F0509000000000000" pitchFamily="49" charset="-120"/>
-              </a:rPr>
-              <a:t>會員登入</a:t>
-            </a:r>
-            <a:endParaRPr lang="en-US" altLang="zh-TW" sz="1600" dirty="0">
-              <a:solidFill>
-                <a:schemeClr val="bg1"/>
-              </a:solidFill>
-              <a:latin typeface="華康中圓體" panose="020F0509000000000000" pitchFamily="49" charset="-120"/>
-              <a:ea typeface="華康中圓體" panose="020F0509000000000000" pitchFamily="49" charset="-120"/>
-            </a:endParaRPr>
-          </a:p>
-        </p:txBody>
-      </p:sp>
-      <p:cxnSp>
-        <p:nvCxnSpPr>
-          <p:cNvPr id="68" name="直線單箭頭接點 67"/>
-          <p:cNvCxnSpPr>
-            <a:endCxn id="67" idx="1"/>
-          </p:cNvCxnSpPr>
-          <p:nvPr/>
-        </p:nvCxnSpPr>
-        <p:spPr>
-          <a:xfrm>
-            <a:off x="7546155" y="4505740"/>
-            <a:ext cx="204206" cy="0"/>
-          </a:xfrm>
-          <a:prstGeom prst="straightConnector1">
-            <a:avLst/>
-          </a:prstGeom>
-          <a:ln w="12700">
-            <a:solidFill>
-              <a:schemeClr val="tx1"/>
-            </a:solidFill>
-            <a:tailEnd type="triangle"/>
-          </a:ln>
-        </p:spPr>
-        <p:style>
-          <a:lnRef idx="1">
-            <a:schemeClr val="accent1"/>
-          </a:lnRef>
-          <a:fillRef idx="0">
-            <a:schemeClr val="accent1"/>
-          </a:fillRef>
-          <a:effectRef idx="0">
-            <a:schemeClr val="accent1"/>
-          </a:effectRef>
-          <a:fontRef idx="minor">
-            <a:schemeClr val="tx1"/>
-          </a:fontRef>
-        </p:style>
-      </p:cxnSp>
-      <p:cxnSp>
-        <p:nvCxnSpPr>
-          <p:cNvPr id="69" name="肘形接點 68"/>
-          <p:cNvCxnSpPr>
-            <a:stCxn id="84" idx="3"/>
-            <a:endCxn id="7" idx="3"/>
-          </p:cNvCxnSpPr>
-          <p:nvPr/>
-        </p:nvCxnSpPr>
-        <p:spPr>
-          <a:xfrm flipH="1" flipV="1">
-            <a:off x="10893744" y="2232944"/>
-            <a:ext cx="834459" cy="1721909"/>
-          </a:xfrm>
-          <a:prstGeom prst="bentConnector3">
-            <a:avLst>
-              <a:gd name="adj1" fmla="val -27395"/>
-            </a:avLst>
-          </a:prstGeom>
-          <a:ln w="12700">
-            <a:solidFill>
-              <a:schemeClr val="tx1"/>
-            </a:solidFill>
-            <a:tailEnd type="triangle"/>
-          </a:ln>
-        </p:spPr>
-        <p:style>
-          <a:lnRef idx="1">
-            <a:schemeClr val="accent1"/>
-          </a:lnRef>
-          <a:fillRef idx="0">
-            <a:schemeClr val="accent1"/>
-          </a:fillRef>
-          <a:effectRef idx="0">
-            <a:schemeClr val="accent1"/>
-          </a:effectRef>
-          <a:fontRef idx="minor">
-            <a:schemeClr val="tx1"/>
-          </a:fontRef>
-        </p:style>
-      </p:cxnSp>
     </p:spTree>
     <p:extLst>
       <p:ext uri="{BB962C8B-B14F-4D97-AF65-F5344CB8AC3E}">
         <p14:creationId xmlns:p14="http://schemas.microsoft.com/office/powerpoint/2010/main" val="859116744"/>
-      </p:ext>
-    </p:extLst>
-  </p:cSld>
-  <p:clrMapOvr>
-    <a:masterClrMapping/>
-  </p:clrMapOvr>
-  <p:timing>
-    <p:tnLst>
-      <p:par>
-        <p:cTn id="1" dur="indefinite" restart="never" nodeType="tmRoot"/>
-      </p:par>
-    </p:tnLst>
-  </p:timing>
-</p:sld>
-</file>
-
-<file path=ppt/slides/slide15.xml><?xml version="1.0" encoding="utf-8"?>
-<p:sld xmlns:a="http://schemas.openxmlformats.org/drawingml/2006/main" xmlns:r="http://schemas.openxmlformats.org/officeDocument/2006/relationships" xmlns:p="http://schemas.openxmlformats.org/presentationml/2006/main">
-  <p:cSld>
-    <p:spTree>
-      <p:nvGrpSpPr>
-        <p:cNvPr id="1" name=""/>
-        <p:cNvGrpSpPr/>
-        <p:nvPr/>
-      </p:nvGrpSpPr>
-      <p:grpSpPr>
-        <a:xfrm>
-          <a:off x="0" y="0"/>
-          <a:ext cx="0" cy="0"/>
-          <a:chOff x="0" y="0"/>
-          <a:chExt cx="0" cy="0"/>
-        </a:xfrm>
-      </p:grpSpPr>
-      <p:cxnSp>
-        <p:nvCxnSpPr>
-          <p:cNvPr id="65" name="肘形接點 64"/>
-          <p:cNvCxnSpPr>
-            <a:stCxn id="8" idx="2"/>
-            <a:endCxn id="76" idx="1"/>
-          </p:cNvCxnSpPr>
-          <p:nvPr/>
-        </p:nvCxnSpPr>
-        <p:spPr>
-          <a:xfrm rot="16200000" flipH="1">
-            <a:off x="7907246" y="2752282"/>
-            <a:ext cx="960832" cy="374603"/>
-          </a:xfrm>
-          <a:prstGeom prst="bentConnector2">
-            <a:avLst/>
-          </a:prstGeom>
-          <a:ln w="12700">
-            <a:solidFill>
-              <a:schemeClr val="tx1"/>
-            </a:solidFill>
-            <a:tailEnd type="triangle"/>
-          </a:ln>
-        </p:spPr>
-        <p:style>
-          <a:lnRef idx="1">
-            <a:schemeClr val="accent1"/>
-          </a:lnRef>
-          <a:fillRef idx="0">
-            <a:schemeClr val="accent1"/>
-          </a:fillRef>
-          <a:effectRef idx="0">
-            <a:schemeClr val="accent1"/>
-          </a:effectRef>
-          <a:fontRef idx="minor">
-            <a:schemeClr val="tx1"/>
-          </a:fontRef>
-        </p:style>
-      </p:cxnSp>
-      <p:sp>
-        <p:nvSpPr>
-          <p:cNvPr id="58" name="文字方塊 57"/>
-          <p:cNvSpPr txBox="1"/>
-          <p:nvPr/>
-        </p:nvSpPr>
-        <p:spPr>
-          <a:xfrm>
-            <a:off x="270000" y="270000"/>
-            <a:ext cx="2024913" cy="707886"/>
-          </a:xfrm>
-          <a:prstGeom prst="rect">
-            <a:avLst/>
-          </a:prstGeom>
-          <a:noFill/>
-          <a:effectLst>
-            <a:outerShdw blurRad="50800" dist="38100" dir="2700000" algn="tl" rotWithShape="0">
-              <a:prstClr val="black">
-                <a:alpha val="40000"/>
-              </a:prstClr>
-            </a:outerShdw>
-          </a:effectLst>
-        </p:spPr>
-        <p:txBody>
-          <a:bodyPr wrap="none" rtlCol="0">
-            <a:spAutoFit/>
-          </a:bodyPr>
-          <a:lstStyle/>
-          <a:p>
-            <a:r>
-              <a:rPr lang="en-US" altLang="zh-TW" sz="4000" dirty="0" smtClean="0">
-                <a:latin typeface="Segoe UI Black" panose="020B0A02040204020203" pitchFamily="34" charset="0"/>
-                <a:ea typeface="Segoe UI Black" panose="020B0A02040204020203" pitchFamily="34" charset="0"/>
-              </a:rPr>
-              <a:t>UI flow</a:t>
-            </a:r>
-            <a:endParaRPr lang="zh-TW" altLang="en-US" sz="4000" dirty="0">
-              <a:latin typeface="Segoe UI Black" panose="020B0A02040204020203" pitchFamily="34" charset="0"/>
-            </a:endParaRPr>
-          </a:p>
-        </p:txBody>
-      </p:sp>
-      <p:sp>
-        <p:nvSpPr>
-          <p:cNvPr id="5" name="文字方塊 4"/>
-          <p:cNvSpPr txBox="1"/>
-          <p:nvPr/>
-        </p:nvSpPr>
-        <p:spPr>
-          <a:xfrm>
-            <a:off x="5286000" y="977886"/>
-            <a:ext cx="1620000" cy="540000"/>
-          </a:xfrm>
-          <a:prstGeom prst="rect">
-            <a:avLst/>
-          </a:prstGeom>
-          <a:gradFill flip="none" rotWithShape="1">
-            <a:gsLst>
-              <a:gs pos="66000">
-                <a:schemeClr val="accent5">
-                  <a:satMod val="103000"/>
-                  <a:lumMod val="102000"/>
-                  <a:tint val="94000"/>
-                </a:schemeClr>
-              </a:gs>
-              <a:gs pos="84000">
-                <a:schemeClr val="accent5">
-                  <a:satMod val="110000"/>
-                  <a:lumMod val="100000"/>
-                  <a:shade val="100000"/>
-                </a:schemeClr>
-              </a:gs>
-              <a:gs pos="100000">
-                <a:schemeClr val="accent5">
-                  <a:lumMod val="99000"/>
-                  <a:satMod val="120000"/>
-                  <a:shade val="78000"/>
-                </a:schemeClr>
-              </a:gs>
-            </a:gsLst>
-            <a:lin ang="5400000" scaled="1"/>
-            <a:tileRect/>
-          </a:gradFill>
-          <a:ln>
-            <a:noFill/>
-          </a:ln>
-          <a:effectLst>
-            <a:outerShdw blurRad="57150" dist="19050" dir="5400000" algn="ctr" rotWithShape="0">
-              <a:srgbClr val="000000">
-                <a:alpha val="63000"/>
-              </a:srgbClr>
-            </a:outerShdw>
-            <a:softEdge rad="0"/>
-          </a:effectLst>
-        </p:spPr>
-        <p:style>
-          <a:lnRef idx="0">
-            <a:schemeClr val="accent5"/>
-          </a:lnRef>
-          <a:fillRef idx="3">
-            <a:schemeClr val="accent5"/>
-          </a:fillRef>
-          <a:effectRef idx="3">
-            <a:schemeClr val="accent5"/>
-          </a:effectRef>
-          <a:fontRef idx="minor">
-            <a:schemeClr val="lt1"/>
-          </a:fontRef>
-        </p:style>
-        <p:txBody>
-          <a:bodyPr wrap="none" rtlCol="0" anchor="ctr">
-            <a:spAutoFit/>
-          </a:bodyPr>
-          <a:lstStyle/>
-          <a:p>
-            <a:pPr algn="ctr"/>
-            <a:r>
-              <a:rPr lang="zh-TW" altLang="en-US" sz="2400" dirty="0" smtClean="0">
-                <a:solidFill>
-                  <a:schemeClr val="bg1"/>
-                </a:solidFill>
-                <a:latin typeface="華康中圓體" panose="020F0509000000000000" pitchFamily="49" charset="-120"/>
-                <a:ea typeface="華康中圓體" panose="020F0509000000000000" pitchFamily="49" charset="-120"/>
-              </a:rPr>
-              <a:t>首頁</a:t>
-            </a:r>
-            <a:endParaRPr lang="zh-TW" altLang="en-US" sz="2400" dirty="0">
-              <a:solidFill>
-                <a:schemeClr val="bg1"/>
-              </a:solidFill>
-              <a:latin typeface="華康中圓體" panose="020F0509000000000000" pitchFamily="49" charset="-120"/>
-              <a:ea typeface="華康中圓體" panose="020F0509000000000000" pitchFamily="49" charset="-120"/>
-            </a:endParaRPr>
-          </a:p>
-        </p:txBody>
-      </p:sp>
-      <p:sp>
-        <p:nvSpPr>
-          <p:cNvPr id="6" name="文字方塊 5"/>
-          <p:cNvSpPr txBox="1"/>
-          <p:nvPr/>
-        </p:nvSpPr>
-        <p:spPr>
-          <a:xfrm>
-            <a:off x="3455069" y="2034113"/>
-            <a:ext cx="1210588" cy="400110"/>
-          </a:xfrm>
-          <a:prstGeom prst="rect">
-            <a:avLst/>
-          </a:prstGeom>
-          <a:solidFill>
-            <a:schemeClr val="accent6">
-              <a:lumMod val="60000"/>
-              <a:lumOff val="40000"/>
-            </a:schemeClr>
-          </a:solidFill>
-          <a:ln>
-            <a:noFill/>
-          </a:ln>
-          <a:effectLst>
-            <a:outerShdw blurRad="57150" dist="19050" dir="5400000" algn="ctr" rotWithShape="0">
-              <a:srgbClr val="000000">
-                <a:alpha val="63000"/>
-              </a:srgbClr>
-            </a:outerShdw>
-            <a:softEdge rad="0"/>
-          </a:effectLst>
-        </p:spPr>
-        <p:style>
-          <a:lnRef idx="0">
-            <a:schemeClr val="accent5"/>
-          </a:lnRef>
-          <a:fillRef idx="3">
-            <a:schemeClr val="accent5"/>
-          </a:fillRef>
-          <a:effectRef idx="3">
-            <a:schemeClr val="accent5"/>
-          </a:effectRef>
-          <a:fontRef idx="minor">
-            <a:schemeClr val="lt1"/>
-          </a:fontRef>
-        </p:style>
-        <p:txBody>
-          <a:bodyPr wrap="none" rtlCol="0" anchor="ctr">
-            <a:spAutoFit/>
-          </a:bodyPr>
-          <a:lstStyle/>
-          <a:p>
-            <a:pPr algn="ctr"/>
-            <a:r>
-              <a:rPr lang="zh-TW" altLang="en-US" sz="2000" dirty="0" smtClean="0">
-                <a:solidFill>
-                  <a:schemeClr val="bg1"/>
-                </a:solidFill>
-                <a:latin typeface="華康中圓體" panose="020F0509000000000000" pitchFamily="49" charset="-120"/>
-                <a:ea typeface="華康中圓體" panose="020F0509000000000000" pitchFamily="49" charset="-120"/>
-              </a:rPr>
-              <a:t>商品介紹</a:t>
-            </a:r>
-            <a:endParaRPr lang="zh-TW" altLang="en-US" sz="2000" dirty="0">
-              <a:solidFill>
-                <a:schemeClr val="bg1"/>
-              </a:solidFill>
-              <a:latin typeface="華康中圓體" panose="020F0509000000000000" pitchFamily="49" charset="-120"/>
-              <a:ea typeface="華康中圓體" panose="020F0509000000000000" pitchFamily="49" charset="-120"/>
-            </a:endParaRPr>
-          </a:p>
-        </p:txBody>
-      </p:sp>
-      <p:sp>
-        <p:nvSpPr>
-          <p:cNvPr id="7" name="文字方塊 6"/>
-          <p:cNvSpPr txBox="1"/>
-          <p:nvPr/>
-        </p:nvSpPr>
-        <p:spPr>
-          <a:xfrm>
-            <a:off x="9633744" y="2007944"/>
-            <a:ext cx="1260000" cy="450000"/>
-          </a:xfrm>
-          <a:prstGeom prst="rect">
-            <a:avLst/>
-          </a:prstGeom>
-          <a:solidFill>
-            <a:srgbClr val="FF7C80"/>
-          </a:solidFill>
-          <a:ln>
-            <a:noFill/>
-          </a:ln>
-          <a:effectLst>
-            <a:outerShdw blurRad="57150" dist="19050" dir="5400000" algn="ctr" rotWithShape="0">
-              <a:srgbClr val="000000">
-                <a:alpha val="63000"/>
-              </a:srgbClr>
-            </a:outerShdw>
-            <a:softEdge rad="0"/>
-          </a:effectLst>
-        </p:spPr>
-        <p:style>
-          <a:lnRef idx="0">
-            <a:schemeClr val="accent5"/>
-          </a:lnRef>
-          <a:fillRef idx="3">
-            <a:schemeClr val="accent5"/>
-          </a:fillRef>
-          <a:effectRef idx="3">
-            <a:schemeClr val="accent5"/>
-          </a:effectRef>
-          <a:fontRef idx="minor">
-            <a:schemeClr val="lt1"/>
-          </a:fontRef>
-        </p:style>
-        <p:txBody>
-          <a:bodyPr wrap="none" rtlCol="0" anchor="ctr">
-            <a:spAutoFit/>
-          </a:bodyPr>
-          <a:lstStyle/>
-          <a:p>
-            <a:pPr algn="ctr"/>
-            <a:r>
-              <a:rPr lang="zh-TW" altLang="en-US" sz="2000" dirty="0">
-                <a:solidFill>
-                  <a:schemeClr val="bg1"/>
-                </a:solidFill>
-                <a:latin typeface="華康中圓體" panose="020F0509000000000000" pitchFamily="49" charset="-120"/>
-                <a:ea typeface="華康中圓體" panose="020F0509000000000000" pitchFamily="49" charset="-120"/>
-              </a:rPr>
-              <a:t>會員登入</a:t>
-            </a:r>
-            <a:endParaRPr lang="en-US" altLang="zh-TW" sz="2000" dirty="0">
-              <a:solidFill>
-                <a:schemeClr val="bg1"/>
-              </a:solidFill>
-              <a:latin typeface="華康中圓體" panose="020F0509000000000000" pitchFamily="49" charset="-120"/>
-              <a:ea typeface="華康中圓體" panose="020F0509000000000000" pitchFamily="49" charset="-120"/>
-            </a:endParaRPr>
-          </a:p>
-        </p:txBody>
-      </p:sp>
-      <p:sp>
-        <p:nvSpPr>
-          <p:cNvPr id="8" name="文字方塊 7"/>
-          <p:cNvSpPr txBox="1"/>
-          <p:nvPr/>
-        </p:nvSpPr>
-        <p:spPr>
-          <a:xfrm>
-            <a:off x="7570361" y="2009168"/>
-            <a:ext cx="1260000" cy="450000"/>
-          </a:xfrm>
-          <a:prstGeom prst="rect">
-            <a:avLst/>
-          </a:prstGeom>
-          <a:solidFill>
-            <a:schemeClr val="accent2">
-              <a:lumMod val="60000"/>
-              <a:lumOff val="40000"/>
-            </a:schemeClr>
-          </a:solidFill>
-          <a:ln>
-            <a:noFill/>
-          </a:ln>
-          <a:effectLst>
-            <a:outerShdw blurRad="57150" dist="19050" dir="5400000" algn="ctr" rotWithShape="0">
-              <a:srgbClr val="000000">
-                <a:alpha val="63000"/>
-              </a:srgbClr>
-            </a:outerShdw>
-            <a:softEdge rad="0"/>
-          </a:effectLst>
-        </p:spPr>
-        <p:style>
-          <a:lnRef idx="0">
-            <a:schemeClr val="accent5"/>
-          </a:lnRef>
-          <a:fillRef idx="3">
-            <a:schemeClr val="accent5"/>
-          </a:fillRef>
-          <a:effectRef idx="3">
-            <a:schemeClr val="accent5"/>
-          </a:effectRef>
-          <a:fontRef idx="minor">
-            <a:schemeClr val="lt1"/>
-          </a:fontRef>
-        </p:style>
-        <p:txBody>
-          <a:bodyPr wrap="none" rtlCol="0" anchor="ctr">
-            <a:spAutoFit/>
-          </a:bodyPr>
-          <a:lstStyle/>
-          <a:p>
-            <a:pPr algn="ctr"/>
-            <a:r>
-              <a:rPr lang="zh-TW" altLang="en-US" sz="2000" dirty="0" smtClean="0">
-                <a:solidFill>
-                  <a:schemeClr val="bg1"/>
-                </a:solidFill>
-                <a:latin typeface="華康中圓體" panose="020F0509000000000000" pitchFamily="49" charset="-120"/>
-                <a:ea typeface="華康中圓體" panose="020F0509000000000000" pitchFamily="49" charset="-120"/>
-              </a:rPr>
-              <a:t>關於我們</a:t>
-            </a:r>
-            <a:endParaRPr lang="en-US" altLang="zh-TW" sz="2000" dirty="0" smtClean="0">
-              <a:solidFill>
-                <a:schemeClr val="bg1"/>
-              </a:solidFill>
-              <a:latin typeface="華康中圓體" panose="020F0509000000000000" pitchFamily="49" charset="-120"/>
-              <a:ea typeface="華康中圓體" panose="020F0509000000000000" pitchFamily="49" charset="-120"/>
-            </a:endParaRPr>
-          </a:p>
-        </p:txBody>
-      </p:sp>
-      <p:sp>
-        <p:nvSpPr>
-          <p:cNvPr id="9" name="文字方塊 8"/>
-          <p:cNvSpPr txBox="1"/>
-          <p:nvPr/>
-        </p:nvSpPr>
-        <p:spPr>
-          <a:xfrm>
-            <a:off x="5466000" y="2009168"/>
-            <a:ext cx="1260000" cy="450000"/>
-          </a:xfrm>
-          <a:prstGeom prst="rect">
-            <a:avLst/>
-          </a:prstGeom>
-          <a:solidFill>
-            <a:schemeClr val="tx2">
-              <a:lumMod val="60000"/>
-              <a:lumOff val="40000"/>
-            </a:schemeClr>
-          </a:solidFill>
-          <a:ln>
-            <a:noFill/>
-          </a:ln>
-          <a:effectLst>
-            <a:outerShdw blurRad="57150" dist="19050" dir="5400000" algn="ctr" rotWithShape="0">
-              <a:srgbClr val="000000">
-                <a:alpha val="63000"/>
-              </a:srgbClr>
-            </a:outerShdw>
-            <a:softEdge rad="0"/>
-          </a:effectLst>
-        </p:spPr>
-        <p:style>
-          <a:lnRef idx="0">
-            <a:schemeClr val="accent5"/>
-          </a:lnRef>
-          <a:fillRef idx="3">
-            <a:schemeClr val="accent5"/>
-          </a:fillRef>
-          <a:effectRef idx="3">
-            <a:schemeClr val="accent5"/>
-          </a:effectRef>
-          <a:fontRef idx="minor">
-            <a:schemeClr val="lt1"/>
-          </a:fontRef>
-        </p:style>
-        <p:txBody>
-          <a:bodyPr wrap="none" rtlCol="0" anchor="ctr">
-            <a:spAutoFit/>
-          </a:bodyPr>
-          <a:lstStyle/>
-          <a:p>
-            <a:pPr algn="ctr"/>
-            <a:r>
-              <a:rPr lang="zh-TW" altLang="en-US" sz="2000" dirty="0" smtClean="0">
-                <a:solidFill>
-                  <a:schemeClr val="bg1"/>
-                </a:solidFill>
-                <a:latin typeface="華康中圓體" panose="020F0509000000000000" pitchFamily="49" charset="-120"/>
-                <a:ea typeface="華康中圓體" panose="020F0509000000000000" pitchFamily="49" charset="-120"/>
-              </a:rPr>
-              <a:t>服務內容</a:t>
-            </a:r>
-            <a:endParaRPr lang="en-US" altLang="zh-TW" sz="2000" dirty="0" smtClean="0">
-              <a:solidFill>
-                <a:schemeClr val="bg1"/>
-              </a:solidFill>
-              <a:latin typeface="華康中圓體" panose="020F0509000000000000" pitchFamily="49" charset="-120"/>
-              <a:ea typeface="華康中圓體" panose="020F0509000000000000" pitchFamily="49" charset="-120"/>
-            </a:endParaRPr>
-          </a:p>
-        </p:txBody>
-      </p:sp>
-      <p:sp>
-        <p:nvSpPr>
-          <p:cNvPr id="10" name="文字方塊 9"/>
-          <p:cNvSpPr txBox="1"/>
-          <p:nvPr/>
-        </p:nvSpPr>
-        <p:spPr>
-          <a:xfrm>
-            <a:off x="1360364" y="2009168"/>
-            <a:ext cx="1260000" cy="450000"/>
-          </a:xfrm>
-          <a:prstGeom prst="rect">
-            <a:avLst/>
-          </a:prstGeom>
-          <a:solidFill>
-            <a:schemeClr val="accent5">
-              <a:lumMod val="60000"/>
-              <a:lumOff val="40000"/>
-            </a:schemeClr>
-          </a:solidFill>
-          <a:ln>
-            <a:noFill/>
-          </a:ln>
-          <a:effectLst>
-            <a:outerShdw blurRad="57150" dist="19050" dir="5400000" algn="ctr" rotWithShape="0">
-              <a:srgbClr val="000000">
-                <a:alpha val="63000"/>
-              </a:srgbClr>
-            </a:outerShdw>
-            <a:softEdge rad="0"/>
-          </a:effectLst>
-        </p:spPr>
-        <p:style>
-          <a:lnRef idx="0">
-            <a:schemeClr val="accent5"/>
-          </a:lnRef>
-          <a:fillRef idx="3">
-            <a:schemeClr val="accent5"/>
-          </a:fillRef>
-          <a:effectRef idx="3">
-            <a:schemeClr val="accent5"/>
-          </a:effectRef>
-          <a:fontRef idx="minor">
-            <a:schemeClr val="lt1"/>
-          </a:fontRef>
-        </p:style>
-        <p:txBody>
-          <a:bodyPr wrap="none" rtlCol="0" anchor="ctr">
-            <a:spAutoFit/>
-          </a:bodyPr>
-          <a:lstStyle/>
-          <a:p>
-            <a:pPr algn="ctr"/>
-            <a:r>
-              <a:rPr lang="zh-TW" altLang="en-US" sz="2000" dirty="0" smtClean="0">
-                <a:solidFill>
-                  <a:schemeClr val="bg1"/>
-                </a:solidFill>
-                <a:latin typeface="華康中圓體" panose="020F0509000000000000" pitchFamily="49" charset="-120"/>
-                <a:ea typeface="華康中圓體" panose="020F0509000000000000" pitchFamily="49" charset="-120"/>
-              </a:rPr>
-              <a:t>最新公告</a:t>
-            </a:r>
-            <a:endParaRPr lang="en-US" altLang="zh-TW" sz="2000" dirty="0" smtClean="0">
-              <a:solidFill>
-                <a:schemeClr val="bg1"/>
-              </a:solidFill>
-              <a:latin typeface="華康中圓體" panose="020F0509000000000000" pitchFamily="49" charset="-120"/>
-              <a:ea typeface="華康中圓體" panose="020F0509000000000000" pitchFamily="49" charset="-120"/>
-            </a:endParaRPr>
-          </a:p>
-        </p:txBody>
-      </p:sp>
-      <p:cxnSp>
-        <p:nvCxnSpPr>
-          <p:cNvPr id="14" name="肘形接點 13"/>
-          <p:cNvCxnSpPr>
-            <a:stCxn id="5" idx="3"/>
-            <a:endCxn id="7" idx="0"/>
-          </p:cNvCxnSpPr>
-          <p:nvPr/>
-        </p:nvCxnSpPr>
-        <p:spPr>
-          <a:xfrm>
-            <a:off x="6906000" y="1247886"/>
-            <a:ext cx="3357744" cy="760058"/>
-          </a:xfrm>
-          <a:prstGeom prst="bentConnector2">
-            <a:avLst/>
-          </a:prstGeom>
-          <a:ln w="12700">
-            <a:solidFill>
-              <a:schemeClr val="tx1"/>
-            </a:solidFill>
-            <a:tailEnd type="triangle"/>
-          </a:ln>
-        </p:spPr>
-        <p:style>
-          <a:lnRef idx="1">
-            <a:schemeClr val="accent1"/>
-          </a:lnRef>
-          <a:fillRef idx="0">
-            <a:schemeClr val="accent1"/>
-          </a:fillRef>
-          <a:effectRef idx="0">
-            <a:schemeClr val="accent1"/>
-          </a:effectRef>
-          <a:fontRef idx="minor">
-            <a:schemeClr val="tx1"/>
-          </a:fontRef>
-        </p:style>
-      </p:cxnSp>
-      <p:cxnSp>
-        <p:nvCxnSpPr>
-          <p:cNvPr id="22" name="肘形接點 21"/>
-          <p:cNvCxnSpPr>
-            <a:stCxn id="5" idx="2"/>
-            <a:endCxn id="8" idx="0"/>
-          </p:cNvCxnSpPr>
-          <p:nvPr/>
-        </p:nvCxnSpPr>
-        <p:spPr>
-          <a:xfrm rot="16200000" flipH="1">
-            <a:off x="6902539" y="711346"/>
-            <a:ext cx="491282" cy="2104361"/>
-          </a:xfrm>
-          <a:prstGeom prst="bentConnector3">
-            <a:avLst/>
-          </a:prstGeom>
-          <a:ln w="12700">
-            <a:solidFill>
-              <a:schemeClr val="tx1"/>
-            </a:solidFill>
-            <a:tailEnd type="triangle"/>
-          </a:ln>
-        </p:spPr>
-        <p:style>
-          <a:lnRef idx="1">
-            <a:schemeClr val="accent1"/>
-          </a:lnRef>
-          <a:fillRef idx="0">
-            <a:schemeClr val="accent1"/>
-          </a:fillRef>
-          <a:effectRef idx="0">
-            <a:schemeClr val="accent1"/>
-          </a:effectRef>
-          <a:fontRef idx="minor">
-            <a:schemeClr val="tx1"/>
-          </a:fontRef>
-        </p:style>
-      </p:cxnSp>
-      <p:cxnSp>
-        <p:nvCxnSpPr>
-          <p:cNvPr id="25" name="肘形接點 24"/>
-          <p:cNvCxnSpPr>
-            <a:stCxn id="5" idx="2"/>
-            <a:endCxn id="10" idx="0"/>
-          </p:cNvCxnSpPr>
-          <p:nvPr/>
-        </p:nvCxnSpPr>
-        <p:spPr>
-          <a:xfrm rot="5400000">
-            <a:off x="3797541" y="-289291"/>
-            <a:ext cx="491282" cy="4105636"/>
-          </a:xfrm>
-          <a:prstGeom prst="bentConnector3">
-            <a:avLst/>
-          </a:prstGeom>
-          <a:ln w="12700">
-            <a:solidFill>
-              <a:schemeClr val="tx1"/>
-            </a:solidFill>
-            <a:tailEnd type="triangle"/>
-          </a:ln>
-        </p:spPr>
-        <p:style>
-          <a:lnRef idx="1">
-            <a:schemeClr val="accent1"/>
-          </a:lnRef>
-          <a:fillRef idx="0">
-            <a:schemeClr val="accent1"/>
-          </a:fillRef>
-          <a:effectRef idx="0">
-            <a:schemeClr val="accent1"/>
-          </a:effectRef>
-          <a:fontRef idx="minor">
-            <a:schemeClr val="tx1"/>
-          </a:fontRef>
-        </p:style>
-      </p:cxnSp>
-      <p:cxnSp>
-        <p:nvCxnSpPr>
-          <p:cNvPr id="53" name="直線單箭頭接點 52"/>
-          <p:cNvCxnSpPr>
-            <a:stCxn id="6" idx="0"/>
-          </p:cNvCxnSpPr>
-          <p:nvPr/>
-        </p:nvCxnSpPr>
-        <p:spPr>
-          <a:xfrm flipV="1">
-            <a:off x="4060363" y="1763527"/>
-            <a:ext cx="1" cy="270586"/>
-          </a:xfrm>
-          <a:prstGeom prst="straightConnector1">
-            <a:avLst/>
-          </a:prstGeom>
-          <a:ln w="12700">
-            <a:solidFill>
-              <a:schemeClr val="tx1"/>
-            </a:solidFill>
-            <a:headEnd type="triangle"/>
-            <a:tailEnd type="none"/>
-          </a:ln>
-        </p:spPr>
-        <p:style>
-          <a:lnRef idx="1">
-            <a:schemeClr val="accent1"/>
-          </a:lnRef>
-          <a:fillRef idx="0">
-            <a:schemeClr val="accent1"/>
-          </a:fillRef>
-          <a:effectRef idx="0">
-            <a:schemeClr val="accent1"/>
-          </a:effectRef>
-          <a:fontRef idx="minor">
-            <a:schemeClr val="tx1"/>
-          </a:fontRef>
-        </p:style>
-      </p:cxnSp>
-      <p:cxnSp>
-        <p:nvCxnSpPr>
-          <p:cNvPr id="55" name="直線單箭頭接點 54"/>
-          <p:cNvCxnSpPr/>
-          <p:nvPr/>
-        </p:nvCxnSpPr>
-        <p:spPr>
-          <a:xfrm flipV="1">
-            <a:off x="6095999" y="1745560"/>
-            <a:ext cx="0" cy="263608"/>
-          </a:xfrm>
-          <a:prstGeom prst="straightConnector1">
-            <a:avLst/>
-          </a:prstGeom>
-          <a:ln w="12700">
-            <a:solidFill>
-              <a:schemeClr val="tx1"/>
-            </a:solidFill>
-            <a:headEnd type="triangle"/>
-            <a:tailEnd type="none"/>
-          </a:ln>
-        </p:spPr>
-        <p:style>
-          <a:lnRef idx="1">
-            <a:schemeClr val="accent1"/>
-          </a:lnRef>
-          <a:fillRef idx="0">
-            <a:schemeClr val="accent1"/>
-          </a:fillRef>
-          <a:effectRef idx="0">
-            <a:schemeClr val="accent1"/>
-          </a:effectRef>
-          <a:fontRef idx="minor">
-            <a:schemeClr val="tx1"/>
-          </a:fontRef>
-        </p:style>
-      </p:cxnSp>
-      <p:sp>
-        <p:nvSpPr>
-          <p:cNvPr id="13" name="文字方塊 12"/>
-          <p:cNvSpPr txBox="1"/>
-          <p:nvPr/>
-        </p:nvSpPr>
-        <p:spPr>
-          <a:xfrm>
-            <a:off x="10648203" y="2700000"/>
-            <a:ext cx="1080000" cy="360000"/>
-          </a:xfrm>
-          <a:prstGeom prst="rect">
-            <a:avLst/>
-          </a:prstGeom>
-          <a:solidFill>
-            <a:srgbClr val="FF7C80"/>
-          </a:solidFill>
-          <a:ln>
-            <a:noFill/>
-          </a:ln>
-          <a:effectLst>
-            <a:outerShdw blurRad="57150" dist="19050" dir="5400000" algn="ctr" rotWithShape="0">
-              <a:srgbClr val="000000">
-                <a:alpha val="63000"/>
-              </a:srgbClr>
-            </a:outerShdw>
-            <a:softEdge rad="0"/>
-          </a:effectLst>
-        </p:spPr>
-        <p:style>
-          <a:lnRef idx="0">
-            <a:schemeClr val="accent5"/>
-          </a:lnRef>
-          <a:fillRef idx="3">
-            <a:schemeClr val="accent5"/>
-          </a:fillRef>
-          <a:effectRef idx="3">
-            <a:schemeClr val="accent5"/>
-          </a:effectRef>
-          <a:fontRef idx="minor">
-            <a:schemeClr val="lt1"/>
-          </a:fontRef>
-        </p:style>
-        <p:txBody>
-          <a:bodyPr wrap="none" rtlCol="0" anchor="ctr">
-            <a:spAutoFit/>
-          </a:bodyPr>
-          <a:lstStyle/>
-          <a:p>
-            <a:pPr algn="ctr"/>
-            <a:r>
-              <a:rPr lang="zh-TW" altLang="en-US" sz="1600" dirty="0" smtClean="0">
-                <a:solidFill>
-                  <a:schemeClr val="bg1"/>
-                </a:solidFill>
-                <a:latin typeface="華康中圓體" panose="020F0509000000000000" pitchFamily="49" charset="-120"/>
-                <a:ea typeface="華康中圓體" panose="020F0509000000000000" pitchFamily="49" charset="-120"/>
-              </a:rPr>
-              <a:t>商品登錄</a:t>
-            </a:r>
-            <a:endParaRPr lang="en-US" altLang="zh-TW" sz="1600" dirty="0" smtClean="0">
-              <a:solidFill>
-                <a:schemeClr val="bg1"/>
-              </a:solidFill>
-              <a:latin typeface="華康中圓體" panose="020F0509000000000000" pitchFamily="49" charset="-120"/>
-              <a:ea typeface="華康中圓體" panose="020F0509000000000000" pitchFamily="49" charset="-120"/>
-            </a:endParaRPr>
-          </a:p>
-        </p:txBody>
-      </p:sp>
-      <p:sp>
-        <p:nvSpPr>
-          <p:cNvPr id="15" name="文字方塊 14"/>
-          <p:cNvSpPr txBox="1"/>
-          <p:nvPr/>
-        </p:nvSpPr>
-        <p:spPr>
-          <a:xfrm>
-            <a:off x="10644960" y="3240000"/>
-            <a:ext cx="1080000" cy="360000"/>
-          </a:xfrm>
-          <a:prstGeom prst="rect">
-            <a:avLst/>
-          </a:prstGeom>
-          <a:solidFill>
-            <a:srgbClr val="FF7C80"/>
-          </a:solidFill>
-          <a:ln>
-            <a:noFill/>
-          </a:ln>
-          <a:effectLst>
-            <a:outerShdw blurRad="57150" dist="19050" dir="5400000" algn="ctr" rotWithShape="0">
-              <a:srgbClr val="000000">
-                <a:alpha val="63000"/>
-              </a:srgbClr>
-            </a:outerShdw>
-            <a:softEdge rad="0"/>
-          </a:effectLst>
-        </p:spPr>
-        <p:style>
-          <a:lnRef idx="0">
-            <a:schemeClr val="accent5"/>
-          </a:lnRef>
-          <a:fillRef idx="3">
-            <a:schemeClr val="accent5"/>
-          </a:fillRef>
-          <a:effectRef idx="3">
-            <a:schemeClr val="accent5"/>
-          </a:effectRef>
-          <a:fontRef idx="minor">
-            <a:schemeClr val="lt1"/>
-          </a:fontRef>
-        </p:style>
-        <p:txBody>
-          <a:bodyPr wrap="none" rtlCol="0" anchor="ctr">
-            <a:spAutoFit/>
-          </a:bodyPr>
-          <a:lstStyle/>
-          <a:p>
-            <a:pPr algn="ctr"/>
-            <a:r>
-              <a:rPr lang="zh-TW" altLang="en-US" sz="1600" dirty="0" smtClean="0">
-                <a:solidFill>
-                  <a:schemeClr val="bg1"/>
-                </a:solidFill>
-                <a:latin typeface="華康中圓體" panose="020F0509000000000000" pitchFamily="49" charset="-120"/>
-                <a:ea typeface="華康中圓體" panose="020F0509000000000000" pitchFamily="49" charset="-120"/>
-              </a:rPr>
-              <a:t>課程登錄</a:t>
-            </a:r>
-            <a:endParaRPr lang="en-US" altLang="zh-TW" sz="1600" dirty="0" smtClean="0">
-              <a:solidFill>
-                <a:schemeClr val="bg1"/>
-              </a:solidFill>
-              <a:latin typeface="華康中圓體" panose="020F0509000000000000" pitchFamily="49" charset="-120"/>
-              <a:ea typeface="華康中圓體" panose="020F0509000000000000" pitchFamily="49" charset="-120"/>
-            </a:endParaRPr>
-          </a:p>
-        </p:txBody>
-      </p:sp>
-      <p:cxnSp>
-        <p:nvCxnSpPr>
-          <p:cNvPr id="30" name="直線單箭頭接點 29"/>
-          <p:cNvCxnSpPr>
-            <a:stCxn id="7" idx="2"/>
-            <a:endCxn id="86" idx="0"/>
-          </p:cNvCxnSpPr>
-          <p:nvPr/>
-        </p:nvCxnSpPr>
-        <p:spPr>
-          <a:xfrm>
-            <a:off x="10263744" y="2457944"/>
-            <a:ext cx="0" cy="2391762"/>
-          </a:xfrm>
-          <a:prstGeom prst="straightConnector1">
-            <a:avLst/>
-          </a:prstGeom>
-          <a:ln w="12700">
-            <a:solidFill>
-              <a:schemeClr val="tx1"/>
-            </a:solidFill>
-            <a:tailEnd type="triangle"/>
-          </a:ln>
-        </p:spPr>
-        <p:style>
-          <a:lnRef idx="1">
-            <a:schemeClr val="accent1"/>
-          </a:lnRef>
-          <a:fillRef idx="0">
-            <a:schemeClr val="accent1"/>
-          </a:fillRef>
-          <a:effectRef idx="0">
-            <a:schemeClr val="accent1"/>
-          </a:effectRef>
-          <a:fontRef idx="minor">
-            <a:schemeClr val="tx1"/>
-          </a:fontRef>
-        </p:style>
-      </p:cxnSp>
-      <p:cxnSp>
-        <p:nvCxnSpPr>
-          <p:cNvPr id="33" name="直線單箭頭接點 32"/>
-          <p:cNvCxnSpPr/>
-          <p:nvPr/>
-        </p:nvCxnSpPr>
-        <p:spPr>
-          <a:xfrm>
-            <a:off x="10278304" y="2872969"/>
-            <a:ext cx="360000" cy="0"/>
-          </a:xfrm>
-          <a:prstGeom prst="straightConnector1">
-            <a:avLst/>
-          </a:prstGeom>
-          <a:ln w="12700">
-            <a:solidFill>
-              <a:schemeClr val="tx1"/>
-            </a:solidFill>
-            <a:tailEnd type="triangle"/>
-          </a:ln>
-        </p:spPr>
-        <p:style>
-          <a:lnRef idx="1">
-            <a:schemeClr val="accent1"/>
-          </a:lnRef>
-          <a:fillRef idx="0">
-            <a:schemeClr val="accent1"/>
-          </a:fillRef>
-          <a:effectRef idx="0">
-            <a:schemeClr val="accent1"/>
-          </a:effectRef>
-          <a:fontRef idx="minor">
-            <a:schemeClr val="tx1"/>
-          </a:fontRef>
-        </p:style>
-      </p:cxnSp>
-      <p:cxnSp>
-        <p:nvCxnSpPr>
-          <p:cNvPr id="37" name="直線單箭頭接點 36"/>
-          <p:cNvCxnSpPr/>
-          <p:nvPr/>
-        </p:nvCxnSpPr>
-        <p:spPr>
-          <a:xfrm>
-            <a:off x="10270360" y="3415520"/>
-            <a:ext cx="360000" cy="0"/>
-          </a:xfrm>
-          <a:prstGeom prst="straightConnector1">
-            <a:avLst/>
-          </a:prstGeom>
-          <a:ln w="12700">
-            <a:solidFill>
-              <a:schemeClr val="tx1"/>
-            </a:solidFill>
-            <a:tailEnd type="triangle"/>
-          </a:ln>
-        </p:spPr>
-        <p:style>
-          <a:lnRef idx="1">
-            <a:schemeClr val="accent1"/>
-          </a:lnRef>
-          <a:fillRef idx="0">
-            <a:schemeClr val="accent1"/>
-          </a:fillRef>
-          <a:effectRef idx="0">
-            <a:schemeClr val="accent1"/>
-          </a:effectRef>
-          <a:fontRef idx="minor">
-            <a:schemeClr val="tx1"/>
-          </a:fontRef>
-        </p:style>
-      </p:cxnSp>
-      <p:sp>
-        <p:nvSpPr>
-          <p:cNvPr id="42" name="文字方塊 41"/>
-          <p:cNvSpPr txBox="1"/>
-          <p:nvPr/>
-        </p:nvSpPr>
-        <p:spPr>
-          <a:xfrm>
-            <a:off x="3518439" y="3780000"/>
-            <a:ext cx="1080000" cy="360000"/>
-          </a:xfrm>
-          <a:prstGeom prst="rect">
-            <a:avLst/>
-          </a:prstGeom>
-          <a:solidFill>
-            <a:schemeClr val="accent6">
-              <a:lumMod val="60000"/>
-              <a:lumOff val="40000"/>
-            </a:schemeClr>
-          </a:solidFill>
-          <a:ln>
-            <a:noFill/>
-          </a:ln>
-          <a:effectLst>
-            <a:outerShdw blurRad="57150" dist="19050" dir="5400000" algn="ctr" rotWithShape="0">
-              <a:srgbClr val="000000">
-                <a:alpha val="63000"/>
-              </a:srgbClr>
-            </a:outerShdw>
-            <a:softEdge rad="0"/>
-          </a:effectLst>
-        </p:spPr>
-        <p:style>
-          <a:lnRef idx="0">
-            <a:schemeClr val="accent5"/>
-          </a:lnRef>
-          <a:fillRef idx="3">
-            <a:schemeClr val="accent5"/>
-          </a:fillRef>
-          <a:effectRef idx="3">
-            <a:schemeClr val="accent5"/>
-          </a:effectRef>
-          <a:fontRef idx="minor">
-            <a:schemeClr val="lt1"/>
-          </a:fontRef>
-        </p:style>
-        <p:txBody>
-          <a:bodyPr wrap="none" rtlCol="0" anchor="ctr">
-            <a:spAutoFit/>
-          </a:bodyPr>
-          <a:lstStyle/>
-          <a:p>
-            <a:pPr algn="ctr"/>
-            <a:r>
-              <a:rPr lang="zh-TW" altLang="en-US" sz="1600" dirty="0" smtClean="0">
-                <a:solidFill>
-                  <a:schemeClr val="bg1"/>
-                </a:solidFill>
-                <a:latin typeface="華康中圓體" panose="020F0509000000000000" pitchFamily="49" charset="-120"/>
-                <a:ea typeface="華康中圓體" panose="020F0509000000000000" pitchFamily="49" charset="-120"/>
-              </a:rPr>
-              <a:t>詳細商品</a:t>
-            </a:r>
-            <a:endParaRPr lang="en-US" altLang="zh-TW" sz="1600" dirty="0" smtClean="0">
-              <a:solidFill>
-                <a:schemeClr val="bg1"/>
-              </a:solidFill>
-              <a:latin typeface="華康中圓體" panose="020F0509000000000000" pitchFamily="49" charset="-120"/>
-              <a:ea typeface="華康中圓體" panose="020F0509000000000000" pitchFamily="49" charset="-120"/>
-            </a:endParaRPr>
-          </a:p>
-        </p:txBody>
-      </p:sp>
-      <p:cxnSp>
-        <p:nvCxnSpPr>
-          <p:cNvPr id="43" name="直線單箭頭接點 42"/>
-          <p:cNvCxnSpPr>
-            <a:stCxn id="6" idx="2"/>
-            <a:endCxn id="42" idx="0"/>
-          </p:cNvCxnSpPr>
-          <p:nvPr/>
-        </p:nvCxnSpPr>
-        <p:spPr>
-          <a:xfrm flipH="1">
-            <a:off x="4058439" y="2434223"/>
-            <a:ext cx="1924" cy="1345777"/>
-          </a:xfrm>
-          <a:prstGeom prst="straightConnector1">
-            <a:avLst/>
-          </a:prstGeom>
-          <a:ln w="12700">
-            <a:solidFill>
-              <a:schemeClr val="tx1"/>
-            </a:solidFill>
-            <a:tailEnd type="triangle"/>
-          </a:ln>
-        </p:spPr>
-        <p:style>
-          <a:lnRef idx="1">
-            <a:schemeClr val="accent1"/>
-          </a:lnRef>
-          <a:fillRef idx="0">
-            <a:schemeClr val="accent1"/>
-          </a:fillRef>
-          <a:effectRef idx="0">
-            <a:schemeClr val="accent1"/>
-          </a:effectRef>
-          <a:fontRef idx="minor">
-            <a:schemeClr val="tx1"/>
-          </a:fontRef>
-        </p:style>
-      </p:cxnSp>
-      <p:sp>
-        <p:nvSpPr>
-          <p:cNvPr id="44" name="文字方塊 43"/>
-          <p:cNvSpPr txBox="1"/>
-          <p:nvPr/>
-        </p:nvSpPr>
-        <p:spPr>
-          <a:xfrm>
-            <a:off x="5555263" y="3784494"/>
-            <a:ext cx="1080000" cy="360000"/>
-          </a:xfrm>
-          <a:prstGeom prst="rect">
-            <a:avLst/>
-          </a:prstGeom>
-          <a:solidFill>
-            <a:schemeClr val="tx2">
-              <a:lumMod val="60000"/>
-              <a:lumOff val="40000"/>
-            </a:schemeClr>
-          </a:solidFill>
-          <a:ln>
-            <a:noFill/>
-          </a:ln>
-          <a:effectLst>
-            <a:outerShdw blurRad="57150" dist="19050" dir="5400000" algn="ctr" rotWithShape="0">
-              <a:srgbClr val="000000">
-                <a:alpha val="63000"/>
-              </a:srgbClr>
-            </a:outerShdw>
-            <a:softEdge rad="0"/>
-          </a:effectLst>
-        </p:spPr>
-        <p:style>
-          <a:lnRef idx="0">
-            <a:schemeClr val="accent5"/>
-          </a:lnRef>
-          <a:fillRef idx="3">
-            <a:schemeClr val="accent5"/>
-          </a:fillRef>
-          <a:effectRef idx="3">
-            <a:schemeClr val="accent5"/>
-          </a:effectRef>
-          <a:fontRef idx="minor">
-            <a:schemeClr val="lt1"/>
-          </a:fontRef>
-        </p:style>
-        <p:txBody>
-          <a:bodyPr wrap="none" rtlCol="0" anchor="ctr">
-            <a:spAutoFit/>
-          </a:bodyPr>
-          <a:lstStyle/>
-          <a:p>
-            <a:pPr algn="ctr"/>
-            <a:r>
-              <a:rPr lang="zh-TW" altLang="en-US" sz="1600" dirty="0" smtClean="0">
-                <a:solidFill>
-                  <a:schemeClr val="bg1"/>
-                </a:solidFill>
-                <a:latin typeface="華康中圓體" panose="020F0509000000000000" pitchFamily="49" charset="-120"/>
-                <a:ea typeface="華康中圓體" panose="020F0509000000000000" pitchFamily="49" charset="-120"/>
-              </a:rPr>
-              <a:t>課程介紹</a:t>
-            </a:r>
-            <a:endParaRPr lang="en-US" altLang="zh-TW" sz="1600" dirty="0" smtClean="0">
-              <a:solidFill>
-                <a:schemeClr val="bg1"/>
-              </a:solidFill>
-              <a:latin typeface="華康中圓體" panose="020F0509000000000000" pitchFamily="49" charset="-120"/>
-              <a:ea typeface="華康中圓體" panose="020F0509000000000000" pitchFamily="49" charset="-120"/>
-            </a:endParaRPr>
-          </a:p>
-        </p:txBody>
-      </p:sp>
-      <p:cxnSp>
-        <p:nvCxnSpPr>
-          <p:cNvPr id="45" name="直線單箭頭接點 44"/>
-          <p:cNvCxnSpPr>
-            <a:stCxn id="9" idx="2"/>
-            <a:endCxn id="44" idx="0"/>
-          </p:cNvCxnSpPr>
-          <p:nvPr/>
-        </p:nvCxnSpPr>
-        <p:spPr>
-          <a:xfrm flipH="1">
-            <a:off x="6095263" y="2459168"/>
-            <a:ext cx="737" cy="1325326"/>
-          </a:xfrm>
-          <a:prstGeom prst="straightConnector1">
-            <a:avLst/>
-          </a:prstGeom>
-          <a:ln w="12700">
-            <a:solidFill>
-              <a:schemeClr val="tx1"/>
-            </a:solidFill>
-            <a:tailEnd type="triangle"/>
-          </a:ln>
-        </p:spPr>
-        <p:style>
-          <a:lnRef idx="1">
-            <a:schemeClr val="accent1"/>
-          </a:lnRef>
-          <a:fillRef idx="0">
-            <a:schemeClr val="accent1"/>
-          </a:fillRef>
-          <a:effectRef idx="0">
-            <a:schemeClr val="accent1"/>
-          </a:effectRef>
-          <a:fontRef idx="minor">
-            <a:schemeClr val="tx1"/>
-          </a:fontRef>
-        </p:style>
-      </p:cxnSp>
-      <p:sp>
-        <p:nvSpPr>
-          <p:cNvPr id="49" name="文字方塊 48"/>
-          <p:cNvSpPr txBox="1"/>
-          <p:nvPr/>
-        </p:nvSpPr>
-        <p:spPr>
-          <a:xfrm>
-            <a:off x="2352996" y="2700000"/>
-            <a:ext cx="1080000" cy="360000"/>
-          </a:xfrm>
-          <a:prstGeom prst="rect">
-            <a:avLst/>
-          </a:prstGeom>
-          <a:solidFill>
-            <a:schemeClr val="accent5">
-              <a:lumMod val="60000"/>
-              <a:lumOff val="40000"/>
-            </a:schemeClr>
-          </a:solidFill>
-          <a:ln>
-            <a:noFill/>
-          </a:ln>
-          <a:effectLst>
-            <a:outerShdw blurRad="57150" dist="19050" dir="5400000" algn="ctr" rotWithShape="0">
-              <a:srgbClr val="000000">
-                <a:alpha val="63000"/>
-              </a:srgbClr>
-            </a:outerShdw>
-            <a:softEdge rad="0"/>
-          </a:effectLst>
-        </p:spPr>
-        <p:style>
-          <a:lnRef idx="0">
-            <a:schemeClr val="accent5"/>
-          </a:lnRef>
-          <a:fillRef idx="3">
-            <a:schemeClr val="accent5"/>
-          </a:fillRef>
-          <a:effectRef idx="3">
-            <a:schemeClr val="accent5"/>
-          </a:effectRef>
-          <a:fontRef idx="minor">
-            <a:schemeClr val="lt1"/>
-          </a:fontRef>
-        </p:style>
-        <p:txBody>
-          <a:bodyPr wrap="none" rtlCol="0" anchor="ctr">
-            <a:spAutoFit/>
-          </a:bodyPr>
-          <a:lstStyle/>
-          <a:p>
-            <a:pPr algn="ctr"/>
-            <a:r>
-              <a:rPr lang="zh-TW" altLang="en-US" sz="1600" dirty="0" smtClean="0">
-                <a:solidFill>
-                  <a:schemeClr val="bg1"/>
-                </a:solidFill>
-                <a:latin typeface="華康中圓體" panose="020F0509000000000000" pitchFamily="49" charset="-120"/>
-                <a:ea typeface="華康中圓體" panose="020F0509000000000000" pitchFamily="49" charset="-120"/>
-              </a:rPr>
-              <a:t>最新消息</a:t>
-            </a:r>
-            <a:endParaRPr lang="en-US" altLang="zh-TW" sz="1600" dirty="0" smtClean="0">
-              <a:solidFill>
-                <a:schemeClr val="bg1"/>
-              </a:solidFill>
-              <a:latin typeface="華康中圓體" panose="020F0509000000000000" pitchFamily="49" charset="-120"/>
-              <a:ea typeface="華康中圓體" panose="020F0509000000000000" pitchFamily="49" charset="-120"/>
-            </a:endParaRPr>
-          </a:p>
-        </p:txBody>
-      </p:sp>
-      <p:sp>
-        <p:nvSpPr>
-          <p:cNvPr id="50" name="文字方塊 49"/>
-          <p:cNvSpPr txBox="1"/>
-          <p:nvPr/>
-        </p:nvSpPr>
-        <p:spPr>
-          <a:xfrm>
-            <a:off x="2353441" y="3240000"/>
-            <a:ext cx="1080000" cy="360000"/>
-          </a:xfrm>
-          <a:prstGeom prst="rect">
-            <a:avLst/>
-          </a:prstGeom>
-          <a:solidFill>
-            <a:schemeClr val="accent5">
-              <a:lumMod val="60000"/>
-              <a:lumOff val="40000"/>
-            </a:schemeClr>
-          </a:solidFill>
-          <a:ln>
-            <a:noFill/>
-          </a:ln>
-          <a:effectLst>
-            <a:outerShdw blurRad="57150" dist="19050" dir="5400000" algn="ctr" rotWithShape="0">
-              <a:srgbClr val="000000">
-                <a:alpha val="63000"/>
-              </a:srgbClr>
-            </a:outerShdw>
-            <a:softEdge rad="0"/>
-          </a:effectLst>
-        </p:spPr>
-        <p:style>
-          <a:lnRef idx="0">
-            <a:schemeClr val="accent5"/>
-          </a:lnRef>
-          <a:fillRef idx="3">
-            <a:schemeClr val="accent5"/>
-          </a:fillRef>
-          <a:effectRef idx="3">
-            <a:schemeClr val="accent5"/>
-          </a:effectRef>
-          <a:fontRef idx="minor">
-            <a:schemeClr val="lt1"/>
-          </a:fontRef>
-        </p:style>
-        <p:txBody>
-          <a:bodyPr wrap="none" rtlCol="0" anchor="ctr">
-            <a:spAutoFit/>
-          </a:bodyPr>
-          <a:lstStyle/>
-          <a:p>
-            <a:pPr algn="ctr"/>
-            <a:r>
-              <a:rPr lang="zh-TW" altLang="en-US" sz="1600" dirty="0" smtClean="0">
-                <a:solidFill>
-                  <a:schemeClr val="bg1"/>
-                </a:solidFill>
-                <a:latin typeface="華康中圓體" panose="020F0509000000000000" pitchFamily="49" charset="-120"/>
-                <a:ea typeface="華康中圓體" panose="020F0509000000000000" pitchFamily="49" charset="-120"/>
-              </a:rPr>
-              <a:t>活動消息</a:t>
-            </a:r>
-            <a:endParaRPr lang="en-US" altLang="zh-TW" sz="1600" dirty="0" smtClean="0">
-              <a:solidFill>
-                <a:schemeClr val="bg1"/>
-              </a:solidFill>
-              <a:latin typeface="華康中圓體" panose="020F0509000000000000" pitchFamily="49" charset="-120"/>
-              <a:ea typeface="華康中圓體" panose="020F0509000000000000" pitchFamily="49" charset="-120"/>
-            </a:endParaRPr>
-          </a:p>
-        </p:txBody>
-      </p:sp>
-      <p:cxnSp>
-        <p:nvCxnSpPr>
-          <p:cNvPr id="51" name="直線單箭頭接點 50"/>
-          <p:cNvCxnSpPr/>
-          <p:nvPr/>
-        </p:nvCxnSpPr>
-        <p:spPr>
-          <a:xfrm>
-            <a:off x="1984820" y="2865600"/>
-            <a:ext cx="360000" cy="0"/>
-          </a:xfrm>
-          <a:prstGeom prst="straightConnector1">
-            <a:avLst/>
-          </a:prstGeom>
-          <a:ln w="12700">
-            <a:solidFill>
-              <a:schemeClr val="tx1"/>
-            </a:solidFill>
-            <a:tailEnd type="triangle"/>
-          </a:ln>
-        </p:spPr>
-        <p:style>
-          <a:lnRef idx="1">
-            <a:schemeClr val="accent1"/>
-          </a:lnRef>
-          <a:fillRef idx="0">
-            <a:schemeClr val="accent1"/>
-          </a:fillRef>
-          <a:effectRef idx="0">
-            <a:schemeClr val="accent1"/>
-          </a:effectRef>
-          <a:fontRef idx="minor">
-            <a:schemeClr val="tx1"/>
-          </a:fontRef>
-        </p:style>
-      </p:cxnSp>
-      <p:cxnSp>
-        <p:nvCxnSpPr>
-          <p:cNvPr id="46" name="肘形接點 45"/>
-          <p:cNvCxnSpPr>
-            <a:stCxn id="10" idx="2"/>
-            <a:endCxn id="50" idx="1"/>
-          </p:cNvCxnSpPr>
-          <p:nvPr/>
-        </p:nvCxnSpPr>
-        <p:spPr>
-          <a:xfrm rot="16200000" flipH="1">
-            <a:off x="1691486" y="2758045"/>
-            <a:ext cx="960832" cy="363077"/>
-          </a:xfrm>
-          <a:prstGeom prst="bentConnector2">
-            <a:avLst/>
-          </a:prstGeom>
-          <a:ln w="12700">
-            <a:solidFill>
-              <a:schemeClr val="tx1"/>
-            </a:solidFill>
-            <a:tailEnd type="triangle"/>
-          </a:ln>
-        </p:spPr>
-        <p:style>
-          <a:lnRef idx="1">
-            <a:schemeClr val="accent1"/>
-          </a:lnRef>
-          <a:fillRef idx="0">
-            <a:schemeClr val="accent1"/>
-          </a:fillRef>
-          <a:effectRef idx="0">
-            <a:schemeClr val="accent1"/>
-          </a:effectRef>
-          <a:fontRef idx="minor">
-            <a:schemeClr val="tx1"/>
-          </a:fontRef>
-        </p:style>
-      </p:cxnSp>
-      <p:sp>
-        <p:nvSpPr>
-          <p:cNvPr id="59" name="文字方塊 58"/>
-          <p:cNvSpPr txBox="1"/>
-          <p:nvPr/>
-        </p:nvSpPr>
-        <p:spPr>
-          <a:xfrm>
-            <a:off x="4420363" y="2700000"/>
-            <a:ext cx="1080000" cy="360000"/>
-          </a:xfrm>
-          <a:prstGeom prst="rect">
-            <a:avLst/>
-          </a:prstGeom>
-          <a:solidFill>
-            <a:schemeClr val="accent6">
-              <a:lumMod val="60000"/>
-              <a:lumOff val="40000"/>
-            </a:schemeClr>
-          </a:solidFill>
-          <a:ln>
-            <a:noFill/>
-          </a:ln>
-          <a:effectLst>
-            <a:outerShdw blurRad="57150" dist="19050" dir="5400000" algn="ctr" rotWithShape="0">
-              <a:srgbClr val="000000">
-                <a:alpha val="63000"/>
-              </a:srgbClr>
-            </a:outerShdw>
-            <a:softEdge rad="0"/>
-          </a:effectLst>
-        </p:spPr>
-        <p:style>
-          <a:lnRef idx="0">
-            <a:schemeClr val="accent5"/>
-          </a:lnRef>
-          <a:fillRef idx="3">
-            <a:schemeClr val="accent5"/>
-          </a:fillRef>
-          <a:effectRef idx="3">
-            <a:schemeClr val="accent5"/>
-          </a:effectRef>
-          <a:fontRef idx="minor">
-            <a:schemeClr val="lt1"/>
-          </a:fontRef>
-        </p:style>
-        <p:txBody>
-          <a:bodyPr wrap="none" rtlCol="0" anchor="ctr">
-            <a:spAutoFit/>
-          </a:bodyPr>
-          <a:lstStyle/>
-          <a:p>
-            <a:pPr algn="ctr"/>
-            <a:r>
-              <a:rPr lang="zh-TW" altLang="en-US" sz="1600" dirty="0" smtClean="0">
-                <a:solidFill>
-                  <a:schemeClr val="bg1"/>
-                </a:solidFill>
-                <a:latin typeface="華康中圓體" panose="020F0509000000000000" pitchFamily="49" charset="-120"/>
-                <a:ea typeface="華康中圓體" panose="020F0509000000000000" pitchFamily="49" charset="-120"/>
-              </a:rPr>
-              <a:t>熱銷商品</a:t>
-            </a:r>
-            <a:endParaRPr lang="en-US" altLang="zh-TW" sz="1600" dirty="0" smtClean="0">
-              <a:solidFill>
-                <a:schemeClr val="bg1"/>
-              </a:solidFill>
-              <a:latin typeface="華康中圓體" panose="020F0509000000000000" pitchFamily="49" charset="-120"/>
-              <a:ea typeface="華康中圓體" panose="020F0509000000000000" pitchFamily="49" charset="-120"/>
-            </a:endParaRPr>
-          </a:p>
-        </p:txBody>
-      </p:sp>
-      <p:sp>
-        <p:nvSpPr>
-          <p:cNvPr id="60" name="文字方塊 59"/>
-          <p:cNvSpPr txBox="1"/>
-          <p:nvPr/>
-        </p:nvSpPr>
-        <p:spPr>
-          <a:xfrm>
-            <a:off x="4426063" y="3240000"/>
-            <a:ext cx="1080000" cy="360000"/>
-          </a:xfrm>
-          <a:prstGeom prst="rect">
-            <a:avLst/>
-          </a:prstGeom>
-          <a:solidFill>
-            <a:schemeClr val="accent6">
-              <a:lumMod val="60000"/>
-              <a:lumOff val="40000"/>
-            </a:schemeClr>
-          </a:solidFill>
-          <a:ln>
-            <a:noFill/>
-          </a:ln>
-          <a:effectLst>
-            <a:outerShdw blurRad="57150" dist="19050" dir="5400000" algn="ctr" rotWithShape="0">
-              <a:srgbClr val="000000">
-                <a:alpha val="63000"/>
-              </a:srgbClr>
-            </a:outerShdw>
-            <a:softEdge rad="0"/>
-          </a:effectLst>
-        </p:spPr>
-        <p:style>
-          <a:lnRef idx="0">
-            <a:schemeClr val="accent5"/>
-          </a:lnRef>
-          <a:fillRef idx="3">
-            <a:schemeClr val="accent5"/>
-          </a:fillRef>
-          <a:effectRef idx="3">
-            <a:schemeClr val="accent5"/>
-          </a:effectRef>
-          <a:fontRef idx="minor">
-            <a:schemeClr val="lt1"/>
-          </a:fontRef>
-        </p:style>
-        <p:txBody>
-          <a:bodyPr wrap="none" rtlCol="0" anchor="ctr">
-            <a:spAutoFit/>
-          </a:bodyPr>
-          <a:lstStyle/>
-          <a:p>
-            <a:pPr algn="ctr"/>
-            <a:r>
-              <a:rPr lang="zh-TW" altLang="en-US" sz="1600" dirty="0" smtClean="0">
-                <a:solidFill>
-                  <a:schemeClr val="bg1"/>
-                </a:solidFill>
-                <a:latin typeface="華康中圓體" panose="020F0509000000000000" pitchFamily="49" charset="-120"/>
-                <a:ea typeface="華康中圓體" panose="020F0509000000000000" pitchFamily="49" charset="-120"/>
-              </a:rPr>
-              <a:t>最新商品</a:t>
-            </a:r>
-            <a:endParaRPr lang="en-US" altLang="zh-TW" sz="1600" dirty="0" smtClean="0">
-              <a:solidFill>
-                <a:schemeClr val="bg1"/>
-              </a:solidFill>
-              <a:latin typeface="華康中圓體" panose="020F0509000000000000" pitchFamily="49" charset="-120"/>
-              <a:ea typeface="華康中圓體" panose="020F0509000000000000" pitchFamily="49" charset="-120"/>
-            </a:endParaRPr>
-          </a:p>
-        </p:txBody>
-      </p:sp>
-      <p:cxnSp>
-        <p:nvCxnSpPr>
-          <p:cNvPr id="61" name="直線單箭頭接點 60"/>
-          <p:cNvCxnSpPr/>
-          <p:nvPr/>
-        </p:nvCxnSpPr>
-        <p:spPr>
-          <a:xfrm>
-            <a:off x="4059918" y="2865600"/>
-            <a:ext cx="360000" cy="0"/>
-          </a:xfrm>
-          <a:prstGeom prst="straightConnector1">
-            <a:avLst/>
-          </a:prstGeom>
-          <a:ln w="12700">
-            <a:solidFill>
-              <a:schemeClr val="tx1"/>
-            </a:solidFill>
-            <a:tailEnd type="triangle"/>
-          </a:ln>
-        </p:spPr>
-        <p:style>
-          <a:lnRef idx="1">
-            <a:schemeClr val="accent1"/>
-          </a:lnRef>
-          <a:fillRef idx="0">
-            <a:schemeClr val="accent1"/>
-          </a:fillRef>
-          <a:effectRef idx="0">
-            <a:schemeClr val="accent1"/>
-          </a:effectRef>
-          <a:fontRef idx="minor">
-            <a:schemeClr val="tx1"/>
-          </a:fontRef>
-        </p:style>
-      </p:cxnSp>
-      <p:cxnSp>
-        <p:nvCxnSpPr>
-          <p:cNvPr id="62" name="直線單箭頭接點 61"/>
-          <p:cNvCxnSpPr/>
-          <p:nvPr/>
-        </p:nvCxnSpPr>
-        <p:spPr>
-          <a:xfrm flipV="1">
-            <a:off x="4059917" y="3417020"/>
-            <a:ext cx="360000" cy="0"/>
-          </a:xfrm>
-          <a:prstGeom prst="straightConnector1">
-            <a:avLst/>
-          </a:prstGeom>
-          <a:ln w="12700">
-            <a:solidFill>
-              <a:schemeClr val="tx1"/>
-            </a:solidFill>
-            <a:tailEnd type="triangle"/>
-          </a:ln>
-        </p:spPr>
-        <p:style>
-          <a:lnRef idx="1">
-            <a:schemeClr val="accent1"/>
-          </a:lnRef>
-          <a:fillRef idx="0">
-            <a:schemeClr val="accent1"/>
-          </a:fillRef>
-          <a:effectRef idx="0">
-            <a:schemeClr val="accent1"/>
-          </a:effectRef>
-          <a:fontRef idx="minor">
-            <a:schemeClr val="tx1"/>
-          </a:fontRef>
-        </p:style>
-      </p:cxnSp>
-      <p:sp>
-        <p:nvSpPr>
-          <p:cNvPr id="70" name="文字方塊 69"/>
-          <p:cNvSpPr txBox="1"/>
-          <p:nvPr/>
-        </p:nvSpPr>
-        <p:spPr>
-          <a:xfrm>
-            <a:off x="6466697" y="2693375"/>
-            <a:ext cx="1080000" cy="360000"/>
-          </a:xfrm>
-          <a:prstGeom prst="rect">
-            <a:avLst/>
-          </a:prstGeom>
-          <a:solidFill>
-            <a:schemeClr val="tx2">
-              <a:lumMod val="60000"/>
-              <a:lumOff val="40000"/>
-            </a:schemeClr>
-          </a:solidFill>
-          <a:ln>
-            <a:noFill/>
-          </a:ln>
-          <a:effectLst>
-            <a:outerShdw blurRad="57150" dist="19050" dir="5400000" algn="ctr" rotWithShape="0">
-              <a:srgbClr val="000000">
-                <a:alpha val="63000"/>
-              </a:srgbClr>
-            </a:outerShdw>
-            <a:softEdge rad="0"/>
-          </a:effectLst>
-        </p:spPr>
-        <p:style>
-          <a:lnRef idx="0">
-            <a:schemeClr val="accent5"/>
-          </a:lnRef>
-          <a:fillRef idx="3">
-            <a:schemeClr val="accent5"/>
-          </a:fillRef>
-          <a:effectRef idx="3">
-            <a:schemeClr val="accent5"/>
-          </a:effectRef>
-          <a:fontRef idx="minor">
-            <a:schemeClr val="lt1"/>
-          </a:fontRef>
-        </p:style>
-        <p:txBody>
-          <a:bodyPr wrap="none" rtlCol="0" anchor="ctr">
-            <a:spAutoFit/>
-          </a:bodyPr>
-          <a:lstStyle/>
-          <a:p>
-            <a:pPr algn="ctr"/>
-            <a:r>
-              <a:rPr lang="zh-TW" altLang="en-US" sz="1600" dirty="0" smtClean="0">
-                <a:solidFill>
-                  <a:schemeClr val="bg1"/>
-                </a:solidFill>
-                <a:latin typeface="華康中圓體" panose="020F0509000000000000" pitchFamily="49" charset="-120"/>
-                <a:ea typeface="華康中圓體" panose="020F0509000000000000" pitchFamily="49" charset="-120"/>
-              </a:rPr>
-              <a:t>線上客服</a:t>
-            </a:r>
-            <a:endParaRPr lang="en-US" altLang="zh-TW" sz="1600" dirty="0" smtClean="0">
-              <a:solidFill>
-                <a:schemeClr val="bg1"/>
-              </a:solidFill>
-              <a:latin typeface="華康中圓體" panose="020F0509000000000000" pitchFamily="49" charset="-120"/>
-              <a:ea typeface="華康中圓體" panose="020F0509000000000000" pitchFamily="49" charset="-120"/>
-            </a:endParaRPr>
-          </a:p>
-        </p:txBody>
-      </p:sp>
-      <p:sp>
-        <p:nvSpPr>
-          <p:cNvPr id="71" name="文字方塊 70"/>
-          <p:cNvSpPr txBox="1"/>
-          <p:nvPr/>
-        </p:nvSpPr>
-        <p:spPr>
-          <a:xfrm>
-            <a:off x="6466155" y="3232857"/>
-            <a:ext cx="1080000" cy="360000"/>
-          </a:xfrm>
-          <a:prstGeom prst="rect">
-            <a:avLst/>
-          </a:prstGeom>
-          <a:solidFill>
-            <a:schemeClr val="tx2">
-              <a:lumMod val="60000"/>
-              <a:lumOff val="40000"/>
-            </a:schemeClr>
-          </a:solidFill>
-          <a:ln>
-            <a:noFill/>
-          </a:ln>
-          <a:effectLst>
-            <a:outerShdw blurRad="57150" dist="19050" dir="5400000" algn="ctr" rotWithShape="0">
-              <a:srgbClr val="000000">
-                <a:alpha val="63000"/>
-              </a:srgbClr>
-            </a:outerShdw>
-            <a:softEdge rad="0"/>
-          </a:effectLst>
-        </p:spPr>
-        <p:style>
-          <a:lnRef idx="0">
-            <a:schemeClr val="accent5"/>
-          </a:lnRef>
-          <a:fillRef idx="3">
-            <a:schemeClr val="accent5"/>
-          </a:fillRef>
-          <a:effectRef idx="3">
-            <a:schemeClr val="accent5"/>
-          </a:effectRef>
-          <a:fontRef idx="minor">
-            <a:schemeClr val="lt1"/>
-          </a:fontRef>
-        </p:style>
-        <p:txBody>
-          <a:bodyPr wrap="none" rtlCol="0" anchor="ctr">
-            <a:spAutoFit/>
-          </a:bodyPr>
-          <a:lstStyle/>
-          <a:p>
-            <a:pPr algn="ctr"/>
-            <a:r>
-              <a:rPr lang="zh-TW" altLang="en-US" sz="1600" dirty="0" smtClean="0">
-                <a:solidFill>
-                  <a:schemeClr val="bg1"/>
-                </a:solidFill>
-                <a:latin typeface="華康中圓體" panose="020F0509000000000000" pitchFamily="49" charset="-120"/>
-                <a:ea typeface="華康中圓體" panose="020F0509000000000000" pitchFamily="49" charset="-120"/>
-              </a:rPr>
-              <a:t>知識小站</a:t>
-            </a:r>
-            <a:endParaRPr lang="en-US" altLang="zh-TW" sz="1600" dirty="0" smtClean="0">
-              <a:solidFill>
-                <a:schemeClr val="bg1"/>
-              </a:solidFill>
-              <a:latin typeface="華康中圓體" panose="020F0509000000000000" pitchFamily="49" charset="-120"/>
-              <a:ea typeface="華康中圓體" panose="020F0509000000000000" pitchFamily="49" charset="-120"/>
-            </a:endParaRPr>
-          </a:p>
-        </p:txBody>
-      </p:sp>
-      <p:cxnSp>
-        <p:nvCxnSpPr>
-          <p:cNvPr id="72" name="直線單箭頭接點 71"/>
-          <p:cNvCxnSpPr/>
-          <p:nvPr/>
-        </p:nvCxnSpPr>
-        <p:spPr>
-          <a:xfrm>
-            <a:off x="6103284" y="2876553"/>
-            <a:ext cx="360000" cy="0"/>
-          </a:xfrm>
-          <a:prstGeom prst="straightConnector1">
-            <a:avLst/>
-          </a:prstGeom>
-          <a:ln w="12700">
-            <a:solidFill>
-              <a:schemeClr val="tx1"/>
-            </a:solidFill>
-            <a:tailEnd type="triangle"/>
-          </a:ln>
-        </p:spPr>
-        <p:style>
-          <a:lnRef idx="1">
-            <a:schemeClr val="accent1"/>
-          </a:lnRef>
-          <a:fillRef idx="0">
-            <a:schemeClr val="accent1"/>
-          </a:fillRef>
-          <a:effectRef idx="0">
-            <a:schemeClr val="accent1"/>
-          </a:effectRef>
-          <a:fontRef idx="minor">
-            <a:schemeClr val="tx1"/>
-          </a:fontRef>
-        </p:style>
-      </p:cxnSp>
-      <p:cxnSp>
-        <p:nvCxnSpPr>
-          <p:cNvPr id="73" name="直線單箭頭接點 72"/>
-          <p:cNvCxnSpPr/>
-          <p:nvPr/>
-        </p:nvCxnSpPr>
-        <p:spPr>
-          <a:xfrm>
-            <a:off x="6103284" y="3417020"/>
-            <a:ext cx="360000" cy="0"/>
-          </a:xfrm>
-          <a:prstGeom prst="straightConnector1">
-            <a:avLst/>
-          </a:prstGeom>
-          <a:ln w="12700">
-            <a:solidFill>
-              <a:schemeClr val="tx1"/>
-            </a:solidFill>
-            <a:tailEnd type="triangle"/>
-          </a:ln>
-        </p:spPr>
-        <p:style>
-          <a:lnRef idx="1">
-            <a:schemeClr val="accent1"/>
-          </a:lnRef>
-          <a:fillRef idx="0">
-            <a:schemeClr val="accent1"/>
-          </a:fillRef>
-          <a:effectRef idx="0">
-            <a:schemeClr val="accent1"/>
-          </a:effectRef>
-          <a:fontRef idx="minor">
-            <a:schemeClr val="tx1"/>
-          </a:fontRef>
-        </p:style>
-      </p:cxnSp>
-      <p:sp>
-        <p:nvSpPr>
-          <p:cNvPr id="75" name="文字方塊 74"/>
-          <p:cNvSpPr txBox="1"/>
-          <p:nvPr/>
-        </p:nvSpPr>
-        <p:spPr>
-          <a:xfrm>
-            <a:off x="8574964" y="2692969"/>
-            <a:ext cx="1080000" cy="360000"/>
-          </a:xfrm>
-          <a:prstGeom prst="rect">
-            <a:avLst/>
-          </a:prstGeom>
-          <a:solidFill>
-            <a:schemeClr val="accent2">
-              <a:lumMod val="60000"/>
-              <a:lumOff val="40000"/>
-            </a:schemeClr>
-          </a:solidFill>
-          <a:ln>
-            <a:noFill/>
-          </a:ln>
-          <a:effectLst>
-            <a:outerShdw blurRad="57150" dist="19050" dir="5400000" algn="ctr" rotWithShape="0">
-              <a:srgbClr val="000000">
-                <a:alpha val="63000"/>
-              </a:srgbClr>
-            </a:outerShdw>
-            <a:softEdge rad="0"/>
-          </a:effectLst>
-        </p:spPr>
-        <p:style>
-          <a:lnRef idx="0">
-            <a:schemeClr val="accent5"/>
-          </a:lnRef>
-          <a:fillRef idx="3">
-            <a:schemeClr val="accent5"/>
-          </a:fillRef>
-          <a:effectRef idx="3">
-            <a:schemeClr val="accent5"/>
-          </a:effectRef>
-          <a:fontRef idx="minor">
-            <a:schemeClr val="lt1"/>
-          </a:fontRef>
-        </p:style>
-        <p:txBody>
-          <a:bodyPr wrap="none" rtlCol="0" anchor="ctr">
-            <a:spAutoFit/>
-          </a:bodyPr>
-          <a:lstStyle/>
-          <a:p>
-            <a:pPr algn="ctr"/>
-            <a:r>
-              <a:rPr lang="zh-TW" altLang="en-US" sz="1600" dirty="0" smtClean="0">
-                <a:solidFill>
-                  <a:schemeClr val="bg1"/>
-                </a:solidFill>
-                <a:latin typeface="華康中圓體" panose="020F0509000000000000" pitchFamily="49" charset="-120"/>
-                <a:ea typeface="華康中圓體" panose="020F0509000000000000" pitchFamily="49" charset="-120"/>
-              </a:rPr>
-              <a:t>友情連結</a:t>
-            </a:r>
-            <a:endParaRPr lang="en-US" altLang="zh-TW" sz="1600" dirty="0" smtClean="0">
-              <a:solidFill>
-                <a:schemeClr val="bg1"/>
-              </a:solidFill>
-              <a:latin typeface="華康中圓體" panose="020F0509000000000000" pitchFamily="49" charset="-120"/>
-              <a:ea typeface="華康中圓體" panose="020F0509000000000000" pitchFamily="49" charset="-120"/>
-            </a:endParaRPr>
-          </a:p>
-        </p:txBody>
-      </p:sp>
-      <p:sp>
-        <p:nvSpPr>
-          <p:cNvPr id="76" name="文字方塊 75"/>
-          <p:cNvSpPr txBox="1"/>
-          <p:nvPr/>
-        </p:nvSpPr>
-        <p:spPr>
-          <a:xfrm>
-            <a:off x="8574964" y="3240000"/>
-            <a:ext cx="1080000" cy="360000"/>
-          </a:xfrm>
-          <a:prstGeom prst="rect">
-            <a:avLst/>
-          </a:prstGeom>
-          <a:solidFill>
-            <a:schemeClr val="accent2">
-              <a:lumMod val="60000"/>
-              <a:lumOff val="40000"/>
-            </a:schemeClr>
-          </a:solidFill>
-          <a:ln>
-            <a:noFill/>
-          </a:ln>
-          <a:effectLst>
-            <a:outerShdw blurRad="57150" dist="19050" dir="5400000" algn="ctr" rotWithShape="0">
-              <a:srgbClr val="000000">
-                <a:alpha val="63000"/>
-              </a:srgbClr>
-            </a:outerShdw>
-            <a:softEdge rad="0"/>
-          </a:effectLst>
-        </p:spPr>
-        <p:style>
-          <a:lnRef idx="0">
-            <a:schemeClr val="accent5"/>
-          </a:lnRef>
-          <a:fillRef idx="3">
-            <a:schemeClr val="accent5"/>
-          </a:fillRef>
-          <a:effectRef idx="3">
-            <a:schemeClr val="accent5"/>
-          </a:effectRef>
-          <a:fontRef idx="minor">
-            <a:schemeClr val="lt1"/>
-          </a:fontRef>
-        </p:style>
-        <p:txBody>
-          <a:bodyPr wrap="none" rtlCol="0" anchor="ctr">
-            <a:spAutoFit/>
-          </a:bodyPr>
-          <a:lstStyle/>
-          <a:p>
-            <a:pPr algn="ctr"/>
-            <a:r>
-              <a:rPr lang="zh-TW" altLang="en-US" sz="1600" dirty="0" smtClean="0">
-                <a:solidFill>
-                  <a:schemeClr val="bg1"/>
-                </a:solidFill>
-                <a:latin typeface="華康中圓體" panose="020F0509000000000000" pitchFamily="49" charset="-120"/>
-                <a:ea typeface="華康中圓體" panose="020F0509000000000000" pitchFamily="49" charset="-120"/>
-              </a:rPr>
-              <a:t>成立目的</a:t>
-            </a:r>
-            <a:endParaRPr lang="en-US" altLang="zh-TW" sz="1600" dirty="0" smtClean="0">
-              <a:solidFill>
-                <a:schemeClr val="bg1"/>
-              </a:solidFill>
-              <a:latin typeface="華康中圓體" panose="020F0509000000000000" pitchFamily="49" charset="-120"/>
-              <a:ea typeface="華康中圓體" panose="020F0509000000000000" pitchFamily="49" charset="-120"/>
-            </a:endParaRPr>
-          </a:p>
-        </p:txBody>
-      </p:sp>
-      <p:cxnSp>
-        <p:nvCxnSpPr>
-          <p:cNvPr id="77" name="直線單箭頭接點 76"/>
-          <p:cNvCxnSpPr/>
-          <p:nvPr/>
-        </p:nvCxnSpPr>
-        <p:spPr>
-          <a:xfrm>
-            <a:off x="8200361" y="2874725"/>
-            <a:ext cx="360000" cy="0"/>
-          </a:xfrm>
-          <a:prstGeom prst="straightConnector1">
-            <a:avLst/>
-          </a:prstGeom>
-          <a:ln w="12700">
-            <a:solidFill>
-              <a:schemeClr val="tx1"/>
-            </a:solidFill>
-            <a:tailEnd type="triangle"/>
-          </a:ln>
-        </p:spPr>
-        <p:style>
-          <a:lnRef idx="1">
-            <a:schemeClr val="accent1"/>
-          </a:lnRef>
-          <a:fillRef idx="0">
-            <a:schemeClr val="accent1"/>
-          </a:fillRef>
-          <a:effectRef idx="0">
-            <a:schemeClr val="accent1"/>
-          </a:effectRef>
-          <a:fontRef idx="minor">
-            <a:schemeClr val="tx1"/>
-          </a:fontRef>
-        </p:style>
-      </p:cxnSp>
-      <p:sp>
-        <p:nvSpPr>
-          <p:cNvPr id="84" name="文字方塊 83"/>
-          <p:cNvSpPr txBox="1"/>
-          <p:nvPr/>
-        </p:nvSpPr>
-        <p:spPr>
-          <a:xfrm>
-            <a:off x="10648203" y="3774853"/>
-            <a:ext cx="1080000" cy="360000"/>
-          </a:xfrm>
-          <a:prstGeom prst="rect">
-            <a:avLst/>
-          </a:prstGeom>
-          <a:solidFill>
-            <a:srgbClr val="FF7C80"/>
-          </a:solidFill>
-          <a:ln>
-            <a:noFill/>
-          </a:ln>
-          <a:effectLst>
-            <a:outerShdw blurRad="57150" dist="19050" dir="5400000" algn="ctr" rotWithShape="0">
-              <a:srgbClr val="000000">
-                <a:alpha val="63000"/>
-              </a:srgbClr>
-            </a:outerShdw>
-            <a:softEdge rad="0"/>
-          </a:effectLst>
-        </p:spPr>
-        <p:style>
-          <a:lnRef idx="0">
-            <a:schemeClr val="accent5"/>
-          </a:lnRef>
-          <a:fillRef idx="3">
-            <a:schemeClr val="accent5"/>
-          </a:fillRef>
-          <a:effectRef idx="3">
-            <a:schemeClr val="accent5"/>
-          </a:effectRef>
-          <a:fontRef idx="minor">
-            <a:schemeClr val="lt1"/>
-          </a:fontRef>
-        </p:style>
-        <p:txBody>
-          <a:bodyPr wrap="none" rtlCol="0" anchor="ctr">
-            <a:spAutoFit/>
-          </a:bodyPr>
-          <a:lstStyle/>
-          <a:p>
-            <a:pPr algn="ctr"/>
-            <a:r>
-              <a:rPr lang="zh-TW" altLang="en-US" sz="1600" dirty="0" smtClean="0">
-                <a:solidFill>
-                  <a:schemeClr val="bg1"/>
-                </a:solidFill>
-                <a:latin typeface="華康中圓體" panose="020F0509000000000000" pitchFamily="49" charset="-120"/>
-                <a:ea typeface="華康中圓體" panose="020F0509000000000000" pitchFamily="49" charset="-120"/>
-              </a:rPr>
-              <a:t>註冊會員</a:t>
-            </a:r>
-            <a:endParaRPr lang="en-US" altLang="zh-TW" sz="1600" dirty="0" smtClean="0">
-              <a:solidFill>
-                <a:schemeClr val="bg1"/>
-              </a:solidFill>
-              <a:latin typeface="華康中圓體" panose="020F0509000000000000" pitchFamily="49" charset="-120"/>
-              <a:ea typeface="華康中圓體" panose="020F0509000000000000" pitchFamily="49" charset="-120"/>
-            </a:endParaRPr>
-          </a:p>
-        </p:txBody>
-      </p:sp>
-      <p:sp>
-        <p:nvSpPr>
-          <p:cNvPr id="85" name="文字方塊 84"/>
-          <p:cNvSpPr txBox="1"/>
-          <p:nvPr/>
-        </p:nvSpPr>
-        <p:spPr>
-          <a:xfrm>
-            <a:off x="10648203" y="4312597"/>
-            <a:ext cx="1080000" cy="360000"/>
-          </a:xfrm>
-          <a:prstGeom prst="rect">
-            <a:avLst/>
-          </a:prstGeom>
-          <a:solidFill>
-            <a:srgbClr val="FF7C80"/>
-          </a:solidFill>
-          <a:ln>
-            <a:noFill/>
-          </a:ln>
-          <a:effectLst>
-            <a:outerShdw blurRad="57150" dist="19050" dir="5400000" algn="ctr" rotWithShape="0">
-              <a:srgbClr val="000000">
-                <a:alpha val="63000"/>
-              </a:srgbClr>
-            </a:outerShdw>
-            <a:softEdge rad="0"/>
-          </a:effectLst>
-        </p:spPr>
-        <p:style>
-          <a:lnRef idx="0">
-            <a:schemeClr val="accent5"/>
-          </a:lnRef>
-          <a:fillRef idx="3">
-            <a:schemeClr val="accent5"/>
-          </a:fillRef>
-          <a:effectRef idx="3">
-            <a:schemeClr val="accent5"/>
-          </a:effectRef>
-          <a:fontRef idx="minor">
-            <a:schemeClr val="lt1"/>
-          </a:fontRef>
-        </p:style>
-        <p:txBody>
-          <a:bodyPr wrap="none" rtlCol="0" anchor="ctr">
-            <a:spAutoFit/>
-          </a:bodyPr>
-          <a:lstStyle/>
-          <a:p>
-            <a:pPr algn="ctr"/>
-            <a:r>
-              <a:rPr lang="zh-TW" altLang="en-US" sz="1600" dirty="0" smtClean="0">
-                <a:solidFill>
-                  <a:schemeClr val="bg1"/>
-                </a:solidFill>
-                <a:latin typeface="華康中圓體" panose="020F0509000000000000" pitchFamily="49" charset="-120"/>
-                <a:ea typeface="華康中圓體" panose="020F0509000000000000" pitchFamily="49" charset="-120"/>
-              </a:rPr>
-              <a:t>忘記密碼</a:t>
-            </a:r>
-            <a:endParaRPr lang="en-US" altLang="zh-TW" sz="1600" dirty="0" smtClean="0">
-              <a:solidFill>
-                <a:schemeClr val="bg1"/>
-              </a:solidFill>
-              <a:latin typeface="華康中圓體" panose="020F0509000000000000" pitchFamily="49" charset="-120"/>
-              <a:ea typeface="華康中圓體" panose="020F0509000000000000" pitchFamily="49" charset="-120"/>
-            </a:endParaRPr>
-          </a:p>
-        </p:txBody>
-      </p:sp>
-      <p:sp>
-        <p:nvSpPr>
-          <p:cNvPr id="86" name="文字方塊 85"/>
-          <p:cNvSpPr txBox="1"/>
-          <p:nvPr/>
-        </p:nvSpPr>
-        <p:spPr>
-          <a:xfrm>
-            <a:off x="9723744" y="4849706"/>
-            <a:ext cx="1080000" cy="360000"/>
-          </a:xfrm>
-          <a:prstGeom prst="rect">
-            <a:avLst/>
-          </a:prstGeom>
-          <a:solidFill>
-            <a:srgbClr val="FF7C80"/>
-          </a:solidFill>
-          <a:ln>
-            <a:noFill/>
-          </a:ln>
-          <a:effectLst>
-            <a:outerShdw blurRad="57150" dist="19050" dir="5400000" algn="ctr" rotWithShape="0">
-              <a:srgbClr val="000000">
-                <a:alpha val="63000"/>
-              </a:srgbClr>
-            </a:outerShdw>
-            <a:softEdge rad="0"/>
-          </a:effectLst>
-        </p:spPr>
-        <p:style>
-          <a:lnRef idx="0">
-            <a:schemeClr val="accent5"/>
-          </a:lnRef>
-          <a:fillRef idx="3">
-            <a:schemeClr val="accent5"/>
-          </a:fillRef>
-          <a:effectRef idx="3">
-            <a:schemeClr val="accent5"/>
-          </a:effectRef>
-          <a:fontRef idx="minor">
-            <a:schemeClr val="lt1"/>
-          </a:fontRef>
-        </p:style>
-        <p:txBody>
-          <a:bodyPr wrap="none" rtlCol="0" anchor="ctr">
-            <a:spAutoFit/>
-          </a:bodyPr>
-          <a:lstStyle/>
-          <a:p>
-            <a:pPr algn="ctr"/>
-            <a:r>
-              <a:rPr lang="zh-TW" altLang="en-US" sz="1600" dirty="0" smtClean="0">
-                <a:solidFill>
-                  <a:schemeClr val="bg1"/>
-                </a:solidFill>
-                <a:latin typeface="華康中圓體" panose="020F0509000000000000" pitchFamily="49" charset="-120"/>
-                <a:ea typeface="華康中圓體" panose="020F0509000000000000" pitchFamily="49" charset="-120"/>
-              </a:rPr>
-              <a:t>會員資料</a:t>
-            </a:r>
-            <a:endParaRPr lang="en-US" altLang="zh-TW" sz="1600" dirty="0" smtClean="0">
-              <a:solidFill>
-                <a:schemeClr val="bg1"/>
-              </a:solidFill>
-              <a:latin typeface="華康中圓體" panose="020F0509000000000000" pitchFamily="49" charset="-120"/>
-              <a:ea typeface="華康中圓體" panose="020F0509000000000000" pitchFamily="49" charset="-120"/>
-            </a:endParaRPr>
-          </a:p>
-        </p:txBody>
-      </p:sp>
-      <p:cxnSp>
-        <p:nvCxnSpPr>
-          <p:cNvPr id="88" name="直線單箭頭接點 87"/>
-          <p:cNvCxnSpPr/>
-          <p:nvPr/>
-        </p:nvCxnSpPr>
-        <p:spPr>
-          <a:xfrm>
-            <a:off x="10266133" y="3954853"/>
-            <a:ext cx="360000" cy="0"/>
-          </a:xfrm>
-          <a:prstGeom prst="straightConnector1">
-            <a:avLst/>
-          </a:prstGeom>
-          <a:ln w="12700">
-            <a:solidFill>
-              <a:schemeClr val="tx1"/>
-            </a:solidFill>
-            <a:tailEnd type="triangle"/>
-          </a:ln>
-        </p:spPr>
-        <p:style>
-          <a:lnRef idx="1">
-            <a:schemeClr val="accent1"/>
-          </a:lnRef>
-          <a:fillRef idx="0">
-            <a:schemeClr val="accent1"/>
-          </a:fillRef>
-          <a:effectRef idx="0">
-            <a:schemeClr val="accent1"/>
-          </a:effectRef>
-          <a:fontRef idx="minor">
-            <a:schemeClr val="tx1"/>
-          </a:fontRef>
-        </p:style>
-      </p:cxnSp>
-      <p:cxnSp>
-        <p:nvCxnSpPr>
-          <p:cNvPr id="89" name="直線單箭頭接點 88"/>
-          <p:cNvCxnSpPr/>
-          <p:nvPr/>
-        </p:nvCxnSpPr>
-        <p:spPr>
-          <a:xfrm>
-            <a:off x="10274077" y="4505740"/>
-            <a:ext cx="360000" cy="0"/>
-          </a:xfrm>
-          <a:prstGeom prst="straightConnector1">
-            <a:avLst/>
-          </a:prstGeom>
-          <a:ln w="12700">
-            <a:solidFill>
-              <a:schemeClr val="tx1"/>
-            </a:solidFill>
-            <a:tailEnd type="triangle"/>
-          </a:ln>
-        </p:spPr>
-        <p:style>
-          <a:lnRef idx="1">
-            <a:schemeClr val="accent1"/>
-          </a:lnRef>
-          <a:fillRef idx="0">
-            <a:schemeClr val="accent1"/>
-          </a:fillRef>
-          <a:effectRef idx="0">
-            <a:schemeClr val="accent1"/>
-          </a:effectRef>
-          <a:fontRef idx="minor">
-            <a:schemeClr val="tx1"/>
-          </a:fontRef>
-        </p:style>
-      </p:cxnSp>
-      <p:sp>
-        <p:nvSpPr>
-          <p:cNvPr id="122" name="文字方塊 121"/>
-          <p:cNvSpPr txBox="1"/>
-          <p:nvPr/>
-        </p:nvSpPr>
-        <p:spPr>
-          <a:xfrm>
-            <a:off x="5559022" y="4872434"/>
-            <a:ext cx="1080000" cy="360000"/>
-          </a:xfrm>
-          <a:prstGeom prst="rect">
-            <a:avLst/>
-          </a:prstGeom>
-          <a:solidFill>
-            <a:schemeClr val="tx2">
-              <a:lumMod val="60000"/>
-              <a:lumOff val="40000"/>
-            </a:schemeClr>
-          </a:solidFill>
-          <a:ln>
-            <a:noFill/>
-          </a:ln>
-          <a:effectLst>
-            <a:outerShdw blurRad="57150" dist="19050" dir="5400000" algn="ctr" rotWithShape="0">
-              <a:srgbClr val="000000">
-                <a:alpha val="63000"/>
-              </a:srgbClr>
-            </a:outerShdw>
-            <a:softEdge rad="0"/>
-          </a:effectLst>
-        </p:spPr>
-        <p:style>
-          <a:lnRef idx="0">
-            <a:schemeClr val="accent5"/>
-          </a:lnRef>
-          <a:fillRef idx="3">
-            <a:schemeClr val="accent5"/>
-          </a:fillRef>
-          <a:effectRef idx="3">
-            <a:schemeClr val="accent5"/>
-          </a:effectRef>
-          <a:fontRef idx="minor">
-            <a:schemeClr val="lt1"/>
-          </a:fontRef>
-        </p:style>
-        <p:txBody>
-          <a:bodyPr wrap="none" rtlCol="0" anchor="ctr">
-            <a:spAutoFit/>
-          </a:bodyPr>
-          <a:lstStyle/>
-          <a:p>
-            <a:pPr algn="ctr"/>
-            <a:r>
-              <a:rPr lang="zh-TW" altLang="en-US" sz="1600" dirty="0" smtClean="0">
-                <a:solidFill>
-                  <a:schemeClr val="bg1"/>
-                </a:solidFill>
-                <a:latin typeface="華康中圓體" panose="020F0509000000000000" pitchFamily="49" charset="-120"/>
-                <a:ea typeface="華康中圓體" panose="020F0509000000000000" pitchFamily="49" charset="-120"/>
-              </a:rPr>
-              <a:t>詳細課程</a:t>
-            </a:r>
-            <a:endParaRPr lang="en-US" altLang="zh-TW" sz="1600" dirty="0" smtClean="0">
-              <a:solidFill>
-                <a:schemeClr val="bg1"/>
-              </a:solidFill>
-              <a:latin typeface="華康中圓體" panose="020F0509000000000000" pitchFamily="49" charset="-120"/>
-              <a:ea typeface="華康中圓體" panose="020F0509000000000000" pitchFamily="49" charset="-120"/>
-            </a:endParaRPr>
-          </a:p>
-        </p:txBody>
-      </p:sp>
-      <p:cxnSp>
-        <p:nvCxnSpPr>
-          <p:cNvPr id="123" name="直線單箭頭接點 122"/>
-          <p:cNvCxnSpPr/>
-          <p:nvPr/>
-        </p:nvCxnSpPr>
-        <p:spPr>
-          <a:xfrm>
-            <a:off x="6095263" y="4149851"/>
-            <a:ext cx="0" cy="722583"/>
-          </a:xfrm>
-          <a:prstGeom prst="straightConnector1">
-            <a:avLst/>
-          </a:prstGeom>
-          <a:ln w="12700">
-            <a:solidFill>
-              <a:schemeClr val="tx1"/>
-            </a:solidFill>
-            <a:tailEnd type="triangle"/>
-          </a:ln>
-        </p:spPr>
-        <p:style>
-          <a:lnRef idx="1">
-            <a:schemeClr val="accent1"/>
-          </a:lnRef>
-          <a:fillRef idx="0">
-            <a:schemeClr val="accent1"/>
-          </a:fillRef>
-          <a:effectRef idx="0">
-            <a:schemeClr val="accent1"/>
-          </a:effectRef>
-          <a:fontRef idx="minor">
-            <a:schemeClr val="tx1"/>
-          </a:fontRef>
-        </p:style>
-      </p:cxnSp>
-      <p:sp>
-        <p:nvSpPr>
-          <p:cNvPr id="126" name="文字方塊 125"/>
-          <p:cNvSpPr txBox="1"/>
-          <p:nvPr/>
-        </p:nvSpPr>
-        <p:spPr>
-          <a:xfrm>
-            <a:off x="6471304" y="4331142"/>
-            <a:ext cx="1080000" cy="360000"/>
-          </a:xfrm>
-          <a:prstGeom prst="rect">
-            <a:avLst/>
-          </a:prstGeom>
-          <a:solidFill>
-            <a:schemeClr val="tx2">
-              <a:lumMod val="60000"/>
-              <a:lumOff val="40000"/>
-            </a:schemeClr>
-          </a:solidFill>
-          <a:ln>
-            <a:noFill/>
-          </a:ln>
-          <a:effectLst>
-            <a:outerShdw blurRad="57150" dist="19050" dir="5400000" algn="ctr" rotWithShape="0">
-              <a:srgbClr val="000000">
-                <a:alpha val="63000"/>
-              </a:srgbClr>
-            </a:outerShdw>
-            <a:softEdge rad="0"/>
-          </a:effectLst>
-        </p:spPr>
-        <p:style>
-          <a:lnRef idx="0">
-            <a:schemeClr val="accent5"/>
-          </a:lnRef>
-          <a:fillRef idx="3">
-            <a:schemeClr val="accent5"/>
-          </a:fillRef>
-          <a:effectRef idx="3">
-            <a:schemeClr val="accent5"/>
-          </a:effectRef>
-          <a:fontRef idx="minor">
-            <a:schemeClr val="lt1"/>
-          </a:fontRef>
-        </p:style>
-        <p:txBody>
-          <a:bodyPr wrap="none" rtlCol="0" anchor="ctr">
-            <a:spAutoFit/>
-          </a:bodyPr>
-          <a:lstStyle/>
-          <a:p>
-            <a:pPr algn="ctr"/>
-            <a:r>
-              <a:rPr lang="zh-TW" altLang="en-US" sz="1600" dirty="0" smtClean="0">
-                <a:solidFill>
-                  <a:schemeClr val="bg1"/>
-                </a:solidFill>
-                <a:latin typeface="華康中圓體" panose="020F0509000000000000" pitchFamily="49" charset="-120"/>
-                <a:ea typeface="華康中圓體" panose="020F0509000000000000" pitchFamily="49" charset="-120"/>
-              </a:rPr>
-              <a:t>會員報名</a:t>
-            </a:r>
-            <a:endParaRPr lang="en-US" altLang="zh-TW" sz="1600" dirty="0" smtClean="0">
-              <a:solidFill>
-                <a:schemeClr val="bg1"/>
-              </a:solidFill>
-              <a:latin typeface="華康中圓體" panose="020F0509000000000000" pitchFamily="49" charset="-120"/>
-              <a:ea typeface="華康中圓體" panose="020F0509000000000000" pitchFamily="49" charset="-120"/>
-            </a:endParaRPr>
-          </a:p>
-        </p:txBody>
-      </p:sp>
-      <p:cxnSp>
-        <p:nvCxnSpPr>
-          <p:cNvPr id="127" name="直線單箭頭接點 126"/>
-          <p:cNvCxnSpPr/>
-          <p:nvPr/>
-        </p:nvCxnSpPr>
-        <p:spPr>
-          <a:xfrm>
-            <a:off x="6103284" y="4491281"/>
-            <a:ext cx="360000" cy="0"/>
-          </a:xfrm>
-          <a:prstGeom prst="straightConnector1">
-            <a:avLst/>
-          </a:prstGeom>
-          <a:ln w="12700">
-            <a:solidFill>
-              <a:schemeClr val="tx1"/>
-            </a:solidFill>
-            <a:tailEnd type="triangle"/>
-          </a:ln>
-        </p:spPr>
-        <p:style>
-          <a:lnRef idx="1">
-            <a:schemeClr val="accent1"/>
-          </a:lnRef>
-          <a:fillRef idx="0">
-            <a:schemeClr val="accent1"/>
-          </a:fillRef>
-          <a:effectRef idx="0">
-            <a:schemeClr val="accent1"/>
-          </a:effectRef>
-          <a:fontRef idx="minor">
-            <a:schemeClr val="tx1"/>
-          </a:fontRef>
-        </p:style>
-      </p:cxnSp>
-      <p:sp>
-        <p:nvSpPr>
-          <p:cNvPr id="132" name="文字方塊 131"/>
-          <p:cNvSpPr txBox="1"/>
-          <p:nvPr/>
-        </p:nvSpPr>
-        <p:spPr>
-          <a:xfrm>
-            <a:off x="3518439" y="4872434"/>
-            <a:ext cx="1080000" cy="360000"/>
-          </a:xfrm>
-          <a:prstGeom prst="rect">
-            <a:avLst/>
-          </a:prstGeom>
-          <a:solidFill>
-            <a:schemeClr val="accent6">
-              <a:lumMod val="60000"/>
-              <a:lumOff val="40000"/>
-            </a:schemeClr>
-          </a:solidFill>
-          <a:ln>
-            <a:noFill/>
-          </a:ln>
-          <a:effectLst>
-            <a:outerShdw blurRad="57150" dist="19050" dir="5400000" algn="ctr" rotWithShape="0">
-              <a:srgbClr val="000000">
-                <a:alpha val="63000"/>
-              </a:srgbClr>
-            </a:outerShdw>
-            <a:softEdge rad="0"/>
-          </a:effectLst>
-        </p:spPr>
-        <p:style>
-          <a:lnRef idx="0">
-            <a:schemeClr val="accent5"/>
-          </a:lnRef>
-          <a:fillRef idx="3">
-            <a:schemeClr val="accent5"/>
-          </a:fillRef>
-          <a:effectRef idx="3">
-            <a:schemeClr val="accent5"/>
-          </a:effectRef>
-          <a:fontRef idx="minor">
-            <a:schemeClr val="lt1"/>
-          </a:fontRef>
-        </p:style>
-        <p:txBody>
-          <a:bodyPr wrap="none" rtlCol="0" anchor="ctr">
-            <a:spAutoFit/>
-          </a:bodyPr>
-          <a:lstStyle/>
-          <a:p>
-            <a:pPr algn="ctr"/>
-            <a:r>
-              <a:rPr lang="zh-TW" altLang="en-US" sz="1600" dirty="0" smtClean="0">
-                <a:solidFill>
-                  <a:schemeClr val="bg1"/>
-                </a:solidFill>
-                <a:latin typeface="華康中圓體" panose="020F0509000000000000" pitchFamily="49" charset="-120"/>
-                <a:ea typeface="華康中圓體" panose="020F0509000000000000" pitchFamily="49" charset="-120"/>
-              </a:rPr>
-              <a:t>購買資訊</a:t>
-            </a:r>
-            <a:endParaRPr lang="en-US" altLang="zh-TW" sz="1600" dirty="0" smtClean="0">
-              <a:solidFill>
-                <a:schemeClr val="bg1"/>
-              </a:solidFill>
-              <a:latin typeface="華康中圓體" panose="020F0509000000000000" pitchFamily="49" charset="-120"/>
-              <a:ea typeface="華康中圓體" panose="020F0509000000000000" pitchFamily="49" charset="-120"/>
-            </a:endParaRPr>
-          </a:p>
-        </p:txBody>
-      </p:sp>
-      <p:cxnSp>
-        <p:nvCxnSpPr>
-          <p:cNvPr id="134" name="直線單箭頭接點 133"/>
-          <p:cNvCxnSpPr>
-            <a:stCxn id="42" idx="2"/>
-            <a:endCxn id="132" idx="0"/>
-          </p:cNvCxnSpPr>
-          <p:nvPr/>
-        </p:nvCxnSpPr>
-        <p:spPr>
-          <a:xfrm>
-            <a:off x="4058439" y="4140000"/>
-            <a:ext cx="0" cy="732434"/>
-          </a:xfrm>
-          <a:prstGeom prst="straightConnector1">
-            <a:avLst/>
-          </a:prstGeom>
-          <a:ln w="12700">
-            <a:solidFill>
-              <a:schemeClr val="tx1"/>
-            </a:solidFill>
-            <a:tailEnd type="triangle"/>
-          </a:ln>
-        </p:spPr>
-        <p:style>
-          <a:lnRef idx="1">
-            <a:schemeClr val="accent1"/>
-          </a:lnRef>
-          <a:fillRef idx="0">
-            <a:schemeClr val="accent1"/>
-          </a:fillRef>
-          <a:effectRef idx="0">
-            <a:schemeClr val="accent1"/>
-          </a:effectRef>
-          <a:fontRef idx="minor">
-            <a:schemeClr val="tx1"/>
-          </a:fontRef>
-        </p:style>
-      </p:cxnSp>
-      <p:sp>
-        <p:nvSpPr>
-          <p:cNvPr id="155" name="文字方塊 154"/>
-          <p:cNvSpPr txBox="1"/>
-          <p:nvPr/>
-        </p:nvSpPr>
-        <p:spPr>
-          <a:xfrm>
-            <a:off x="3518439" y="5920562"/>
-            <a:ext cx="1080000" cy="360000"/>
-          </a:xfrm>
-          <a:prstGeom prst="rect">
-            <a:avLst/>
-          </a:prstGeom>
-          <a:solidFill>
-            <a:schemeClr val="accent6">
-              <a:lumMod val="60000"/>
-              <a:lumOff val="40000"/>
-            </a:schemeClr>
-          </a:solidFill>
-          <a:ln>
-            <a:noFill/>
-          </a:ln>
-          <a:effectLst>
-            <a:outerShdw blurRad="57150" dist="19050" dir="5400000" algn="ctr" rotWithShape="0">
-              <a:srgbClr val="000000">
-                <a:alpha val="63000"/>
-              </a:srgbClr>
-            </a:outerShdw>
-            <a:softEdge rad="0"/>
-          </a:effectLst>
-        </p:spPr>
-        <p:style>
-          <a:lnRef idx="0">
-            <a:schemeClr val="accent5"/>
-          </a:lnRef>
-          <a:fillRef idx="3">
-            <a:schemeClr val="accent5"/>
-          </a:fillRef>
-          <a:effectRef idx="3">
-            <a:schemeClr val="accent5"/>
-          </a:effectRef>
-          <a:fontRef idx="minor">
-            <a:schemeClr val="lt1"/>
-          </a:fontRef>
-        </p:style>
-        <p:txBody>
-          <a:bodyPr wrap="none" rtlCol="0" anchor="ctr">
-            <a:spAutoFit/>
-          </a:bodyPr>
-          <a:lstStyle/>
-          <a:p>
-            <a:pPr algn="ctr"/>
-            <a:r>
-              <a:rPr lang="zh-TW" altLang="en-US" sz="1600" dirty="0" smtClean="0">
-                <a:solidFill>
-                  <a:schemeClr val="bg1"/>
-                </a:solidFill>
-                <a:latin typeface="華康中圓體" panose="020F0509000000000000" pitchFamily="49" charset="-120"/>
-                <a:ea typeface="華康中圓體" panose="020F0509000000000000" pitchFamily="49" charset="-120"/>
-              </a:rPr>
-              <a:t>完成交易</a:t>
-            </a:r>
-            <a:endParaRPr lang="en-US" altLang="zh-TW" sz="1600" dirty="0" smtClean="0">
-              <a:solidFill>
-                <a:schemeClr val="bg1"/>
-              </a:solidFill>
-              <a:latin typeface="華康中圓體" panose="020F0509000000000000" pitchFamily="49" charset="-120"/>
-              <a:ea typeface="華康中圓體" panose="020F0509000000000000" pitchFamily="49" charset="-120"/>
-            </a:endParaRPr>
-          </a:p>
-        </p:txBody>
-      </p:sp>
-      <p:cxnSp>
-        <p:nvCxnSpPr>
-          <p:cNvPr id="156" name="直線單箭頭接點 155"/>
-          <p:cNvCxnSpPr>
-            <a:endCxn id="155" idx="0"/>
-          </p:cNvCxnSpPr>
-          <p:nvPr/>
-        </p:nvCxnSpPr>
-        <p:spPr>
-          <a:xfrm flipH="1">
-            <a:off x="4058439" y="5239962"/>
-            <a:ext cx="3973" cy="680600"/>
-          </a:xfrm>
-          <a:prstGeom prst="straightConnector1">
-            <a:avLst/>
-          </a:prstGeom>
-          <a:ln w="12700">
-            <a:solidFill>
-              <a:schemeClr val="tx1"/>
-            </a:solidFill>
-            <a:tailEnd type="triangle"/>
-          </a:ln>
-        </p:spPr>
-        <p:style>
-          <a:lnRef idx="1">
-            <a:schemeClr val="accent1"/>
-          </a:lnRef>
-          <a:fillRef idx="0">
-            <a:schemeClr val="accent1"/>
-          </a:fillRef>
-          <a:effectRef idx="0">
-            <a:schemeClr val="accent1"/>
-          </a:effectRef>
-          <a:fontRef idx="minor">
-            <a:schemeClr val="tx1"/>
-          </a:fontRef>
-        </p:style>
-      </p:cxnSp>
-      <p:sp>
-        <p:nvSpPr>
-          <p:cNvPr id="169" name="文字方塊 168"/>
-          <p:cNvSpPr txBox="1"/>
-          <p:nvPr/>
-        </p:nvSpPr>
-        <p:spPr>
-          <a:xfrm>
-            <a:off x="5559022" y="5396498"/>
-            <a:ext cx="1080000" cy="360000"/>
-          </a:xfrm>
-          <a:prstGeom prst="rect">
-            <a:avLst/>
-          </a:prstGeom>
-          <a:solidFill>
-            <a:schemeClr val="tx2">
-              <a:lumMod val="60000"/>
-              <a:lumOff val="40000"/>
-            </a:schemeClr>
-          </a:solidFill>
-          <a:ln>
-            <a:noFill/>
-          </a:ln>
-          <a:effectLst>
-            <a:outerShdw blurRad="57150" dist="19050" dir="5400000" algn="ctr" rotWithShape="0">
-              <a:srgbClr val="000000">
-                <a:alpha val="63000"/>
-              </a:srgbClr>
-            </a:outerShdw>
-            <a:softEdge rad="0"/>
-          </a:effectLst>
-        </p:spPr>
-        <p:style>
-          <a:lnRef idx="0">
-            <a:schemeClr val="accent5"/>
-          </a:lnRef>
-          <a:fillRef idx="3">
-            <a:schemeClr val="accent5"/>
-          </a:fillRef>
-          <a:effectRef idx="3">
-            <a:schemeClr val="accent5"/>
-          </a:effectRef>
-          <a:fontRef idx="minor">
-            <a:schemeClr val="lt1"/>
-          </a:fontRef>
-        </p:style>
-        <p:txBody>
-          <a:bodyPr wrap="none" rtlCol="0" anchor="ctr">
-            <a:spAutoFit/>
-          </a:bodyPr>
-          <a:lstStyle/>
-          <a:p>
-            <a:pPr algn="ctr"/>
-            <a:r>
-              <a:rPr lang="zh-TW" altLang="en-US" sz="1600" dirty="0" smtClean="0">
-                <a:solidFill>
-                  <a:schemeClr val="bg1"/>
-                </a:solidFill>
-                <a:latin typeface="華康中圓體" panose="020F0509000000000000" pitchFamily="49" charset="-120"/>
-                <a:ea typeface="華康中圓體" panose="020F0509000000000000" pitchFamily="49" charset="-120"/>
-              </a:rPr>
-              <a:t>報名資訊</a:t>
-            </a:r>
-            <a:endParaRPr lang="en-US" altLang="zh-TW" sz="1600" dirty="0" smtClean="0">
-              <a:solidFill>
-                <a:schemeClr val="bg1"/>
-              </a:solidFill>
-              <a:latin typeface="華康中圓體" panose="020F0509000000000000" pitchFamily="49" charset="-120"/>
-              <a:ea typeface="華康中圓體" panose="020F0509000000000000" pitchFamily="49" charset="-120"/>
-            </a:endParaRPr>
-          </a:p>
-        </p:txBody>
-      </p:sp>
-      <p:sp>
-        <p:nvSpPr>
-          <p:cNvPr id="170" name="文字方塊 169"/>
-          <p:cNvSpPr txBox="1"/>
-          <p:nvPr/>
-        </p:nvSpPr>
-        <p:spPr>
-          <a:xfrm>
-            <a:off x="5559022" y="5916214"/>
-            <a:ext cx="1080000" cy="360000"/>
-          </a:xfrm>
-          <a:prstGeom prst="rect">
-            <a:avLst/>
-          </a:prstGeom>
-          <a:solidFill>
-            <a:schemeClr val="tx2">
-              <a:lumMod val="60000"/>
-              <a:lumOff val="40000"/>
-            </a:schemeClr>
-          </a:solidFill>
-          <a:ln>
-            <a:noFill/>
-          </a:ln>
-          <a:effectLst>
-            <a:outerShdw blurRad="57150" dist="19050" dir="5400000" algn="ctr" rotWithShape="0">
-              <a:srgbClr val="000000">
-                <a:alpha val="63000"/>
-              </a:srgbClr>
-            </a:outerShdw>
-            <a:softEdge rad="0"/>
-          </a:effectLst>
-        </p:spPr>
-        <p:style>
-          <a:lnRef idx="0">
-            <a:schemeClr val="accent5"/>
-          </a:lnRef>
-          <a:fillRef idx="3">
-            <a:schemeClr val="accent5"/>
-          </a:fillRef>
-          <a:effectRef idx="3">
-            <a:schemeClr val="accent5"/>
-          </a:effectRef>
-          <a:fontRef idx="minor">
-            <a:schemeClr val="lt1"/>
-          </a:fontRef>
-        </p:style>
-        <p:txBody>
-          <a:bodyPr wrap="none" rtlCol="0" anchor="ctr">
-            <a:spAutoFit/>
-          </a:bodyPr>
-          <a:lstStyle/>
-          <a:p>
-            <a:pPr algn="ctr"/>
-            <a:r>
-              <a:rPr lang="zh-TW" altLang="en-US" sz="1600" dirty="0" smtClean="0">
-                <a:solidFill>
-                  <a:schemeClr val="bg1"/>
-                </a:solidFill>
-                <a:latin typeface="華康中圓體" panose="020F0509000000000000" pitchFamily="49" charset="-120"/>
-                <a:ea typeface="華康中圓體" panose="020F0509000000000000" pitchFamily="49" charset="-120"/>
-              </a:rPr>
-              <a:t>報名完成</a:t>
-            </a:r>
-            <a:endParaRPr lang="en-US" altLang="zh-TW" sz="1600" dirty="0" smtClean="0">
-              <a:solidFill>
-                <a:schemeClr val="bg1"/>
-              </a:solidFill>
-              <a:latin typeface="華康中圓體" panose="020F0509000000000000" pitchFamily="49" charset="-120"/>
-              <a:ea typeface="華康中圓體" panose="020F0509000000000000" pitchFamily="49" charset="-120"/>
-            </a:endParaRPr>
-          </a:p>
-        </p:txBody>
-      </p:sp>
-      <p:cxnSp>
-        <p:nvCxnSpPr>
-          <p:cNvPr id="171" name="肘形接點 170"/>
-          <p:cNvCxnSpPr>
-            <a:endCxn id="169" idx="3"/>
-          </p:cNvCxnSpPr>
-          <p:nvPr/>
-        </p:nvCxnSpPr>
-        <p:spPr>
-          <a:xfrm rot="5400000">
-            <a:off x="6492783" y="4837383"/>
-            <a:ext cx="885354" cy="592876"/>
-          </a:xfrm>
-          <a:prstGeom prst="bentConnector2">
-            <a:avLst/>
-          </a:prstGeom>
-          <a:ln w="12700">
-            <a:solidFill>
-              <a:schemeClr val="tx1"/>
-            </a:solidFill>
-            <a:tailEnd type="triangle"/>
-          </a:ln>
-        </p:spPr>
-        <p:style>
-          <a:lnRef idx="1">
-            <a:schemeClr val="accent1"/>
-          </a:lnRef>
-          <a:fillRef idx="0">
-            <a:schemeClr val="accent1"/>
-          </a:fillRef>
-          <a:effectRef idx="0">
-            <a:schemeClr val="accent1"/>
-          </a:effectRef>
-          <a:fontRef idx="minor">
-            <a:schemeClr val="tx1"/>
-          </a:fontRef>
-        </p:style>
-      </p:cxnSp>
-      <p:cxnSp>
-        <p:nvCxnSpPr>
-          <p:cNvPr id="174" name="直線單箭頭接點 173"/>
-          <p:cNvCxnSpPr>
-            <a:stCxn id="169" idx="2"/>
-            <a:endCxn id="170" idx="0"/>
-          </p:cNvCxnSpPr>
-          <p:nvPr/>
-        </p:nvCxnSpPr>
-        <p:spPr>
-          <a:xfrm>
-            <a:off x="6099022" y="5756498"/>
-            <a:ext cx="0" cy="159716"/>
-          </a:xfrm>
-          <a:prstGeom prst="straightConnector1">
-            <a:avLst/>
-          </a:prstGeom>
-          <a:ln w="12700">
-            <a:solidFill>
-              <a:schemeClr val="tx1"/>
-            </a:solidFill>
-            <a:tailEnd type="triangle"/>
-          </a:ln>
-        </p:spPr>
-        <p:style>
-          <a:lnRef idx="1">
-            <a:schemeClr val="accent1"/>
-          </a:lnRef>
-          <a:fillRef idx="0">
-            <a:schemeClr val="accent1"/>
-          </a:fillRef>
-          <a:effectRef idx="0">
-            <a:schemeClr val="accent1"/>
-          </a:effectRef>
-          <a:fontRef idx="minor">
-            <a:schemeClr val="tx1"/>
-          </a:fontRef>
-        </p:style>
-      </p:cxnSp>
-    </p:spTree>
-    <p:extLst>
-      <p:ext uri="{BB962C8B-B14F-4D97-AF65-F5344CB8AC3E}">
-        <p14:creationId xmlns:p14="http://schemas.microsoft.com/office/powerpoint/2010/main" val="2684142531"/>
       </p:ext>
     </p:extLst>
   </p:cSld>
@@ -13505,6 +10972,187 @@
           </a:p>
         </p:txBody>
       </p:sp>
+      <p:sp>
+        <p:nvSpPr>
+          <p:cNvPr id="2" name="文字方塊 1"/>
+          <p:cNvSpPr txBox="1"/>
+          <p:nvPr/>
+        </p:nvSpPr>
+        <p:spPr>
+          <a:xfrm>
+            <a:off x="988145" y="2160000"/>
+            <a:ext cx="800219" cy="461665"/>
+          </a:xfrm>
+          <a:prstGeom prst="rect">
+            <a:avLst/>
+          </a:prstGeom>
+          <a:noFill/>
+        </p:spPr>
+        <p:txBody>
+          <a:bodyPr wrap="none" rtlCol="0">
+            <a:spAutoFit/>
+          </a:bodyPr>
+          <a:lstStyle/>
+          <a:p>
+            <a:r>
+              <a:rPr lang="zh-TW" altLang="en-US" sz="2400" dirty="0" smtClean="0">
+                <a:latin typeface="華康中特圓體" panose="020F0809000000000000" pitchFamily="49" charset="-120"/>
+                <a:ea typeface="華康中特圓體" panose="020F0809000000000000" pitchFamily="49" charset="-120"/>
+              </a:rPr>
+              <a:t>主色</a:t>
+            </a:r>
+            <a:endParaRPr lang="zh-TW" altLang="en-US" sz="2400" dirty="0">
+              <a:latin typeface="華康中特圓體" panose="020F0809000000000000" pitchFamily="49" charset="-120"/>
+              <a:ea typeface="華康中特圓體" panose="020F0809000000000000" pitchFamily="49" charset="-120"/>
+            </a:endParaRPr>
+          </a:p>
+        </p:txBody>
+      </p:sp>
+      <p:sp>
+        <p:nvSpPr>
+          <p:cNvPr id="3" name="文字方塊 2"/>
+          <p:cNvSpPr txBox="1"/>
+          <p:nvPr/>
+        </p:nvSpPr>
+        <p:spPr>
+          <a:xfrm>
+            <a:off x="988144" y="4320000"/>
+            <a:ext cx="800219" cy="461665"/>
+          </a:xfrm>
+          <a:prstGeom prst="rect">
+            <a:avLst/>
+          </a:prstGeom>
+          <a:noFill/>
+        </p:spPr>
+        <p:txBody>
+          <a:bodyPr wrap="none" rtlCol="0">
+            <a:spAutoFit/>
+          </a:bodyPr>
+          <a:lstStyle/>
+          <a:p>
+            <a:r>
+              <a:rPr lang="zh-TW" altLang="en-US" sz="2400" dirty="0" smtClean="0">
+                <a:latin typeface="華康中特圓體" panose="020F0809000000000000" pitchFamily="49" charset="-120"/>
+                <a:ea typeface="華康中特圓體" panose="020F0809000000000000" pitchFamily="49" charset="-120"/>
+              </a:rPr>
+              <a:t>輔色</a:t>
+            </a:r>
+            <a:endParaRPr lang="en-US" altLang="zh-TW" sz="2400" dirty="0" smtClean="0">
+              <a:latin typeface="華康中特圓體" panose="020F0809000000000000" pitchFamily="49" charset="-120"/>
+              <a:ea typeface="華康中特圓體" panose="020F0809000000000000" pitchFamily="49" charset="-120"/>
+            </a:endParaRPr>
+          </a:p>
+        </p:txBody>
+      </p:sp>
+      <p:sp>
+        <p:nvSpPr>
+          <p:cNvPr id="4" name="文字方塊 3"/>
+          <p:cNvSpPr txBox="1"/>
+          <p:nvPr/>
+        </p:nvSpPr>
+        <p:spPr>
+          <a:xfrm>
+            <a:off x="6840000" y="2160000"/>
+            <a:ext cx="800219" cy="461665"/>
+          </a:xfrm>
+          <a:prstGeom prst="rect">
+            <a:avLst/>
+          </a:prstGeom>
+          <a:noFill/>
+        </p:spPr>
+        <p:txBody>
+          <a:bodyPr wrap="none" rtlCol="0">
+            <a:spAutoFit/>
+          </a:bodyPr>
+          <a:lstStyle/>
+          <a:p>
+            <a:r>
+              <a:rPr lang="zh-TW" altLang="en-US" sz="2400" dirty="0" smtClean="0">
+                <a:latin typeface="華康中特圓體" panose="020F0809000000000000" pitchFamily="49" charset="-120"/>
+                <a:ea typeface="華康中特圓體" panose="020F0809000000000000" pitchFamily="49" charset="-120"/>
+              </a:rPr>
+              <a:t>中文</a:t>
+            </a:r>
+            <a:endParaRPr lang="zh-TW" altLang="en-US" sz="2400" dirty="0">
+              <a:latin typeface="華康中特圓體" panose="020F0809000000000000" pitchFamily="49" charset="-120"/>
+              <a:ea typeface="華康中特圓體" panose="020F0809000000000000" pitchFamily="49" charset="-120"/>
+            </a:endParaRPr>
+          </a:p>
+        </p:txBody>
+      </p:sp>
+      <p:sp>
+        <p:nvSpPr>
+          <p:cNvPr id="5" name="文字方塊 4"/>
+          <p:cNvSpPr txBox="1"/>
+          <p:nvPr/>
+        </p:nvSpPr>
+        <p:spPr>
+          <a:xfrm>
+            <a:off x="6840000" y="4320000"/>
+            <a:ext cx="800219" cy="461665"/>
+          </a:xfrm>
+          <a:prstGeom prst="rect">
+            <a:avLst/>
+          </a:prstGeom>
+          <a:noFill/>
+        </p:spPr>
+        <p:txBody>
+          <a:bodyPr wrap="none" rtlCol="0">
+            <a:spAutoFit/>
+          </a:bodyPr>
+          <a:lstStyle/>
+          <a:p>
+            <a:r>
+              <a:rPr lang="zh-TW" altLang="en-US" sz="2400" dirty="0" smtClean="0">
+                <a:latin typeface="華康中特圓體" panose="020F0809000000000000" pitchFamily="49" charset="-120"/>
+                <a:ea typeface="華康中特圓體" panose="020F0809000000000000" pitchFamily="49" charset="-120"/>
+              </a:rPr>
+              <a:t>英文</a:t>
+            </a:r>
+            <a:endParaRPr lang="zh-TW" altLang="en-US" sz="2400" dirty="0">
+              <a:latin typeface="華康中特圓體" panose="020F0809000000000000" pitchFamily="49" charset="-120"/>
+              <a:ea typeface="華康中特圓體" panose="020F0809000000000000" pitchFamily="49" charset="-120"/>
+            </a:endParaRPr>
+          </a:p>
+        </p:txBody>
+      </p:sp>
+      <p:cxnSp>
+        <p:nvCxnSpPr>
+          <p:cNvPr id="7" name="直線接點 6"/>
+          <p:cNvCxnSpPr/>
+          <p:nvPr/>
+        </p:nvCxnSpPr>
+        <p:spPr>
+          <a:xfrm>
+            <a:off x="6096000" y="2160000"/>
+            <a:ext cx="0" cy="2823883"/>
+          </a:xfrm>
+          <a:prstGeom prst="line">
+            <a:avLst/>
+          </a:prstGeom>
+          <a:ln>
+            <a:solidFill>
+              <a:schemeClr val="bg1">
+                <a:lumMod val="75000"/>
+              </a:schemeClr>
+            </a:solidFill>
+          </a:ln>
+        </p:spPr>
+        <p:style>
+          <a:lnRef idx="1">
+            <a:schemeClr val="accent1"/>
+          </a:lnRef>
+          <a:fillRef idx="0">
+            <a:schemeClr val="accent1"/>
+          </a:fillRef>
+          <a:effectRef idx="0">
+            <a:schemeClr val="accent1"/>
+          </a:effectRef>
+          <a:fontRef idx="minor">
+            <a:schemeClr val="tx1"/>
+          </a:fontRef>
+        </p:style>
+      </p:cxnSp>
     </p:spTree>
     <p:extLst>
       <p:ext uri="{BB962C8B-B14F-4D97-AF65-F5344CB8AC3E}">
@@ -15234,7 +12882,7 @@
         </p:style>
         <p:txBody>
           <a:bodyPr wrap="none" rtlCol="0" anchor="ctr">
-            <a:spAutoFit/>
+            <a:noAutofit/>
           </a:bodyPr>
           <a:lstStyle/>
           <a:p>
@@ -15247,7 +12895,7 @@
                 <a:latin typeface="華康中圓體" panose="020F0509000000000000" pitchFamily="49" charset="-120"/>
                 <a:ea typeface="華康中圓體" panose="020F0509000000000000" pitchFamily="49" charset="-120"/>
               </a:rPr>
-              <a:t>線上客服</a:t>
+              <a:t>問與答</a:t>
             </a:r>
             <a:endParaRPr lang="en-US" altLang="zh-TW" sz="1600" dirty="0" smtClean="0">
               <a:solidFill>
@@ -16578,7 +14226,7 @@
         <p:spPr>
           <a:xfrm>
             <a:off x="270000" y="270000"/>
-            <a:ext cx="2242922" cy="707886"/>
+            <a:ext cx="1210588" cy="707886"/>
           </a:xfrm>
           <a:prstGeom prst="rect">
             <a:avLst/>
@@ -16599,11 +14247,11 @@
           <a:lstStyle/>
           <a:p>
             <a:r>
-              <a:rPr lang="en-US" altLang="zh-TW" sz="4000" dirty="0" smtClean="0">
+              <a:rPr lang="zh-TW" altLang="en-US" sz="4000" smtClean="0">
                 <a:latin typeface="Segoe UI Black" panose="020B0A02040204020203" pitchFamily="34" charset="0"/>
                 <a:ea typeface="Segoe UI Black" panose="020B0A02040204020203" pitchFamily="34" charset="0"/>
               </a:rPr>
-              <a:t>Sitemap</a:t>
+              <a:t>廢棄</a:t>
             </a:r>
             <a:endParaRPr lang="zh-TW" altLang="en-US" sz="4000" dirty="0">
               <a:latin typeface="Segoe UI Black" panose="020B0A02040204020203" pitchFamily="34" charset="0"/>
@@ -19882,6 +17530,96 @@
           </a:fontRef>
         </p:style>
       </p:cxnSp>
+      <p:sp>
+        <p:nvSpPr>
+          <p:cNvPr id="2" name="文字方塊 1"/>
+          <p:cNvSpPr txBox="1"/>
+          <p:nvPr/>
+        </p:nvSpPr>
+        <p:spPr>
+          <a:xfrm>
+            <a:off x="4312657" y="973220"/>
+            <a:ext cx="973343" cy="369332"/>
+          </a:xfrm>
+          <a:prstGeom prst="rect">
+            <a:avLst/>
+          </a:prstGeom>
+          <a:noFill/>
+        </p:spPr>
+        <p:txBody>
+          <a:bodyPr wrap="none" rtlCol="0">
+            <a:spAutoFit/>
+          </a:bodyPr>
+          <a:lstStyle/>
+          <a:p>
+            <a:r>
+              <a:rPr lang="en-US" altLang="zh-TW" dirty="0" smtClean="0"/>
+              <a:t>1.5 x 4.5</a:t>
+            </a:r>
+            <a:endParaRPr lang="zh-TW" altLang="en-US" dirty="0"/>
+          </a:p>
+        </p:txBody>
+      </p:sp>
+      <p:sp>
+        <p:nvSpPr>
+          <p:cNvPr id="63" name="文字方塊 62"/>
+          <p:cNvSpPr txBox="1"/>
+          <p:nvPr/>
+        </p:nvSpPr>
+        <p:spPr>
+          <a:xfrm>
+            <a:off x="268936" y="2009168"/>
+            <a:ext cx="1090363" cy="369332"/>
+          </a:xfrm>
+          <a:prstGeom prst="rect">
+            <a:avLst/>
+          </a:prstGeom>
+          <a:noFill/>
+        </p:spPr>
+        <p:txBody>
+          <a:bodyPr wrap="none" rtlCol="0">
+            <a:spAutoFit/>
+          </a:bodyPr>
+          <a:lstStyle/>
+          <a:p>
+            <a:r>
+              <a:rPr lang="en-US" altLang="zh-TW" dirty="0" smtClean="0"/>
+              <a:t>1.25 x 3.5</a:t>
+            </a:r>
+            <a:endParaRPr lang="zh-TW" altLang="en-US" dirty="0"/>
+          </a:p>
+        </p:txBody>
+      </p:sp>
+      <p:sp>
+        <p:nvSpPr>
+          <p:cNvPr id="64" name="文字方塊 63"/>
+          <p:cNvSpPr txBox="1"/>
+          <p:nvPr/>
+        </p:nvSpPr>
+        <p:spPr>
+          <a:xfrm>
+            <a:off x="381477" y="2700000"/>
+            <a:ext cx="973343" cy="369332"/>
+          </a:xfrm>
+          <a:prstGeom prst="rect">
+            <a:avLst/>
+          </a:prstGeom>
+          <a:noFill/>
+        </p:spPr>
+        <p:txBody>
+          <a:bodyPr wrap="none" rtlCol="0">
+            <a:spAutoFit/>
+          </a:bodyPr>
+          <a:lstStyle/>
+          <a:p>
+            <a:r>
+              <a:rPr lang="en-US" altLang="zh-TW" dirty="0" smtClean="0"/>
+              <a:t>1.0 x 3.0</a:t>
+            </a:r>
+            <a:endParaRPr lang="zh-TW" altLang="en-US" dirty="0"/>
+          </a:p>
+        </p:txBody>
+      </p:sp>
     </p:spTree>
     <p:extLst>
       <p:ext uri="{BB962C8B-B14F-4D97-AF65-F5344CB8AC3E}">
@@ -19892,11 +17630,11 @@
   <p:clrMapOvr>
     <a:masterClrMapping/>
   </p:clrMapOvr>
-  <mc:AlternateContent xmlns:mc="http://schemas.openxmlformats.org/markup-compatibility/2006">
-    <mc:Choice xmlns:p14="http://schemas.microsoft.com/office/powerpoint/2010/main" Requires="p14">
+  <mc:AlternateContent xmlns:mc="http://schemas.openxmlformats.org/markup-compatibility/2006" xmlns:p14="http://schemas.microsoft.com/office/powerpoint/2010/main">
+    <mc:Choice Requires="p14">
       <p:transition spd="slow" p14:dur="2000"/>
     </mc:Choice>
-    <mc:Fallback>
+    <mc:Fallback xmlns="">
       <p:transition spd="slow"/>
     </mc:Fallback>
   </mc:AlternateContent>
@@ -20145,7 +17883,7 @@
         <p:spPr>
           <a:xfrm>
             <a:off x="629999" y="1179073"/>
-            <a:ext cx="3236784" cy="738664"/>
+            <a:ext cx="3057247" cy="1061829"/>
           </a:xfrm>
           <a:prstGeom prst="rect">
             <a:avLst/>
@@ -20186,7 +17924,53 @@
                 <a:latin typeface="華康中特圓體" panose="020F0809000000000000" pitchFamily="49" charset="-120"/>
                 <a:ea typeface="華康中特圓體" panose="020F0809000000000000" pitchFamily="49" charset="-120"/>
               </a:rPr>
-              <a:t>　　　　指標移上去會有下拉式選單。</a:t>
+              <a:t>　　　　指標移</a:t>
+            </a:r>
+            <a:r>
+              <a:rPr lang="zh-TW" altLang="en-US" sz="1400" dirty="0" smtClean="0">
+                <a:latin typeface="華康中特圓體" panose="020F0809000000000000" pitchFamily="49" charset="-120"/>
+                <a:ea typeface="華康中特圓體" panose="020F0809000000000000" pitchFamily="49" charset="-120"/>
+              </a:rPr>
+              <a:t>上去有</a:t>
+            </a:r>
+            <a:r>
+              <a:rPr lang="zh-TW" altLang="en-US" sz="1400" dirty="0" smtClean="0">
+                <a:latin typeface="華康中特圓體" panose="020F0809000000000000" pitchFamily="49" charset="-120"/>
+                <a:ea typeface="華康中特圓體" panose="020F0809000000000000" pitchFamily="49" charset="-120"/>
+              </a:rPr>
+              <a:t>下拉式</a:t>
+            </a:r>
+            <a:r>
+              <a:rPr lang="zh-TW" altLang="en-US" sz="1400" dirty="0" smtClean="0">
+                <a:latin typeface="華康中特圓體" panose="020F0809000000000000" pitchFamily="49" charset="-120"/>
+                <a:ea typeface="華康中特圓體" panose="020F0809000000000000" pitchFamily="49" charset="-120"/>
+              </a:rPr>
+              <a:t>選單，</a:t>
+            </a:r>
+            <a:endParaRPr lang="en-US" altLang="zh-TW" sz="1400" dirty="0" smtClean="0">
+              <a:latin typeface="華康中特圓體" panose="020F0809000000000000" pitchFamily="49" charset="-120"/>
+              <a:ea typeface="華康中特圓體" panose="020F0809000000000000" pitchFamily="49" charset="-120"/>
+            </a:endParaRPr>
+          </a:p>
+          <a:p>
+            <a:pPr>
+              <a:lnSpc>
+                <a:spcPct val="150000"/>
+              </a:lnSpc>
+            </a:pPr>
+            <a:r>
+              <a:rPr lang="zh-TW" altLang="en-US" sz="1400" dirty="0" smtClean="0">
+                <a:latin typeface="華康中特圓體" panose="020F0809000000000000" pitchFamily="49" charset="-120"/>
+                <a:ea typeface="華康中特圓體" panose="020F0809000000000000" pitchFamily="49" charset="-120"/>
+              </a:rPr>
+              <a:t>　　　　同時顯示當前頁面位置</a:t>
+            </a:r>
+            <a:r>
+              <a:rPr lang="zh-TW" altLang="en-US" sz="1400" dirty="0" smtClean="0">
+                <a:latin typeface="華康中特圓體" panose="020F0809000000000000" pitchFamily="49" charset="-120"/>
+                <a:ea typeface="華康中特圓體" panose="020F0809000000000000" pitchFamily="49" charset="-120"/>
+              </a:rPr>
+              <a:t>。</a:t>
             </a:r>
             <a:endParaRPr lang="zh-TW" altLang="en-US" sz="1400" dirty="0">
               <a:latin typeface="華康中特圓體" panose="020F0809000000000000" pitchFamily="49" charset="-120"/>
@@ -20263,7 +18047,7 @@
         </p:nvSpPr>
         <p:spPr>
           <a:xfrm>
-            <a:off x="360000" y="1980000"/>
+            <a:off x="356891" y="2268888"/>
             <a:ext cx="270000" cy="270000"/>
           </a:xfrm>
           <a:prstGeom prst="ellipse">
@@ -20315,7 +18099,7 @@
         </p:nvSpPr>
         <p:spPr>
           <a:xfrm>
-            <a:off x="630000" y="1980000"/>
+            <a:off x="626891" y="2268888"/>
             <a:ext cx="3057247" cy="307777"/>
           </a:xfrm>
           <a:prstGeom prst="rect">
@@ -20590,7 +18374,7 @@
         </p:nvSpPr>
         <p:spPr>
           <a:xfrm>
-            <a:off x="360000" y="2448664"/>
+            <a:off x="356891" y="2737552"/>
             <a:ext cx="270000" cy="270000"/>
           </a:xfrm>
           <a:prstGeom prst="ellipse">
@@ -20646,7 +18430,7 @@
         </p:nvSpPr>
         <p:spPr>
           <a:xfrm>
-            <a:off x="629999" y="2363891"/>
+            <a:off x="626890" y="2652779"/>
             <a:ext cx="2877711" cy="738664"/>
           </a:xfrm>
           <a:prstGeom prst="rect">
@@ -20772,7 +18556,7 @@
         </p:nvSpPr>
         <p:spPr>
           <a:xfrm>
-            <a:off x="365522" y="3149776"/>
+            <a:off x="362413" y="3438664"/>
             <a:ext cx="270000" cy="270000"/>
           </a:xfrm>
           <a:prstGeom prst="ellipse">
@@ -20828,7 +18612,7 @@
         </p:nvSpPr>
         <p:spPr>
           <a:xfrm>
-            <a:off x="635521" y="3149776"/>
+            <a:off x="632412" y="3438664"/>
             <a:ext cx="3416320" cy="307777"/>
           </a:xfrm>
           <a:prstGeom prst="rect">
@@ -20924,7 +18708,7 @@
         </p:nvSpPr>
         <p:spPr>
           <a:xfrm>
-            <a:off x="360000" y="3600000"/>
+            <a:off x="356891" y="3888888"/>
             <a:ext cx="270000" cy="270000"/>
           </a:xfrm>
           <a:prstGeom prst="ellipse">
@@ -20980,7 +18764,7 @@
         </p:nvSpPr>
         <p:spPr>
           <a:xfrm>
-            <a:off x="629999" y="3505468"/>
+            <a:off x="626890" y="3794356"/>
             <a:ext cx="2698175" cy="738664"/>
           </a:xfrm>
           <a:prstGeom prst="rect">
@@ -21730,10 +19514,6 @@
               </a:rPr>
               <a:t>圖片輪播：複數圖片進行輪流切換。</a:t>
             </a:r>
-            <a:endParaRPr lang="zh-TW" altLang="en-US" sz="1400" dirty="0">
-              <a:latin typeface="華康中特圓體" panose="020F0809000000000000" pitchFamily="49" charset="-120"/>
-              <a:ea typeface="華康中特圓體" panose="020F0809000000000000" pitchFamily="49" charset="-120"/>
-            </a:endParaRPr>
           </a:p>
         </p:txBody>
       </p:sp>
@@ -22169,10 +19949,6 @@
               </a:rPr>
               <a:t>裡的圖片。</a:t>
             </a:r>
-            <a:endParaRPr lang="zh-TW" altLang="en-US" sz="1400" dirty="0">
-              <a:latin typeface="華康中特圓體" panose="020F0809000000000000" pitchFamily="49" charset="-120"/>
-              <a:ea typeface="華康中特圓體" panose="020F0809000000000000" pitchFamily="49" charset="-120"/>
-            </a:endParaRPr>
           </a:p>
         </p:txBody>
       </p:sp>

--- a/個人作品報告.pptx
+++ b/個人作品報告.pptx
@@ -256,7 +256,7 @@
           <a:p>
             <a:fld id="{8266958A-3F71-4CB8-A776-423E021826CD}" type="datetimeFigureOut">
               <a:rPr lang="zh-TW" altLang="en-US" smtClean="0"/>
-              <a:t>2020/1/8</a:t>
+              <a:t>2020/1/9</a:t>
             </a:fld>
             <a:endParaRPr lang="zh-TW" altLang="en-US"/>
           </a:p>
@@ -426,7 +426,7 @@
           <a:p>
             <a:fld id="{8266958A-3F71-4CB8-A776-423E021826CD}" type="datetimeFigureOut">
               <a:rPr lang="zh-TW" altLang="en-US" smtClean="0"/>
-              <a:t>2020/1/8</a:t>
+              <a:t>2020/1/9</a:t>
             </a:fld>
             <a:endParaRPr lang="zh-TW" altLang="en-US"/>
           </a:p>
@@ -606,7 +606,7 @@
           <a:p>
             <a:fld id="{8266958A-3F71-4CB8-A776-423E021826CD}" type="datetimeFigureOut">
               <a:rPr lang="zh-TW" altLang="en-US" smtClean="0"/>
-              <a:t>2020/1/8</a:t>
+              <a:t>2020/1/9</a:t>
             </a:fld>
             <a:endParaRPr lang="zh-TW" altLang="en-US"/>
           </a:p>
@@ -776,7 +776,7 @@
           <a:p>
             <a:fld id="{8266958A-3F71-4CB8-A776-423E021826CD}" type="datetimeFigureOut">
               <a:rPr lang="zh-TW" altLang="en-US" smtClean="0"/>
-              <a:t>2020/1/8</a:t>
+              <a:t>2020/1/9</a:t>
             </a:fld>
             <a:endParaRPr lang="zh-TW" altLang="en-US"/>
           </a:p>
@@ -1022,7 +1022,7 @@
           <a:p>
             <a:fld id="{8266958A-3F71-4CB8-A776-423E021826CD}" type="datetimeFigureOut">
               <a:rPr lang="zh-TW" altLang="en-US" smtClean="0"/>
-              <a:t>2020/1/8</a:t>
+              <a:t>2020/1/9</a:t>
             </a:fld>
             <a:endParaRPr lang="zh-TW" altLang="en-US"/>
           </a:p>
@@ -1254,7 +1254,7 @@
           <a:p>
             <a:fld id="{8266958A-3F71-4CB8-A776-423E021826CD}" type="datetimeFigureOut">
               <a:rPr lang="zh-TW" altLang="en-US" smtClean="0"/>
-              <a:t>2020/1/8</a:t>
+              <a:t>2020/1/9</a:t>
             </a:fld>
             <a:endParaRPr lang="zh-TW" altLang="en-US"/>
           </a:p>
@@ -1621,7 +1621,7 @@
           <a:p>
             <a:fld id="{8266958A-3F71-4CB8-A776-423E021826CD}" type="datetimeFigureOut">
               <a:rPr lang="zh-TW" altLang="en-US" smtClean="0"/>
-              <a:t>2020/1/8</a:t>
+              <a:t>2020/1/9</a:t>
             </a:fld>
             <a:endParaRPr lang="zh-TW" altLang="en-US"/>
           </a:p>
@@ -1739,7 +1739,7 @@
           <a:p>
             <a:fld id="{8266958A-3F71-4CB8-A776-423E021826CD}" type="datetimeFigureOut">
               <a:rPr lang="zh-TW" altLang="en-US" smtClean="0"/>
-              <a:t>2020/1/8</a:t>
+              <a:t>2020/1/9</a:t>
             </a:fld>
             <a:endParaRPr lang="zh-TW" altLang="en-US"/>
           </a:p>
@@ -1834,7 +1834,7 @@
           <a:p>
             <a:fld id="{8266958A-3F71-4CB8-A776-423E021826CD}" type="datetimeFigureOut">
               <a:rPr lang="zh-TW" altLang="en-US" smtClean="0"/>
-              <a:t>2020/1/8</a:t>
+              <a:t>2020/1/9</a:t>
             </a:fld>
             <a:endParaRPr lang="zh-TW" altLang="en-US"/>
           </a:p>
@@ -2111,7 +2111,7 @@
           <a:p>
             <a:fld id="{8266958A-3F71-4CB8-A776-423E021826CD}" type="datetimeFigureOut">
               <a:rPr lang="zh-TW" altLang="en-US" smtClean="0"/>
-              <a:t>2020/1/8</a:t>
+              <a:t>2020/1/9</a:t>
             </a:fld>
             <a:endParaRPr lang="zh-TW" altLang="en-US"/>
           </a:p>
@@ -2364,7 +2364,7 @@
           <a:p>
             <a:fld id="{8266958A-3F71-4CB8-A776-423E021826CD}" type="datetimeFigureOut">
               <a:rPr lang="zh-TW" altLang="en-US" smtClean="0"/>
-              <a:t>2020/1/8</a:t>
+              <a:t>2020/1/9</a:t>
             </a:fld>
             <a:endParaRPr lang="zh-TW" altLang="en-US"/>
           </a:p>
@@ -2577,7 +2577,7 @@
           <a:p>
             <a:fld id="{8266958A-3F71-4CB8-A776-423E021826CD}" type="datetimeFigureOut">
               <a:rPr lang="zh-TW" altLang="en-US" smtClean="0"/>
-              <a:t>2020/1/8</a:t>
+              <a:t>2020/1/9</a:t>
             </a:fld>
             <a:endParaRPr lang="zh-TW" altLang="en-US"/>
           </a:p>
@@ -3072,35 +3072,21 @@
                 <a:latin typeface="華康中特圓體" panose="020F0809000000000000" pitchFamily="49" charset="-120"/>
                 <a:ea typeface="華康中特圓體" panose="020F0809000000000000" pitchFamily="49" charset="-120"/>
               </a:rPr>
-              <a:t> 汪禹</a:t>
-            </a:r>
+              <a:t> 汪禹承</a:t>
+            </a:r>
+            <a:endParaRPr lang="en-US" altLang="zh-TW" dirty="0" smtClean="0">
+              <a:latin typeface="華康中特圓體" panose="020F0809000000000000" pitchFamily="49" charset="-120"/>
+              <a:ea typeface="華康中特圓體" panose="020F0809000000000000" pitchFamily="49" charset="-120"/>
+            </a:endParaRPr>
+          </a:p>
+          <a:p>
+            <a:pPr algn="l"/>
             <a:r>
               <a:rPr lang="zh-TW" altLang="en-US" dirty="0" smtClean="0">
                 <a:latin typeface="華康中特圓體" panose="020F0809000000000000" pitchFamily="49" charset="-120"/>
                 <a:ea typeface="華康中特圓體" panose="020F0809000000000000" pitchFamily="49" charset="-120"/>
               </a:rPr>
-              <a:t>承</a:t>
-            </a:r>
-            <a:endParaRPr lang="en-US" altLang="zh-TW" dirty="0" smtClean="0">
-              <a:latin typeface="華康中特圓體" panose="020F0809000000000000" pitchFamily="49" charset="-120"/>
-              <a:ea typeface="華康中特圓體" panose="020F0809000000000000" pitchFamily="49" charset="-120"/>
-            </a:endParaRPr>
-          </a:p>
-          <a:p>
-            <a:pPr algn="l"/>
-            <a:r>
-              <a:rPr lang="zh-TW" altLang="en-US" dirty="0" smtClean="0">
-                <a:latin typeface="華康中特圓體" panose="020F0809000000000000" pitchFamily="49" charset="-120"/>
-                <a:ea typeface="華康中特圓體" panose="020F0809000000000000" pitchFamily="49" charset="-120"/>
-              </a:rPr>
-              <a:t>　類別：</a:t>
-            </a:r>
-            <a:r>
-              <a:rPr lang="zh-TW" altLang="en-US" dirty="0" smtClean="0">
-                <a:latin typeface="華康中特圓體" panose="020F0809000000000000" pitchFamily="49" charset="-120"/>
-                <a:ea typeface="華康中特圓體" panose="020F0809000000000000" pitchFamily="49" charset="-120"/>
-              </a:rPr>
-              <a:t>花藝</a:t>
+              <a:t>　類別：花藝</a:t>
             </a:r>
             <a:endParaRPr lang="zh-TW" altLang="en-US" dirty="0">
               <a:latin typeface="華康中特圓體" panose="020F0809000000000000" pitchFamily="49" charset="-120"/>
@@ -3442,10 +3428,7 @@
             <a:avLst/>
           </a:prstGeom>
           <a:solidFill>
-            <a:schemeClr val="accent5">
-              <a:lumMod val="60000"/>
-              <a:lumOff val="40000"/>
-            </a:schemeClr>
+            <a:srgbClr val="FFC000"/>
           </a:solidFill>
           <a:ln>
             <a:noFill/>
@@ -3503,10 +3486,7 @@
             <a:avLst/>
           </a:prstGeom>
           <a:solidFill>
-            <a:schemeClr val="accent5">
-              <a:lumMod val="60000"/>
-              <a:lumOff val="40000"/>
-            </a:schemeClr>
+            <a:srgbClr val="FFC000"/>
           </a:solidFill>
           <a:ln>
             <a:noFill/>
@@ -4076,10 +4056,7 @@
             <a:avLst/>
           </a:prstGeom>
           <a:solidFill>
-            <a:schemeClr val="accent5">
-              <a:lumMod val="60000"/>
-              <a:lumOff val="40000"/>
-            </a:schemeClr>
+            <a:srgbClr val="FFC000"/>
           </a:solidFill>
           <a:ln>
             <a:noFill/>
@@ -4137,10 +4114,7 @@
             <a:avLst/>
           </a:prstGeom>
           <a:solidFill>
-            <a:schemeClr val="accent5">
-              <a:lumMod val="60000"/>
-              <a:lumOff val="40000"/>
-            </a:schemeClr>
+            <a:srgbClr val="FFC000"/>
           </a:solidFill>
           <a:ln>
             <a:noFill/>
@@ -4608,10 +4582,7 @@
             <a:avLst/>
           </a:prstGeom>
           <a:solidFill>
-            <a:schemeClr val="accent5">
-              <a:lumMod val="60000"/>
-              <a:lumOff val="40000"/>
-            </a:schemeClr>
+            <a:srgbClr val="FFC000"/>
           </a:solidFill>
           <a:ln>
             <a:noFill/>
@@ -4669,10 +4640,7 @@
             <a:avLst/>
           </a:prstGeom>
           <a:solidFill>
-            <a:schemeClr val="accent5">
-              <a:lumMod val="60000"/>
-              <a:lumOff val="40000"/>
-            </a:schemeClr>
+            <a:srgbClr val="FFC000"/>
           </a:solidFill>
           <a:ln>
             <a:noFill/>
@@ -4771,10 +4739,7 @@
             <a:avLst/>
           </a:prstGeom>
           <a:solidFill>
-            <a:schemeClr val="accent5">
-              <a:lumMod val="60000"/>
-              <a:lumOff val="40000"/>
-            </a:schemeClr>
+            <a:srgbClr val="FFC000"/>
           </a:solidFill>
           <a:ln>
             <a:noFill/>
@@ -4873,10 +4838,7 @@
             <a:avLst/>
           </a:prstGeom>
           <a:solidFill>
-            <a:schemeClr val="accent5">
-              <a:lumMod val="60000"/>
-              <a:lumOff val="40000"/>
-            </a:schemeClr>
+            <a:srgbClr val="FFC000"/>
           </a:solidFill>
           <a:ln>
             <a:noFill/>
@@ -5115,10 +5077,7 @@
             <a:avLst/>
           </a:prstGeom>
           <a:solidFill>
-            <a:schemeClr val="accent5">
-              <a:lumMod val="60000"/>
-              <a:lumOff val="40000"/>
-            </a:schemeClr>
+            <a:srgbClr val="FFC000"/>
           </a:solidFill>
           <a:ln>
             <a:noFill/>
@@ -5176,10 +5135,7 @@
             <a:avLst/>
           </a:prstGeom>
           <a:solidFill>
-            <a:schemeClr val="accent5">
-              <a:lumMod val="60000"/>
-              <a:lumOff val="40000"/>
-            </a:schemeClr>
+            <a:srgbClr val="FFC000"/>
           </a:solidFill>
           <a:ln>
             <a:noFill/>
@@ -5411,10 +5367,7 @@
             <a:avLst/>
           </a:prstGeom>
           <a:solidFill>
-            <a:schemeClr val="accent5">
-              <a:lumMod val="60000"/>
-              <a:lumOff val="40000"/>
-            </a:schemeClr>
+            <a:srgbClr val="FFC000"/>
           </a:solidFill>
           <a:ln>
             <a:noFill/>
@@ -5472,10 +5425,7 @@
             <a:avLst/>
           </a:prstGeom>
           <a:solidFill>
-            <a:schemeClr val="accent5">
-              <a:lumMod val="60000"/>
-              <a:lumOff val="40000"/>
-            </a:schemeClr>
+            <a:srgbClr val="FFC000"/>
           </a:solidFill>
           <a:ln>
             <a:noFill/>
@@ -5755,10 +5705,7 @@
             <a:avLst/>
           </a:prstGeom>
           <a:solidFill>
-            <a:schemeClr val="accent5">
-              <a:lumMod val="60000"/>
-              <a:lumOff val="40000"/>
-            </a:schemeClr>
+            <a:srgbClr val="FFC000"/>
           </a:solidFill>
           <a:ln>
             <a:noFill/>
@@ -5816,10 +5763,7 @@
             <a:avLst/>
           </a:prstGeom>
           <a:solidFill>
-            <a:schemeClr val="accent5">
-              <a:lumMod val="60000"/>
-              <a:lumOff val="40000"/>
-            </a:schemeClr>
+            <a:srgbClr val="FFC000"/>
           </a:solidFill>
           <a:ln>
             <a:noFill/>
@@ -6012,10 +5956,7 @@
             <a:avLst/>
           </a:prstGeom>
           <a:solidFill>
-            <a:schemeClr val="accent5">
-              <a:lumMod val="60000"/>
-              <a:lumOff val="40000"/>
-            </a:schemeClr>
+            <a:srgbClr val="FFC000"/>
           </a:solidFill>
           <a:ln>
             <a:noFill/>
@@ -6073,10 +6014,7 @@
             <a:avLst/>
           </a:prstGeom>
           <a:solidFill>
-            <a:schemeClr val="accent5">
-              <a:lumMod val="60000"/>
-              <a:lumOff val="40000"/>
-            </a:schemeClr>
+            <a:srgbClr val="FFC000"/>
           </a:solidFill>
           <a:ln>
             <a:noFill/>
@@ -6168,17 +6106,14 @@
         </p:nvSpPr>
         <p:spPr>
           <a:xfrm>
-            <a:off x="8336245" y="2244436"/>
+            <a:off x="7754354" y="2250000"/>
             <a:ext cx="270000" cy="270000"/>
           </a:xfrm>
           <a:prstGeom prst="ellipse">
             <a:avLst/>
           </a:prstGeom>
           <a:solidFill>
-            <a:schemeClr val="accent5">
-              <a:lumMod val="60000"/>
-              <a:lumOff val="40000"/>
-            </a:schemeClr>
+            <a:srgbClr val="FFC000"/>
           </a:solidFill>
           <a:ln>
             <a:noFill/>
@@ -6236,10 +6171,7 @@
             <a:avLst/>
           </a:prstGeom>
           <a:solidFill>
-            <a:schemeClr val="accent5">
-              <a:lumMod val="60000"/>
-              <a:lumOff val="40000"/>
-            </a:schemeClr>
+            <a:srgbClr val="FFC000"/>
           </a:solidFill>
           <a:ln>
             <a:noFill/>
@@ -6289,7 +6221,7 @@
         <p:spPr>
           <a:xfrm>
             <a:off x="4222151" y="1890000"/>
-            <a:ext cx="3057247" cy="738664"/>
+            <a:ext cx="3057247" cy="415498"/>
           </a:xfrm>
           <a:prstGeom prst="rect">
             <a:avLst/>
@@ -6312,13 +6244,152 @@
                 <a:latin typeface="華康中特圓體" panose="020F0809000000000000" pitchFamily="49" charset="-120"/>
                 <a:ea typeface="華康中特圓體" panose="020F0809000000000000" pitchFamily="49" charset="-120"/>
               </a:rPr>
-              <a:t>按鈕：如果商品圖不只一張，可以按</a:t>
-            </a:r>
-            <a:endParaRPr lang="en-US" altLang="zh-TW" sz="1400" dirty="0" smtClean="0">
+              <a:t>小圖：點擊後可以切換商品預覽圖。</a:t>
+            </a:r>
+            <a:endParaRPr lang="zh-TW" altLang="en-US" sz="1400" dirty="0">
               <a:latin typeface="華康中特圓體" panose="020F0809000000000000" pitchFamily="49" charset="-120"/>
               <a:ea typeface="華康中特圓體" panose="020F0809000000000000" pitchFamily="49" charset="-120"/>
             </a:endParaRPr>
           </a:p>
+        </p:txBody>
+      </p:sp>
+      <p:sp>
+        <p:nvSpPr>
+          <p:cNvPr id="20" name="橢圓 19"/>
+          <p:cNvSpPr>
+            <a:spLocks noChangeAspect="1"/>
+          </p:cNvSpPr>
+          <p:nvPr/>
+        </p:nvSpPr>
+        <p:spPr>
+          <a:xfrm>
+            <a:off x="10319442" y="2844003"/>
+            <a:ext cx="270000" cy="270000"/>
+          </a:xfrm>
+          <a:prstGeom prst="ellipse">
+            <a:avLst/>
+          </a:prstGeom>
+          <a:solidFill>
+            <a:srgbClr val="FFC000"/>
+          </a:solidFill>
+          <a:ln>
+            <a:noFill/>
+          </a:ln>
+        </p:spPr>
+        <p:style>
+          <a:lnRef idx="2">
+            <a:schemeClr val="accent1">
+              <a:shade val="50000"/>
+            </a:schemeClr>
+          </a:lnRef>
+          <a:fillRef idx="1">
+            <a:schemeClr val="accent1"/>
+          </a:fillRef>
+          <a:effectRef idx="0">
+            <a:schemeClr val="accent1"/>
+          </a:effectRef>
+          <a:fontRef idx="minor">
+            <a:schemeClr val="lt1"/>
+          </a:fontRef>
+        </p:style>
+        <p:txBody>
+          <a:bodyPr vert="horz" rtlCol="0" anchor="ctr"/>
+          <a:lstStyle/>
+          <a:p>
+            <a:pPr algn="ctr"/>
+            <a:r>
+              <a:rPr lang="en-US" altLang="zh-TW" dirty="0" smtClean="0">
+                <a:latin typeface="華康中特圓體" panose="020F0809000000000000" pitchFamily="49" charset="-120"/>
+                <a:ea typeface="華康中特圓體" panose="020F0809000000000000" pitchFamily="49" charset="-120"/>
+              </a:rPr>
+              <a:t>d</a:t>
+            </a:r>
+            <a:endParaRPr lang="zh-TW" altLang="en-US" dirty="0">
+              <a:latin typeface="華康中特圓體" panose="020F0809000000000000" pitchFamily="49" charset="-120"/>
+              <a:ea typeface="華康中特圓體" panose="020F0809000000000000" pitchFamily="49" charset="-120"/>
+            </a:endParaRPr>
+          </a:p>
+        </p:txBody>
+      </p:sp>
+      <p:sp>
+        <p:nvSpPr>
+          <p:cNvPr id="21" name="橢圓 20"/>
+          <p:cNvSpPr>
+            <a:spLocks noChangeAspect="1"/>
+          </p:cNvSpPr>
+          <p:nvPr/>
+        </p:nvSpPr>
+        <p:spPr>
+          <a:xfrm>
+            <a:off x="3960000" y="2691825"/>
+            <a:ext cx="270000" cy="270000"/>
+          </a:xfrm>
+          <a:prstGeom prst="ellipse">
+            <a:avLst/>
+          </a:prstGeom>
+          <a:solidFill>
+            <a:srgbClr val="FFC000"/>
+          </a:solidFill>
+          <a:ln>
+            <a:noFill/>
+          </a:ln>
+        </p:spPr>
+        <p:style>
+          <a:lnRef idx="2">
+            <a:schemeClr val="accent1">
+              <a:shade val="50000"/>
+            </a:schemeClr>
+          </a:lnRef>
+          <a:fillRef idx="1">
+            <a:schemeClr val="accent1"/>
+          </a:fillRef>
+          <a:effectRef idx="0">
+            <a:schemeClr val="accent1"/>
+          </a:effectRef>
+          <a:fontRef idx="minor">
+            <a:schemeClr val="lt1"/>
+          </a:fontRef>
+        </p:style>
+        <p:txBody>
+          <a:bodyPr vert="horz" rtlCol="0" anchor="ctr"/>
+          <a:lstStyle/>
+          <a:p>
+            <a:pPr algn="ctr"/>
+            <a:r>
+              <a:rPr lang="en-US" altLang="zh-TW" dirty="0" smtClean="0">
+                <a:latin typeface="華康中特圓體" panose="020F0809000000000000" pitchFamily="49" charset="-120"/>
+                <a:ea typeface="華康中特圓體" panose="020F0809000000000000" pitchFamily="49" charset="-120"/>
+              </a:rPr>
+              <a:t>e</a:t>
+            </a:r>
+            <a:endParaRPr lang="zh-TW" altLang="en-US" dirty="0">
+              <a:latin typeface="華康中特圓體" panose="020F0809000000000000" pitchFamily="49" charset="-120"/>
+              <a:ea typeface="華康中特圓體" panose="020F0809000000000000" pitchFamily="49" charset="-120"/>
+            </a:endParaRPr>
+          </a:p>
+        </p:txBody>
+      </p:sp>
+      <p:sp>
+        <p:nvSpPr>
+          <p:cNvPr id="22" name="文字方塊 21"/>
+          <p:cNvSpPr txBox="1"/>
+          <p:nvPr/>
+        </p:nvSpPr>
+        <p:spPr>
+          <a:xfrm>
+            <a:off x="4230000" y="2594162"/>
+            <a:ext cx="2159566" cy="377667"/>
+          </a:xfrm>
+          <a:prstGeom prst="rect">
+            <a:avLst/>
+          </a:prstGeom>
+          <a:noFill/>
+        </p:spPr>
+        <p:txBody>
+          <a:bodyPr wrap="none" rtlCol="0">
+            <a:spAutoFit/>
+          </a:bodyPr>
+          <a:lstStyle/>
           <a:p>
             <a:pPr>
               <a:lnSpc>
@@ -6330,7 +6401,7 @@
                 <a:latin typeface="華康中特圓體" panose="020F0809000000000000" pitchFamily="49" charset="-120"/>
                 <a:ea typeface="華康中特圓體" panose="020F0809000000000000" pitchFamily="49" charset="-120"/>
               </a:rPr>
-              <a:t>　　　箭頭來前後切換商品圖片。</a:t>
+              <a:t>按鈕：結帳、繼續購物。</a:t>
             </a:r>
             <a:endParaRPr lang="zh-TW" altLang="en-US" sz="1400" dirty="0">
               <a:latin typeface="華康中特圓體" panose="020F0809000000000000" pitchFamily="49" charset="-120"/>
@@ -6341,7 +6412,7 @@
       </p:sp>
       <p:sp>
         <p:nvSpPr>
-          <p:cNvPr id="20" name="橢圓 19"/>
+          <p:cNvPr id="23" name="橢圓 22"/>
           <p:cNvSpPr>
             <a:spLocks noChangeAspect="1"/>
           </p:cNvSpPr>
@@ -6349,17 +6420,14 @@
         </p:nvSpPr>
         <p:spPr>
           <a:xfrm>
-            <a:off x="10184442" y="2903912"/>
+            <a:off x="3960000" y="2331825"/>
             <a:ext cx="270000" cy="270000"/>
           </a:xfrm>
           <a:prstGeom prst="ellipse">
             <a:avLst/>
           </a:prstGeom>
           <a:solidFill>
-            <a:schemeClr val="accent5">
-              <a:lumMod val="60000"/>
-              <a:lumOff val="40000"/>
-            </a:schemeClr>
+            <a:srgbClr val="FFC000"/>
           </a:solidFill>
           <a:ln>
             <a:noFill/>
@@ -6402,75 +6470,14 @@
       </p:sp>
       <p:sp>
         <p:nvSpPr>
-          <p:cNvPr id="21" name="橢圓 20"/>
-          <p:cNvSpPr>
-            <a:spLocks noChangeAspect="1"/>
-          </p:cNvSpPr>
-          <p:nvPr/>
-        </p:nvSpPr>
-        <p:spPr>
-          <a:xfrm>
-            <a:off x="3960000" y="3060000"/>
-            <a:ext cx="270000" cy="270000"/>
-          </a:xfrm>
-          <a:prstGeom prst="ellipse">
-            <a:avLst/>
-          </a:prstGeom>
-          <a:solidFill>
-            <a:schemeClr val="accent5">
-              <a:lumMod val="60000"/>
-              <a:lumOff val="40000"/>
-            </a:schemeClr>
-          </a:solidFill>
-          <a:ln>
-            <a:noFill/>
-          </a:ln>
-        </p:spPr>
-        <p:style>
-          <a:lnRef idx="2">
-            <a:schemeClr val="accent1">
-              <a:shade val="50000"/>
-            </a:schemeClr>
-          </a:lnRef>
-          <a:fillRef idx="1">
-            <a:schemeClr val="accent1"/>
-          </a:fillRef>
-          <a:effectRef idx="0">
-            <a:schemeClr val="accent1"/>
-          </a:effectRef>
-          <a:fontRef idx="minor">
-            <a:schemeClr val="lt1"/>
-          </a:fontRef>
-        </p:style>
-        <p:txBody>
-          <a:bodyPr vert="horz" rtlCol="0" anchor="ctr"/>
-          <a:lstStyle/>
-          <a:p>
-            <a:pPr algn="ctr"/>
-            <a:r>
-              <a:rPr lang="en-US" altLang="zh-TW" dirty="0" smtClean="0">
-                <a:latin typeface="華康中特圓體" panose="020F0809000000000000" pitchFamily="49" charset="-120"/>
-                <a:ea typeface="華康中特圓體" panose="020F0809000000000000" pitchFamily="49" charset="-120"/>
-              </a:rPr>
-              <a:t>e</a:t>
-            </a:r>
-            <a:endParaRPr lang="zh-TW" altLang="en-US" dirty="0">
-              <a:latin typeface="華康中特圓體" panose="020F0809000000000000" pitchFamily="49" charset="-120"/>
-              <a:ea typeface="華康中特圓體" panose="020F0809000000000000" pitchFamily="49" charset="-120"/>
-            </a:endParaRPr>
-          </a:p>
-        </p:txBody>
-      </p:sp>
-      <p:sp>
-        <p:nvSpPr>
-          <p:cNvPr id="22" name="文字方塊 21"/>
+          <p:cNvPr id="25" name="文字方塊 24"/>
           <p:cNvSpPr txBox="1"/>
           <p:nvPr/>
         </p:nvSpPr>
         <p:spPr>
           <a:xfrm>
-            <a:off x="4230000" y="2962337"/>
-            <a:ext cx="2159566" cy="377667"/>
+            <a:off x="4230000" y="2215498"/>
+            <a:ext cx="2159566" cy="415498"/>
           </a:xfrm>
           <a:prstGeom prst="rect">
             <a:avLst/>
@@ -6489,108 +6496,6 @@
               </a:lnSpc>
             </a:pPr>
             <a:r>
-              <a:rPr lang="zh-TW" altLang="en-US" sz="1400" dirty="0" smtClean="0">
-                <a:latin typeface="華康中特圓體" panose="020F0809000000000000" pitchFamily="49" charset="-120"/>
-                <a:ea typeface="華康中特圓體" panose="020F0809000000000000" pitchFamily="49" charset="-120"/>
-              </a:rPr>
-              <a:t>按鈕：結帳、繼續購物。</a:t>
-            </a:r>
-            <a:endParaRPr lang="zh-TW" altLang="en-US" sz="1400" dirty="0">
-              <a:latin typeface="華康中特圓體" panose="020F0809000000000000" pitchFamily="49" charset="-120"/>
-              <a:ea typeface="華康中特圓體" panose="020F0809000000000000" pitchFamily="49" charset="-120"/>
-            </a:endParaRPr>
-          </a:p>
-        </p:txBody>
-      </p:sp>
-      <p:sp>
-        <p:nvSpPr>
-          <p:cNvPr id="23" name="橢圓 22"/>
-          <p:cNvSpPr>
-            <a:spLocks noChangeAspect="1"/>
-          </p:cNvSpPr>
-          <p:nvPr/>
-        </p:nvSpPr>
-        <p:spPr>
-          <a:xfrm>
-            <a:off x="3960000" y="2700000"/>
-            <a:ext cx="270000" cy="270000"/>
-          </a:xfrm>
-          <a:prstGeom prst="ellipse">
-            <a:avLst/>
-          </a:prstGeom>
-          <a:solidFill>
-            <a:schemeClr val="accent5">
-              <a:lumMod val="60000"/>
-              <a:lumOff val="40000"/>
-            </a:schemeClr>
-          </a:solidFill>
-          <a:ln>
-            <a:noFill/>
-          </a:ln>
-        </p:spPr>
-        <p:style>
-          <a:lnRef idx="2">
-            <a:schemeClr val="accent1">
-              <a:shade val="50000"/>
-            </a:schemeClr>
-          </a:lnRef>
-          <a:fillRef idx="1">
-            <a:schemeClr val="accent1"/>
-          </a:fillRef>
-          <a:effectRef idx="0">
-            <a:schemeClr val="accent1"/>
-          </a:effectRef>
-          <a:fontRef idx="minor">
-            <a:schemeClr val="lt1"/>
-          </a:fontRef>
-        </p:style>
-        <p:txBody>
-          <a:bodyPr vert="horz" rtlCol="0" anchor="ctr"/>
-          <a:lstStyle/>
-          <a:p>
-            <a:pPr algn="ctr"/>
-            <a:r>
-              <a:rPr lang="en-US" altLang="zh-TW" dirty="0" smtClean="0">
-                <a:latin typeface="華康中特圓體" panose="020F0809000000000000" pitchFamily="49" charset="-120"/>
-                <a:ea typeface="華康中特圓體" panose="020F0809000000000000" pitchFamily="49" charset="-120"/>
-              </a:rPr>
-              <a:t>d</a:t>
-            </a:r>
-            <a:endParaRPr lang="zh-TW" altLang="en-US" dirty="0">
-              <a:latin typeface="華康中特圓體" panose="020F0809000000000000" pitchFamily="49" charset="-120"/>
-              <a:ea typeface="華康中特圓體" panose="020F0809000000000000" pitchFamily="49" charset="-120"/>
-            </a:endParaRPr>
-          </a:p>
-        </p:txBody>
-      </p:sp>
-      <p:sp>
-        <p:nvSpPr>
-          <p:cNvPr id="25" name="文字方塊 24"/>
-          <p:cNvSpPr txBox="1"/>
-          <p:nvPr/>
-        </p:nvSpPr>
-        <p:spPr>
-          <a:xfrm>
-            <a:off x="4230000" y="2583673"/>
-            <a:ext cx="2159566" cy="415498"/>
-          </a:xfrm>
-          <a:prstGeom prst="rect">
-            <a:avLst/>
-          </a:prstGeom>
-          <a:noFill/>
-        </p:spPr>
-        <p:txBody>
-          <a:bodyPr wrap="none" rtlCol="0">
-            <a:spAutoFit/>
-          </a:bodyPr>
-          <a:lstStyle/>
-          <a:p>
-            <a:pPr>
-              <a:lnSpc>
-                <a:spcPct val="150000"/>
-              </a:lnSpc>
-            </a:pPr>
-            <a:r>
               <a:rPr lang="zh-TW" altLang="en-US" sz="1400" dirty="0">
                 <a:latin typeface="華康中特圓體" panose="020F0809000000000000" pitchFamily="49" charset="-120"/>
                 <a:ea typeface="華康中特圓體" panose="020F0809000000000000" pitchFamily="49" charset="-120"/>
@@ -6628,10 +6533,7 @@
             <a:avLst/>
           </a:prstGeom>
           <a:solidFill>
-            <a:schemeClr val="accent5">
-              <a:lumMod val="60000"/>
-              <a:lumOff val="40000"/>
-            </a:schemeClr>
+            <a:srgbClr val="FFC000"/>
           </a:solidFill>
           <a:ln>
             <a:noFill/>
@@ -9170,8 +9072,8 @@
         </p:nvCxnSpPr>
         <p:spPr>
           <a:xfrm rot="16200000" flipH="1">
-            <a:off x="4367537" y="2663999"/>
-            <a:ext cx="432000" cy="360000"/>
+            <a:off x="4362231" y="2652231"/>
+            <a:ext cx="451226" cy="364311"/>
           </a:xfrm>
           <a:prstGeom prst="bentConnector2">
             <a:avLst/>
@@ -10702,13 +10604,15 @@
       <p:cxnSp>
         <p:nvCxnSpPr>
           <p:cNvPr id="177" name="直線單箭頭接點 176"/>
-          <p:cNvCxnSpPr/>
+          <p:cNvCxnSpPr>
+            <a:endCxn id="176" idx="0"/>
+          </p:cNvCxnSpPr>
           <p:nvPr/>
         </p:nvCxnSpPr>
         <p:spPr>
-          <a:xfrm>
-            <a:off x="9630001" y="2627998"/>
-            <a:ext cx="0" cy="180000"/>
+          <a:xfrm flipH="1">
+            <a:off x="9630000" y="2627998"/>
+            <a:ext cx="1" cy="162896"/>
           </a:xfrm>
           <a:prstGeom prst="straightConnector1">
             <a:avLst/>
@@ -10756,7 +10660,7 @@
 </file>
 
 <file path=ppt/slides/slide2.xml><?xml version="1.0" encoding="utf-8"?>
-<p:sld xmlns:a="http://schemas.openxmlformats.org/drawingml/2006/main" xmlns:r="http://schemas.openxmlformats.org/officeDocument/2006/relationships" xmlns:p="http://schemas.openxmlformats.org/presentationml/2006/main">
+<p:sld xmlns:a="http://schemas.openxmlformats.org/drawingml/2006/main" xmlns:r="http://schemas.openxmlformats.org/officeDocument/2006/relationships" xmlns:p="http://schemas.openxmlformats.org/presentationml/2006/main" show="0">
   <p:cSld>
     <p:spTree>
       <p:nvGrpSpPr>
@@ -10824,6 +10728,14 @@
   <p:clrMapOvr>
     <a:masterClrMapping/>
   </p:clrMapOvr>
+  <mc:AlternateContent xmlns:mc="http://schemas.openxmlformats.org/markup-compatibility/2006" xmlns:p14="http://schemas.microsoft.com/office/powerpoint/2010/main">
+    <mc:Choice Requires="p14">
+      <p:transition spd="slow" p14:dur="2000"/>
+    </mc:Choice>
+    <mc:Fallback xmlns="">
+      <p:transition spd="slow"/>
+    </mc:Fallback>
+  </mc:AlternateContent>
   <p:timing>
     <p:tnLst>
       <p:par>
@@ -10835,7 +10747,7 @@
 </file>
 
 <file path=ppt/slides/slide3.xml><?xml version="1.0" encoding="utf-8"?>
-<p:sld xmlns:a="http://schemas.openxmlformats.org/drawingml/2006/main" xmlns:r="http://schemas.openxmlformats.org/officeDocument/2006/relationships" xmlns:p="http://schemas.openxmlformats.org/presentationml/2006/main">
+<p:sld xmlns:a="http://schemas.openxmlformats.org/drawingml/2006/main" xmlns:r="http://schemas.openxmlformats.org/officeDocument/2006/relationships" xmlns:p="http://schemas.openxmlformats.org/presentationml/2006/main" show="0">
   <p:cSld>
     <p:spTree>
       <p:nvGrpSpPr>
@@ -10903,6 +10815,14 @@
   <p:clrMapOvr>
     <a:masterClrMapping/>
   </p:clrMapOvr>
+  <mc:AlternateContent xmlns:mc="http://schemas.openxmlformats.org/markup-compatibility/2006" xmlns:p14="http://schemas.microsoft.com/office/powerpoint/2010/main">
+    <mc:Choice Requires="p14">
+      <p:transition spd="slow" p14:dur="2000"/>
+    </mc:Choice>
+    <mc:Fallback xmlns="">
+      <p:transition spd="slow"/>
+    </mc:Fallback>
+  </mc:AlternateContent>
   <p:timing>
     <p:tnLst>
       <p:par>
@@ -10914,7 +10834,7 @@
 </file>
 
 <file path=ppt/slides/slide4.xml><?xml version="1.0" encoding="utf-8"?>
-<p:sld xmlns:a="http://schemas.openxmlformats.org/drawingml/2006/main" xmlns:r="http://schemas.openxmlformats.org/officeDocument/2006/relationships" xmlns:p="http://schemas.openxmlformats.org/presentationml/2006/main">
+<p:sld xmlns:a="http://schemas.openxmlformats.org/drawingml/2006/main" xmlns:r="http://schemas.openxmlformats.org/officeDocument/2006/relationships" xmlns:p="http://schemas.openxmlformats.org/presentationml/2006/main" show="0">
   <p:cSld>
     <p:spTree>
       <p:nvGrpSpPr>
@@ -11163,6 +11083,14 @@
   <p:clrMapOvr>
     <a:masterClrMapping/>
   </p:clrMapOvr>
+  <mc:AlternateContent xmlns:mc="http://schemas.openxmlformats.org/markup-compatibility/2006" xmlns:p14="http://schemas.microsoft.com/office/powerpoint/2010/main">
+    <mc:Choice Requires="p14">
+      <p:transition spd="slow" p14:dur="2000"/>
+    </mc:Choice>
+    <mc:Fallback xmlns="">
+      <p:transition spd="slow"/>
+    </mc:Fallback>
+  </mc:AlternateContent>
   <p:timing>
     <p:tnLst>
       <p:par>
@@ -11192,6 +11120,90 @@
       </p:grpSpPr>
       <p:cxnSp>
         <p:nvCxnSpPr>
+          <p:cNvPr id="66" name="肘形接點 65"/>
+          <p:cNvCxnSpPr/>
+          <p:nvPr/>
+        </p:nvCxnSpPr>
+        <p:spPr>
+          <a:xfrm rot="16200000" flipV="1">
+            <a:off x="10926501" y="2286894"/>
+            <a:ext cx="252000" cy="324000"/>
+          </a:xfrm>
+          <a:prstGeom prst="bentConnector2">
+            <a:avLst/>
+          </a:prstGeom>
+          <a:ln w="12700">
+            <a:solidFill>
+              <a:schemeClr val="tx1"/>
+            </a:solidFill>
+            <a:tailEnd type="triangle"/>
+          </a:ln>
+        </p:spPr>
+        <p:style>
+          <a:lnRef idx="1">
+            <a:schemeClr val="accent1"/>
+          </a:lnRef>
+          <a:fillRef idx="0">
+            <a:schemeClr val="accent1"/>
+          </a:fillRef>
+          <a:effectRef idx="0">
+            <a:schemeClr val="accent1"/>
+          </a:effectRef>
+          <a:fontRef idx="minor">
+            <a:schemeClr val="tx1"/>
+          </a:fontRef>
+        </p:style>
+      </p:cxnSp>
+      <p:sp>
+        <p:nvSpPr>
+          <p:cNvPr id="57" name="矩形 56"/>
+          <p:cNvSpPr/>
+          <p:nvPr/>
+        </p:nvSpPr>
+        <p:spPr>
+          <a:xfrm>
+            <a:off x="10862302" y="2581831"/>
+            <a:ext cx="1260000" cy="1080000"/>
+          </a:xfrm>
+          <a:prstGeom prst="rect">
+            <a:avLst/>
+          </a:prstGeom>
+          <a:solidFill>
+            <a:srgbClr val="FF7C80">
+              <a:alpha val="50000"/>
+            </a:srgbClr>
+          </a:solidFill>
+          <a:ln>
+            <a:noFill/>
+          </a:ln>
+        </p:spPr>
+        <p:style>
+          <a:lnRef idx="2">
+            <a:schemeClr val="accent1">
+              <a:shade val="50000"/>
+            </a:schemeClr>
+          </a:lnRef>
+          <a:fillRef idx="1">
+            <a:schemeClr val="accent1"/>
+          </a:fillRef>
+          <a:effectRef idx="0">
+            <a:schemeClr val="accent1"/>
+          </a:effectRef>
+          <a:fontRef idx="minor">
+            <a:schemeClr val="lt1"/>
+          </a:fontRef>
+        </p:style>
+        <p:txBody>
+          <a:bodyPr rtlCol="0" anchor="ctr"/>
+          <a:lstStyle/>
+          <a:p>
+            <a:pPr algn="ctr"/>
+            <a:endParaRPr lang="zh-TW" altLang="en-US"/>
+          </a:p>
+        </p:txBody>
+      </p:sp>
+      <p:cxnSp>
+        <p:nvCxnSpPr>
           <p:cNvPr id="65" name="肘形接點 64"/>
           <p:cNvCxnSpPr>
             <a:stCxn id="8" idx="2"/>
@@ -11928,7 +11940,7 @@
         </p:nvSpPr>
         <p:spPr>
           <a:xfrm>
-            <a:off x="10648203" y="2700000"/>
+            <a:off x="10412302" y="4872434"/>
             <a:ext cx="1080000" cy="360000"/>
           </a:xfrm>
           <a:prstGeom prst="rect">
@@ -11998,7 +12010,7 @@
         </p:nvSpPr>
         <p:spPr>
           <a:xfrm>
-            <a:off x="10644960" y="3240000"/>
+            <a:off x="9071439" y="4872434"/>
             <a:ext cx="1080000" cy="360000"/>
           </a:xfrm>
           <a:prstGeom prst="rect">
@@ -12070,81 +12082,9 @@
           <p:nvPr/>
         </p:nvCxnSpPr>
         <p:spPr>
-          <a:xfrm>
-            <a:off x="10263744" y="2457944"/>
-            <a:ext cx="0" cy="2391762"/>
-          </a:xfrm>
-          <a:prstGeom prst="straightConnector1">
-            <a:avLst/>
-          </a:prstGeom>
-          <a:ln w="12700">
-            <a:solidFill>
-              <a:schemeClr val="tx1"/>
-            </a:solidFill>
-            <a:tailEnd type="triangle"/>
-          </a:ln>
-        </p:spPr>
-        <p:style>
-          <a:lnRef idx="1">
-            <a:schemeClr val="accent1"/>
-          </a:lnRef>
-          <a:fillRef idx="0">
-            <a:schemeClr val="accent1"/>
-          </a:fillRef>
-          <a:effectRef idx="0">
-            <a:schemeClr val="accent1"/>
-          </a:effectRef>
-          <a:fontRef idx="minor">
-            <a:schemeClr val="tx1"/>
-          </a:fontRef>
-        </p:style>
-      </p:cxnSp>
-      <p:cxnSp>
-        <p:nvCxnSpPr>
-          <p:cNvPr id="33" name="直線單箭頭接點 32"/>
-          <p:cNvCxnSpPr/>
-          <p:nvPr/>
-        </p:nvCxnSpPr>
-        <p:spPr>
-          <a:xfrm>
-            <a:off x="10278304" y="2872969"/>
-            <a:ext cx="360000" cy="0"/>
-          </a:xfrm>
-          <a:prstGeom prst="straightConnector1">
-            <a:avLst/>
-          </a:prstGeom>
-          <a:ln w="12700">
-            <a:solidFill>
-              <a:schemeClr val="tx1"/>
-            </a:solidFill>
-            <a:tailEnd type="triangle"/>
-          </a:ln>
-        </p:spPr>
-        <p:style>
-          <a:lnRef idx="1">
-            <a:schemeClr val="accent1"/>
-          </a:lnRef>
-          <a:fillRef idx="0">
-            <a:schemeClr val="accent1"/>
-          </a:fillRef>
-          <a:effectRef idx="0">
-            <a:schemeClr val="accent1"/>
-          </a:effectRef>
-          <a:fontRef idx="minor">
-            <a:schemeClr val="tx1"/>
-          </a:fontRef>
-        </p:style>
-      </p:cxnSp>
-      <p:cxnSp>
-        <p:nvCxnSpPr>
-          <p:cNvPr id="37" name="直線單箭頭接點 36"/>
-          <p:cNvCxnSpPr/>
-          <p:nvPr/>
-        </p:nvCxnSpPr>
-        <p:spPr>
-          <a:xfrm>
-            <a:off x="10270360" y="3415520"/>
-            <a:ext cx="360000" cy="0"/>
+          <a:xfrm flipH="1">
+            <a:off x="10260501" y="2457944"/>
+            <a:ext cx="3243" cy="1322056"/>
           </a:xfrm>
           <a:prstGeom prst="straightConnector1">
             <a:avLst/>
@@ -13242,7 +13182,7 @@
         </p:nvSpPr>
         <p:spPr>
           <a:xfrm>
-            <a:off x="10648203" y="3774853"/>
+            <a:off x="10952302" y="2668972"/>
             <a:ext cx="1080000" cy="360000"/>
           </a:xfrm>
           <a:prstGeom prst="rect">
@@ -13312,7 +13252,7 @@
         </p:nvSpPr>
         <p:spPr>
           <a:xfrm>
-            <a:off x="10648203" y="4312597"/>
+            <a:off x="10952302" y="3229398"/>
             <a:ext cx="1080000" cy="360000"/>
           </a:xfrm>
           <a:prstGeom prst="rect">
@@ -13382,7 +13322,7 @@
         </p:nvSpPr>
         <p:spPr>
           <a:xfrm>
-            <a:off x="9723744" y="4849706"/>
+            <a:off x="9720501" y="3780000"/>
             <a:ext cx="1080000" cy="360000"/>
           </a:xfrm>
           <a:prstGeom prst="rect">
@@ -13444,78 +13384,6 @@
           </a:p>
         </p:txBody>
       </p:sp>
-      <p:cxnSp>
-        <p:nvCxnSpPr>
-          <p:cNvPr id="88" name="直線單箭頭接點 87"/>
-          <p:cNvCxnSpPr/>
-          <p:nvPr/>
-        </p:nvCxnSpPr>
-        <p:spPr>
-          <a:xfrm>
-            <a:off x="10266133" y="3954853"/>
-            <a:ext cx="360000" cy="0"/>
-          </a:xfrm>
-          <a:prstGeom prst="straightConnector1">
-            <a:avLst/>
-          </a:prstGeom>
-          <a:ln w="12700">
-            <a:solidFill>
-              <a:schemeClr val="tx1"/>
-            </a:solidFill>
-            <a:tailEnd type="triangle"/>
-          </a:ln>
-        </p:spPr>
-        <p:style>
-          <a:lnRef idx="1">
-            <a:schemeClr val="accent1"/>
-          </a:lnRef>
-          <a:fillRef idx="0">
-            <a:schemeClr val="accent1"/>
-          </a:fillRef>
-          <a:effectRef idx="0">
-            <a:schemeClr val="accent1"/>
-          </a:effectRef>
-          <a:fontRef idx="minor">
-            <a:schemeClr val="tx1"/>
-          </a:fontRef>
-        </p:style>
-      </p:cxnSp>
-      <p:cxnSp>
-        <p:nvCxnSpPr>
-          <p:cNvPr id="89" name="直線單箭頭接點 88"/>
-          <p:cNvCxnSpPr/>
-          <p:nvPr/>
-        </p:nvCxnSpPr>
-        <p:spPr>
-          <a:xfrm>
-            <a:off x="10274077" y="4505740"/>
-            <a:ext cx="360000" cy="0"/>
-          </a:xfrm>
-          <a:prstGeom prst="straightConnector1">
-            <a:avLst/>
-          </a:prstGeom>
-          <a:ln w="12700">
-            <a:solidFill>
-              <a:schemeClr val="tx1"/>
-            </a:solidFill>
-            <a:tailEnd type="triangle"/>
-          </a:ln>
-        </p:spPr>
-        <p:style>
-          <a:lnRef idx="1">
-            <a:schemeClr val="accent1"/>
-          </a:lnRef>
-          <a:fillRef idx="0">
-            <a:schemeClr val="accent1"/>
-          </a:fillRef>
-          <a:effectRef idx="0">
-            <a:schemeClr val="accent1"/>
-          </a:effectRef>
-          <a:fontRef idx="minor">
-            <a:schemeClr val="tx1"/>
-          </a:fontRef>
-        </p:style>
-      </p:cxnSp>
       <p:sp>
         <p:nvSpPr>
           <p:cNvPr id="122" name="文字方塊 121"/>
@@ -14157,6 +14025,126 @@
           </a:xfrm>
           <a:prstGeom prst="straightConnector1">
             <a:avLst/>
+          </a:prstGeom>
+          <a:ln w="12700">
+            <a:solidFill>
+              <a:schemeClr val="tx1"/>
+            </a:solidFill>
+            <a:tailEnd type="triangle"/>
+          </a:ln>
+        </p:spPr>
+        <p:style>
+          <a:lnRef idx="1">
+            <a:schemeClr val="accent1"/>
+          </a:lnRef>
+          <a:fillRef idx="0">
+            <a:schemeClr val="accent1"/>
+          </a:fillRef>
+          <a:effectRef idx="0">
+            <a:schemeClr val="accent1"/>
+          </a:effectRef>
+          <a:fontRef idx="minor">
+            <a:schemeClr val="tx1"/>
+          </a:fontRef>
+        </p:style>
+      </p:cxnSp>
+      <p:cxnSp>
+        <p:nvCxnSpPr>
+          <p:cNvPr id="63" name="肘形接點 62"/>
+          <p:cNvCxnSpPr>
+            <a:endCxn id="57" idx="0"/>
+          </p:cNvCxnSpPr>
+          <p:nvPr/>
+        </p:nvCxnSpPr>
+        <p:spPr>
+          <a:xfrm>
+            <a:off x="10893334" y="2118086"/>
+            <a:ext cx="828000" cy="463745"/>
+          </a:xfrm>
+          <a:prstGeom prst="bentConnector2">
+            <a:avLst/>
+          </a:prstGeom>
+          <a:ln w="12700">
+            <a:solidFill>
+              <a:schemeClr val="tx1"/>
+            </a:solidFill>
+            <a:tailEnd type="triangle"/>
+          </a:ln>
+        </p:spPr>
+        <p:style>
+          <a:lnRef idx="1">
+            <a:schemeClr val="accent1"/>
+          </a:lnRef>
+          <a:fillRef idx="0">
+            <a:schemeClr val="accent1"/>
+          </a:fillRef>
+          <a:effectRef idx="0">
+            <a:schemeClr val="accent1"/>
+          </a:effectRef>
+          <a:fontRef idx="minor">
+            <a:schemeClr val="tx1"/>
+          </a:fontRef>
+        </p:style>
+      </p:cxnSp>
+      <p:cxnSp>
+        <p:nvCxnSpPr>
+          <p:cNvPr id="68" name="肘形接點 67"/>
+          <p:cNvCxnSpPr>
+            <a:stCxn id="86" idx="2"/>
+            <a:endCxn id="15" idx="0"/>
+          </p:cNvCxnSpPr>
+          <p:nvPr/>
+        </p:nvCxnSpPr>
+        <p:spPr>
+          <a:xfrm rot="5400000">
+            <a:off x="9569753" y="4181686"/>
+            <a:ext cx="732434" cy="649062"/>
+          </a:xfrm>
+          <a:prstGeom prst="bentConnector3">
+            <a:avLst>
+              <a:gd name="adj1" fmla="val 50000"/>
+            </a:avLst>
+          </a:prstGeom>
+          <a:ln w="12700">
+            <a:solidFill>
+              <a:schemeClr val="tx1"/>
+            </a:solidFill>
+            <a:tailEnd type="triangle"/>
+          </a:ln>
+        </p:spPr>
+        <p:style>
+          <a:lnRef idx="1">
+            <a:schemeClr val="accent1"/>
+          </a:lnRef>
+          <a:fillRef idx="0">
+            <a:schemeClr val="accent1"/>
+          </a:fillRef>
+          <a:effectRef idx="0">
+            <a:schemeClr val="accent1"/>
+          </a:effectRef>
+          <a:fontRef idx="minor">
+            <a:schemeClr val="tx1"/>
+          </a:fontRef>
+        </p:style>
+      </p:cxnSp>
+      <p:cxnSp>
+        <p:nvCxnSpPr>
+          <p:cNvPr id="74" name="肘形接點 73"/>
+          <p:cNvCxnSpPr>
+            <a:stCxn id="86" idx="2"/>
+            <a:endCxn id="13" idx="0"/>
+          </p:cNvCxnSpPr>
+          <p:nvPr/>
+        </p:nvCxnSpPr>
+        <p:spPr>
+          <a:xfrm rot="16200000" flipH="1">
+            <a:off x="10240184" y="4160316"/>
+            <a:ext cx="732434" cy="691801"/>
+          </a:xfrm>
+          <a:prstGeom prst="bentConnector3">
+            <a:avLst>
+              <a:gd name="adj1" fmla="val 50000"/>
+            </a:avLst>
           </a:prstGeom>
           <a:ln w="12700">
             <a:solidFill>
@@ -17924,28 +17912,7 @@
                 <a:latin typeface="華康中特圓體" panose="020F0809000000000000" pitchFamily="49" charset="-120"/>
                 <a:ea typeface="華康中特圓體" panose="020F0809000000000000" pitchFamily="49" charset="-120"/>
               </a:rPr>
-              <a:t>　　　　指標移</a:t>
-            </a:r>
-            <a:r>
-              <a:rPr lang="zh-TW" altLang="en-US" sz="1400" dirty="0" smtClean="0">
-                <a:latin typeface="華康中特圓體" panose="020F0809000000000000" pitchFamily="49" charset="-120"/>
-                <a:ea typeface="華康中特圓體" panose="020F0809000000000000" pitchFamily="49" charset="-120"/>
-              </a:rPr>
-              <a:t>上去有</a:t>
-            </a:r>
-            <a:r>
-              <a:rPr lang="zh-TW" altLang="en-US" sz="1400" dirty="0" smtClean="0">
-                <a:latin typeface="華康中特圓體" panose="020F0809000000000000" pitchFamily="49" charset="-120"/>
-                <a:ea typeface="華康中特圓體" panose="020F0809000000000000" pitchFamily="49" charset="-120"/>
-              </a:rPr>
-              <a:t>下拉式</a:t>
-            </a:r>
-            <a:r>
-              <a:rPr lang="zh-TW" altLang="en-US" sz="1400" dirty="0" smtClean="0">
-                <a:latin typeface="華康中特圓體" panose="020F0809000000000000" pitchFamily="49" charset="-120"/>
-                <a:ea typeface="華康中特圓體" panose="020F0809000000000000" pitchFamily="49" charset="-120"/>
-              </a:rPr>
-              <a:t>選單，</a:t>
+              <a:t>　　　　指標移上去有下拉式選單，</a:t>
             </a:r>
             <a:endParaRPr lang="en-US" altLang="zh-TW" sz="1400" dirty="0" smtClean="0">
               <a:latin typeface="華康中特圓體" panose="020F0809000000000000" pitchFamily="49" charset="-120"/>
@@ -17963,14 +17930,7 @@
                 <a:latin typeface="華康中特圓體" panose="020F0809000000000000" pitchFamily="49" charset="-120"/>
                 <a:ea typeface="華康中特圓體" panose="020F0809000000000000" pitchFamily="49" charset="-120"/>
               </a:rPr>
-              <a:t>　　　　同時顯示當前頁面位置</a:t>
-            </a:r>
-            <a:r>
-              <a:rPr lang="zh-TW" altLang="en-US" sz="1400" dirty="0" smtClean="0">
-                <a:latin typeface="華康中特圓體" panose="020F0809000000000000" pitchFamily="49" charset="-120"/>
-                <a:ea typeface="華康中特圓體" panose="020F0809000000000000" pitchFamily="49" charset="-120"/>
-              </a:rPr>
-              <a:t>。</a:t>
+              <a:t>　　　　同時顯示當前頁面位置。</a:t>
             </a:r>
             <a:endParaRPr lang="zh-TW" altLang="en-US" sz="1400" dirty="0">
               <a:latin typeface="華康中特圓體" panose="020F0809000000000000" pitchFamily="49" charset="-120"/>
@@ -18151,10 +18111,7 @@
             <a:avLst/>
           </a:prstGeom>
           <a:solidFill>
-            <a:schemeClr val="accent5">
-              <a:lumMod val="60000"/>
-              <a:lumOff val="40000"/>
-            </a:schemeClr>
+            <a:srgbClr val="FFC000"/>
           </a:solidFill>
           <a:ln>
             <a:noFill/>
@@ -18212,10 +18169,7 @@
             <a:avLst/>
           </a:prstGeom>
           <a:solidFill>
-            <a:schemeClr val="accent5">
-              <a:lumMod val="60000"/>
-              <a:lumOff val="40000"/>
-            </a:schemeClr>
+            <a:srgbClr val="FFC000"/>
           </a:solidFill>
           <a:ln>
             <a:noFill/>
@@ -18881,10 +18835,7 @@
             <a:avLst/>
           </a:prstGeom>
           <a:solidFill>
-            <a:schemeClr val="accent5">
-              <a:lumMod val="60000"/>
-              <a:lumOff val="40000"/>
-            </a:schemeClr>
+            <a:srgbClr val="FFC000"/>
           </a:solidFill>
           <a:ln>
             <a:noFill/>
@@ -18978,10 +18929,7 @@
             <a:avLst/>
           </a:prstGeom>
           <a:solidFill>
-            <a:schemeClr val="accent5">
-              <a:lumMod val="60000"/>
-              <a:lumOff val="40000"/>
-            </a:schemeClr>
+            <a:srgbClr val="FFC000"/>
           </a:solidFill>
           <a:ln>
             <a:noFill/>
@@ -19039,10 +18987,7 @@
             <a:avLst/>
           </a:prstGeom>
           <a:solidFill>
-            <a:schemeClr val="accent5">
-              <a:lumMod val="60000"/>
-              <a:lumOff val="40000"/>
-            </a:schemeClr>
+            <a:srgbClr val="FFC000"/>
           </a:solidFill>
           <a:ln>
             <a:noFill/>
@@ -19100,10 +19045,7 @@
             <a:avLst/>
           </a:prstGeom>
           <a:solidFill>
-            <a:schemeClr val="accent5">
-              <a:lumMod val="60000"/>
-              <a:lumOff val="40000"/>
-            </a:schemeClr>
+            <a:srgbClr val="FFC000"/>
           </a:solidFill>
           <a:ln>
             <a:noFill/>
@@ -19682,10 +19624,7 @@
             <a:avLst/>
           </a:prstGeom>
           <a:solidFill>
-            <a:schemeClr val="accent5">
-              <a:lumMod val="60000"/>
-              <a:lumOff val="40000"/>
-            </a:schemeClr>
+            <a:srgbClr val="FFC000"/>
           </a:solidFill>
           <a:ln>
             <a:noFill/>
@@ -19841,10 +19780,7 @@
             <a:avLst/>
           </a:prstGeom>
           <a:solidFill>
-            <a:schemeClr val="accent5">
-              <a:lumMod val="60000"/>
-              <a:lumOff val="40000"/>
-            </a:schemeClr>
+            <a:srgbClr val="FFC000"/>
           </a:solidFill>
           <a:ln>
             <a:noFill/>
@@ -19969,10 +19905,7 @@
             <a:avLst/>
           </a:prstGeom>
           <a:solidFill>
-            <a:schemeClr val="accent5">
-              <a:lumMod val="60000"/>
-              <a:lumOff val="40000"/>
-            </a:schemeClr>
+            <a:srgbClr val="FFC000"/>
           </a:solidFill>
           <a:ln>
             <a:noFill/>
@@ -20223,10 +20156,7 @@
             <a:avLst/>
           </a:prstGeom>
           <a:solidFill>
-            <a:schemeClr val="accent5">
-              <a:lumMod val="60000"/>
-              <a:lumOff val="40000"/>
-            </a:schemeClr>
+            <a:srgbClr val="FFC000"/>
           </a:solidFill>
           <a:ln>
             <a:noFill/>
@@ -20603,10 +20533,7 @@
             <a:avLst/>
           </a:prstGeom>
           <a:solidFill>
-            <a:schemeClr val="accent5">
-              <a:lumMod val="60000"/>
-              <a:lumOff val="40000"/>
-            </a:schemeClr>
+            <a:srgbClr val="FFC000"/>
           </a:solidFill>
           <a:ln>
             <a:noFill/>
@@ -20664,10 +20591,7 @@
             <a:avLst/>
           </a:prstGeom>
           <a:solidFill>
-            <a:schemeClr val="accent5">
-              <a:lumMod val="60000"/>
-              <a:lumOff val="40000"/>
-            </a:schemeClr>
+            <a:srgbClr val="FFC000"/>
           </a:solidFill>
           <a:ln>
             <a:noFill/>
@@ -20784,10 +20708,7 @@
             <a:avLst/>
           </a:prstGeom>
           <a:solidFill>
-            <a:schemeClr val="accent5">
-              <a:lumMod val="60000"/>
-              <a:lumOff val="40000"/>
-            </a:schemeClr>
+            <a:srgbClr val="FFC000"/>
           </a:solidFill>
           <a:ln>
             <a:noFill/>
@@ -20845,10 +20766,7 @@
             <a:avLst/>
           </a:prstGeom>
           <a:solidFill>
-            <a:schemeClr val="accent5">
-              <a:lumMod val="60000"/>
-              <a:lumOff val="40000"/>
-            </a:schemeClr>
+            <a:srgbClr val="FFC000"/>
           </a:solidFill>
           <a:ln>
             <a:noFill/>
@@ -20961,10 +20879,7 @@
             <a:avLst/>
           </a:prstGeom>
           <a:solidFill>
-            <a:schemeClr val="accent5">
-              <a:lumMod val="60000"/>
-              <a:lumOff val="40000"/>
-            </a:schemeClr>
+            <a:srgbClr val="FFC000"/>
           </a:solidFill>
           <a:ln>
             <a:noFill/>
@@ -21022,10 +20937,7 @@
             <a:avLst/>
           </a:prstGeom>
           <a:solidFill>
-            <a:schemeClr val="accent5">
-              <a:lumMod val="60000"/>
-              <a:lumOff val="40000"/>
-            </a:schemeClr>
+            <a:srgbClr val="FFC000"/>
           </a:solidFill>
           <a:ln>
             <a:noFill/>
@@ -21290,10 +21202,7 @@
             <a:avLst/>
           </a:prstGeom>
           <a:solidFill>
-            <a:schemeClr val="accent5">
-              <a:lumMod val="60000"/>
-              <a:lumOff val="40000"/>
-            </a:schemeClr>
+            <a:srgbClr val="FFC000"/>
           </a:solidFill>
           <a:ln>
             <a:noFill/>
@@ -21351,10 +21260,7 @@
             <a:avLst/>
           </a:prstGeom>
           <a:solidFill>
-            <a:schemeClr val="accent5">
-              <a:lumMod val="60000"/>
-              <a:lumOff val="40000"/>
-            </a:schemeClr>
+            <a:srgbClr val="FFC000"/>
           </a:solidFill>
           <a:ln>
             <a:noFill/>

--- a/個人作品報告.pptx
+++ b/個人作品報告.pptx
@@ -256,7 +256,7 @@
           <a:p>
             <a:fld id="{8266958A-3F71-4CB8-A776-423E021826CD}" type="datetimeFigureOut">
               <a:rPr lang="zh-TW" altLang="en-US" smtClean="0"/>
-              <a:t>2020/1/9</a:t>
+              <a:t>2020/1/30</a:t>
             </a:fld>
             <a:endParaRPr lang="zh-TW" altLang="en-US"/>
           </a:p>
@@ -426,7 +426,7 @@
           <a:p>
             <a:fld id="{8266958A-3F71-4CB8-A776-423E021826CD}" type="datetimeFigureOut">
               <a:rPr lang="zh-TW" altLang="en-US" smtClean="0"/>
-              <a:t>2020/1/9</a:t>
+              <a:t>2020/1/30</a:t>
             </a:fld>
             <a:endParaRPr lang="zh-TW" altLang="en-US"/>
           </a:p>
@@ -606,7 +606,7 @@
           <a:p>
             <a:fld id="{8266958A-3F71-4CB8-A776-423E021826CD}" type="datetimeFigureOut">
               <a:rPr lang="zh-TW" altLang="en-US" smtClean="0"/>
-              <a:t>2020/1/9</a:t>
+              <a:t>2020/1/30</a:t>
             </a:fld>
             <a:endParaRPr lang="zh-TW" altLang="en-US"/>
           </a:p>
@@ -776,7 +776,7 @@
           <a:p>
             <a:fld id="{8266958A-3F71-4CB8-A776-423E021826CD}" type="datetimeFigureOut">
               <a:rPr lang="zh-TW" altLang="en-US" smtClean="0"/>
-              <a:t>2020/1/9</a:t>
+              <a:t>2020/1/30</a:t>
             </a:fld>
             <a:endParaRPr lang="zh-TW" altLang="en-US"/>
           </a:p>
@@ -1022,7 +1022,7 @@
           <a:p>
             <a:fld id="{8266958A-3F71-4CB8-A776-423E021826CD}" type="datetimeFigureOut">
               <a:rPr lang="zh-TW" altLang="en-US" smtClean="0"/>
-              <a:t>2020/1/9</a:t>
+              <a:t>2020/1/30</a:t>
             </a:fld>
             <a:endParaRPr lang="zh-TW" altLang="en-US"/>
           </a:p>
@@ -1254,7 +1254,7 @@
           <a:p>
             <a:fld id="{8266958A-3F71-4CB8-A776-423E021826CD}" type="datetimeFigureOut">
               <a:rPr lang="zh-TW" altLang="en-US" smtClean="0"/>
-              <a:t>2020/1/9</a:t>
+              <a:t>2020/1/30</a:t>
             </a:fld>
             <a:endParaRPr lang="zh-TW" altLang="en-US"/>
           </a:p>
@@ -1621,7 +1621,7 @@
           <a:p>
             <a:fld id="{8266958A-3F71-4CB8-A776-423E021826CD}" type="datetimeFigureOut">
               <a:rPr lang="zh-TW" altLang="en-US" smtClean="0"/>
-              <a:t>2020/1/9</a:t>
+              <a:t>2020/1/30</a:t>
             </a:fld>
             <a:endParaRPr lang="zh-TW" altLang="en-US"/>
           </a:p>
@@ -1739,7 +1739,7 @@
           <a:p>
             <a:fld id="{8266958A-3F71-4CB8-A776-423E021826CD}" type="datetimeFigureOut">
               <a:rPr lang="zh-TW" altLang="en-US" smtClean="0"/>
-              <a:t>2020/1/9</a:t>
+              <a:t>2020/1/30</a:t>
             </a:fld>
             <a:endParaRPr lang="zh-TW" altLang="en-US"/>
           </a:p>
@@ -1834,7 +1834,7 @@
           <a:p>
             <a:fld id="{8266958A-3F71-4CB8-A776-423E021826CD}" type="datetimeFigureOut">
               <a:rPr lang="zh-TW" altLang="en-US" smtClean="0"/>
-              <a:t>2020/1/9</a:t>
+              <a:t>2020/1/30</a:t>
             </a:fld>
             <a:endParaRPr lang="zh-TW" altLang="en-US"/>
           </a:p>
@@ -2111,7 +2111,7 @@
           <a:p>
             <a:fld id="{8266958A-3F71-4CB8-A776-423E021826CD}" type="datetimeFigureOut">
               <a:rPr lang="zh-TW" altLang="en-US" smtClean="0"/>
-              <a:t>2020/1/9</a:t>
+              <a:t>2020/1/30</a:t>
             </a:fld>
             <a:endParaRPr lang="zh-TW" altLang="en-US"/>
           </a:p>
@@ -2364,7 +2364,7 @@
           <a:p>
             <a:fld id="{8266958A-3F71-4CB8-A776-423E021826CD}" type="datetimeFigureOut">
               <a:rPr lang="zh-TW" altLang="en-US" smtClean="0"/>
-              <a:t>2020/1/9</a:t>
+              <a:t>2020/1/30</a:t>
             </a:fld>
             <a:endParaRPr lang="zh-TW" altLang="en-US"/>
           </a:p>
@@ -2577,7 +2577,7 @@
           <a:p>
             <a:fld id="{8266958A-3F71-4CB8-A776-423E021826CD}" type="datetimeFigureOut">
               <a:rPr lang="zh-TW" altLang="en-US" smtClean="0"/>
-              <a:t>2020/1/9</a:t>
+              <a:t>2020/1/30</a:t>
             </a:fld>
             <a:endParaRPr lang="zh-TW" altLang="en-US"/>
           </a:p>
@@ -10834,7 +10834,7 @@
 </file>
 
 <file path=ppt/slides/slide4.xml><?xml version="1.0" encoding="utf-8"?>
-<p:sld xmlns:a="http://schemas.openxmlformats.org/drawingml/2006/main" xmlns:r="http://schemas.openxmlformats.org/officeDocument/2006/relationships" xmlns:p="http://schemas.openxmlformats.org/presentationml/2006/main" show="0">
+<p:sld xmlns:a="http://schemas.openxmlformats.org/drawingml/2006/main" xmlns:r="http://schemas.openxmlformats.org/officeDocument/2006/relationships" xmlns:p="http://schemas.openxmlformats.org/presentationml/2006/main">
   <p:cSld>
     <p:spTree>
       <p:nvGrpSpPr>
@@ -10991,43 +10991,7 @@
                 <a:latin typeface="華康中特圓體" panose="020F0809000000000000" pitchFamily="49" charset="-120"/>
                 <a:ea typeface="華康中特圓體" panose="020F0809000000000000" pitchFamily="49" charset="-120"/>
               </a:rPr>
-              <a:t>中文</a:t>
-            </a:r>
-            <a:endParaRPr lang="zh-TW" altLang="en-US" sz="2400" dirty="0">
-              <a:latin typeface="華康中特圓體" panose="020F0809000000000000" pitchFamily="49" charset="-120"/>
-              <a:ea typeface="華康中特圓體" panose="020F0809000000000000" pitchFamily="49" charset="-120"/>
-            </a:endParaRPr>
-          </a:p>
-        </p:txBody>
-      </p:sp>
-      <p:sp>
-        <p:nvSpPr>
-          <p:cNvPr id="5" name="文字方塊 4"/>
-          <p:cNvSpPr txBox="1"/>
-          <p:nvPr/>
-        </p:nvSpPr>
-        <p:spPr>
-          <a:xfrm>
-            <a:off x="6840000" y="4320000"/>
-            <a:ext cx="800219" cy="461665"/>
-          </a:xfrm>
-          <a:prstGeom prst="rect">
-            <a:avLst/>
-          </a:prstGeom>
-          <a:noFill/>
-        </p:spPr>
-        <p:txBody>
-          <a:bodyPr wrap="none" rtlCol="0">
-            <a:spAutoFit/>
-          </a:bodyPr>
-          <a:lstStyle/>
-          <a:p>
-            <a:r>
-              <a:rPr lang="zh-TW" altLang="en-US" sz="2400" dirty="0" smtClean="0">
-                <a:latin typeface="華康中特圓體" panose="020F0809000000000000" pitchFamily="49" charset="-120"/>
-                <a:ea typeface="華康中特圓體" panose="020F0809000000000000" pitchFamily="49" charset="-120"/>
-              </a:rPr>
-              <a:t>英文</a:t>
+              <a:t>字型</a:t>
             </a:r>
             <a:endParaRPr lang="zh-TW" altLang="en-US" sz="2400" dirty="0">
               <a:latin typeface="華康中特圓體" panose="020F0809000000000000" pitchFamily="49" charset="-120"/>
@@ -11073,6 +11037,454 @@
           </a:fontRef>
         </p:style>
       </p:cxnSp>
+      <p:sp>
+        <p:nvSpPr>
+          <p:cNvPr id="6" name="文字方塊 5"/>
+          <p:cNvSpPr txBox="1"/>
+          <p:nvPr/>
+        </p:nvSpPr>
+        <p:spPr>
+          <a:xfrm>
+            <a:off x="2680298" y="3029565"/>
+            <a:ext cx="1261884" cy="461665"/>
+          </a:xfrm>
+          <a:prstGeom prst="rect">
+            <a:avLst/>
+          </a:prstGeom>
+          <a:noFill/>
+        </p:spPr>
+        <p:txBody>
+          <a:bodyPr wrap="none" rtlCol="0">
+            <a:spAutoFit/>
+          </a:bodyPr>
+          <a:lstStyle/>
+          <a:p>
+            <a:r>
+              <a:rPr lang="en-US" altLang="zh-TW" sz="2400" dirty="0" smtClean="0">
+                <a:latin typeface="+mj-lt"/>
+              </a:rPr>
+              <a:t>#e0e0e0</a:t>
+            </a:r>
+            <a:endParaRPr lang="zh-TW" altLang="en-US" sz="2400" dirty="0">
+              <a:latin typeface="+mj-lt"/>
+            </a:endParaRPr>
+          </a:p>
+        </p:txBody>
+      </p:sp>
+      <p:sp>
+        <p:nvSpPr>
+          <p:cNvPr id="8" name="圓角矩形 7"/>
+          <p:cNvSpPr/>
+          <p:nvPr/>
+        </p:nvSpPr>
+        <p:spPr>
+          <a:xfrm>
+            <a:off x="1788363" y="3130928"/>
+            <a:ext cx="718147" cy="718147"/>
+          </a:xfrm>
+          <a:prstGeom prst="roundRect">
+            <a:avLst/>
+          </a:prstGeom>
+          <a:solidFill>
+            <a:srgbClr val="E0E0E0"/>
+          </a:solidFill>
+          <a:ln>
+            <a:solidFill>
+              <a:schemeClr val="bg1"/>
+            </a:solidFill>
+          </a:ln>
+        </p:spPr>
+        <p:style>
+          <a:lnRef idx="2">
+            <a:schemeClr val="accent1">
+              <a:shade val="50000"/>
+            </a:schemeClr>
+          </a:lnRef>
+          <a:fillRef idx="1">
+            <a:schemeClr val="accent1"/>
+          </a:fillRef>
+          <a:effectRef idx="0">
+            <a:schemeClr val="accent1"/>
+          </a:effectRef>
+          <a:fontRef idx="minor">
+            <a:schemeClr val="lt1"/>
+          </a:fontRef>
+        </p:style>
+        <p:txBody>
+          <a:bodyPr rtlCol="0" anchor="ctr"/>
+          <a:lstStyle/>
+          <a:p>
+            <a:pPr algn="ctr"/>
+            <a:endParaRPr lang="zh-TW" altLang="en-US"/>
+          </a:p>
+        </p:txBody>
+      </p:sp>
+      <p:sp>
+        <p:nvSpPr>
+          <p:cNvPr id="10" name="圓角矩形 9"/>
+          <p:cNvSpPr/>
+          <p:nvPr/>
+        </p:nvSpPr>
+        <p:spPr>
+          <a:xfrm>
+            <a:off x="1788363" y="5252590"/>
+            <a:ext cx="718147" cy="718147"/>
+          </a:xfrm>
+          <a:prstGeom prst="roundRect">
+            <a:avLst/>
+          </a:prstGeom>
+          <a:solidFill>
+            <a:srgbClr val="FAF7F7"/>
+          </a:solidFill>
+          <a:ln>
+            <a:solidFill>
+              <a:schemeClr val="bg1"/>
+            </a:solidFill>
+          </a:ln>
+        </p:spPr>
+        <p:style>
+          <a:lnRef idx="2">
+            <a:schemeClr val="accent1">
+              <a:shade val="50000"/>
+            </a:schemeClr>
+          </a:lnRef>
+          <a:fillRef idx="1">
+            <a:schemeClr val="accent1"/>
+          </a:fillRef>
+          <a:effectRef idx="0">
+            <a:schemeClr val="accent1"/>
+          </a:effectRef>
+          <a:fontRef idx="minor">
+            <a:schemeClr val="lt1"/>
+          </a:fontRef>
+        </p:style>
+        <p:txBody>
+          <a:bodyPr rtlCol="0" anchor="ctr"/>
+          <a:lstStyle/>
+          <a:p>
+            <a:pPr algn="ctr"/>
+            <a:endParaRPr lang="zh-TW" altLang="en-US"/>
+          </a:p>
+        </p:txBody>
+      </p:sp>
+      <p:sp>
+        <p:nvSpPr>
+          <p:cNvPr id="11" name="文字方塊 10"/>
+          <p:cNvSpPr txBox="1"/>
+          <p:nvPr/>
+        </p:nvSpPr>
+        <p:spPr>
+          <a:xfrm>
+            <a:off x="2680298" y="5149998"/>
+            <a:ext cx="1059714" cy="461665"/>
+          </a:xfrm>
+          <a:prstGeom prst="rect">
+            <a:avLst/>
+          </a:prstGeom>
+          <a:noFill/>
+        </p:spPr>
+        <p:txBody>
+          <a:bodyPr wrap="none" rtlCol="0">
+            <a:spAutoFit/>
+          </a:bodyPr>
+          <a:lstStyle/>
+          <a:p>
+            <a:r>
+              <a:rPr lang="en-US" altLang="zh-TW" sz="2400" dirty="0">
+                <a:latin typeface="+mj-lt"/>
+              </a:rPr>
+              <a:t>#faf7f7</a:t>
+            </a:r>
+            <a:endParaRPr lang="zh-TW" altLang="en-US" sz="2400" dirty="0">
+              <a:latin typeface="+mj-lt"/>
+            </a:endParaRPr>
+          </a:p>
+        </p:txBody>
+      </p:sp>
+      <p:sp>
+        <p:nvSpPr>
+          <p:cNvPr id="12" name="文字方塊 11"/>
+          <p:cNvSpPr txBox="1"/>
+          <p:nvPr/>
+        </p:nvSpPr>
+        <p:spPr>
+          <a:xfrm>
+            <a:off x="2680298" y="3490001"/>
+            <a:ext cx="2435475" cy="461665"/>
+          </a:xfrm>
+          <a:prstGeom prst="rect">
+            <a:avLst/>
+          </a:prstGeom>
+          <a:noFill/>
+        </p:spPr>
+        <p:txBody>
+          <a:bodyPr wrap="none" rtlCol="0">
+            <a:spAutoFit/>
+          </a:bodyPr>
+          <a:lstStyle/>
+          <a:p>
+            <a:r>
+              <a:rPr lang="en-US" altLang="zh-TW" sz="2400" dirty="0" smtClean="0">
+                <a:latin typeface="+mj-lt"/>
+              </a:rPr>
+              <a:t>RGB(224,224,224)</a:t>
+            </a:r>
+            <a:endParaRPr lang="zh-TW" altLang="en-US" sz="2400" dirty="0">
+              <a:latin typeface="+mj-lt"/>
+            </a:endParaRPr>
+          </a:p>
+        </p:txBody>
+      </p:sp>
+      <p:sp>
+        <p:nvSpPr>
+          <p:cNvPr id="13" name="文字方塊 12"/>
+          <p:cNvSpPr txBox="1"/>
+          <p:nvPr/>
+        </p:nvSpPr>
+        <p:spPr>
+          <a:xfrm>
+            <a:off x="2680298" y="5611663"/>
+            <a:ext cx="2435475" cy="461665"/>
+          </a:xfrm>
+          <a:prstGeom prst="rect">
+            <a:avLst/>
+          </a:prstGeom>
+          <a:noFill/>
+        </p:spPr>
+        <p:txBody>
+          <a:bodyPr wrap="none" rtlCol="0">
+            <a:spAutoFit/>
+          </a:bodyPr>
+          <a:lstStyle/>
+          <a:p>
+            <a:r>
+              <a:rPr lang="en-US" altLang="zh-TW" sz="2400" dirty="0" smtClean="0">
+                <a:latin typeface="+mj-lt"/>
+              </a:rPr>
+              <a:t>RGB(250,247,247)</a:t>
+            </a:r>
+            <a:endParaRPr lang="zh-TW" altLang="en-US" sz="2400" dirty="0">
+              <a:latin typeface="+mj-lt"/>
+            </a:endParaRPr>
+          </a:p>
+        </p:txBody>
+      </p:sp>
+      <p:sp>
+        <p:nvSpPr>
+          <p:cNvPr id="9" name="文字方塊 8"/>
+          <p:cNvSpPr txBox="1"/>
+          <p:nvPr/>
+        </p:nvSpPr>
+        <p:spPr>
+          <a:xfrm>
+            <a:off x="7268288" y="3029565"/>
+            <a:ext cx="1569660" cy="369332"/>
+          </a:xfrm>
+          <a:prstGeom prst="rect">
+            <a:avLst/>
+          </a:prstGeom>
+          <a:noFill/>
+        </p:spPr>
+        <p:txBody>
+          <a:bodyPr wrap="none" rtlCol="0">
+            <a:spAutoFit/>
+          </a:bodyPr>
+          <a:lstStyle/>
+          <a:p>
+            <a:r>
+              <a:rPr lang="zh-TW" altLang="en-US" dirty="0" smtClean="0">
+                <a:latin typeface="華康中特圓體" panose="020F0809000000000000" pitchFamily="49" charset="-120"/>
+                <a:ea typeface="華康中特圓體" panose="020F0809000000000000" pitchFamily="49" charset="-120"/>
+              </a:rPr>
+              <a:t>華康中特圓體</a:t>
+            </a:r>
+            <a:endParaRPr lang="zh-TW" altLang="en-US" dirty="0">
+              <a:latin typeface="華康中特圓體" panose="020F0809000000000000" pitchFamily="49" charset="-120"/>
+              <a:ea typeface="華康中特圓體" panose="020F0809000000000000" pitchFamily="49" charset="-120"/>
+            </a:endParaRPr>
+          </a:p>
+        </p:txBody>
+      </p:sp>
+      <p:sp>
+        <p:nvSpPr>
+          <p:cNvPr id="15" name="文字方塊 14"/>
+          <p:cNvSpPr txBox="1"/>
+          <p:nvPr/>
+        </p:nvSpPr>
+        <p:spPr>
+          <a:xfrm>
+            <a:off x="9064809" y="3029565"/>
+            <a:ext cx="1338828" cy="369332"/>
+          </a:xfrm>
+          <a:prstGeom prst="rect">
+            <a:avLst/>
+          </a:prstGeom>
+          <a:noFill/>
+        </p:spPr>
+        <p:txBody>
+          <a:bodyPr wrap="none" rtlCol="0">
+            <a:spAutoFit/>
+          </a:bodyPr>
+          <a:lstStyle/>
+          <a:p>
+            <a:r>
+              <a:rPr lang="zh-TW" altLang="en-US" dirty="0" smtClean="0">
+                <a:latin typeface="華康中圓體" panose="020F0509000000000000" pitchFamily="49" charset="-120"/>
+                <a:ea typeface="華康中圓體" panose="020F0509000000000000" pitchFamily="49" charset="-120"/>
+              </a:rPr>
+              <a:t>華康中圓體</a:t>
+            </a:r>
+            <a:endParaRPr lang="zh-TW" altLang="en-US" dirty="0">
+              <a:latin typeface="華康中圓體" panose="020F0509000000000000" pitchFamily="49" charset="-120"/>
+              <a:ea typeface="華康中圓體" panose="020F0509000000000000" pitchFamily="49" charset="-120"/>
+            </a:endParaRPr>
+          </a:p>
+        </p:txBody>
+      </p:sp>
+      <p:sp>
+        <p:nvSpPr>
+          <p:cNvPr id="14" name="文字方塊 13"/>
+          <p:cNvSpPr txBox="1"/>
+          <p:nvPr/>
+        </p:nvSpPr>
+        <p:spPr>
+          <a:xfrm>
+            <a:off x="7268288" y="5057664"/>
+            <a:ext cx="954107" cy="553998"/>
+          </a:xfrm>
+          <a:prstGeom prst="rect">
+            <a:avLst/>
+          </a:prstGeom>
+          <a:noFill/>
+        </p:spPr>
+        <p:txBody>
+          <a:bodyPr wrap="none" rtlCol="0">
+            <a:spAutoFit/>
+          </a:bodyPr>
+          <a:lstStyle/>
+          <a:p>
+            <a:r>
+              <a:rPr lang="en-US" altLang="zh-TW" sz="3000" dirty="0" smtClean="0">
+                <a:latin typeface="華康中圓體" panose="020F0509000000000000" pitchFamily="49" charset="-120"/>
+                <a:ea typeface="華康中圓體" panose="020F0509000000000000" pitchFamily="49" charset="-120"/>
+              </a:rPr>
+              <a:t>30px</a:t>
+            </a:r>
+            <a:endParaRPr lang="zh-TW" altLang="en-US" sz="3000" dirty="0">
+              <a:latin typeface="華康中圓體" panose="020F0509000000000000" pitchFamily="49" charset="-120"/>
+              <a:ea typeface="華康中圓體" panose="020F0509000000000000" pitchFamily="49" charset="-120"/>
+            </a:endParaRPr>
+          </a:p>
+        </p:txBody>
+      </p:sp>
+      <p:sp>
+        <p:nvSpPr>
+          <p:cNvPr id="17" name="文字方塊 16"/>
+          <p:cNvSpPr txBox="1"/>
+          <p:nvPr/>
+        </p:nvSpPr>
+        <p:spPr>
+          <a:xfrm>
+            <a:off x="8267131" y="5149997"/>
+            <a:ext cx="800219" cy="461665"/>
+          </a:xfrm>
+          <a:prstGeom prst="rect">
+            <a:avLst/>
+          </a:prstGeom>
+          <a:noFill/>
+        </p:spPr>
+        <p:txBody>
+          <a:bodyPr wrap="none" rtlCol="0">
+            <a:spAutoFit/>
+          </a:bodyPr>
+          <a:lstStyle/>
+          <a:p>
+            <a:r>
+              <a:rPr lang="en-US" altLang="zh-TW" sz="2400" dirty="0" smtClean="0">
+                <a:latin typeface="華康中圓體" panose="020F0509000000000000" pitchFamily="49" charset="-120"/>
+                <a:ea typeface="華康中圓體" panose="020F0509000000000000" pitchFamily="49" charset="-120"/>
+              </a:rPr>
+              <a:t>24px</a:t>
+            </a:r>
+            <a:endParaRPr lang="zh-TW" altLang="en-US" sz="2400" dirty="0">
+              <a:latin typeface="華康中圓體" panose="020F0509000000000000" pitchFamily="49" charset="-120"/>
+              <a:ea typeface="華康中圓體" panose="020F0509000000000000" pitchFamily="49" charset="-120"/>
+            </a:endParaRPr>
+          </a:p>
+        </p:txBody>
+      </p:sp>
+      <p:sp>
+        <p:nvSpPr>
+          <p:cNvPr id="18" name="文字方塊 17"/>
+          <p:cNvSpPr txBox="1"/>
+          <p:nvPr/>
+        </p:nvSpPr>
+        <p:spPr>
+          <a:xfrm>
+            <a:off x="9112086" y="5242330"/>
+            <a:ext cx="646331" cy="369332"/>
+          </a:xfrm>
+          <a:prstGeom prst="rect">
+            <a:avLst/>
+          </a:prstGeom>
+          <a:noFill/>
+        </p:spPr>
+        <p:txBody>
+          <a:bodyPr wrap="none" rtlCol="0">
+            <a:spAutoFit/>
+          </a:bodyPr>
+          <a:lstStyle/>
+          <a:p>
+            <a:r>
+              <a:rPr lang="en-US" altLang="zh-TW" dirty="0" smtClean="0">
+                <a:latin typeface="華康中圓體" panose="020F0509000000000000" pitchFamily="49" charset="-120"/>
+                <a:ea typeface="華康中圓體" panose="020F0509000000000000" pitchFamily="49" charset="-120"/>
+              </a:rPr>
+              <a:t>18px</a:t>
+            </a:r>
+            <a:endParaRPr lang="zh-TW" altLang="en-US" dirty="0">
+              <a:latin typeface="華康中圓體" panose="020F0509000000000000" pitchFamily="49" charset="-120"/>
+              <a:ea typeface="華康中圓體" panose="020F0509000000000000" pitchFamily="49" charset="-120"/>
+            </a:endParaRPr>
+          </a:p>
+        </p:txBody>
+      </p:sp>
+      <p:sp>
+        <p:nvSpPr>
+          <p:cNvPr id="19" name="文字方塊 18"/>
+          <p:cNvSpPr txBox="1"/>
+          <p:nvPr/>
+        </p:nvSpPr>
+        <p:spPr>
+          <a:xfrm>
+            <a:off x="6840000" y="4319999"/>
+            <a:ext cx="800219" cy="461665"/>
+          </a:xfrm>
+          <a:prstGeom prst="rect">
+            <a:avLst/>
+          </a:prstGeom>
+          <a:noFill/>
+        </p:spPr>
+        <p:txBody>
+          <a:bodyPr wrap="none" rtlCol="0">
+            <a:spAutoFit/>
+          </a:bodyPr>
+          <a:lstStyle/>
+          <a:p>
+            <a:r>
+              <a:rPr lang="zh-TW" altLang="en-US" sz="2400" dirty="0" smtClean="0">
+                <a:latin typeface="華康中特圓體" panose="020F0809000000000000" pitchFamily="49" charset="-120"/>
+                <a:ea typeface="華康中特圓體" panose="020F0809000000000000" pitchFamily="49" charset="-120"/>
+              </a:rPr>
+              <a:t>主要</a:t>
+            </a:r>
+            <a:endParaRPr lang="zh-TW" altLang="en-US" sz="2400" dirty="0">
+              <a:latin typeface="華康中特圓體" panose="020F0809000000000000" pitchFamily="49" charset="-120"/>
+              <a:ea typeface="華康中特圓體" panose="020F0809000000000000" pitchFamily="49" charset="-120"/>
+            </a:endParaRPr>
+          </a:p>
+        </p:txBody>
+      </p:sp>
     </p:spTree>
     <p:extLst>
       <p:ext uri="{BB962C8B-B14F-4D97-AF65-F5344CB8AC3E}">
@@ -11083,11 +11495,11 @@
   <p:clrMapOvr>
     <a:masterClrMapping/>
   </p:clrMapOvr>
-  <mc:AlternateContent xmlns:mc="http://schemas.openxmlformats.org/markup-compatibility/2006" xmlns:p14="http://schemas.microsoft.com/office/powerpoint/2010/main">
-    <mc:Choice Requires="p14">
+  <mc:AlternateContent xmlns:mc="http://schemas.openxmlformats.org/markup-compatibility/2006">
+    <mc:Choice xmlns:p14="http://schemas.microsoft.com/office/powerpoint/2010/main" Requires="p14">
       <p:transition spd="slow" p14:dur="2000"/>
     </mc:Choice>
-    <mc:Fallback xmlns="">
+    <mc:Fallback>
       <p:transition spd="slow"/>
     </mc:Fallback>
   </mc:AlternateContent>
@@ -20218,7 +20630,7 @@
 </file>
 
 <file path=ppt/slides/slide9.xml><?xml version="1.0" encoding="utf-8"?>
-<p:sld xmlns:a="http://schemas.openxmlformats.org/drawingml/2006/main" xmlns:r="http://schemas.openxmlformats.org/officeDocument/2006/relationships" xmlns:p="http://schemas.openxmlformats.org/presentationml/2006/main">
+<p:sld xmlns:a="http://schemas.openxmlformats.org/drawingml/2006/main" xmlns:r="http://schemas.openxmlformats.org/officeDocument/2006/relationships" xmlns:p="http://schemas.openxmlformats.org/presentationml/2006/main" show="0">
   <p:cSld>
     <p:spTree>
       <p:nvGrpSpPr>
@@ -21352,6 +21764,14 @@
   <p:clrMapOvr>
     <a:masterClrMapping/>
   </p:clrMapOvr>
+  <mc:AlternateContent xmlns:mc="http://schemas.openxmlformats.org/markup-compatibility/2006">
+    <mc:Choice xmlns:p14="http://schemas.microsoft.com/office/powerpoint/2010/main" Requires="p14">
+      <p:transition spd="slow" p14:dur="2000"/>
+    </mc:Choice>
+    <mc:Fallback>
+      <p:transition spd="slow"/>
+    </mc:Fallback>
+  </mc:AlternateContent>
   <p:timing>
     <p:tnLst>
       <p:par>

--- a/個人作品報告.pptx
+++ b/個人作品報告.pptx
@@ -266,7 +266,7 @@
           <a:p>
             <a:fld id="{8266958A-3F71-4CB8-A776-423E021826CD}" type="datetimeFigureOut">
               <a:rPr lang="zh-TW" altLang="en-US" smtClean="0"/>
-              <a:t>2020/2/3</a:t>
+              <a:t>2020/2/4</a:t>
             </a:fld>
             <a:endParaRPr lang="zh-TW" altLang="en-US"/>
           </a:p>
@@ -436,7 +436,7 @@
           <a:p>
             <a:fld id="{8266958A-3F71-4CB8-A776-423E021826CD}" type="datetimeFigureOut">
               <a:rPr lang="zh-TW" altLang="en-US" smtClean="0"/>
-              <a:t>2020/2/3</a:t>
+              <a:t>2020/2/4</a:t>
             </a:fld>
             <a:endParaRPr lang="zh-TW" altLang="en-US"/>
           </a:p>
@@ -616,7 +616,7 @@
           <a:p>
             <a:fld id="{8266958A-3F71-4CB8-A776-423E021826CD}" type="datetimeFigureOut">
               <a:rPr lang="zh-TW" altLang="en-US" smtClean="0"/>
-              <a:t>2020/2/3</a:t>
+              <a:t>2020/2/4</a:t>
             </a:fld>
             <a:endParaRPr lang="zh-TW" altLang="en-US"/>
           </a:p>
@@ -786,7 +786,7 @@
           <a:p>
             <a:fld id="{8266958A-3F71-4CB8-A776-423E021826CD}" type="datetimeFigureOut">
               <a:rPr lang="zh-TW" altLang="en-US" smtClean="0"/>
-              <a:t>2020/2/3</a:t>
+              <a:t>2020/2/4</a:t>
             </a:fld>
             <a:endParaRPr lang="zh-TW" altLang="en-US"/>
           </a:p>
@@ -1032,7 +1032,7 @@
           <a:p>
             <a:fld id="{8266958A-3F71-4CB8-A776-423E021826CD}" type="datetimeFigureOut">
               <a:rPr lang="zh-TW" altLang="en-US" smtClean="0"/>
-              <a:t>2020/2/3</a:t>
+              <a:t>2020/2/4</a:t>
             </a:fld>
             <a:endParaRPr lang="zh-TW" altLang="en-US"/>
           </a:p>
@@ -1264,7 +1264,7 @@
           <a:p>
             <a:fld id="{8266958A-3F71-4CB8-A776-423E021826CD}" type="datetimeFigureOut">
               <a:rPr lang="zh-TW" altLang="en-US" smtClean="0"/>
-              <a:t>2020/2/3</a:t>
+              <a:t>2020/2/4</a:t>
             </a:fld>
             <a:endParaRPr lang="zh-TW" altLang="en-US"/>
           </a:p>
@@ -1631,7 +1631,7 @@
           <a:p>
             <a:fld id="{8266958A-3F71-4CB8-A776-423E021826CD}" type="datetimeFigureOut">
               <a:rPr lang="zh-TW" altLang="en-US" smtClean="0"/>
-              <a:t>2020/2/3</a:t>
+              <a:t>2020/2/4</a:t>
             </a:fld>
             <a:endParaRPr lang="zh-TW" altLang="en-US"/>
           </a:p>
@@ -1749,7 +1749,7 @@
           <a:p>
             <a:fld id="{8266958A-3F71-4CB8-A776-423E021826CD}" type="datetimeFigureOut">
               <a:rPr lang="zh-TW" altLang="en-US" smtClean="0"/>
-              <a:t>2020/2/3</a:t>
+              <a:t>2020/2/4</a:t>
             </a:fld>
             <a:endParaRPr lang="zh-TW" altLang="en-US"/>
           </a:p>
@@ -1844,7 +1844,7 @@
           <a:p>
             <a:fld id="{8266958A-3F71-4CB8-A776-423E021826CD}" type="datetimeFigureOut">
               <a:rPr lang="zh-TW" altLang="en-US" smtClean="0"/>
-              <a:t>2020/2/3</a:t>
+              <a:t>2020/2/4</a:t>
             </a:fld>
             <a:endParaRPr lang="zh-TW" altLang="en-US"/>
           </a:p>
@@ -2121,7 +2121,7 @@
           <a:p>
             <a:fld id="{8266958A-3F71-4CB8-A776-423E021826CD}" type="datetimeFigureOut">
               <a:rPr lang="zh-TW" altLang="en-US" smtClean="0"/>
-              <a:t>2020/2/3</a:t>
+              <a:t>2020/2/4</a:t>
             </a:fld>
             <a:endParaRPr lang="zh-TW" altLang="en-US"/>
           </a:p>
@@ -2374,7 +2374,7 @@
           <a:p>
             <a:fld id="{8266958A-3F71-4CB8-A776-423E021826CD}" type="datetimeFigureOut">
               <a:rPr lang="zh-TW" altLang="en-US" smtClean="0"/>
-              <a:t>2020/2/3</a:t>
+              <a:t>2020/2/4</a:t>
             </a:fld>
             <a:endParaRPr lang="zh-TW" altLang="en-US"/>
           </a:p>
@@ -2587,7 +2587,7 @@
           <a:p>
             <a:fld id="{8266958A-3F71-4CB8-A776-423E021826CD}" type="datetimeFigureOut">
               <a:rPr lang="zh-TW" altLang="en-US" smtClean="0"/>
-              <a:t>2020/2/3</a:t>
+              <a:t>2020/2/4</a:t>
             </a:fld>
             <a:endParaRPr lang="zh-TW" altLang="en-US"/>
           </a:p>
@@ -15927,93 +15927,6 @@
       </p:grpSpPr>
       <p:cxnSp>
         <p:nvCxnSpPr>
-          <p:cNvPr id="67" name="直線單箭頭接點 66"/>
-          <p:cNvCxnSpPr>
-            <a:stCxn id="10" idx="2"/>
-            <a:endCxn id="64" idx="0"/>
-          </p:cNvCxnSpPr>
-          <p:nvPr/>
-        </p:nvCxnSpPr>
-        <p:spPr>
-          <a:xfrm>
-            <a:off x="1432803" y="2459168"/>
-            <a:ext cx="0" cy="707889"/>
-          </a:xfrm>
-          <a:prstGeom prst="straightConnector1">
-            <a:avLst/>
-          </a:prstGeom>
-          <a:ln w="12700">
-            <a:solidFill>
-              <a:schemeClr val="tx1"/>
-            </a:solidFill>
-            <a:tailEnd type="triangle"/>
-          </a:ln>
-        </p:spPr>
-        <p:style>
-          <a:lnRef idx="1">
-            <a:schemeClr val="accent1"/>
-          </a:lnRef>
-          <a:fillRef idx="0">
-            <a:schemeClr val="accent1"/>
-          </a:fillRef>
-          <a:effectRef idx="0">
-            <a:schemeClr val="accent1"/>
-          </a:effectRef>
-          <a:fontRef idx="minor">
-            <a:schemeClr val="tx1"/>
-          </a:fontRef>
-        </p:style>
-      </p:cxnSp>
-      <p:sp>
-        <p:nvSpPr>
-          <p:cNvPr id="64" name="矩形 63"/>
-          <p:cNvSpPr/>
-          <p:nvPr/>
-        </p:nvSpPr>
-        <p:spPr>
-          <a:xfrm>
-            <a:off x="802803" y="3167057"/>
-            <a:ext cx="1260000" cy="1080000"/>
-          </a:xfrm>
-          <a:prstGeom prst="rect">
-            <a:avLst/>
-          </a:prstGeom>
-          <a:solidFill>
-            <a:srgbClr val="8FAADC">
-              <a:alpha val="50000"/>
-            </a:srgbClr>
-          </a:solidFill>
-          <a:ln>
-            <a:noFill/>
-          </a:ln>
-        </p:spPr>
-        <p:style>
-          <a:lnRef idx="2">
-            <a:schemeClr val="accent1">
-              <a:shade val="50000"/>
-            </a:schemeClr>
-          </a:lnRef>
-          <a:fillRef idx="1">
-            <a:schemeClr val="accent1"/>
-          </a:fillRef>
-          <a:effectRef idx="0">
-            <a:schemeClr val="accent1"/>
-          </a:effectRef>
-          <a:fontRef idx="minor">
-            <a:schemeClr val="lt1"/>
-          </a:fontRef>
-        </p:style>
-        <p:txBody>
-          <a:bodyPr rtlCol="0" anchor="ctr"/>
-          <a:lstStyle/>
-          <a:p>
-            <a:pPr algn="ctr"/>
-            <a:endParaRPr lang="zh-TW" altLang="en-US"/>
-          </a:p>
-        </p:txBody>
-      </p:sp>
-      <p:cxnSp>
-        <p:nvCxnSpPr>
           <p:cNvPr id="66" name="肘形接點 65"/>
           <p:cNvCxnSpPr/>
           <p:nvPr/>
@@ -16496,7 +16409,7 @@
         </p:style>
         <p:txBody>
           <a:bodyPr wrap="none" rtlCol="0" anchor="ctr">
-            <a:spAutoFit/>
+            <a:noAutofit/>
           </a:bodyPr>
           <a:lstStyle/>
           <a:p>
@@ -16509,7 +16422,7 @@
                 <a:latin typeface="華康中圓體" panose="020F0509000000000000" pitchFamily="49" charset="-120"/>
                 <a:ea typeface="華康中圓體" panose="020F0509000000000000" pitchFamily="49" charset="-120"/>
               </a:rPr>
-              <a:t>最新公告</a:t>
+              <a:t>最新消息</a:t>
             </a:r>
             <a:endParaRPr lang="en-US" altLang="zh-TW" sz="2000" dirty="0" smtClean="0">
               <a:solidFill>
@@ -17078,152 +16991,6 @@
           </a:fontRef>
         </p:style>
       </p:cxnSp>
-      <p:sp>
-        <p:nvSpPr>
-          <p:cNvPr id="49" name="文字方塊 48"/>
-          <p:cNvSpPr txBox="1"/>
-          <p:nvPr/>
-        </p:nvSpPr>
-        <p:spPr>
-          <a:xfrm>
-            <a:off x="892326" y="3235329"/>
-            <a:ext cx="1080000" cy="360000"/>
-          </a:xfrm>
-          <a:prstGeom prst="rect">
-            <a:avLst/>
-          </a:prstGeom>
-          <a:solidFill>
-            <a:schemeClr val="accent5">
-              <a:lumMod val="60000"/>
-              <a:lumOff val="40000"/>
-            </a:schemeClr>
-          </a:solidFill>
-          <a:ln>
-            <a:noFill/>
-          </a:ln>
-          <a:effectLst>
-            <a:outerShdw blurRad="57150" dist="19050" dir="5400000" algn="ctr" rotWithShape="0">
-              <a:srgbClr val="000000">
-                <a:alpha val="63000"/>
-              </a:srgbClr>
-            </a:outerShdw>
-            <a:softEdge rad="0"/>
-          </a:effectLst>
-        </p:spPr>
-        <p:style>
-          <a:lnRef idx="0">
-            <a:schemeClr val="accent5"/>
-          </a:lnRef>
-          <a:fillRef idx="3">
-            <a:schemeClr val="accent5"/>
-          </a:fillRef>
-          <a:effectRef idx="3">
-            <a:schemeClr val="accent5"/>
-          </a:effectRef>
-          <a:fontRef idx="minor">
-            <a:schemeClr val="lt1"/>
-          </a:fontRef>
-        </p:style>
-        <p:txBody>
-          <a:bodyPr wrap="none" rtlCol="0" anchor="ctr">
-            <a:spAutoFit/>
-          </a:bodyPr>
-          <a:lstStyle/>
-          <a:p>
-            <a:pPr algn="ctr"/>
-            <a:r>
-              <a:rPr lang="zh-TW" altLang="en-US" sz="1600" dirty="0" smtClean="0">
-                <a:solidFill>
-                  <a:schemeClr val="bg1"/>
-                </a:solidFill>
-                <a:latin typeface="華康中圓體" panose="020F0509000000000000" pitchFamily="49" charset="-120"/>
-                <a:ea typeface="華康中圓體" panose="020F0509000000000000" pitchFamily="49" charset="-120"/>
-              </a:rPr>
-              <a:t>最新消息</a:t>
-            </a:r>
-            <a:endParaRPr lang="en-US" altLang="zh-TW" sz="1600" dirty="0" smtClean="0">
-              <a:solidFill>
-                <a:schemeClr val="bg1"/>
-              </a:solidFill>
-              <a:latin typeface="華康中圓體" panose="020F0509000000000000" pitchFamily="49" charset="-120"/>
-              <a:ea typeface="華康中圓體" panose="020F0509000000000000" pitchFamily="49" charset="-120"/>
-            </a:endParaRPr>
-          </a:p>
-        </p:txBody>
-      </p:sp>
-      <p:sp>
-        <p:nvSpPr>
-          <p:cNvPr id="50" name="文字方塊 49"/>
-          <p:cNvSpPr txBox="1"/>
-          <p:nvPr/>
-        </p:nvSpPr>
-        <p:spPr>
-          <a:xfrm>
-            <a:off x="892771" y="3775329"/>
-            <a:ext cx="1080000" cy="360000"/>
-          </a:xfrm>
-          <a:prstGeom prst="rect">
-            <a:avLst/>
-          </a:prstGeom>
-          <a:solidFill>
-            <a:schemeClr val="accent5">
-              <a:lumMod val="60000"/>
-              <a:lumOff val="40000"/>
-            </a:schemeClr>
-          </a:solidFill>
-          <a:ln>
-            <a:noFill/>
-          </a:ln>
-          <a:effectLst>
-            <a:outerShdw blurRad="57150" dist="19050" dir="5400000" algn="ctr" rotWithShape="0">
-              <a:srgbClr val="000000">
-                <a:alpha val="63000"/>
-              </a:srgbClr>
-            </a:outerShdw>
-            <a:softEdge rad="0"/>
-          </a:effectLst>
-        </p:spPr>
-        <p:style>
-          <a:lnRef idx="0">
-            <a:schemeClr val="accent5"/>
-          </a:lnRef>
-          <a:fillRef idx="3">
-            <a:schemeClr val="accent5"/>
-          </a:fillRef>
-          <a:effectRef idx="3">
-            <a:schemeClr val="accent5"/>
-          </a:effectRef>
-          <a:fontRef idx="minor">
-            <a:schemeClr val="lt1"/>
-          </a:fontRef>
-        </p:style>
-        <p:txBody>
-          <a:bodyPr wrap="none" rtlCol="0" anchor="ctr">
-            <a:spAutoFit/>
-          </a:bodyPr>
-          <a:lstStyle/>
-          <a:p>
-            <a:pPr algn="ctr"/>
-            <a:r>
-              <a:rPr lang="zh-TW" altLang="en-US" sz="1600" dirty="0" smtClean="0">
-                <a:solidFill>
-                  <a:schemeClr val="bg1"/>
-                </a:solidFill>
-                <a:latin typeface="華康中圓體" panose="020F0509000000000000" pitchFamily="49" charset="-120"/>
-                <a:ea typeface="華康中圓體" panose="020F0509000000000000" pitchFamily="49" charset="-120"/>
-              </a:rPr>
-              <a:t>活動消息</a:t>
-            </a:r>
-            <a:endParaRPr lang="en-US" altLang="zh-TW" sz="1600" dirty="0" smtClean="0">
-              <a:solidFill>
-                <a:schemeClr val="bg1"/>
-              </a:solidFill>
-              <a:latin typeface="華康中圓體" panose="020F0509000000000000" pitchFamily="49" charset="-120"/>
-              <a:ea typeface="華康中圓體" panose="020F0509000000000000" pitchFamily="49" charset="-120"/>
-            </a:endParaRPr>
-          </a:p>
-        </p:txBody>
-      </p:sp>
       <p:sp>
         <p:nvSpPr>
           <p:cNvPr id="60" name="文字方塊 59"/>
